--- a/Наработки/диздоки/Бельгия/Бельгия.pptx
+++ b/Наработки/диздоки/Бельгия/Бельгия.pptx
@@ -209,7 +209,7 @@
             <a:fld id="{33E3D7F9-E251-484C-A6FF-FA958879DF69}" type="datetimeFigureOut">
               <a:rPr lang="ru-RU" smtClean="0"/>
               <a:pPr/>
-              <a:t>19.05.2022</a:t>
+              <a:t>30.05.2022</a:t>
             </a:fld>
             <a:endParaRPr lang="ru-RU"/>
           </a:p>
@@ -699,7 +699,7 @@
             <a:fld id="{85A5DE44-605B-4D3B-B2B7-94543DF81A36}" type="datetimeFigureOut">
               <a:rPr lang="ru-RU" smtClean="0"/>
               <a:pPr/>
-              <a:t>19.05.2022</a:t>
+              <a:t>30.05.2022</a:t>
             </a:fld>
             <a:endParaRPr lang="ru-RU"/>
           </a:p>
@@ -871,7 +871,7 @@
             <a:fld id="{85A5DE44-605B-4D3B-B2B7-94543DF81A36}" type="datetimeFigureOut">
               <a:rPr lang="ru-RU" smtClean="0"/>
               <a:pPr/>
-              <a:t>19.05.2022</a:t>
+              <a:t>30.05.2022</a:t>
             </a:fld>
             <a:endParaRPr lang="ru-RU"/>
           </a:p>
@@ -1053,7 +1053,7 @@
             <a:fld id="{85A5DE44-605B-4D3B-B2B7-94543DF81A36}" type="datetimeFigureOut">
               <a:rPr lang="ru-RU" smtClean="0"/>
               <a:pPr/>
-              <a:t>19.05.2022</a:t>
+              <a:t>30.05.2022</a:t>
             </a:fld>
             <a:endParaRPr lang="ru-RU"/>
           </a:p>
@@ -1225,7 +1225,7 @@
             <a:fld id="{85A5DE44-605B-4D3B-B2B7-94543DF81A36}" type="datetimeFigureOut">
               <a:rPr lang="ru-RU" smtClean="0"/>
               <a:pPr/>
-              <a:t>19.05.2022</a:t>
+              <a:t>30.05.2022</a:t>
             </a:fld>
             <a:endParaRPr lang="ru-RU"/>
           </a:p>
@@ -1473,7 +1473,7 @@
             <a:fld id="{85A5DE44-605B-4D3B-B2B7-94543DF81A36}" type="datetimeFigureOut">
               <a:rPr lang="ru-RU" smtClean="0"/>
               <a:pPr/>
-              <a:t>19.05.2022</a:t>
+              <a:t>30.05.2022</a:t>
             </a:fld>
             <a:endParaRPr lang="ru-RU"/>
           </a:p>
@@ -1707,7 +1707,7 @@
             <a:fld id="{85A5DE44-605B-4D3B-B2B7-94543DF81A36}" type="datetimeFigureOut">
               <a:rPr lang="ru-RU" smtClean="0"/>
               <a:pPr/>
-              <a:t>19.05.2022</a:t>
+              <a:t>30.05.2022</a:t>
             </a:fld>
             <a:endParaRPr lang="ru-RU"/>
           </a:p>
@@ -2076,7 +2076,7 @@
             <a:fld id="{85A5DE44-605B-4D3B-B2B7-94543DF81A36}" type="datetimeFigureOut">
               <a:rPr lang="ru-RU" smtClean="0"/>
               <a:pPr/>
-              <a:t>19.05.2022</a:t>
+              <a:t>30.05.2022</a:t>
             </a:fld>
             <a:endParaRPr lang="ru-RU"/>
           </a:p>
@@ -2196,7 +2196,7 @@
             <a:fld id="{85A5DE44-605B-4D3B-B2B7-94543DF81A36}" type="datetimeFigureOut">
               <a:rPr lang="ru-RU" smtClean="0"/>
               <a:pPr/>
-              <a:t>19.05.2022</a:t>
+              <a:t>30.05.2022</a:t>
             </a:fld>
             <a:endParaRPr lang="ru-RU"/>
           </a:p>
@@ -2293,7 +2293,7 @@
             <a:fld id="{85A5DE44-605B-4D3B-B2B7-94543DF81A36}" type="datetimeFigureOut">
               <a:rPr lang="ru-RU" smtClean="0"/>
               <a:pPr/>
-              <a:t>19.05.2022</a:t>
+              <a:t>30.05.2022</a:t>
             </a:fld>
             <a:endParaRPr lang="ru-RU"/>
           </a:p>
@@ -2572,7 +2572,7 @@
             <a:fld id="{85A5DE44-605B-4D3B-B2B7-94543DF81A36}" type="datetimeFigureOut">
               <a:rPr lang="ru-RU" smtClean="0"/>
               <a:pPr/>
-              <a:t>19.05.2022</a:t>
+              <a:t>30.05.2022</a:t>
             </a:fld>
             <a:endParaRPr lang="ru-RU"/>
           </a:p>
@@ -2831,7 +2831,7 @@
             <a:fld id="{85A5DE44-605B-4D3B-B2B7-94543DF81A36}" type="datetimeFigureOut">
               <a:rPr lang="ru-RU" smtClean="0"/>
               <a:pPr/>
-              <a:t>19.05.2022</a:t>
+              <a:t>30.05.2022</a:t>
             </a:fld>
             <a:endParaRPr lang="ru-RU"/>
           </a:p>
@@ -3046,7 +3046,7 @@
             <a:fld id="{85A5DE44-605B-4D3B-B2B7-94543DF81A36}" type="datetimeFigureOut">
               <a:rPr lang="ru-RU" smtClean="0"/>
               <a:pPr/>
-              <a:t>19.05.2022</a:t>
+              <a:t>30.05.2022</a:t>
             </a:fld>
             <a:endParaRPr lang="ru-RU"/>
           </a:p>
@@ -5772,6 +5772,1570 @@
           </a:p>
         </p:txBody>
       </p:sp>
+      <p:sp>
+        <p:nvSpPr>
+          <p:cNvPr id="25" name="Прямоугольник 24">
+            <a:extLst>
+              <a:ext uri="{FF2B5EF4-FFF2-40B4-BE49-F238E27FC236}">
+                <a16:creationId xmlns:a16="http://schemas.microsoft.com/office/drawing/2014/main" id="{2A0E6E2C-7B78-48F8-8D54-530BEA3D0C1F}"/>
+              </a:ext>
+            </a:extLst>
+          </p:cNvPr>
+          <p:cNvSpPr/>
+          <p:nvPr/>
+        </p:nvSpPr>
+        <p:spPr>
+          <a:xfrm>
+            <a:off x="8232336" y="21720465"/>
+            <a:ext cx="2115918" cy="1080000"/>
+          </a:xfrm>
+          <a:prstGeom prst="rect">
+            <a:avLst/>
+          </a:prstGeom>
+          <a:ln w="28575"/>
+        </p:spPr>
+        <p:style>
+          <a:lnRef idx="2">
+            <a:schemeClr val="accent1"/>
+          </a:lnRef>
+          <a:fillRef idx="1">
+            <a:schemeClr val="lt1"/>
+          </a:fillRef>
+          <a:effectRef idx="0">
+            <a:schemeClr val="accent1"/>
+          </a:effectRef>
+          <a:fontRef idx="minor">
+            <a:schemeClr val="dk1"/>
+          </a:fontRef>
+        </p:style>
+        <p:txBody>
+          <a:bodyPr lIns="124733" tIns="62367" rIns="124733" bIns="62367" rtlCol="0" anchor="ctr"/>
+          <a:lstStyle/>
+          <a:p>
+            <a:pPr algn="ctr"/>
+            <a:r>
+              <a:rPr lang="ru-RU" sz="1400" dirty="0"/>
+              <a:t>Королевская военная академия (наше)</a:t>
+            </a:r>
+          </a:p>
+        </p:txBody>
+      </p:sp>
+      <p:sp>
+        <p:nvSpPr>
+          <p:cNvPr id="26" name="Прямоугольник 25">
+            <a:extLst>
+              <a:ext uri="{FF2B5EF4-FFF2-40B4-BE49-F238E27FC236}">
+                <a16:creationId xmlns:a16="http://schemas.microsoft.com/office/drawing/2014/main" id="{BA93E377-6A12-4528-9AFD-05DFCD4EE6EC}"/>
+              </a:ext>
+            </a:extLst>
+          </p:cNvPr>
+          <p:cNvSpPr/>
+          <p:nvPr/>
+        </p:nvSpPr>
+        <p:spPr>
+          <a:xfrm>
+            <a:off x="9414120" y="23131377"/>
+            <a:ext cx="2115918" cy="1080000"/>
+          </a:xfrm>
+          <a:prstGeom prst="rect">
+            <a:avLst/>
+          </a:prstGeom>
+          <a:ln w="28575"/>
+        </p:spPr>
+        <p:style>
+          <a:lnRef idx="2">
+            <a:schemeClr val="accent1"/>
+          </a:lnRef>
+          <a:fillRef idx="1">
+            <a:schemeClr val="lt1"/>
+          </a:fillRef>
+          <a:effectRef idx="0">
+            <a:schemeClr val="accent1"/>
+          </a:effectRef>
+          <a:fontRef idx="minor">
+            <a:schemeClr val="dk1"/>
+          </a:fontRef>
+        </p:style>
+        <p:txBody>
+          <a:bodyPr lIns="124733" tIns="62367" rIns="124733" bIns="62367" rtlCol="0" anchor="ctr"/>
+          <a:lstStyle/>
+          <a:p>
+            <a:pPr algn="ctr"/>
+            <a:r>
+              <a:rPr lang="ru-RU" sz="1400" dirty="0"/>
+              <a:t>Лаборатория баллистической метрологии (1946)</a:t>
+            </a:r>
+          </a:p>
+        </p:txBody>
+      </p:sp>
+      <p:sp>
+        <p:nvSpPr>
+          <p:cNvPr id="27" name="Прямоугольник 26">
+            <a:extLst>
+              <a:ext uri="{FF2B5EF4-FFF2-40B4-BE49-F238E27FC236}">
+                <a16:creationId xmlns:a16="http://schemas.microsoft.com/office/drawing/2014/main" id="{CEC72D80-A4AD-41E8-85D1-786A128A79B3}"/>
+              </a:ext>
+            </a:extLst>
+          </p:cNvPr>
+          <p:cNvSpPr/>
+          <p:nvPr/>
+        </p:nvSpPr>
+        <p:spPr>
+          <a:xfrm>
+            <a:off x="9414120" y="24536334"/>
+            <a:ext cx="2115918" cy="1080000"/>
+          </a:xfrm>
+          <a:prstGeom prst="rect">
+            <a:avLst/>
+          </a:prstGeom>
+          <a:ln w="28575"/>
+        </p:spPr>
+        <p:style>
+          <a:lnRef idx="2">
+            <a:schemeClr val="accent1"/>
+          </a:lnRef>
+          <a:fillRef idx="1">
+            <a:schemeClr val="lt1"/>
+          </a:fillRef>
+          <a:effectRef idx="0">
+            <a:schemeClr val="accent1"/>
+          </a:effectRef>
+          <a:fontRef idx="minor">
+            <a:schemeClr val="dk1"/>
+          </a:fontRef>
+        </p:style>
+        <p:txBody>
+          <a:bodyPr lIns="124733" tIns="62367" rIns="124733" bIns="62367" rtlCol="0" anchor="ctr"/>
+          <a:lstStyle/>
+          <a:p>
+            <a:pPr algn="ctr"/>
+            <a:r>
+              <a:rPr lang="ru-RU" sz="1400" dirty="0"/>
+              <a:t>Лаборатория ядерной физики (1947)</a:t>
+            </a:r>
+          </a:p>
+        </p:txBody>
+      </p:sp>
+      <p:sp>
+        <p:nvSpPr>
+          <p:cNvPr id="28" name="Прямоугольник 27">
+            <a:extLst>
+              <a:ext uri="{FF2B5EF4-FFF2-40B4-BE49-F238E27FC236}">
+                <a16:creationId xmlns:a16="http://schemas.microsoft.com/office/drawing/2014/main" id="{F08AAA0F-EF8D-4C3B-9D0F-BC29CCF04137}"/>
+              </a:ext>
+            </a:extLst>
+          </p:cNvPr>
+          <p:cNvSpPr/>
+          <p:nvPr/>
+        </p:nvSpPr>
+        <p:spPr>
+          <a:xfrm>
+            <a:off x="6940774" y="23131377"/>
+            <a:ext cx="2115918" cy="1080000"/>
+          </a:xfrm>
+          <a:prstGeom prst="rect">
+            <a:avLst/>
+          </a:prstGeom>
+          <a:ln w="28575"/>
+        </p:spPr>
+        <p:style>
+          <a:lnRef idx="2">
+            <a:schemeClr val="accent1"/>
+          </a:lnRef>
+          <a:fillRef idx="1">
+            <a:schemeClr val="lt1"/>
+          </a:fillRef>
+          <a:effectRef idx="0">
+            <a:schemeClr val="accent1"/>
+          </a:effectRef>
+          <a:fontRef idx="minor">
+            <a:schemeClr val="dk1"/>
+          </a:fontRef>
+        </p:style>
+        <p:txBody>
+          <a:bodyPr lIns="124733" tIns="62367" rIns="124733" bIns="62367" rtlCol="0" anchor="ctr"/>
+          <a:lstStyle/>
+          <a:p>
+            <a:pPr algn="ctr"/>
+            <a:r>
+              <a:rPr lang="ru-RU" sz="1400" dirty="0"/>
+              <a:t>Телекоммуникационная лаборатория (1947)</a:t>
+            </a:r>
+          </a:p>
+        </p:txBody>
+      </p:sp>
+      <p:sp>
+        <p:nvSpPr>
+          <p:cNvPr id="30" name="Прямоугольник 29">
+            <a:extLst>
+              <a:ext uri="{FF2B5EF4-FFF2-40B4-BE49-F238E27FC236}">
+                <a16:creationId xmlns:a16="http://schemas.microsoft.com/office/drawing/2014/main" id="{3B5FB243-8F52-48F2-8A87-65479D2CDCB6}"/>
+              </a:ext>
+            </a:extLst>
+          </p:cNvPr>
+          <p:cNvSpPr/>
+          <p:nvPr/>
+        </p:nvSpPr>
+        <p:spPr>
+          <a:xfrm>
+            <a:off x="6940774" y="24536334"/>
+            <a:ext cx="2115918" cy="1080000"/>
+          </a:xfrm>
+          <a:prstGeom prst="rect">
+            <a:avLst/>
+          </a:prstGeom>
+          <a:ln w="28575"/>
+        </p:spPr>
+        <p:style>
+          <a:lnRef idx="2">
+            <a:schemeClr val="accent1"/>
+          </a:lnRef>
+          <a:fillRef idx="1">
+            <a:schemeClr val="lt1"/>
+          </a:fillRef>
+          <a:effectRef idx="0">
+            <a:schemeClr val="accent1"/>
+          </a:effectRef>
+          <a:fontRef idx="minor">
+            <a:schemeClr val="dk1"/>
+          </a:fontRef>
+        </p:style>
+        <p:txBody>
+          <a:bodyPr lIns="124733" tIns="62367" rIns="124733" bIns="62367" rtlCol="0" anchor="ctr"/>
+          <a:lstStyle/>
+          <a:p>
+            <a:pPr algn="ctr"/>
+            <a:r>
+              <a:rPr lang="ru-RU" sz="1400" dirty="0"/>
+              <a:t>Лаборатория ядерной химии (1951)</a:t>
+            </a:r>
+          </a:p>
+        </p:txBody>
+      </p:sp>
+      <p:cxnSp>
+        <p:nvCxnSpPr>
+          <p:cNvPr id="31" name="Прямая соединительная линия 30">
+            <a:extLst>
+              <a:ext uri="{FF2B5EF4-FFF2-40B4-BE49-F238E27FC236}">
+                <a16:creationId xmlns:a16="http://schemas.microsoft.com/office/drawing/2014/main" id="{E29E2367-12B5-47E7-BE24-592F93239C5C}"/>
+              </a:ext>
+            </a:extLst>
+          </p:cNvPr>
+          <p:cNvCxnSpPr>
+            <a:cxnSpLocks/>
+            <a:stCxn id="30" idx="3"/>
+            <a:endCxn id="27" idx="1"/>
+          </p:cNvCxnSpPr>
+          <p:nvPr/>
+        </p:nvCxnSpPr>
+        <p:spPr>
+          <a:xfrm>
+            <a:off x="9056692" y="25076334"/>
+            <a:ext cx="357428" cy="0"/>
+          </a:xfrm>
+          <a:prstGeom prst="line">
+            <a:avLst/>
+          </a:prstGeom>
+          <a:ln w="28575">
+            <a:solidFill>
+              <a:srgbClr val="FF0000"/>
+            </a:solidFill>
+          </a:ln>
+        </p:spPr>
+        <p:style>
+          <a:lnRef idx="1">
+            <a:schemeClr val="accent1"/>
+          </a:lnRef>
+          <a:fillRef idx="0">
+            <a:schemeClr val="accent1"/>
+          </a:fillRef>
+          <a:effectRef idx="0">
+            <a:schemeClr val="accent1"/>
+          </a:effectRef>
+          <a:fontRef idx="minor">
+            <a:schemeClr val="tx1"/>
+          </a:fontRef>
+        </p:style>
+      </p:cxnSp>
+      <p:sp>
+        <p:nvSpPr>
+          <p:cNvPr id="43" name="Прямоугольник 42">
+            <a:extLst>
+              <a:ext uri="{FF2B5EF4-FFF2-40B4-BE49-F238E27FC236}">
+                <a16:creationId xmlns:a16="http://schemas.microsoft.com/office/drawing/2014/main" id="{0E4FDC92-0409-4738-B9A6-9F0E90156B62}"/>
+              </a:ext>
+            </a:extLst>
+          </p:cNvPr>
+          <p:cNvSpPr/>
+          <p:nvPr/>
+        </p:nvSpPr>
+        <p:spPr>
+          <a:xfrm>
+            <a:off x="10926543" y="21720465"/>
+            <a:ext cx="2115918" cy="1080000"/>
+          </a:xfrm>
+          <a:prstGeom prst="rect">
+            <a:avLst/>
+          </a:prstGeom>
+          <a:ln w="28575"/>
+        </p:spPr>
+        <p:style>
+          <a:lnRef idx="2">
+            <a:schemeClr val="accent1"/>
+          </a:lnRef>
+          <a:fillRef idx="1">
+            <a:schemeClr val="lt1"/>
+          </a:fillRef>
+          <a:effectRef idx="0">
+            <a:schemeClr val="accent1"/>
+          </a:effectRef>
+          <a:fontRef idx="minor">
+            <a:schemeClr val="dk1"/>
+          </a:fontRef>
+        </p:style>
+        <p:txBody>
+          <a:bodyPr lIns="124733" tIns="62367" rIns="124733" bIns="62367" rtlCol="0" anchor="ctr"/>
+          <a:lstStyle/>
+          <a:p>
+            <a:pPr algn="ctr"/>
+            <a:r>
+              <a:rPr lang="ru-RU" sz="1400" dirty="0"/>
+              <a:t>Объявить массовую мобилизацию </a:t>
+            </a:r>
+            <a:r>
+              <a:rPr lang="ru-RU" sz="1100" dirty="0"/>
+              <a:t>(</a:t>
+            </a:r>
+            <a:r>
+              <a:rPr lang="ru-RU" sz="800" b="0" i="0" dirty="0">
+                <a:solidFill>
+                  <a:srgbClr val="000000"/>
+                </a:solidFill>
+                <a:effectLst/>
+                <a:latin typeface="Verdana" panose="020B0604030504040204" pitchFamily="34" charset="0"/>
+              </a:rPr>
+              <a:t>Уже 3 сентября бельгийский король объявил мобилизацию, по которой вооруженные силы были увеличены на полтора миллиона человек.</a:t>
+            </a:r>
+            <a:r>
+              <a:rPr lang="ru-RU" sz="1100" dirty="0"/>
+              <a:t>)</a:t>
+            </a:r>
+            <a:endParaRPr lang="ru-RU" sz="1400" dirty="0"/>
+          </a:p>
+        </p:txBody>
+      </p:sp>
+      <p:sp>
+        <p:nvSpPr>
+          <p:cNvPr id="50" name="Прямоугольник 49">
+            <a:extLst>
+              <a:ext uri="{FF2B5EF4-FFF2-40B4-BE49-F238E27FC236}">
+                <a16:creationId xmlns:a16="http://schemas.microsoft.com/office/drawing/2014/main" id="{1D07C853-B2DD-4982-BF11-511B650715D7}"/>
+              </a:ext>
+            </a:extLst>
+          </p:cNvPr>
+          <p:cNvSpPr/>
+          <p:nvPr/>
+        </p:nvSpPr>
+        <p:spPr>
+          <a:xfrm>
+            <a:off x="14554884" y="25941291"/>
+            <a:ext cx="2115918" cy="1080000"/>
+          </a:xfrm>
+          <a:prstGeom prst="rect">
+            <a:avLst/>
+          </a:prstGeom>
+          <a:ln w="28575"/>
+        </p:spPr>
+        <p:style>
+          <a:lnRef idx="2">
+            <a:schemeClr val="accent1"/>
+          </a:lnRef>
+          <a:fillRef idx="1">
+            <a:schemeClr val="lt1"/>
+          </a:fillRef>
+          <a:effectRef idx="0">
+            <a:schemeClr val="accent1"/>
+          </a:effectRef>
+          <a:fontRef idx="minor">
+            <a:schemeClr val="dk1"/>
+          </a:fontRef>
+        </p:style>
+        <p:txBody>
+          <a:bodyPr lIns="124733" tIns="62367" rIns="124733" bIns="62367" rtlCol="0" anchor="ctr"/>
+          <a:lstStyle/>
+          <a:p>
+            <a:pPr algn="ctr"/>
+            <a:r>
+              <a:rPr lang="ru-RU" sz="1400" dirty="0"/>
+              <a:t>Авиастроительная компания «</a:t>
+            </a:r>
+            <a:r>
+              <a:rPr lang="en-US" sz="1400" dirty="0"/>
+              <a:t>Ateliers Renard»</a:t>
+            </a:r>
+            <a:r>
+              <a:rPr lang="ru-RU" sz="1400" dirty="0"/>
+              <a:t> (Разведчики довоенные </a:t>
+            </a:r>
+            <a:r>
+              <a:rPr lang="en-US" sz="1400" dirty="0"/>
+              <a:t>Renard R.31</a:t>
+            </a:r>
+            <a:r>
+              <a:rPr lang="ru-RU" sz="1400" dirty="0"/>
+              <a:t>)</a:t>
+            </a:r>
+          </a:p>
+        </p:txBody>
+      </p:sp>
+      <p:sp>
+        <p:nvSpPr>
+          <p:cNvPr id="51" name="Прямоугольник 50">
+            <a:extLst>
+              <a:ext uri="{FF2B5EF4-FFF2-40B4-BE49-F238E27FC236}">
+                <a16:creationId xmlns:a16="http://schemas.microsoft.com/office/drawing/2014/main" id="{D603320C-9192-4F3C-8114-F303A7CD6793}"/>
+              </a:ext>
+            </a:extLst>
+          </p:cNvPr>
+          <p:cNvSpPr/>
+          <p:nvPr/>
+        </p:nvSpPr>
+        <p:spPr>
+          <a:xfrm>
+            <a:off x="20944791" y="27346248"/>
+            <a:ext cx="2115918" cy="1080000"/>
+          </a:xfrm>
+          <a:prstGeom prst="rect">
+            <a:avLst/>
+          </a:prstGeom>
+          <a:ln w="28575"/>
+        </p:spPr>
+        <p:style>
+          <a:lnRef idx="2">
+            <a:schemeClr val="accent1"/>
+          </a:lnRef>
+          <a:fillRef idx="1">
+            <a:schemeClr val="lt1"/>
+          </a:fillRef>
+          <a:effectRef idx="0">
+            <a:schemeClr val="accent1"/>
+          </a:effectRef>
+          <a:fontRef idx="minor">
+            <a:schemeClr val="dk1"/>
+          </a:fontRef>
+        </p:style>
+        <p:txBody>
+          <a:bodyPr lIns="124733" tIns="62367" rIns="124733" bIns="62367" rtlCol="0" anchor="ctr"/>
+          <a:lstStyle/>
+          <a:p>
+            <a:pPr algn="ctr"/>
+            <a:r>
+              <a:rPr lang="ru-RU" sz="1400" dirty="0"/>
+              <a:t>Аэродром  «Ле-</a:t>
+            </a:r>
+            <a:r>
+              <a:rPr lang="ru-RU" sz="1400" dirty="0" err="1"/>
+              <a:t>Кюло</a:t>
+            </a:r>
+            <a:r>
+              <a:rPr lang="ru-RU" sz="1400" dirty="0"/>
+              <a:t>» </a:t>
+            </a:r>
+            <a:r>
+              <a:rPr lang="ru-RU" sz="400" dirty="0"/>
+              <a:t>(Авиабаза </a:t>
+            </a:r>
+            <a:r>
+              <a:rPr lang="ru-RU" sz="400" dirty="0" err="1"/>
+              <a:t>Бовшен</a:t>
+            </a:r>
+            <a:r>
+              <a:rPr lang="ru-RU" sz="400" dirty="0"/>
+              <a:t> была военным аэродромом бельгийских ВВС до Второй мировой войны , созданным в 1936 году как «Аэродром Ле-</a:t>
+            </a:r>
+            <a:r>
+              <a:rPr lang="ru-RU" sz="400" dirty="0" err="1"/>
+              <a:t>Кюло</a:t>
+            </a:r>
+            <a:r>
+              <a:rPr lang="ru-RU" sz="400" dirty="0"/>
+              <a:t>». Здесь находится 1- е крыло , эксплуатирующее вертолеты A109BA , и Школа базовой летной подготовки , в которой эксплуатируются учебно-тренировочные самолеты SIAI </a:t>
+            </a:r>
+            <a:r>
+              <a:rPr lang="ru-RU" sz="400" dirty="0" err="1"/>
+              <a:t>Marchetti</a:t>
+            </a:r>
+            <a:r>
+              <a:rPr lang="ru-RU" sz="400" dirty="0"/>
+              <a:t> SF.260 .Он используется как база для оперативных вертолетных эскадрилий и как учебный центр для пилотов. В </a:t>
+            </a:r>
+            <a:r>
+              <a:rPr lang="ru-RU" sz="400" dirty="0" err="1"/>
+              <a:t>Бовешене</a:t>
+            </a:r>
+            <a:r>
+              <a:rPr lang="ru-RU" sz="400" dirty="0"/>
+              <a:t> также находится </a:t>
+            </a:r>
+            <a:r>
+              <a:rPr lang="ru-RU" sz="400" dirty="0" err="1"/>
+              <a:t>Wing</a:t>
+            </a:r>
+            <a:r>
+              <a:rPr lang="ru-RU" sz="400" dirty="0"/>
+              <a:t> </a:t>
+            </a:r>
+            <a:r>
+              <a:rPr lang="ru-RU" sz="400" dirty="0" err="1"/>
+              <a:t>Meteo</a:t>
+            </a:r>
+            <a:r>
+              <a:rPr lang="ru-RU" sz="400" dirty="0"/>
+              <a:t> и оркестр ВВС. В нем работает 1100 человек, поэтому он является вторым работодателем Валлонского Брабанта.)</a:t>
+            </a:r>
+            <a:endParaRPr lang="ru-RU" sz="700" dirty="0"/>
+          </a:p>
+        </p:txBody>
+      </p:sp>
+      <p:sp>
+        <p:nvSpPr>
+          <p:cNvPr id="52" name="Прямоугольник 51">
+            <a:extLst>
+              <a:ext uri="{FF2B5EF4-FFF2-40B4-BE49-F238E27FC236}">
+                <a16:creationId xmlns:a16="http://schemas.microsoft.com/office/drawing/2014/main" id="{F50CFCD5-56FB-451D-9C26-A4B05088EFA7}"/>
+              </a:ext>
+            </a:extLst>
+          </p:cNvPr>
+          <p:cNvSpPr/>
+          <p:nvPr/>
+        </p:nvSpPr>
+        <p:spPr>
+          <a:xfrm>
+            <a:off x="8098902" y="27346248"/>
+            <a:ext cx="2115918" cy="1080000"/>
+          </a:xfrm>
+          <a:prstGeom prst="rect">
+            <a:avLst/>
+          </a:prstGeom>
+          <a:ln w="28575"/>
+        </p:spPr>
+        <p:style>
+          <a:lnRef idx="2">
+            <a:schemeClr val="accent1"/>
+          </a:lnRef>
+          <a:fillRef idx="1">
+            <a:schemeClr val="lt1"/>
+          </a:fillRef>
+          <a:effectRef idx="0">
+            <a:schemeClr val="accent1"/>
+          </a:effectRef>
+          <a:fontRef idx="minor">
+            <a:schemeClr val="dk1"/>
+          </a:fontRef>
+        </p:style>
+        <p:txBody>
+          <a:bodyPr lIns="124733" tIns="62367" rIns="124733" bIns="62367" rtlCol="0" anchor="ctr"/>
+          <a:lstStyle/>
+          <a:p>
+            <a:pPr algn="ctr"/>
+            <a:r>
+              <a:rPr lang="ru-RU" sz="1400" dirty="0"/>
+              <a:t>Авиабаза «</a:t>
+            </a:r>
+            <a:r>
+              <a:rPr lang="ru-RU" sz="1400" dirty="0" err="1"/>
+              <a:t>Флорен</a:t>
+            </a:r>
+            <a:r>
+              <a:rPr lang="ru-RU" sz="1400" dirty="0"/>
+              <a:t>»(1936) </a:t>
+            </a:r>
+            <a:r>
+              <a:rPr lang="ru-RU" sz="300" dirty="0"/>
+              <a:t>(Во время Второй мировой войны отсюда действовали истребительные части немецких люфтваффе , в том числе ночные истребители </a:t>
+            </a:r>
+            <a:r>
+              <a:rPr lang="ru-RU" sz="300" dirty="0" err="1"/>
+              <a:t>Ju</a:t>
+            </a:r>
+            <a:r>
+              <a:rPr lang="ru-RU" sz="300" dirty="0"/>
+              <a:t> 88 и </a:t>
+            </a:r>
+            <a:r>
+              <a:rPr lang="ru-RU" sz="300" dirty="0" err="1"/>
+              <a:t>Bf</a:t>
+            </a:r>
+            <a:r>
+              <a:rPr lang="ru-RU" sz="300" dirty="0"/>
+              <a:t> 110 и дневные истребители </a:t>
+            </a:r>
+            <a:r>
+              <a:rPr lang="ru-RU" sz="300" dirty="0" err="1"/>
+              <a:t>Focke-Wulf</a:t>
+            </a:r>
+            <a:r>
+              <a:rPr lang="ru-RU" sz="300" dirty="0"/>
+              <a:t> </a:t>
+            </a:r>
+            <a:r>
+              <a:rPr lang="ru-RU" sz="300" dirty="0" err="1"/>
+              <a:t>Fw</a:t>
+            </a:r>
+            <a:r>
+              <a:rPr lang="ru-RU" sz="300" dirty="0"/>
+              <a:t> 190 . Он был захвачен в сентябре 1944 года, после чего действовавшие отсюда подразделения союзников включали 430-ю истребительную эскадрилью ВВС США, летавшую на Lockheed </a:t>
+            </a:r>
+            <a:r>
+              <a:rPr lang="ru-RU" sz="300" dirty="0" err="1"/>
+              <a:t>Lockheed</a:t>
+            </a:r>
+            <a:r>
+              <a:rPr lang="ru-RU" sz="300" dirty="0"/>
+              <a:t> P-38 </a:t>
+            </a:r>
+            <a:r>
+              <a:rPr lang="ru-RU" sz="300" dirty="0" err="1"/>
+              <a:t>Lightning</a:t>
+            </a:r>
+            <a:r>
+              <a:rPr lang="ru-RU" sz="300" dirty="0"/>
+              <a:t> в роли штурмовика, и 422-ю эскадрилью ночных истребителей, летающих на Northrop P-61 Black </a:t>
+            </a:r>
+            <a:r>
+              <a:rPr lang="ru-RU" sz="300" dirty="0" err="1"/>
+              <a:t>Widows</a:t>
+            </a:r>
+            <a:r>
+              <a:rPr lang="ru-RU" sz="300" dirty="0"/>
+              <a:t>. . [2] С 1984 по 1990 год 485-е тактическое ракетное крыло ВВС США дислоцировалось во </a:t>
+            </a:r>
+            <a:r>
+              <a:rPr lang="ru-RU" sz="300" dirty="0" err="1"/>
+              <a:t>Флоренне</a:t>
+            </a:r>
+            <a:r>
+              <a:rPr lang="ru-RU" sz="300" dirty="0"/>
+              <a:t>, развернув крылатую ракету наземного базирования BGM-109G .системы, которые были сняты в 1989 году в рамках Договора о ракетах средней и меньшей дальности .В настоящее время на авиабазе </a:t>
+            </a:r>
+            <a:r>
+              <a:rPr lang="ru-RU" sz="300" dirty="0" err="1"/>
+              <a:t>Флоренн</a:t>
+            </a:r>
+            <a:r>
+              <a:rPr lang="ru-RU" sz="300" dirty="0"/>
+              <a:t> действуют две истребительные эскадрильи. 1-я эскадрилья , начатая в 1917 году, и 350-я эскадрилья , созданная в Великобритании в 1942 году во время Второй мировой войны . Оба подразделения летают на F-16 </a:t>
+            </a:r>
+            <a:r>
+              <a:rPr lang="ru-RU" sz="300" dirty="0" err="1"/>
+              <a:t>Fighting</a:t>
+            </a:r>
+            <a:r>
+              <a:rPr lang="ru-RU" sz="300" dirty="0"/>
+              <a:t> Falcon .)</a:t>
+            </a:r>
+            <a:endParaRPr lang="ru-RU" sz="1400" dirty="0"/>
+          </a:p>
+        </p:txBody>
+      </p:sp>
+      <p:sp>
+        <p:nvSpPr>
+          <p:cNvPr id="53" name="Прямоугольник 52">
+            <a:extLst>
+              <a:ext uri="{FF2B5EF4-FFF2-40B4-BE49-F238E27FC236}">
+                <a16:creationId xmlns:a16="http://schemas.microsoft.com/office/drawing/2014/main" id="{9B2453BF-815C-4325-B8B8-E6656C3248AB}"/>
+              </a:ext>
+            </a:extLst>
+          </p:cNvPr>
+          <p:cNvSpPr/>
+          <p:nvPr/>
+        </p:nvSpPr>
+        <p:spPr>
+          <a:xfrm>
+            <a:off x="14554884" y="30148935"/>
+            <a:ext cx="2115918" cy="1080000"/>
+          </a:xfrm>
+          <a:prstGeom prst="rect">
+            <a:avLst/>
+          </a:prstGeom>
+          <a:ln w="28575"/>
+        </p:spPr>
+        <p:style>
+          <a:lnRef idx="2">
+            <a:schemeClr val="accent1"/>
+          </a:lnRef>
+          <a:fillRef idx="1">
+            <a:schemeClr val="lt1"/>
+          </a:fillRef>
+          <a:effectRef idx="0">
+            <a:schemeClr val="accent1"/>
+          </a:effectRef>
+          <a:fontRef idx="minor">
+            <a:schemeClr val="dk1"/>
+          </a:fontRef>
+        </p:style>
+        <p:txBody>
+          <a:bodyPr lIns="124733" tIns="62367" rIns="124733" bIns="62367" rtlCol="0" anchor="ctr"/>
+          <a:lstStyle/>
+          <a:p>
+            <a:pPr algn="ctr"/>
+            <a:r>
+              <a:rPr lang="ru-RU" sz="1400" dirty="0"/>
+              <a:t>Разработка тяжёлых истребителей (1936) </a:t>
+            </a:r>
+            <a:r>
+              <a:rPr lang="ru-RU" sz="600" dirty="0"/>
+              <a:t>(LACAB GR.8 </a:t>
+            </a:r>
+            <a:r>
+              <a:rPr lang="ru-RU" sz="600" dirty="0" err="1"/>
+              <a:t>Doryphore</a:t>
+            </a:r>
+            <a:r>
+              <a:rPr lang="ru-RU" sz="600" dirty="0"/>
+              <a:t> был прототипом бельгийского многоцелевого боевого самолета 1930-х годов. Двухмоторный биплан предназначался для выполнения бомбардировочных и разведывательных задач, а также в качестве истребителя сопровождения. Когда он был завершен, он уже устарел, и больше его не строили.)</a:t>
+            </a:r>
+            <a:endParaRPr lang="ru-RU" sz="1400" dirty="0"/>
+          </a:p>
+        </p:txBody>
+      </p:sp>
+      <p:sp>
+        <p:nvSpPr>
+          <p:cNvPr id="54" name="Прямоугольник 53">
+            <a:extLst>
+              <a:ext uri="{FF2B5EF4-FFF2-40B4-BE49-F238E27FC236}">
+                <a16:creationId xmlns:a16="http://schemas.microsoft.com/office/drawing/2014/main" id="{7DF6CD79-8349-4E75-89EF-5208B3487C7C}"/>
+              </a:ext>
+            </a:extLst>
+          </p:cNvPr>
+          <p:cNvSpPr/>
+          <p:nvPr/>
+        </p:nvSpPr>
+        <p:spPr>
+          <a:xfrm>
+            <a:off x="18402300" y="27346248"/>
+            <a:ext cx="2115918" cy="1080000"/>
+          </a:xfrm>
+          <a:prstGeom prst="rect">
+            <a:avLst/>
+          </a:prstGeom>
+          <a:ln w="28575"/>
+        </p:spPr>
+        <p:style>
+          <a:lnRef idx="2">
+            <a:schemeClr val="accent1"/>
+          </a:lnRef>
+          <a:fillRef idx="1">
+            <a:schemeClr val="lt1"/>
+          </a:fillRef>
+          <a:effectRef idx="0">
+            <a:schemeClr val="accent1"/>
+          </a:effectRef>
+          <a:fontRef idx="minor">
+            <a:schemeClr val="dk1"/>
+          </a:fontRef>
+        </p:style>
+        <p:txBody>
+          <a:bodyPr lIns="124733" tIns="62367" rIns="124733" bIns="62367" rtlCol="0" anchor="ctr"/>
+          <a:lstStyle/>
+          <a:p>
+            <a:pPr algn="ctr"/>
+            <a:r>
+              <a:rPr lang="ru-RU" sz="1400" dirty="0"/>
+              <a:t>Разработка </a:t>
+            </a:r>
+            <a:r>
+              <a:rPr lang="en-US" sz="1400" dirty="0"/>
+              <a:t>Renard R.36 </a:t>
+            </a:r>
+            <a:r>
+              <a:rPr lang="ru-RU" sz="300" dirty="0"/>
+              <a:t>(</a:t>
+            </a:r>
+            <a:r>
+              <a:rPr lang="ru-RU" sz="300" dirty="0" err="1"/>
+              <a:t>Renard</a:t>
+            </a:r>
+            <a:r>
+              <a:rPr lang="ru-RU" sz="300" dirty="0"/>
+              <a:t> R.36 был бельгийским цельнометаллическим истребителем, разработанным Альфредом Ренаром для замены </a:t>
+            </a:r>
+            <a:r>
+              <a:rPr lang="ru-RU" sz="300" dirty="0" err="1"/>
+              <a:t>Fairey</a:t>
+            </a:r>
+            <a:r>
+              <a:rPr lang="ru-RU" sz="300" dirty="0"/>
+              <a:t> </a:t>
+            </a:r>
+            <a:r>
+              <a:rPr lang="ru-RU" sz="300" dirty="0" err="1"/>
+              <a:t>Firefly</a:t>
+            </a:r>
+            <a:r>
+              <a:rPr lang="ru-RU" sz="300" dirty="0"/>
+              <a:t> IIM в бельгийских ВВС . Разработанный для усовершенствования </a:t>
+            </a:r>
+            <a:r>
+              <a:rPr lang="ru-RU" sz="300" dirty="0" err="1"/>
+              <a:t>Renard</a:t>
+            </a:r>
+            <a:r>
+              <a:rPr lang="ru-RU" sz="300" dirty="0"/>
+              <a:t> </a:t>
+            </a:r>
+            <a:r>
+              <a:rPr lang="ru-RU" sz="300" dirty="0" err="1"/>
+              <a:t>Epervier</a:t>
+            </a:r>
+            <a:r>
+              <a:rPr lang="ru-RU" sz="300" dirty="0"/>
+              <a:t> , который так и не был принят на вооружение бельгийским правительством, прототип R.36 впервые поднялся в воздух 5 ноября 1937 г. [1] После испытаний R.36 был выбран бельгийскими ВВС в конце 1938 г. Предварительно заказано 40 самолетов, которые должны быть доставлены через два года.)</a:t>
+            </a:r>
+            <a:endParaRPr lang="ru-RU" sz="1400" dirty="0"/>
+          </a:p>
+        </p:txBody>
+      </p:sp>
+      <p:sp>
+        <p:nvSpPr>
+          <p:cNvPr id="56" name="Прямоугольник 55">
+            <a:extLst>
+              <a:ext uri="{FF2B5EF4-FFF2-40B4-BE49-F238E27FC236}">
+                <a16:creationId xmlns:a16="http://schemas.microsoft.com/office/drawing/2014/main" id="{5ECB5972-DF2F-44B1-9C1F-35B746F0DE1F}"/>
+              </a:ext>
+            </a:extLst>
+          </p:cNvPr>
+          <p:cNvSpPr/>
+          <p:nvPr/>
+        </p:nvSpPr>
+        <p:spPr>
+          <a:xfrm>
+            <a:off x="15828840" y="28749933"/>
+            <a:ext cx="2115918" cy="1080000"/>
+          </a:xfrm>
+          <a:prstGeom prst="rect">
+            <a:avLst/>
+          </a:prstGeom>
+          <a:ln w="28575"/>
+        </p:spPr>
+        <p:style>
+          <a:lnRef idx="2">
+            <a:schemeClr val="accent1"/>
+          </a:lnRef>
+          <a:fillRef idx="1">
+            <a:schemeClr val="lt1"/>
+          </a:fillRef>
+          <a:effectRef idx="0">
+            <a:schemeClr val="accent1"/>
+          </a:effectRef>
+          <a:fontRef idx="minor">
+            <a:schemeClr val="dk1"/>
+          </a:fontRef>
+        </p:style>
+        <p:txBody>
+          <a:bodyPr lIns="124733" tIns="62367" rIns="124733" bIns="62367" rtlCol="0" anchor="ctr"/>
+          <a:lstStyle/>
+          <a:p>
+            <a:pPr algn="ctr"/>
+            <a:r>
+              <a:rPr lang="ru-RU" sz="1400" dirty="0"/>
+              <a:t>Разработка </a:t>
+            </a:r>
+            <a:r>
+              <a:rPr lang="en-US" sz="1400" dirty="0"/>
+              <a:t>R37 </a:t>
+            </a:r>
+            <a:r>
+              <a:rPr lang="ru-RU" sz="1400" dirty="0"/>
+              <a:t>при поддержке Франции </a:t>
+            </a:r>
+            <a:r>
+              <a:rPr lang="ru-RU" sz="500" dirty="0"/>
+              <a:t>(Версия R.36 с радиальным двигателем </a:t>
+            </a:r>
+            <a:r>
+              <a:rPr lang="ru-RU" sz="500" dirty="0" err="1"/>
+              <a:t>Gnome-Rhône</a:t>
+            </a:r>
+            <a:r>
+              <a:rPr lang="ru-RU" sz="500" dirty="0"/>
+              <a:t> 14N-21 мощностью 820 кВт (1100 </a:t>
+            </a:r>
+            <a:r>
+              <a:rPr lang="ru-RU" sz="500" dirty="0" err="1"/>
+              <a:t>л.с</a:t>
+            </a:r>
+            <a:r>
+              <a:rPr lang="ru-RU" sz="500" dirty="0"/>
+              <a:t>.) , один самолет захвачен немецкими войсками в мае 1940 г. [6] Планируемое вооружение: 4 × 7,7-мм пулемета FN </a:t>
+            </a:r>
+            <a:r>
+              <a:rPr lang="ru-RU" sz="500" dirty="0" err="1"/>
+              <a:t>Browning</a:t>
+            </a:r>
+            <a:r>
+              <a:rPr lang="ru-RU" sz="500" dirty="0"/>
+              <a:t> и 2 × 13,2-мм снарядные пушки FN </a:t>
+            </a:r>
+            <a:r>
+              <a:rPr lang="ru-RU" sz="500" dirty="0" err="1"/>
+              <a:t>Browning</a:t>
+            </a:r>
+            <a:r>
+              <a:rPr lang="ru-RU" sz="500" dirty="0"/>
+              <a:t> . [7])</a:t>
+            </a:r>
+            <a:endParaRPr lang="ru-RU" sz="1400" dirty="0"/>
+          </a:p>
+        </p:txBody>
+      </p:sp>
+      <p:sp>
+        <p:nvSpPr>
+          <p:cNvPr id="57" name="Прямоугольник 56">
+            <a:extLst>
+              <a:ext uri="{FF2B5EF4-FFF2-40B4-BE49-F238E27FC236}">
+                <a16:creationId xmlns:a16="http://schemas.microsoft.com/office/drawing/2014/main" id="{1FB752A9-4E9A-49DC-BBFD-B10E15AF187E}"/>
+              </a:ext>
+            </a:extLst>
+          </p:cNvPr>
+          <p:cNvSpPr/>
+          <p:nvPr/>
+        </p:nvSpPr>
+        <p:spPr>
+          <a:xfrm>
+            <a:off x="18402300" y="28749933"/>
+            <a:ext cx="2115918" cy="1080000"/>
+          </a:xfrm>
+          <a:prstGeom prst="rect">
+            <a:avLst/>
+          </a:prstGeom>
+          <a:ln w="28575"/>
+        </p:spPr>
+        <p:style>
+          <a:lnRef idx="2">
+            <a:schemeClr val="accent1"/>
+          </a:lnRef>
+          <a:fillRef idx="1">
+            <a:schemeClr val="lt1"/>
+          </a:fillRef>
+          <a:effectRef idx="0">
+            <a:schemeClr val="accent1"/>
+          </a:effectRef>
+          <a:fontRef idx="minor">
+            <a:schemeClr val="dk1"/>
+          </a:fontRef>
+        </p:style>
+        <p:txBody>
+          <a:bodyPr lIns="124733" tIns="62367" rIns="124733" bIns="62367" rtlCol="0" anchor="ctr"/>
+          <a:lstStyle/>
+          <a:p>
+            <a:pPr algn="ctr"/>
+            <a:r>
+              <a:rPr lang="ru-RU" sz="1400" dirty="0"/>
+              <a:t>Разработка </a:t>
+            </a:r>
+            <a:r>
+              <a:rPr lang="en-US" sz="1400" dirty="0"/>
+              <a:t>R3</a:t>
+            </a:r>
+            <a:r>
+              <a:rPr lang="ru-RU" sz="1400" dirty="0"/>
+              <a:t>8</a:t>
+            </a:r>
+            <a:r>
+              <a:rPr lang="en-US" sz="1400" dirty="0"/>
+              <a:t> </a:t>
+            </a:r>
+            <a:r>
+              <a:rPr lang="ru-RU" sz="1400" dirty="0"/>
+              <a:t>при поддержке Великобритании </a:t>
+            </a:r>
+            <a:r>
+              <a:rPr lang="ru-RU" sz="400" dirty="0"/>
+              <a:t>(Производная от самолета R.36 с двигателем Rolls-Royce Merlin II мощностью 770 кВт (1030 </a:t>
+            </a:r>
+            <a:r>
+              <a:rPr lang="ru-RU" sz="400" dirty="0" err="1"/>
+              <a:t>л.с</a:t>
+            </a:r>
+            <a:r>
+              <a:rPr lang="ru-RU" sz="400" dirty="0"/>
+              <a:t>.). Один построен, который впервые поднялся в воздух 4 августа 1939 года, разогнавшись во время испытаний до скорости 326 миль в час (525 км / ч). Прототип эвакуирован во Францию, но захвачен немецкими войсками и сдан на слом. [6] Планируемое вооружение: 4 пулемета FN </a:t>
+            </a:r>
+            <a:r>
+              <a:rPr lang="ru-RU" sz="400" dirty="0" err="1"/>
+              <a:t>Browning</a:t>
+            </a:r>
+            <a:r>
+              <a:rPr lang="ru-RU" sz="400" dirty="0"/>
+              <a:t> калибра 7,7 мм и 2 пулемета FN </a:t>
+            </a:r>
+            <a:r>
+              <a:rPr lang="ru-RU" sz="400" dirty="0" err="1"/>
+              <a:t>Browning</a:t>
+            </a:r>
+            <a:r>
+              <a:rPr lang="ru-RU" sz="400" dirty="0"/>
+              <a:t> калибра 13,2 мм . [8])</a:t>
+            </a:r>
+            <a:endParaRPr lang="ru-RU" sz="1400" dirty="0"/>
+          </a:p>
+        </p:txBody>
+      </p:sp>
+      <p:sp>
+        <p:nvSpPr>
+          <p:cNvPr id="58" name="Прямоугольник 57">
+            <a:extLst>
+              <a:ext uri="{FF2B5EF4-FFF2-40B4-BE49-F238E27FC236}">
+                <a16:creationId xmlns:a16="http://schemas.microsoft.com/office/drawing/2014/main" id="{ABCFBB8E-0600-4889-AF1E-93958E5ECF80}"/>
+              </a:ext>
+            </a:extLst>
+          </p:cNvPr>
+          <p:cNvSpPr/>
+          <p:nvPr/>
+        </p:nvSpPr>
+        <p:spPr>
+          <a:xfrm>
+            <a:off x="20944791" y="28749933"/>
+            <a:ext cx="2115918" cy="1080000"/>
+          </a:xfrm>
+          <a:prstGeom prst="rect">
+            <a:avLst/>
+          </a:prstGeom>
+          <a:ln w="28575"/>
+        </p:spPr>
+        <p:style>
+          <a:lnRef idx="2">
+            <a:schemeClr val="accent1"/>
+          </a:lnRef>
+          <a:fillRef idx="1">
+            <a:schemeClr val="lt1"/>
+          </a:fillRef>
+          <a:effectRef idx="0">
+            <a:schemeClr val="accent1"/>
+          </a:effectRef>
+          <a:fontRef idx="minor">
+            <a:schemeClr val="dk1"/>
+          </a:fontRef>
+        </p:style>
+        <p:txBody>
+          <a:bodyPr lIns="124733" tIns="62367" rIns="124733" bIns="62367" rtlCol="0" anchor="ctr"/>
+          <a:lstStyle/>
+          <a:p>
+            <a:pPr algn="ctr"/>
+            <a:r>
+              <a:rPr lang="ru-RU" sz="1400" dirty="0"/>
+              <a:t>Разработка </a:t>
+            </a:r>
+            <a:r>
+              <a:rPr lang="en-US" sz="1400" dirty="0"/>
+              <a:t>R</a:t>
+            </a:r>
+            <a:r>
+              <a:rPr lang="ru-RU" sz="1400" dirty="0"/>
+              <a:t>40</a:t>
+            </a:r>
+            <a:r>
+              <a:rPr lang="en-US" sz="1400" dirty="0"/>
+              <a:t> </a:t>
+            </a:r>
+            <a:r>
+              <a:rPr lang="ru-RU" sz="1400" dirty="0"/>
+              <a:t>при поддержке США </a:t>
+            </a:r>
+            <a:r>
+              <a:rPr lang="ru-RU" sz="500" dirty="0"/>
+              <a:t>(Вариант R.38 со сдвоенным фюзеляжем, аналогичный F-82 Twin Mustang . Предлагаемое вооружение состояло из четырех 13,2- мм артиллерийских орудий FN </a:t>
+            </a:r>
+            <a:r>
+              <a:rPr lang="ru-RU" sz="500" dirty="0" err="1"/>
+              <a:t>Browning</a:t>
+            </a:r>
+            <a:r>
+              <a:rPr lang="ru-RU" sz="500" dirty="0"/>
+              <a:t> или четырех 20-мм </a:t>
+            </a:r>
+            <a:r>
+              <a:rPr lang="ru-RU" sz="500" dirty="0" err="1"/>
+              <a:t>автопушек</a:t>
+            </a:r>
+            <a:r>
+              <a:rPr lang="ru-RU" sz="500" dirty="0"/>
+              <a:t> . Существовал только на бумаге. [9])</a:t>
+            </a:r>
+            <a:endParaRPr lang="ru-RU" sz="1400" dirty="0"/>
+          </a:p>
+        </p:txBody>
+      </p:sp>
+      <p:cxnSp>
+        <p:nvCxnSpPr>
+          <p:cNvPr id="59" name="Прямая соединительная линия 58">
+            <a:extLst>
+              <a:ext uri="{FF2B5EF4-FFF2-40B4-BE49-F238E27FC236}">
+                <a16:creationId xmlns:a16="http://schemas.microsoft.com/office/drawing/2014/main" id="{60EBFE69-647A-429E-AC54-DA932720C39C}"/>
+              </a:ext>
+            </a:extLst>
+          </p:cNvPr>
+          <p:cNvCxnSpPr>
+            <a:cxnSpLocks/>
+            <a:stCxn id="56" idx="3"/>
+            <a:endCxn id="57" idx="1"/>
+          </p:cNvCxnSpPr>
+          <p:nvPr/>
+        </p:nvCxnSpPr>
+        <p:spPr>
+          <a:xfrm>
+            <a:off x="17944758" y="29289933"/>
+            <a:ext cx="457542" cy="0"/>
+          </a:xfrm>
+          <a:prstGeom prst="line">
+            <a:avLst/>
+          </a:prstGeom>
+          <a:ln w="28575">
+            <a:solidFill>
+              <a:srgbClr val="FF0000"/>
+            </a:solidFill>
+          </a:ln>
+        </p:spPr>
+        <p:style>
+          <a:lnRef idx="1">
+            <a:schemeClr val="accent1"/>
+          </a:lnRef>
+          <a:fillRef idx="0">
+            <a:schemeClr val="accent1"/>
+          </a:fillRef>
+          <a:effectRef idx="0">
+            <a:schemeClr val="accent1"/>
+          </a:effectRef>
+          <a:fontRef idx="minor">
+            <a:schemeClr val="tx1"/>
+          </a:fontRef>
+        </p:style>
+      </p:cxnSp>
+      <p:cxnSp>
+        <p:nvCxnSpPr>
+          <p:cNvPr id="60" name="Прямая соединительная линия 59">
+            <a:extLst>
+              <a:ext uri="{FF2B5EF4-FFF2-40B4-BE49-F238E27FC236}">
+                <a16:creationId xmlns:a16="http://schemas.microsoft.com/office/drawing/2014/main" id="{BC399F68-80AE-433B-AD6B-370A5EE7AE92}"/>
+              </a:ext>
+            </a:extLst>
+          </p:cNvPr>
+          <p:cNvCxnSpPr>
+            <a:cxnSpLocks/>
+            <a:stCxn id="57" idx="3"/>
+            <a:endCxn id="58" idx="1"/>
+          </p:cNvCxnSpPr>
+          <p:nvPr/>
+        </p:nvCxnSpPr>
+        <p:spPr>
+          <a:xfrm>
+            <a:off x="20518218" y="29289933"/>
+            <a:ext cx="426573" cy="0"/>
+          </a:xfrm>
+          <a:prstGeom prst="line">
+            <a:avLst/>
+          </a:prstGeom>
+          <a:ln w="28575">
+            <a:solidFill>
+              <a:srgbClr val="FF0000"/>
+            </a:solidFill>
+          </a:ln>
+        </p:spPr>
+        <p:style>
+          <a:lnRef idx="1">
+            <a:schemeClr val="accent1"/>
+          </a:lnRef>
+          <a:fillRef idx="0">
+            <a:schemeClr val="accent1"/>
+          </a:fillRef>
+          <a:effectRef idx="0">
+            <a:schemeClr val="accent1"/>
+          </a:effectRef>
+          <a:fontRef idx="minor">
+            <a:schemeClr val="tx1"/>
+          </a:fontRef>
+        </p:style>
+      </p:cxnSp>
+      <p:sp>
+        <p:nvSpPr>
+          <p:cNvPr id="61" name="Прямоугольник 60">
+            <a:extLst>
+              <a:ext uri="{FF2B5EF4-FFF2-40B4-BE49-F238E27FC236}">
+                <a16:creationId xmlns:a16="http://schemas.microsoft.com/office/drawing/2014/main" id="{BC23B88D-BA3D-4683-96F7-82A71C5C9056}"/>
+              </a:ext>
+            </a:extLst>
+          </p:cNvPr>
+          <p:cNvSpPr/>
+          <p:nvPr/>
+        </p:nvSpPr>
+        <p:spPr>
+          <a:xfrm>
+            <a:off x="10675548" y="27339021"/>
+            <a:ext cx="2115918" cy="1080000"/>
+          </a:xfrm>
+          <a:prstGeom prst="rect">
+            <a:avLst/>
+          </a:prstGeom>
+          <a:ln w="28575"/>
+        </p:spPr>
+        <p:style>
+          <a:lnRef idx="2">
+            <a:schemeClr val="accent1"/>
+          </a:lnRef>
+          <a:fillRef idx="1">
+            <a:schemeClr val="lt1"/>
+          </a:fillRef>
+          <a:effectRef idx="0">
+            <a:schemeClr val="accent1"/>
+          </a:effectRef>
+          <a:fontRef idx="minor">
+            <a:schemeClr val="dk1"/>
+          </a:fontRef>
+        </p:style>
+        <p:txBody>
+          <a:bodyPr lIns="124733" tIns="62367" rIns="124733" bIns="62367" rtlCol="0" anchor="ctr"/>
+          <a:lstStyle/>
+          <a:p>
+            <a:pPr algn="ctr"/>
+            <a:r>
+              <a:rPr lang="ru-RU" sz="1400" dirty="0"/>
+              <a:t>Конкурс на современный истребитель </a:t>
+            </a:r>
+            <a:r>
+              <a:rPr lang="ru-RU" sz="300" dirty="0"/>
+              <a:t>(</a:t>
+            </a:r>
+            <a:r>
+              <a:rPr lang="ru-RU" sz="500" dirty="0">
+                <a:effectLst/>
+                <a:latin typeface="Calibri" panose="020F0502020204030204" pitchFamily="34" charset="0"/>
+                <a:ea typeface="Calibri" panose="020F0502020204030204" pitchFamily="34" charset="0"/>
+                <a:cs typeface="Times New Roman" panose="02020603050405020304" pitchFamily="18" charset="0"/>
+              </a:rPr>
+              <a:t>В 1937 году последние было решено заменить на более современные машины. В результате конкурса были выбраны английские же "гладиаторы" и итальянские "</a:t>
+            </a:r>
+            <a:r>
+              <a:rPr lang="ru-RU" sz="500" dirty="0" err="1">
+                <a:effectLst/>
+                <a:latin typeface="Calibri" panose="020F0502020204030204" pitchFamily="34" charset="0"/>
+                <a:ea typeface="Calibri" panose="020F0502020204030204" pitchFamily="34" charset="0"/>
+                <a:cs typeface="Times New Roman" panose="02020603050405020304" pitchFamily="18" charset="0"/>
+              </a:rPr>
+              <a:t>фиат</a:t>
+            </a:r>
+            <a:r>
+              <a:rPr lang="ru-RU" sz="500" dirty="0">
+                <a:effectLst/>
+                <a:latin typeface="Calibri" panose="020F0502020204030204" pitchFamily="34" charset="0"/>
+                <a:ea typeface="Calibri" panose="020F0502020204030204" pitchFamily="34" charset="0"/>
+                <a:cs typeface="Times New Roman" panose="02020603050405020304" pitchFamily="18" charset="0"/>
+              </a:rPr>
+              <a:t>" CR.42. "Гладиаторы" планировали производить по лицензии, но ограничились покупкой 22 машин.</a:t>
+            </a:r>
+            <a:r>
+              <a:rPr lang="ru-RU" sz="300" dirty="0"/>
+              <a:t>)</a:t>
+            </a:r>
+            <a:endParaRPr lang="ru-RU" sz="1400" dirty="0"/>
+          </a:p>
+        </p:txBody>
+      </p:sp>
+      <p:cxnSp>
+        <p:nvCxnSpPr>
+          <p:cNvPr id="62" name="Прямая соединительная линия 61">
+            <a:extLst>
+              <a:ext uri="{FF2B5EF4-FFF2-40B4-BE49-F238E27FC236}">
+                <a16:creationId xmlns:a16="http://schemas.microsoft.com/office/drawing/2014/main" id="{A57BCE41-DB05-40E8-A017-58EEF93FBE78}"/>
+              </a:ext>
+            </a:extLst>
+          </p:cNvPr>
+          <p:cNvCxnSpPr>
+            <a:cxnSpLocks/>
+            <a:stCxn id="61" idx="3"/>
+            <a:endCxn id="54" idx="1"/>
+          </p:cNvCxnSpPr>
+          <p:nvPr/>
+        </p:nvCxnSpPr>
+        <p:spPr>
+          <a:xfrm>
+            <a:off x="12791466" y="27879021"/>
+            <a:ext cx="5610834" cy="7227"/>
+          </a:xfrm>
+          <a:prstGeom prst="line">
+            <a:avLst/>
+          </a:prstGeom>
+          <a:ln w="28575">
+            <a:solidFill>
+              <a:srgbClr val="FF0000"/>
+            </a:solidFill>
+          </a:ln>
+        </p:spPr>
+        <p:style>
+          <a:lnRef idx="1">
+            <a:schemeClr val="accent1"/>
+          </a:lnRef>
+          <a:fillRef idx="0">
+            <a:schemeClr val="accent1"/>
+          </a:fillRef>
+          <a:effectRef idx="0">
+            <a:schemeClr val="accent1"/>
+          </a:effectRef>
+          <a:fontRef idx="minor">
+            <a:schemeClr val="tx1"/>
+          </a:fontRef>
+        </p:style>
+      </p:cxnSp>
+      <p:sp>
+        <p:nvSpPr>
+          <p:cNvPr id="63" name="Прямоугольник 62">
+            <a:extLst>
+              <a:ext uri="{FF2B5EF4-FFF2-40B4-BE49-F238E27FC236}">
+                <a16:creationId xmlns:a16="http://schemas.microsoft.com/office/drawing/2014/main" id="{616C7DF2-824D-4388-BAF2-9351B348DB26}"/>
+              </a:ext>
+            </a:extLst>
+          </p:cNvPr>
+          <p:cNvSpPr/>
+          <p:nvPr/>
+        </p:nvSpPr>
+        <p:spPr>
+          <a:xfrm>
+            <a:off x="13252194" y="28749933"/>
+            <a:ext cx="2115918" cy="1080000"/>
+          </a:xfrm>
+          <a:prstGeom prst="rect">
+            <a:avLst/>
+          </a:prstGeom>
+          <a:ln w="28575"/>
+        </p:spPr>
+        <p:style>
+          <a:lnRef idx="2">
+            <a:schemeClr val="accent1"/>
+          </a:lnRef>
+          <a:fillRef idx="1">
+            <a:schemeClr val="lt1"/>
+          </a:fillRef>
+          <a:effectRef idx="0">
+            <a:schemeClr val="accent1"/>
+          </a:effectRef>
+          <a:fontRef idx="minor">
+            <a:schemeClr val="dk1"/>
+          </a:fontRef>
+        </p:style>
+        <p:txBody>
+          <a:bodyPr lIns="124733" tIns="62367" rIns="124733" bIns="62367" rtlCol="0" anchor="ctr"/>
+          <a:lstStyle/>
+          <a:p>
+            <a:pPr algn="ctr"/>
+            <a:r>
+              <a:rPr lang="ru-RU" sz="1400" dirty="0"/>
+              <a:t>Пойти на соглашение с Германией</a:t>
+            </a:r>
+          </a:p>
+        </p:txBody>
+      </p:sp>
+      <p:sp>
+        <p:nvSpPr>
+          <p:cNvPr id="64" name="Прямоугольник 63">
+            <a:extLst>
+              <a:ext uri="{FF2B5EF4-FFF2-40B4-BE49-F238E27FC236}">
+                <a16:creationId xmlns:a16="http://schemas.microsoft.com/office/drawing/2014/main" id="{CA9664A1-8081-4A0B-847E-404600F6E371}"/>
+              </a:ext>
+            </a:extLst>
+          </p:cNvPr>
+          <p:cNvSpPr/>
+          <p:nvPr/>
+        </p:nvSpPr>
+        <p:spPr>
+          <a:xfrm>
+            <a:off x="10675548" y="28749933"/>
+            <a:ext cx="2115918" cy="1080000"/>
+          </a:xfrm>
+          <a:prstGeom prst="rect">
+            <a:avLst/>
+          </a:prstGeom>
+          <a:ln w="28575"/>
+        </p:spPr>
+        <p:style>
+          <a:lnRef idx="2">
+            <a:schemeClr val="accent1"/>
+          </a:lnRef>
+          <a:fillRef idx="1">
+            <a:schemeClr val="lt1"/>
+          </a:fillRef>
+          <a:effectRef idx="0">
+            <a:schemeClr val="accent1"/>
+          </a:effectRef>
+          <a:fontRef idx="minor">
+            <a:schemeClr val="dk1"/>
+          </a:fontRef>
+        </p:style>
+        <p:txBody>
+          <a:bodyPr lIns="124733" tIns="62367" rIns="124733" bIns="62367" rtlCol="0" anchor="ctr"/>
+          <a:lstStyle/>
+          <a:p>
+            <a:pPr algn="ctr"/>
+            <a:r>
+              <a:rPr lang="ru-RU" sz="1400" dirty="0"/>
+              <a:t>Заказать в США </a:t>
+            </a:r>
+            <a:r>
+              <a:rPr lang="ru-RU" sz="1400" dirty="0" err="1"/>
+              <a:t>Брюстер</a:t>
+            </a:r>
+            <a:r>
+              <a:rPr lang="ru-RU" sz="1400" dirty="0"/>
+              <a:t> F2A-2</a:t>
+            </a:r>
+          </a:p>
+        </p:txBody>
+      </p:sp>
+      <p:sp>
+        <p:nvSpPr>
+          <p:cNvPr id="65" name="Прямоугольник 64">
+            <a:extLst>
+              <a:ext uri="{FF2B5EF4-FFF2-40B4-BE49-F238E27FC236}">
+                <a16:creationId xmlns:a16="http://schemas.microsoft.com/office/drawing/2014/main" id="{76A83F02-0AC8-4720-BA0D-43C55873A1F9}"/>
+              </a:ext>
+            </a:extLst>
+          </p:cNvPr>
+          <p:cNvSpPr/>
+          <p:nvPr/>
+        </p:nvSpPr>
+        <p:spPr>
+          <a:xfrm>
+            <a:off x="8098902" y="28749933"/>
+            <a:ext cx="2115918" cy="1080000"/>
+          </a:xfrm>
+          <a:prstGeom prst="rect">
+            <a:avLst/>
+          </a:prstGeom>
+          <a:ln w="28575"/>
+        </p:spPr>
+        <p:style>
+          <a:lnRef idx="2">
+            <a:schemeClr val="accent1"/>
+          </a:lnRef>
+          <a:fillRef idx="1">
+            <a:schemeClr val="lt1"/>
+          </a:fillRef>
+          <a:effectRef idx="0">
+            <a:schemeClr val="accent1"/>
+          </a:effectRef>
+          <a:fontRef idx="minor">
+            <a:schemeClr val="dk1"/>
+          </a:fontRef>
+        </p:style>
+        <p:txBody>
+          <a:bodyPr lIns="124733" tIns="62367" rIns="124733" bIns="62367" rtlCol="0" anchor="ctr"/>
+          <a:lstStyle/>
+          <a:p>
+            <a:pPr algn="ctr"/>
+            <a:r>
+              <a:rPr lang="ru-RU" sz="1400" dirty="0"/>
+              <a:t>Заказать </a:t>
+            </a:r>
+            <a:r>
+              <a:rPr lang="ru-RU" sz="1400" dirty="0" err="1"/>
+              <a:t>Харрикейны</a:t>
+            </a:r>
+            <a:r>
+              <a:rPr lang="ru-RU" sz="1400" dirty="0"/>
+              <a:t> Великобритании</a:t>
+            </a:r>
+          </a:p>
+        </p:txBody>
+      </p:sp>
+      <p:cxnSp>
+        <p:nvCxnSpPr>
+          <p:cNvPr id="66" name="Прямая соединительная линия 65">
+            <a:extLst>
+              <a:ext uri="{FF2B5EF4-FFF2-40B4-BE49-F238E27FC236}">
+                <a16:creationId xmlns:a16="http://schemas.microsoft.com/office/drawing/2014/main" id="{0A35F6D0-13A2-4541-BAFB-3E0D21244ECA}"/>
+              </a:ext>
+            </a:extLst>
+          </p:cNvPr>
+          <p:cNvCxnSpPr>
+            <a:cxnSpLocks/>
+            <a:stCxn id="65" idx="3"/>
+            <a:endCxn id="64" idx="1"/>
+          </p:cNvCxnSpPr>
+          <p:nvPr/>
+        </p:nvCxnSpPr>
+        <p:spPr>
+          <a:xfrm>
+            <a:off x="10214820" y="29289933"/>
+            <a:ext cx="460728" cy="0"/>
+          </a:xfrm>
+          <a:prstGeom prst="line">
+            <a:avLst/>
+          </a:prstGeom>
+          <a:ln w="28575">
+            <a:solidFill>
+              <a:srgbClr val="FF0000"/>
+            </a:solidFill>
+          </a:ln>
+        </p:spPr>
+        <p:style>
+          <a:lnRef idx="1">
+            <a:schemeClr val="accent1"/>
+          </a:lnRef>
+          <a:fillRef idx="0">
+            <a:schemeClr val="accent1"/>
+          </a:fillRef>
+          <a:effectRef idx="0">
+            <a:schemeClr val="accent1"/>
+          </a:effectRef>
+          <a:fontRef idx="minor">
+            <a:schemeClr val="tx1"/>
+          </a:fontRef>
+        </p:style>
+      </p:cxnSp>
+      <p:cxnSp>
+        <p:nvCxnSpPr>
+          <p:cNvPr id="67" name="Прямая соединительная линия 66">
+            <a:extLst>
+              <a:ext uri="{FF2B5EF4-FFF2-40B4-BE49-F238E27FC236}">
+                <a16:creationId xmlns:a16="http://schemas.microsoft.com/office/drawing/2014/main" id="{878D9B60-E30F-48F7-AF3A-F9D13F7EB637}"/>
+              </a:ext>
+            </a:extLst>
+          </p:cNvPr>
+          <p:cNvCxnSpPr>
+            <a:cxnSpLocks/>
+            <a:stCxn id="64" idx="3"/>
+            <a:endCxn id="63" idx="1"/>
+          </p:cNvCxnSpPr>
+          <p:nvPr/>
+        </p:nvCxnSpPr>
+        <p:spPr>
+          <a:xfrm>
+            <a:off x="12791466" y="29289933"/>
+            <a:ext cx="460728" cy="0"/>
+          </a:xfrm>
+          <a:prstGeom prst="line">
+            <a:avLst/>
+          </a:prstGeom>
+          <a:ln w="28575">
+            <a:solidFill>
+              <a:srgbClr val="FF0000"/>
+            </a:solidFill>
+          </a:ln>
+        </p:spPr>
+        <p:style>
+          <a:lnRef idx="1">
+            <a:schemeClr val="accent1"/>
+          </a:lnRef>
+          <a:fillRef idx="0">
+            <a:schemeClr val="accent1"/>
+          </a:fillRef>
+          <a:effectRef idx="0">
+            <a:schemeClr val="accent1"/>
+          </a:effectRef>
+          <a:fontRef idx="minor">
+            <a:schemeClr val="tx1"/>
+          </a:fontRef>
+        </p:style>
+      </p:cxnSp>
     </p:spTree>
     <p:extLst>
       <p:ext uri="{BB962C8B-B14F-4D97-AF65-F5344CB8AC3E}">

--- a/Наработки/диздоки/Бельгия/Бельгия.pptx
+++ b/Наработки/диздоки/Бельгия/Бельгия.pptx
@@ -209,7 +209,7 @@
             <a:fld id="{33E3D7F9-E251-484C-A6FF-FA958879DF69}" type="datetimeFigureOut">
               <a:rPr lang="ru-RU" smtClean="0"/>
               <a:pPr/>
-              <a:t>30.05.2022</a:t>
+              <a:t>31.05.2022</a:t>
             </a:fld>
             <a:endParaRPr lang="ru-RU"/>
           </a:p>
@@ -699,7 +699,7 @@
             <a:fld id="{85A5DE44-605B-4D3B-B2B7-94543DF81A36}" type="datetimeFigureOut">
               <a:rPr lang="ru-RU" smtClean="0"/>
               <a:pPr/>
-              <a:t>30.05.2022</a:t>
+              <a:t>31.05.2022</a:t>
             </a:fld>
             <a:endParaRPr lang="ru-RU"/>
           </a:p>
@@ -871,7 +871,7 @@
             <a:fld id="{85A5DE44-605B-4D3B-B2B7-94543DF81A36}" type="datetimeFigureOut">
               <a:rPr lang="ru-RU" smtClean="0"/>
               <a:pPr/>
-              <a:t>30.05.2022</a:t>
+              <a:t>31.05.2022</a:t>
             </a:fld>
             <a:endParaRPr lang="ru-RU"/>
           </a:p>
@@ -1053,7 +1053,7 @@
             <a:fld id="{85A5DE44-605B-4D3B-B2B7-94543DF81A36}" type="datetimeFigureOut">
               <a:rPr lang="ru-RU" smtClean="0"/>
               <a:pPr/>
-              <a:t>30.05.2022</a:t>
+              <a:t>31.05.2022</a:t>
             </a:fld>
             <a:endParaRPr lang="ru-RU"/>
           </a:p>
@@ -1225,7 +1225,7 @@
             <a:fld id="{85A5DE44-605B-4D3B-B2B7-94543DF81A36}" type="datetimeFigureOut">
               <a:rPr lang="ru-RU" smtClean="0"/>
               <a:pPr/>
-              <a:t>30.05.2022</a:t>
+              <a:t>31.05.2022</a:t>
             </a:fld>
             <a:endParaRPr lang="ru-RU"/>
           </a:p>
@@ -1473,7 +1473,7 @@
             <a:fld id="{85A5DE44-605B-4D3B-B2B7-94543DF81A36}" type="datetimeFigureOut">
               <a:rPr lang="ru-RU" smtClean="0"/>
               <a:pPr/>
-              <a:t>30.05.2022</a:t>
+              <a:t>31.05.2022</a:t>
             </a:fld>
             <a:endParaRPr lang="ru-RU"/>
           </a:p>
@@ -1707,7 +1707,7 @@
             <a:fld id="{85A5DE44-605B-4D3B-B2B7-94543DF81A36}" type="datetimeFigureOut">
               <a:rPr lang="ru-RU" smtClean="0"/>
               <a:pPr/>
-              <a:t>30.05.2022</a:t>
+              <a:t>31.05.2022</a:t>
             </a:fld>
             <a:endParaRPr lang="ru-RU"/>
           </a:p>
@@ -2076,7 +2076,7 @@
             <a:fld id="{85A5DE44-605B-4D3B-B2B7-94543DF81A36}" type="datetimeFigureOut">
               <a:rPr lang="ru-RU" smtClean="0"/>
               <a:pPr/>
-              <a:t>30.05.2022</a:t>
+              <a:t>31.05.2022</a:t>
             </a:fld>
             <a:endParaRPr lang="ru-RU"/>
           </a:p>
@@ -2196,7 +2196,7 @@
             <a:fld id="{85A5DE44-605B-4D3B-B2B7-94543DF81A36}" type="datetimeFigureOut">
               <a:rPr lang="ru-RU" smtClean="0"/>
               <a:pPr/>
-              <a:t>30.05.2022</a:t>
+              <a:t>31.05.2022</a:t>
             </a:fld>
             <a:endParaRPr lang="ru-RU"/>
           </a:p>
@@ -2293,7 +2293,7 @@
             <a:fld id="{85A5DE44-605B-4D3B-B2B7-94543DF81A36}" type="datetimeFigureOut">
               <a:rPr lang="ru-RU" smtClean="0"/>
               <a:pPr/>
-              <a:t>30.05.2022</a:t>
+              <a:t>31.05.2022</a:t>
             </a:fld>
             <a:endParaRPr lang="ru-RU"/>
           </a:p>
@@ -2572,7 +2572,7 @@
             <a:fld id="{85A5DE44-605B-4D3B-B2B7-94543DF81A36}" type="datetimeFigureOut">
               <a:rPr lang="ru-RU" smtClean="0"/>
               <a:pPr/>
-              <a:t>30.05.2022</a:t>
+              <a:t>31.05.2022</a:t>
             </a:fld>
             <a:endParaRPr lang="ru-RU"/>
           </a:p>
@@ -2831,7 +2831,7 @@
             <a:fld id="{85A5DE44-605B-4D3B-B2B7-94543DF81A36}" type="datetimeFigureOut">
               <a:rPr lang="ru-RU" smtClean="0"/>
               <a:pPr/>
-              <a:t>30.05.2022</a:t>
+              <a:t>31.05.2022</a:t>
             </a:fld>
             <a:endParaRPr lang="ru-RU"/>
           </a:p>
@@ -3046,7 +3046,7 @@
             <a:fld id="{85A5DE44-605B-4D3B-B2B7-94543DF81A36}" type="datetimeFigureOut">
               <a:rPr lang="ru-RU" smtClean="0"/>
               <a:pPr/>
-              <a:t>30.05.2022</a:t>
+              <a:t>31.05.2022</a:t>
             </a:fld>
             <a:endParaRPr lang="ru-RU"/>
           </a:p>
@@ -3454,14 +3454,14 @@
       </p:grpSpPr>
       <p:sp>
         <p:nvSpPr>
-          <p:cNvPr id="310" name="Прямоугольник 309"/>
+          <p:cNvPr id="478" name="Прямоугольник 477"/>
           <p:cNvSpPr/>
           <p:nvPr/>
         </p:nvSpPr>
         <p:spPr>
           <a:xfrm>
-            <a:off x="13380107" y="4354774"/>
-            <a:ext cx="1465401" cy="838948"/>
+            <a:off x="13255380" y="11756021"/>
+            <a:ext cx="2115918" cy="1080000"/>
           </a:xfrm>
           <a:prstGeom prst="rect">
             <a:avLst/>
@@ -3488,49 +3488,6 @@
           <a:p>
             <a:pPr algn="ctr"/>
             <a:r>
-              <a:rPr lang="ru-RU" sz="2400" b="1" dirty="0"/>
-              <a:t>68 фокусов</a:t>
-            </a:r>
-            <a:endParaRPr lang="en-US" sz="2400" b="1" dirty="0"/>
-          </a:p>
-        </p:txBody>
-      </p:sp>
-      <p:sp>
-        <p:nvSpPr>
-          <p:cNvPr id="478" name="Прямоугольник 477"/>
-          <p:cNvSpPr/>
-          <p:nvPr/>
-        </p:nvSpPr>
-        <p:spPr>
-          <a:xfrm>
-            <a:off x="24836412" y="21726420"/>
-            <a:ext cx="2115918" cy="1080000"/>
-          </a:xfrm>
-          <a:prstGeom prst="rect">
-            <a:avLst/>
-          </a:prstGeom>
-          <a:ln w="28575"/>
-        </p:spPr>
-        <p:style>
-          <a:lnRef idx="2">
-            <a:schemeClr val="accent1"/>
-          </a:lnRef>
-          <a:fillRef idx="1">
-            <a:schemeClr val="lt1"/>
-          </a:fillRef>
-          <a:effectRef idx="0">
-            <a:schemeClr val="accent1"/>
-          </a:effectRef>
-          <a:fontRef idx="minor">
-            <a:schemeClr val="dk1"/>
-          </a:fontRef>
-        </p:style>
-        <p:txBody>
-          <a:bodyPr lIns="124733" tIns="62367" rIns="124733" bIns="62367" rtlCol="0" anchor="ctr"/>
-          <a:lstStyle/>
-          <a:p>
-            <a:pPr algn="ctr"/>
-            <a:r>
               <a:rPr lang="ru-RU" sz="1400" dirty="0"/>
               <a:t>Производство полуавтоматически пистолетов (1936) </a:t>
             </a:r>
@@ -3758,55 +3715,20 @@
           </a:p>
         </p:txBody>
       </p:sp>
-      <p:cxnSp>
-        <p:nvCxnSpPr>
-          <p:cNvPr id="499" name="Соединительная линия уступом 498"/>
-          <p:cNvCxnSpPr>
-            <a:cxnSpLocks/>
-          </p:cNvCxnSpPr>
-          <p:nvPr/>
-        </p:nvCxnSpPr>
-        <p:spPr>
-          <a:xfrm rot="16200000" flipH="1">
-            <a:off x="24137854" y="17442015"/>
-            <a:ext cx="612166" cy="2445343"/>
-          </a:xfrm>
-          <a:prstGeom prst="bentConnector3">
-            <a:avLst>
-              <a:gd name="adj1" fmla="val 50000"/>
-            </a:avLst>
-          </a:prstGeom>
-          <a:ln w="28575">
-            <a:tailEnd type="arrow"/>
-          </a:ln>
-        </p:spPr>
-        <p:style>
-          <a:lnRef idx="1">
-            <a:schemeClr val="accent1"/>
-          </a:lnRef>
-          <a:fillRef idx="0">
-            <a:schemeClr val="accent1"/>
-          </a:fillRef>
-          <a:effectRef idx="0">
-            <a:schemeClr val="accent1"/>
-          </a:effectRef>
-          <a:fontRef idx="minor">
-            <a:schemeClr val="tx1"/>
-          </a:fontRef>
-        </p:style>
-      </p:cxnSp>
       <p:cxnSp>
         <p:nvCxnSpPr>
           <p:cNvPr id="505" name="Прямая со стрелкой 504"/>
           <p:cNvCxnSpPr>
             <a:cxnSpLocks/>
+            <a:stCxn id="50" idx="2"/>
+            <a:endCxn id="53" idx="0"/>
           </p:cNvCxnSpPr>
           <p:nvPr/>
         </p:nvCxnSpPr>
         <p:spPr>
           <a:xfrm>
-            <a:off x="23221266" y="18358604"/>
-            <a:ext cx="0" cy="609601"/>
+            <a:off x="7923432" y="1448490"/>
+            <a:ext cx="0" cy="3127644"/>
           </a:xfrm>
           <a:prstGeom prst="straightConnector1">
             <a:avLst/>
@@ -3835,18 +3757,19 @@
           <p:cNvPr id="524" name="Соединительная линия уступом 523"/>
           <p:cNvCxnSpPr>
             <a:cxnSpLocks/>
+            <a:stCxn id="50" idx="2"/>
+            <a:endCxn id="54" idx="0"/>
           </p:cNvCxnSpPr>
           <p:nvPr/>
         </p:nvCxnSpPr>
         <p:spPr>
-          <a:xfrm rot="5400000" flipH="1" flipV="1">
-            <a:off x="24623707" y="16257743"/>
-            <a:ext cx="698420" cy="3503302"/>
-          </a:xfrm>
-          <a:prstGeom prst="bentConnector4">
+          <a:xfrm rot="16200000" flipH="1">
+            <a:off x="9684662" y="-312740"/>
+            <a:ext cx="324957" cy="3847416"/>
+          </a:xfrm>
+          <a:prstGeom prst="bentConnector3">
             <a:avLst>
-              <a:gd name="adj1" fmla="val -32731"/>
-              <a:gd name="adj2" fmla="val 65099"/>
+              <a:gd name="adj1" fmla="val 50000"/>
             </a:avLst>
           </a:prstGeom>
           <a:ln w="28575">
@@ -3868,240 +3791,6 @@
           </a:fontRef>
         </p:style>
       </p:cxnSp>
-      <p:cxnSp>
-        <p:nvCxnSpPr>
-          <p:cNvPr id="46" name="Прямая соединительная линия 45"/>
-          <p:cNvCxnSpPr>
-            <a:cxnSpLocks/>
-          </p:cNvCxnSpPr>
-          <p:nvPr/>
-        </p:nvCxnSpPr>
-        <p:spPr>
-          <a:xfrm>
-            <a:off x="5947500" y="2649207"/>
-            <a:ext cx="3214495" cy="1"/>
-          </a:xfrm>
-          <a:prstGeom prst="line">
-            <a:avLst/>
-          </a:prstGeom>
-          <a:ln w="28575">
-            <a:solidFill>
-              <a:srgbClr val="FF0000"/>
-            </a:solidFill>
-          </a:ln>
-        </p:spPr>
-        <p:style>
-          <a:lnRef idx="1">
-            <a:schemeClr val="accent1"/>
-          </a:lnRef>
-          <a:fillRef idx="0">
-            <a:schemeClr val="accent1"/>
-          </a:fillRef>
-          <a:effectRef idx="0">
-            <a:schemeClr val="accent1"/>
-          </a:effectRef>
-          <a:fontRef idx="minor">
-            <a:schemeClr val="tx1"/>
-          </a:fontRef>
-        </p:style>
-      </p:cxnSp>
-      <p:sp>
-        <p:nvSpPr>
-          <p:cNvPr id="8" name="Прямоугольник 7">
-            <a:extLst>
-              <a:ext uri="{FF2B5EF4-FFF2-40B4-BE49-F238E27FC236}">
-                <a16:creationId xmlns:a16="http://schemas.microsoft.com/office/drawing/2014/main" id="{5F025900-01F9-49FD-85E6-2DA4DB39C28B}"/>
-              </a:ext>
-            </a:extLst>
-          </p:cNvPr>
-          <p:cNvSpPr/>
-          <p:nvPr/>
-        </p:nvSpPr>
-        <p:spPr>
-          <a:xfrm>
-            <a:off x="5401407" y="293415"/>
-            <a:ext cx="2115918" cy="1080000"/>
-          </a:xfrm>
-          <a:prstGeom prst="rect">
-            <a:avLst/>
-          </a:prstGeom>
-          <a:ln w="28575"/>
-        </p:spPr>
-        <p:style>
-          <a:lnRef idx="2">
-            <a:schemeClr val="accent1"/>
-          </a:lnRef>
-          <a:fillRef idx="1">
-            <a:schemeClr val="lt1"/>
-          </a:fillRef>
-          <a:effectRef idx="0">
-            <a:schemeClr val="accent1"/>
-          </a:effectRef>
-          <a:fontRef idx="minor">
-            <a:schemeClr val="dk1"/>
-          </a:fontRef>
-        </p:style>
-        <p:txBody>
-          <a:bodyPr lIns="124733" tIns="62367" rIns="124733" bIns="62367" rtlCol="0" anchor="ctr"/>
-          <a:lstStyle/>
-          <a:p>
-            <a:pPr algn="ctr"/>
-            <a:r>
-              <a:rPr lang="ru-RU" sz="1400" dirty="0"/>
-              <a:t>В 1938 году вице-премьер Питер Фрейзер сказал парламенту: «Эта страна должна сама решать международные проблемы как суверенная страна, потому что согласно Вестминстерскому статуту наша страна является суверенной».</a:t>
-            </a:r>
-          </a:p>
-        </p:txBody>
-      </p:sp>
-      <p:sp>
-        <p:nvSpPr>
-          <p:cNvPr id="29" name="Прямоугольник 28">
-            <a:extLst>
-              <a:ext uri="{FF2B5EF4-FFF2-40B4-BE49-F238E27FC236}">
-                <a16:creationId xmlns:a16="http://schemas.microsoft.com/office/drawing/2014/main" id="{17160C31-0EE8-4FD1-8F5C-E3BEC2B3EA4B}"/>
-              </a:ext>
-            </a:extLst>
-          </p:cNvPr>
-          <p:cNvSpPr/>
-          <p:nvPr/>
-        </p:nvSpPr>
-        <p:spPr>
-          <a:xfrm>
-            <a:off x="7998733" y="509982"/>
-            <a:ext cx="2115918" cy="1080000"/>
-          </a:xfrm>
-          <a:prstGeom prst="rect">
-            <a:avLst/>
-          </a:prstGeom>
-          <a:ln w="28575"/>
-        </p:spPr>
-        <p:style>
-          <a:lnRef idx="2">
-            <a:schemeClr val="accent1"/>
-          </a:lnRef>
-          <a:fillRef idx="1">
-            <a:schemeClr val="lt1"/>
-          </a:fillRef>
-          <a:effectRef idx="0">
-            <a:schemeClr val="accent1"/>
-          </a:effectRef>
-          <a:fontRef idx="minor">
-            <a:schemeClr val="dk1"/>
-          </a:fontRef>
-        </p:style>
-        <p:txBody>
-          <a:bodyPr lIns="124733" tIns="62367" rIns="124733" bIns="62367" rtlCol="0" anchor="ctr"/>
-          <a:lstStyle/>
-          <a:p>
-            <a:pPr algn="ctr"/>
-            <a:r>
-              <a:rPr lang="ru-RU" sz="1400" dirty="0"/>
-              <a:t>Механика Маори </a:t>
-            </a:r>
-            <a:r>
-              <a:rPr lang="ru-RU" sz="100" dirty="0"/>
-              <a:t>(Термин «коренной» был заменен на «маори» в официальном употреблении, в том числе министром по делам маори , во всех официальных документах с 1946 года. [5]Маори было обеспечено равенство финансового режима в стандартных ставках оплаты общественных работ, пособий по безработице и выплат на содержание. [3]Уровень жизни маори значительно улучшился. Для граждан маори было введено тайное голосование, были уравнены пособия по безработице и возможности финансирования жилья, увеличены расходы на образование и здравоохранение маори, улучшено социальное обеспечение и предоставлены первые работники социального обеспечения маори, а также спорные земельные претензии на Южном острове. и </a:t>
-            </a:r>
-            <a:r>
-              <a:rPr lang="ru-RU" sz="100" dirty="0" err="1"/>
-              <a:t>Вайкато</a:t>
-            </a:r>
-            <a:r>
-              <a:rPr lang="ru-RU" sz="100" dirty="0"/>
-              <a:t> были заселены. [4]Благосостояние маори улучшилось в результате расширения медицинских услуг Министерством здравоохранения, улучшения стандартов общественного здравоохранения и расширения схем освоения </a:t>
-            </a:r>
-            <a:r>
-              <a:rPr lang="ru-RU" sz="100" dirty="0" err="1"/>
-              <a:t>земель.Жилищные</a:t>
-            </a:r>
-            <a:r>
-              <a:rPr lang="ru-RU" sz="100" dirty="0"/>
-              <a:t> стандарты маори были значительно улучшены. Правительство профинансировало Закон о жилище для коренных жителей (принятый коалиционным правительством в 1935 г.) в 1937 г. К 1940 г. в рамках этой меры, а также в соответствии со схемами освоения земель было построено 1592 новых дома. К 1951 году был построен 3051 дом (16% домов маори). Количество занятых хижин и башен упало с 4676 в 1936 г. до 2275 в 1951 г., количество лагерей и палаток - с 1528 до 568, а переполненных домов и лачуг - с 71% до 32% всех домов маори. [4]Произошло впечатляющее улучшение здоровья маори. [4]Дети маори выиграли от общей модернизации системы образования. [4]Закон о социальном и экономическом развитии маори (1945 г.) учредил племенные комитеты и исполнительные органы от </a:t>
-            </a:r>
-            <a:r>
-              <a:rPr lang="ru-RU" sz="100" dirty="0" err="1"/>
-              <a:t>мараэ</a:t>
-            </a:r>
-            <a:r>
-              <a:rPr lang="ru-RU" sz="100" dirty="0"/>
-              <a:t> до регионального уровня, занимающиеся, в частности, вопросами социального обеспечения и управления </a:t>
-            </a:r>
-            <a:r>
-              <a:rPr lang="ru-RU" sz="100" dirty="0" err="1"/>
-              <a:t>мараэ</a:t>
-            </a:r>
-            <a:r>
-              <a:rPr lang="ru-RU" sz="100" dirty="0"/>
-              <a:t>. Офицеры по социальному обеспечению были назначены в Департамент по делам маори, а надзирателям маори были переданы функции социального обеспечения в племенных комитетах. К 1949 г. насчитывался 381 комитет и 63 племенных руководителя. [4]Были предприняты попытки содействовать расовым отношениям путем обучения молодых учителей </a:t>
-            </a:r>
-            <a:r>
-              <a:rPr lang="ru-RU" sz="100" dirty="0" err="1"/>
-              <a:t>пакеха</a:t>
-            </a:r>
-            <a:r>
-              <a:rPr lang="ru-RU" sz="100" dirty="0"/>
-              <a:t> культуре маори. [20]Департамент по делам коренных народов был заменен Департаментом по делам маори (1947 г.). [10]Были назначены работники службы социального обеспечения и надзиратели маори, которые стали играть важную роль как в городах, так и в районах проживания племен, поскольку маори начали переезжать из отдаленных районов в провинциальные города. [10]Набор маори в государственные начальные школы, находящиеся в ведении советов по образованию, значительно увеличился. [4]Сельское среднее образование для маори было улучшено за счет строительства восьми районных средних школ маори в период с 1941 по 1951 год с упором на профессиональную подготовку, особенно по металлу и дереву. [4]Сокращение стипендий на образование маори было отменено (1936 г.). [5]Было ускорено освоение земли и жилья маори, было положено начало торговому обучению, и доступ маори к образованию был значительно расширен. [4]На школы маори было потрачено больше средств, чем на европейские. [13]Условия права на получение пособия и размер пособия для вдов различались для маори до 1945 года. [26]Маори получали те же выплаты по безработице, что и </a:t>
-            </a:r>
-            <a:r>
-              <a:rPr lang="ru-RU" sz="100" dirty="0" err="1"/>
-              <a:t>пакеха</a:t>
-            </a:r>
-            <a:r>
-              <a:rPr lang="ru-RU" sz="100" dirty="0"/>
-              <a:t>. [13]Правительство постепенно довело пенсии маори (традиционно ниже, чем у </a:t>
-            </a:r>
-            <a:r>
-              <a:rPr lang="ru-RU" sz="100" dirty="0" err="1"/>
-              <a:t>пакеха</a:t>
-            </a:r>
-            <a:r>
-              <a:rPr lang="ru-RU" sz="100" dirty="0"/>
-              <a:t>) до уровня белых новозеландцев. [13]Между 1935 и 1939 годами количество схем освоения земель маори было удвоено, а капитальные затраты увеличились почти в пять раз. [5] К марту 1939 года на освоение земель маори было потрачено 4 300 000 фунтов стерлингов, а 253 000 акров (1 020 км 2 ) были обработаны или «обработаны». Эта площадь была увеличена до 559 000 акров (2 260 км 2 ) к 1946 году, на которых обосновались 1 800 «поселенцев» маори. Государственные схемы имели такое значение для благосостояния маори, что, по оценкам, около пятой части населения маори получала по крайней мере часть своих средств к существованию от таких схем. [13]В период с 1944 по 1946 год был подписан ряд соглашений с </a:t>
-            </a:r>
-            <a:r>
-              <a:rPr lang="ru-RU" sz="100" dirty="0" err="1"/>
-              <a:t>iwi</a:t>
-            </a:r>
-            <a:r>
-              <a:rPr lang="ru-RU" sz="100" dirty="0"/>
-              <a:t>, чьи претензии не разрешались с 1920-х годов. В качестве компенсации за обширную конфискацию земель в девятнадцатом веке Закон об урегулировании претензий маори </a:t>
-            </a:r>
-            <a:r>
-              <a:rPr lang="ru-RU" sz="100" dirty="0" err="1"/>
-              <a:t>Вайкато-Маниапото</a:t>
-            </a:r>
-            <a:r>
-              <a:rPr lang="ru-RU" sz="100" dirty="0"/>
-              <a:t> 1946 года предусматривал единовременную выплату в размере 10 000 фунтов стерлингов и ежегодные выплаты </a:t>
-            </a:r>
-            <a:r>
-              <a:rPr lang="ru-RU" sz="100" dirty="0" err="1"/>
-              <a:t>тайнуи</a:t>
-            </a:r>
-            <a:r>
-              <a:rPr lang="ru-RU" sz="100" dirty="0"/>
-              <a:t> в течение следующих сорока пяти лет. Последующие поселения ежегодно выделяли 5000 фунтов стерлингов Доверительному совету Таранаки за конфискованные земли и компенсацию </a:t>
-            </a:r>
-            <a:r>
-              <a:rPr lang="ru-RU" sz="100" dirty="0" err="1"/>
-              <a:t>Нгаи</a:t>
-            </a:r>
-            <a:r>
-              <a:rPr lang="ru-RU" sz="100" dirty="0"/>
-              <a:t> </a:t>
-            </a:r>
-            <a:r>
-              <a:rPr lang="ru-RU" sz="100" dirty="0" err="1"/>
-              <a:t>Таху</a:t>
-            </a:r>
-            <a:r>
-              <a:rPr lang="ru-RU" sz="100" dirty="0"/>
-              <a:t> в размере 10 000 фунтов стерлингов в течение тридцати лет. [20]Значительно улучшились жилищные и санитарные условия маори. Произошла расчистка трущоб, были построены тысячи новых домов и туалетов, а целые деревни были переведены в лучшие места. Эти меры привели к снижению уровня младенческой смертности маори и увеличению ожидаемой продолжительности жизни маори на 15–20 лет. [5])</a:t>
-            </a:r>
-            <a:endParaRPr lang="ru-RU" sz="1400" dirty="0"/>
-          </a:p>
-        </p:txBody>
-      </p:sp>
       <p:sp>
         <p:nvSpPr>
           <p:cNvPr id="33" name="Прямоугольник 32">
@@ -4116,7 +3805,7 @@
         </p:nvSpPr>
         <p:spPr>
           <a:xfrm>
-            <a:off x="24836412" y="23131377"/>
+            <a:off x="13255380" y="13155768"/>
             <a:ext cx="2115918" cy="1080000"/>
           </a:xfrm>
           <a:prstGeom prst="rect">
@@ -4273,7 +3962,7 @@
         </p:nvSpPr>
         <p:spPr>
           <a:xfrm>
-            <a:off x="20944791" y="21726420"/>
+            <a:off x="14542109" y="6150107"/>
             <a:ext cx="2115918" cy="1080000"/>
           </a:xfrm>
           <a:prstGeom prst="rect">
@@ -4490,7 +4179,7 @@
         </p:nvSpPr>
         <p:spPr>
           <a:xfrm>
-            <a:off x="15859809" y="21726420"/>
+            <a:off x="9426159" y="6150107"/>
             <a:ext cx="2115918" cy="1080000"/>
           </a:xfrm>
           <a:prstGeom prst="rect">
@@ -4546,7 +4235,7 @@
         </p:nvSpPr>
         <p:spPr>
           <a:xfrm>
-            <a:off x="24836412" y="24536334"/>
+            <a:off x="13255380" y="14565935"/>
             <a:ext cx="2115918" cy="1080000"/>
           </a:xfrm>
           <a:prstGeom prst="rect">
@@ -4655,7 +4344,7 @@
         </p:nvSpPr>
         <p:spPr>
           <a:xfrm>
-            <a:off x="20944791" y="24536334"/>
+            <a:off x="14542109" y="10356274"/>
             <a:ext cx="2115918" cy="1080000"/>
           </a:xfrm>
           <a:prstGeom prst="rect">
@@ -4715,7 +4404,7 @@
         </p:nvSpPr>
         <p:spPr>
           <a:xfrm>
-            <a:off x="14554884" y="23131377"/>
+            <a:off x="10712889" y="7604782"/>
             <a:ext cx="2115918" cy="1080000"/>
           </a:xfrm>
           <a:prstGeom prst="rect">
@@ -4771,7 +4460,7 @@
         </p:nvSpPr>
         <p:spPr>
           <a:xfrm>
-            <a:off x="19695648" y="23131377"/>
+            <a:off x="13255380" y="7608720"/>
             <a:ext cx="2115918" cy="1080000"/>
           </a:xfrm>
           <a:prstGeom prst="rect">
@@ -4896,7 +4585,7 @@
         </p:nvSpPr>
         <p:spPr>
           <a:xfrm>
-            <a:off x="18402300" y="21726420"/>
+            <a:off x="11984134" y="6150107"/>
             <a:ext cx="2115918" cy="1080000"/>
           </a:xfrm>
           <a:prstGeom prst="rect">
@@ -5068,7 +4757,7 @@
         </p:nvSpPr>
         <p:spPr>
           <a:xfrm>
-            <a:off x="18402300" y="24536334"/>
+            <a:off x="11984134" y="10356274"/>
             <a:ext cx="2115918" cy="1080000"/>
           </a:xfrm>
           <a:prstGeom prst="rect">
@@ -5273,7 +4962,7 @@
         </p:nvSpPr>
         <p:spPr>
           <a:xfrm>
-            <a:off x="15828840" y="24536334"/>
+            <a:off x="10712889" y="8958749"/>
             <a:ext cx="2115918" cy="1080000"/>
           </a:xfrm>
           <a:prstGeom prst="rect">
@@ -5329,7 +5018,7 @@
         </p:nvSpPr>
         <p:spPr>
           <a:xfrm>
-            <a:off x="17125266" y="23131377"/>
+            <a:off x="8139429" y="7604782"/>
             <a:ext cx="2115918" cy="1080000"/>
           </a:xfrm>
           <a:prstGeom prst="rect">
@@ -5386,7 +5075,7 @@
         </p:nvSpPr>
         <p:spPr>
           <a:xfrm>
-            <a:off x="22266030" y="23131377"/>
+            <a:off x="15797871" y="7608720"/>
             <a:ext cx="2115918" cy="1080000"/>
           </a:xfrm>
           <a:prstGeom prst="rect">
@@ -5455,7 +5144,7 @@
         </p:nvSpPr>
         <p:spPr>
           <a:xfrm>
-            <a:off x="13317318" y="21720465"/>
+            <a:off x="5562783" y="6150107"/>
             <a:ext cx="2115918" cy="1080000"/>
           </a:xfrm>
           <a:prstGeom prst="rect">
@@ -5572,7 +5261,7 @@
         </p:nvSpPr>
         <p:spPr>
           <a:xfrm>
-            <a:off x="13255380" y="24536334"/>
+            <a:off x="4255789" y="10356274"/>
             <a:ext cx="2115918" cy="1080000"/>
           </a:xfrm>
           <a:prstGeom prst="rect">
@@ -5689,7 +5378,7 @@
         </p:nvSpPr>
         <p:spPr>
           <a:xfrm>
-            <a:off x="11984502" y="23131377"/>
+            <a:off x="5562783" y="7610467"/>
             <a:ext cx="2115918" cy="1080000"/>
           </a:xfrm>
           <a:prstGeom prst="rect">
@@ -5786,7 +5475,7 @@
         </p:nvSpPr>
         <p:spPr>
           <a:xfrm>
-            <a:off x="8232336" y="21720465"/>
+            <a:off x="8139429" y="8956527"/>
             <a:ext cx="2115918" cy="1080000"/>
           </a:xfrm>
           <a:prstGeom prst="rect">
@@ -5834,7 +5523,7 @@
         </p:nvSpPr>
         <p:spPr>
           <a:xfrm>
-            <a:off x="9414120" y="23131377"/>
+            <a:off x="9426159" y="10348857"/>
             <a:ext cx="2115918" cy="1080000"/>
           </a:xfrm>
           <a:prstGeom prst="rect">
@@ -5882,7 +5571,7 @@
         </p:nvSpPr>
         <p:spPr>
           <a:xfrm>
-            <a:off x="9414120" y="24536334"/>
+            <a:off x="9426159" y="11756021"/>
             <a:ext cx="2115918" cy="1080000"/>
           </a:xfrm>
           <a:prstGeom prst="rect">
@@ -5930,7 +5619,7 @@
         </p:nvSpPr>
         <p:spPr>
           <a:xfrm>
-            <a:off x="6940774" y="23131377"/>
+            <a:off x="6865473" y="10348857"/>
             <a:ext cx="2115918" cy="1080000"/>
           </a:xfrm>
           <a:prstGeom prst="rect">
@@ -5978,7 +5667,7 @@
         </p:nvSpPr>
         <p:spPr>
           <a:xfrm>
-            <a:off x="6940774" y="24536334"/>
+            <a:off x="6865473" y="11752067"/>
             <a:ext cx="2115918" cy="1080000"/>
           </a:xfrm>
           <a:prstGeom prst="rect">
@@ -6030,8 +5719,8 @@
         </p:nvCxnSpPr>
         <p:spPr>
           <a:xfrm>
-            <a:off x="9056692" y="25076334"/>
-            <a:ext cx="357428" cy="0"/>
+            <a:off x="8981391" y="12292067"/>
+            <a:ext cx="444768" cy="3954"/>
           </a:xfrm>
           <a:prstGeom prst="line">
             <a:avLst/>
@@ -6071,7 +5760,7 @@
         </p:nvSpPr>
         <p:spPr>
           <a:xfrm>
-            <a:off x="10926543" y="21720465"/>
+            <a:off x="13255380" y="8956527"/>
             <a:ext cx="2115918" cy="1080000"/>
           </a:xfrm>
           <a:prstGeom prst="rect">
@@ -6138,7 +5827,7 @@
         </p:nvSpPr>
         <p:spPr>
           <a:xfrm>
-            <a:off x="14554884" y="25941291"/>
+            <a:off x="6865473" y="368490"/>
             <a:ext cx="2115918" cy="1080000"/>
           </a:xfrm>
           <a:prstGeom prst="rect">
@@ -6202,7 +5891,7 @@
         </p:nvSpPr>
         <p:spPr>
           <a:xfrm>
-            <a:off x="20944791" y="27346248"/>
+            <a:off x="13255380" y="1773447"/>
             <a:ext cx="2115918" cy="1080000"/>
           </a:xfrm>
           <a:prstGeom prst="rect">
@@ -6311,7 +6000,7 @@
         </p:nvSpPr>
         <p:spPr>
           <a:xfrm>
-            <a:off x="8098902" y="27346248"/>
+            <a:off x="409491" y="1773447"/>
             <a:ext cx="2115918" cy="1080000"/>
           </a:xfrm>
           <a:prstGeom prst="rect">
@@ -6452,7 +6141,7 @@
         </p:nvSpPr>
         <p:spPr>
           <a:xfrm>
-            <a:off x="14554884" y="30148935"/>
+            <a:off x="6865473" y="4576134"/>
             <a:ext cx="2115918" cy="1080000"/>
           </a:xfrm>
           <a:prstGeom prst="rect">
@@ -6513,7 +6202,7 @@
         </p:nvSpPr>
         <p:spPr>
           <a:xfrm>
-            <a:off x="18402300" y="27346248"/>
+            <a:off x="10712889" y="1773447"/>
             <a:ext cx="2115918" cy="1080000"/>
           </a:xfrm>
           <a:prstGeom prst="rect">
@@ -6610,7 +6299,7 @@
         </p:nvSpPr>
         <p:spPr>
           <a:xfrm>
-            <a:off x="15828840" y="28749933"/>
+            <a:off x="8139429" y="3177132"/>
             <a:ext cx="2115918" cy="1080000"/>
           </a:xfrm>
           <a:prstGeom prst="rect">
@@ -6703,7 +6392,7 @@
         </p:nvSpPr>
         <p:spPr>
           <a:xfrm>
-            <a:off x="18402300" y="28749933"/>
+            <a:off x="10712889" y="3177132"/>
             <a:ext cx="2115918" cy="1080000"/>
           </a:xfrm>
           <a:prstGeom prst="rect">
@@ -6796,7 +6485,7 @@
         </p:nvSpPr>
         <p:spPr>
           <a:xfrm>
-            <a:off x="20944791" y="28749933"/>
+            <a:off x="13255380" y="3177132"/>
             <a:ext cx="2115918" cy="1080000"/>
           </a:xfrm>
           <a:prstGeom prst="rect">
@@ -6885,7 +6574,7 @@
         </p:nvCxnSpPr>
         <p:spPr>
           <a:xfrm>
-            <a:off x="17944758" y="29289933"/>
+            <a:off x="10255347" y="3717132"/>
             <a:ext cx="457542" cy="0"/>
           </a:xfrm>
           <a:prstGeom prst="line">
@@ -6930,7 +6619,7 @@
         </p:nvCxnSpPr>
         <p:spPr>
           <a:xfrm>
-            <a:off x="20518218" y="29289933"/>
+            <a:off x="12828807" y="3717132"/>
             <a:ext cx="426573" cy="0"/>
           </a:xfrm>
           <a:prstGeom prst="line">
@@ -6971,7 +6660,7 @@
         </p:nvSpPr>
         <p:spPr>
           <a:xfrm>
-            <a:off x="10675548" y="27339021"/>
+            <a:off x="2986137" y="1766220"/>
             <a:ext cx="2115918" cy="1080000"/>
           </a:xfrm>
           <a:prstGeom prst="rect">
@@ -7059,7 +6748,7 @@
         </p:nvCxnSpPr>
         <p:spPr>
           <a:xfrm>
-            <a:off x="12791466" y="27879021"/>
+            <a:off x="5102055" y="2306220"/>
             <a:ext cx="5610834" cy="7227"/>
           </a:xfrm>
           <a:prstGeom prst="line">
@@ -7100,7 +6789,7 @@
         </p:nvSpPr>
         <p:spPr>
           <a:xfrm>
-            <a:off x="13252194" y="28749933"/>
+            <a:off x="5562783" y="3177132"/>
             <a:ext cx="2115918" cy="1080000"/>
           </a:xfrm>
           <a:prstGeom prst="rect">
@@ -7148,7 +6837,7 @@
         </p:nvSpPr>
         <p:spPr>
           <a:xfrm>
-            <a:off x="10675548" y="28749933"/>
+            <a:off x="2986137" y="3177132"/>
             <a:ext cx="2115918" cy="1080000"/>
           </a:xfrm>
           <a:prstGeom prst="rect">
@@ -7204,7 +6893,7 @@
         </p:nvSpPr>
         <p:spPr>
           <a:xfrm>
-            <a:off x="8098902" y="28749933"/>
+            <a:off x="409491" y="3177132"/>
             <a:ext cx="2115918" cy="1080000"/>
           </a:xfrm>
           <a:prstGeom prst="rect">
@@ -7264,7 +6953,7 @@
         </p:nvCxnSpPr>
         <p:spPr>
           <a:xfrm>
-            <a:off x="10214820" y="29289933"/>
+            <a:off x="2525409" y="3717132"/>
             <a:ext cx="460728" cy="0"/>
           </a:xfrm>
           <a:prstGeom prst="line">
@@ -7309,7 +6998,7 @@
         </p:nvCxnSpPr>
         <p:spPr>
           <a:xfrm>
-            <a:off x="12791466" y="29289933"/>
+            <a:off x="5102055" y="3717132"/>
             <a:ext cx="460728" cy="0"/>
           </a:xfrm>
           <a:prstGeom prst="line">
@@ -7319,6 +7008,1950 @@
             <a:solidFill>
               <a:srgbClr val="FF0000"/>
             </a:solidFill>
+          </a:ln>
+        </p:spPr>
+        <p:style>
+          <a:lnRef idx="1">
+            <a:schemeClr val="accent1"/>
+          </a:lnRef>
+          <a:fillRef idx="0">
+            <a:schemeClr val="accent1"/>
+          </a:fillRef>
+          <a:effectRef idx="0">
+            <a:schemeClr val="accent1"/>
+          </a:effectRef>
+          <a:fontRef idx="minor">
+            <a:schemeClr val="tx1"/>
+          </a:fontRef>
+        </p:style>
+      </p:cxnSp>
+      <p:sp>
+        <p:nvSpPr>
+          <p:cNvPr id="55" name="Прямоугольник 54">
+            <a:extLst>
+              <a:ext uri="{FF2B5EF4-FFF2-40B4-BE49-F238E27FC236}">
+                <a16:creationId xmlns:a16="http://schemas.microsoft.com/office/drawing/2014/main" id="{9C36B8C8-DB85-4762-B3CC-B09935511617}"/>
+              </a:ext>
+            </a:extLst>
+          </p:cNvPr>
+          <p:cNvSpPr/>
+          <p:nvPr/>
+        </p:nvSpPr>
+        <p:spPr>
+          <a:xfrm>
+            <a:off x="409491" y="7610467"/>
+            <a:ext cx="2115918" cy="1080000"/>
+          </a:xfrm>
+          <a:prstGeom prst="rect">
+            <a:avLst/>
+          </a:prstGeom>
+          <a:ln w="28575"/>
+        </p:spPr>
+        <p:style>
+          <a:lnRef idx="2">
+            <a:schemeClr val="accent1"/>
+          </a:lnRef>
+          <a:fillRef idx="1">
+            <a:schemeClr val="lt1"/>
+          </a:fillRef>
+          <a:effectRef idx="0">
+            <a:schemeClr val="accent1"/>
+          </a:effectRef>
+          <a:fontRef idx="minor">
+            <a:schemeClr val="dk1"/>
+          </a:fontRef>
+        </p:style>
+        <p:txBody>
+          <a:bodyPr lIns="124733" tIns="62367" rIns="124733" bIns="62367" rtlCol="0" anchor="ctr"/>
+          <a:lstStyle/>
+          <a:p>
+            <a:pPr algn="ctr"/>
+            <a:r>
+              <a:rPr lang="ru-RU" sz="1400" dirty="0"/>
+              <a:t>Форт Эбен-</a:t>
+            </a:r>
+            <a:r>
+              <a:rPr lang="ru-RU" sz="1400" dirty="0" err="1"/>
+              <a:t>Эмаэль</a:t>
+            </a:r>
+            <a:r>
+              <a:rPr lang="ru-RU" sz="1400" dirty="0"/>
+              <a:t> </a:t>
+            </a:r>
+            <a:r>
+              <a:rPr lang="ru-RU" sz="400" dirty="0"/>
+              <a:t>(</a:t>
+            </a:r>
+            <a:r>
+              <a:rPr lang="en-US" sz="400" dirty="0"/>
+              <a:t>Fort </a:t>
+            </a:r>
+            <a:r>
+              <a:rPr lang="en-US" sz="400" dirty="0" err="1"/>
+              <a:t>d'Eben-Emael</a:t>
+            </a:r>
+            <a:r>
+              <a:rPr lang="ru-RU" sz="400" dirty="0"/>
+              <a:t>) (Хотя принцип строительства форта в Эбен-</a:t>
+            </a:r>
+            <a:r>
+              <a:rPr lang="ru-RU" sz="400" dirty="0" err="1"/>
+              <a:t>Эмаэле</a:t>
+            </a:r>
+            <a:r>
+              <a:rPr lang="ru-RU" sz="400" dirty="0"/>
+              <a:t> зафиксирован с 1929 г., программу тормозят не только конфликты внутри генерального штаба, но и конфликты внутри гражданского общества между </a:t>
+            </a:r>
+            <a:r>
+              <a:rPr lang="ru-RU" sz="400" dirty="0" err="1"/>
+              <a:t>валлонцами</a:t>
+            </a:r>
+            <a:r>
+              <a:rPr lang="ru-RU" sz="400" dirty="0"/>
+              <a:t> и фламандцами, каждый жаловаться на то, что он менее защищен, чем другой. Только с приходом Альбера </a:t>
+            </a:r>
+            <a:r>
+              <a:rPr lang="ru-RU" sz="400" dirty="0" err="1"/>
+              <a:t>Девеза</a:t>
+            </a:r>
+            <a:r>
+              <a:rPr lang="ru-RU" sz="400" dirty="0"/>
+              <a:t> на пост министра обороны дело ускорилось, и работа над сайтом началась.1 апреля 1932 </a:t>
+            </a:r>
+            <a:r>
+              <a:rPr lang="ru-RU" sz="400" dirty="0" err="1"/>
+              <a:t>г.под</a:t>
+            </a:r>
+            <a:r>
+              <a:rPr lang="ru-RU" sz="400" dirty="0"/>
+              <a:t> руководством командующего Жана </a:t>
+            </a:r>
+            <a:r>
+              <a:rPr lang="ru-RU" sz="400" dirty="0" err="1"/>
+              <a:t>Мерсье</a:t>
+            </a:r>
+            <a:r>
+              <a:rPr lang="ru-RU" sz="400" dirty="0"/>
+              <a:t> [ 5 ] . Большая часть работ была завершена в 1935 г., но более мелкие работы продолжались до 1940 г)</a:t>
+            </a:r>
+            <a:endParaRPr lang="ru-RU" sz="1400" dirty="0"/>
+          </a:p>
+        </p:txBody>
+      </p:sp>
+      <p:sp>
+        <p:nvSpPr>
+          <p:cNvPr id="68" name="Прямоугольник 67">
+            <a:extLst>
+              <a:ext uri="{FF2B5EF4-FFF2-40B4-BE49-F238E27FC236}">
+                <a16:creationId xmlns:a16="http://schemas.microsoft.com/office/drawing/2014/main" id="{8EDB5027-76F8-4F26-B70B-62E851625221}"/>
+              </a:ext>
+            </a:extLst>
+          </p:cNvPr>
+          <p:cNvSpPr/>
+          <p:nvPr/>
+        </p:nvSpPr>
+        <p:spPr>
+          <a:xfrm>
+            <a:off x="409491" y="8956527"/>
+            <a:ext cx="2115918" cy="1080000"/>
+          </a:xfrm>
+          <a:prstGeom prst="rect">
+            <a:avLst/>
+          </a:prstGeom>
+          <a:ln w="28575"/>
+        </p:spPr>
+        <p:style>
+          <a:lnRef idx="2">
+            <a:schemeClr val="accent1"/>
+          </a:lnRef>
+          <a:fillRef idx="1">
+            <a:schemeClr val="lt1"/>
+          </a:fillRef>
+          <a:effectRef idx="0">
+            <a:schemeClr val="accent1"/>
+          </a:effectRef>
+          <a:fontRef idx="minor">
+            <a:schemeClr val="dk1"/>
+          </a:fontRef>
+        </p:style>
+        <p:txBody>
+          <a:bodyPr lIns="124733" tIns="62367" rIns="124733" bIns="62367" rtlCol="0" anchor="ctr"/>
+          <a:lstStyle/>
+          <a:p>
+            <a:pPr algn="ctr"/>
+            <a:r>
+              <a:rPr lang="ru-RU" sz="1400" dirty="0"/>
+              <a:t>Защитить Арденны (неисторический) </a:t>
+            </a:r>
+            <a:r>
+              <a:rPr lang="ru-RU" sz="200" dirty="0"/>
+              <a:t>(Чтобы быстро победить Францию, нацистская Германия в начале Второй мировой войны решила воспроизвести план </a:t>
+            </a:r>
+            <a:r>
+              <a:rPr lang="ru-RU" sz="200" dirty="0" err="1"/>
+              <a:t>Шлиффена</a:t>
+            </a:r>
+            <a:r>
+              <a:rPr lang="ru-RU" sz="200" dirty="0"/>
+              <a:t>. С этой точки зрения форт Эбен-</a:t>
+            </a:r>
+            <a:r>
+              <a:rPr lang="ru-RU" sz="200" dirty="0" err="1"/>
+              <a:t>Эмаэль</a:t>
+            </a:r>
+            <a:r>
+              <a:rPr lang="ru-RU" sz="200" dirty="0"/>
+              <a:t> представляет собой серьезное препятствие, которое потенциально может замедлить или даже остановить немецкую армию, тем самым давая время французам развернуться в Бельгии для контратаки, как это было запланировано планом </a:t>
+            </a:r>
+            <a:r>
+              <a:rPr lang="ru-RU" sz="200" dirty="0" err="1"/>
+              <a:t>Дайла</a:t>
+            </a:r>
+            <a:r>
+              <a:rPr lang="ru-RU" sz="200" dirty="0"/>
+              <a:t> [ 7 ] . . Недостатком этой стратегии было то, что Арденны оставались незакрытыми, что не могли не заметить немцы. Затем они изменяют за несколько недель до его выпуска под влиянием Хайнца Гудериана свой собственный план, известный как Желтый план или </a:t>
+            </a:r>
+            <a:r>
+              <a:rPr lang="ru-RU" sz="200" dirty="0" err="1"/>
+              <a:t>Fall</a:t>
+            </a:r>
+            <a:r>
+              <a:rPr lang="ru-RU" sz="200" dirty="0"/>
+              <a:t> </a:t>
+            </a:r>
+            <a:r>
+              <a:rPr lang="ru-RU" sz="200" dirty="0" err="1"/>
+              <a:t>Gelb</a:t>
+            </a:r>
+            <a:r>
+              <a:rPr lang="ru-RU" sz="200" dirty="0"/>
+              <a:t>., чтобы совершить дерзкий прорыв через Арденны и обойти французские войска, вступающие в Бельгию с тыла. Однако для успеха плана жизненно важно, чтобы французы полностью заняли территорию Бельгии, и поэтому вторжение в Нидерланды и Бельгию остается необходимым. Для этого необходимы мосты через Маас и канал Альберта вокруг </a:t>
+            </a:r>
+            <a:r>
+              <a:rPr lang="ru-RU" sz="200" dirty="0" err="1"/>
+              <a:t>Маастрихта</a:t>
+            </a:r>
+            <a:r>
+              <a:rPr lang="ru-RU" sz="200" dirty="0"/>
+              <a:t>, но они находятся под обстрелом из форта Эбен-</a:t>
+            </a:r>
+            <a:r>
+              <a:rPr lang="ru-RU" sz="200" dirty="0" err="1"/>
+              <a:t>Эмаэль</a:t>
+            </a:r>
+            <a:r>
+              <a:rPr lang="ru-RU" sz="200" dirty="0"/>
+              <a:t> [ 8 ] . Затем немцы разработали план захвата мостов и нейтрализации форта с помощью воздушно- десантных войск . У </a:t>
+            </a:r>
+            <a:r>
+              <a:rPr lang="ru-RU" sz="200" dirty="0" err="1"/>
+              <a:t>штурмгруппы</a:t>
+            </a:r>
+            <a:r>
+              <a:rPr lang="ru-RU" sz="200" dirty="0"/>
+              <a:t> Гранит точнее задача приземлиться на крышу форта с </a:t>
+            </a:r>
+            <a:r>
+              <a:rPr lang="ru-RU" sz="200" dirty="0" err="1"/>
+              <a:t>планерамикумулятивными</a:t>
+            </a:r>
+            <a:r>
+              <a:rPr lang="ru-RU" sz="200" dirty="0"/>
+              <a:t> зарядами уничтожить смотровые башенки , чтобы ослепить форт и не дать ему применить свою артиллерию .)</a:t>
+            </a:r>
+            <a:endParaRPr lang="ru-RU" sz="1400" dirty="0"/>
+          </a:p>
+        </p:txBody>
+      </p:sp>
+      <p:sp>
+        <p:nvSpPr>
+          <p:cNvPr id="69" name="Прямоугольник 68">
+            <a:extLst>
+              <a:ext uri="{FF2B5EF4-FFF2-40B4-BE49-F238E27FC236}">
+                <a16:creationId xmlns:a16="http://schemas.microsoft.com/office/drawing/2014/main" id="{A6C53A3B-D171-4BA3-81CD-BBB29B60A2E2}"/>
+              </a:ext>
+            </a:extLst>
+          </p:cNvPr>
+          <p:cNvSpPr/>
+          <p:nvPr/>
+        </p:nvSpPr>
+        <p:spPr>
+          <a:xfrm>
+            <a:off x="1697814" y="10356274"/>
+            <a:ext cx="2115918" cy="1080000"/>
+          </a:xfrm>
+          <a:prstGeom prst="rect">
+            <a:avLst/>
+          </a:prstGeom>
+          <a:ln w="28575"/>
+        </p:spPr>
+        <p:style>
+          <a:lnRef idx="2">
+            <a:schemeClr val="accent1"/>
+          </a:lnRef>
+          <a:fillRef idx="1">
+            <a:schemeClr val="lt1"/>
+          </a:fillRef>
+          <a:effectRef idx="0">
+            <a:schemeClr val="accent1"/>
+          </a:effectRef>
+          <a:fontRef idx="minor">
+            <a:schemeClr val="dk1"/>
+          </a:fontRef>
+        </p:style>
+        <p:txBody>
+          <a:bodyPr lIns="124733" tIns="62367" rIns="124733" bIns="62367" rtlCol="0" anchor="ctr"/>
+          <a:lstStyle/>
+          <a:p>
+            <a:pPr algn="ctr"/>
+            <a:r>
+              <a:rPr lang="ru-RU" sz="1400" dirty="0"/>
+              <a:t>Корпус морской пехоты (1939) </a:t>
+            </a:r>
+            <a:r>
+              <a:rPr lang="ru-RU" sz="500" dirty="0"/>
+              <a:t>(Когда разразилась Вторая мировая война , Бельгии снова не хватило военно-морского флота. Корпус морской пехоты [ 3 ] был создан в 1939 году с целью как можно быстрее собрать технику и личный состав. Корпус морской пехоты занимается, среди прочего, обеспечением безопасности прибрежных вод, где дрейфует множество плавучих мин . Несмотря на ограниченные средства, морская пехота за год обезвредила более 250 мин.)</a:t>
+            </a:r>
+            <a:endParaRPr lang="ru-RU" sz="1400" dirty="0"/>
+          </a:p>
+        </p:txBody>
+      </p:sp>
+      <p:sp>
+        <p:nvSpPr>
+          <p:cNvPr id="70" name="Прямоугольник 69">
+            <a:extLst>
+              <a:ext uri="{FF2B5EF4-FFF2-40B4-BE49-F238E27FC236}">
+                <a16:creationId xmlns:a16="http://schemas.microsoft.com/office/drawing/2014/main" id="{050C0F0F-0F5F-4137-8947-062470264E5C}"/>
+              </a:ext>
+            </a:extLst>
+          </p:cNvPr>
+          <p:cNvSpPr/>
+          <p:nvPr/>
+        </p:nvSpPr>
+        <p:spPr>
+          <a:xfrm>
+            <a:off x="2986137" y="7610467"/>
+            <a:ext cx="2115918" cy="1080000"/>
+          </a:xfrm>
+          <a:prstGeom prst="rect">
+            <a:avLst/>
+          </a:prstGeom>
+          <a:ln w="28575"/>
+        </p:spPr>
+        <p:style>
+          <a:lnRef idx="2">
+            <a:schemeClr val="accent1"/>
+          </a:lnRef>
+          <a:fillRef idx="1">
+            <a:schemeClr val="lt1"/>
+          </a:fillRef>
+          <a:effectRef idx="0">
+            <a:schemeClr val="accent1"/>
+          </a:effectRef>
+          <a:fontRef idx="minor">
+            <a:schemeClr val="dk1"/>
+          </a:fontRef>
+        </p:style>
+        <p:txBody>
+          <a:bodyPr lIns="124733" tIns="62367" rIns="124733" bIns="62367" rtlCol="0" anchor="ctr"/>
+          <a:lstStyle/>
+          <a:p>
+            <a:pPr algn="ctr"/>
+            <a:r>
+              <a:rPr lang="ru-RU" sz="1400" dirty="0"/>
+              <a:t>Омолодить флот Бельгийской Судоходной кампании </a:t>
+            </a:r>
+            <a:r>
+              <a:rPr lang="ru-RU" sz="400" dirty="0"/>
+              <a:t>(В конце 1933 года бельгийское государство предоставило ссуды бельгийским судовладельцам, чтобы вернуть в строй разоруженные части и стимулировать строительство новых кораблей. С 1937 года экономическая ситуация улучшилась, и CMB воспользовался возможностью, чтобы омолодить свой флот, перепродав 24 старых парохода.)</a:t>
+            </a:r>
+            <a:endParaRPr lang="ru-RU" sz="1400" dirty="0"/>
+          </a:p>
+        </p:txBody>
+      </p:sp>
+      <p:sp>
+        <p:nvSpPr>
+          <p:cNvPr id="71" name="Прямоугольник 70">
+            <a:extLst>
+              <a:ext uri="{FF2B5EF4-FFF2-40B4-BE49-F238E27FC236}">
+                <a16:creationId xmlns:a16="http://schemas.microsoft.com/office/drawing/2014/main" id="{76AD3F43-559A-4E69-95CF-A58B1D4643BB}"/>
+              </a:ext>
+            </a:extLst>
+          </p:cNvPr>
+          <p:cNvSpPr/>
+          <p:nvPr/>
+        </p:nvSpPr>
+        <p:spPr>
+          <a:xfrm>
+            <a:off x="2986137" y="8956527"/>
+            <a:ext cx="2115918" cy="1080000"/>
+          </a:xfrm>
+          <a:prstGeom prst="rect">
+            <a:avLst/>
+          </a:prstGeom>
+          <a:ln w="28575"/>
+        </p:spPr>
+        <p:style>
+          <a:lnRef idx="2">
+            <a:schemeClr val="accent1"/>
+          </a:lnRef>
+          <a:fillRef idx="1">
+            <a:schemeClr val="lt1"/>
+          </a:fillRef>
+          <a:effectRef idx="0">
+            <a:schemeClr val="accent1"/>
+          </a:effectRef>
+          <a:fontRef idx="minor">
+            <a:schemeClr val="dk1"/>
+          </a:fontRef>
+        </p:style>
+        <p:txBody>
+          <a:bodyPr lIns="124733" tIns="62367" rIns="124733" bIns="62367" rtlCol="0" anchor="ctr"/>
+          <a:lstStyle/>
+          <a:p>
+            <a:pPr algn="ctr"/>
+            <a:r>
+              <a:rPr lang="ru-RU" sz="1400" dirty="0"/>
+              <a:t>Производство устриц в Остенде (1938) </a:t>
+            </a:r>
+            <a:r>
+              <a:rPr lang="ru-RU" sz="200" dirty="0"/>
+              <a:t>(В 1930 -х годах , после того как реконструкция оживила экономику (до кризиса 1929 года), бельгийское правительство попыталось возродить Остенде и бельгийское устричное хозяйство через «Комиссию по </a:t>
+            </a:r>
+            <a:r>
+              <a:rPr lang="ru-RU" sz="200" dirty="0" err="1"/>
+              <a:t>острейкультуре</a:t>
+            </a:r>
+            <a:r>
+              <a:rPr lang="ru-RU" sz="200" dirty="0"/>
+              <a:t>» , созданную в 1933 году под эгидой военно-морского управления. Администрация; администрация предлагает бесплатные слоты для желающих попробовать свои силы в возрождении этого </a:t>
+            </a:r>
+            <a:r>
+              <a:rPr lang="ru-RU" sz="200" dirty="0" err="1"/>
+              <a:t>занятия.Таким</a:t>
+            </a:r>
+            <a:r>
+              <a:rPr lang="ru-RU" sz="200" dirty="0"/>
+              <a:t> образом, в Остенде 86 гектаров были переданы компании SA </a:t>
+            </a:r>
+            <a:r>
+              <a:rPr lang="ru-RU" sz="200" dirty="0" err="1"/>
+              <a:t>Huîtrières</a:t>
+            </a:r>
+            <a:r>
+              <a:rPr lang="ru-RU" sz="200" dirty="0"/>
+              <a:t> </a:t>
+            </a:r>
+            <a:r>
+              <a:rPr lang="ru-RU" sz="200" dirty="0" err="1"/>
+              <a:t>Halewyck</a:t>
+            </a:r>
+            <a:r>
+              <a:rPr lang="ru-RU" sz="200" dirty="0"/>
+              <a:t> &amp; C° (основанной столетием ранее), которая немедленно взялась за установку там </a:t>
+            </a:r>
+            <a:r>
+              <a:rPr lang="ru-RU" sz="200" dirty="0" err="1"/>
+              <a:t>гетров</a:t>
+            </a:r>
+            <a:r>
+              <a:rPr lang="ru-RU" sz="200" dirty="0"/>
+              <a:t> . За 5 лет несколько неудач следуют одна за другой, но в1938 начинается первое производство устриц Остенде. Там вторая мировая война , сначала статус нейтралитета Бельгии позволяет продолжать работу устричным фермерам, затем Гитлер нарушает свои договоренности и его армия оккупирует страну. В то время как первый запас в несколько миллионов зрелых устриц был готов к выпуску на рынок к сезону 1940-1941 годов , нацистские оккупанты вынудили правительство построить базу для гидросамолетов в Остенде . Работа уничтожает производство устриц из-за закрытия нагульных прудов дамбой)</a:t>
+            </a:r>
+            <a:endParaRPr lang="ru-RU" sz="1400" dirty="0"/>
+          </a:p>
+        </p:txBody>
+      </p:sp>
+      <p:cxnSp>
+        <p:nvCxnSpPr>
+          <p:cNvPr id="72" name="Соединительная линия уступом 523">
+            <a:extLst>
+              <a:ext uri="{FF2B5EF4-FFF2-40B4-BE49-F238E27FC236}">
+                <a16:creationId xmlns:a16="http://schemas.microsoft.com/office/drawing/2014/main" id="{2A25F4B4-02B5-440D-93F5-CFBC12D61896}"/>
+              </a:ext>
+            </a:extLst>
+          </p:cNvPr>
+          <p:cNvCxnSpPr>
+            <a:cxnSpLocks/>
+            <a:stCxn id="50" idx="2"/>
+            <a:endCxn id="51" idx="0"/>
+          </p:cNvCxnSpPr>
+          <p:nvPr/>
+        </p:nvCxnSpPr>
+        <p:spPr>
+          <a:xfrm rot="16200000" flipH="1">
+            <a:off x="10955907" y="-1583986"/>
+            <a:ext cx="324957" cy="6389907"/>
+          </a:xfrm>
+          <a:prstGeom prst="bentConnector3">
+            <a:avLst>
+              <a:gd name="adj1" fmla="val 50000"/>
+            </a:avLst>
+          </a:prstGeom>
+          <a:ln w="28575">
+            <a:tailEnd type="arrow"/>
+          </a:ln>
+        </p:spPr>
+        <p:style>
+          <a:lnRef idx="1">
+            <a:schemeClr val="accent1"/>
+          </a:lnRef>
+          <a:fillRef idx="0">
+            <a:schemeClr val="accent1"/>
+          </a:fillRef>
+          <a:effectRef idx="0">
+            <a:schemeClr val="accent1"/>
+          </a:effectRef>
+          <a:fontRef idx="minor">
+            <a:schemeClr val="tx1"/>
+          </a:fontRef>
+        </p:style>
+      </p:cxnSp>
+      <p:cxnSp>
+        <p:nvCxnSpPr>
+          <p:cNvPr id="73" name="Соединительная линия уступом 523">
+            <a:extLst>
+              <a:ext uri="{FF2B5EF4-FFF2-40B4-BE49-F238E27FC236}">
+                <a16:creationId xmlns:a16="http://schemas.microsoft.com/office/drawing/2014/main" id="{C303E358-F5A9-4491-95C6-7400F87B3853}"/>
+              </a:ext>
+            </a:extLst>
+          </p:cNvPr>
+          <p:cNvCxnSpPr>
+            <a:cxnSpLocks/>
+            <a:stCxn id="50" idx="2"/>
+            <a:endCxn id="61" idx="0"/>
+          </p:cNvCxnSpPr>
+          <p:nvPr/>
+        </p:nvCxnSpPr>
+        <p:spPr>
+          <a:xfrm rot="5400000">
+            <a:off x="5824899" y="-332313"/>
+            <a:ext cx="317730" cy="3879336"/>
+          </a:xfrm>
+          <a:prstGeom prst="bentConnector3">
+            <a:avLst>
+              <a:gd name="adj1" fmla="val 50000"/>
+            </a:avLst>
+          </a:prstGeom>
+          <a:ln w="28575">
+            <a:tailEnd type="arrow"/>
+          </a:ln>
+        </p:spPr>
+        <p:style>
+          <a:lnRef idx="1">
+            <a:schemeClr val="accent1"/>
+          </a:lnRef>
+          <a:fillRef idx="0">
+            <a:schemeClr val="accent1"/>
+          </a:fillRef>
+          <a:effectRef idx="0">
+            <a:schemeClr val="accent1"/>
+          </a:effectRef>
+          <a:fontRef idx="minor">
+            <a:schemeClr val="tx1"/>
+          </a:fontRef>
+        </p:style>
+      </p:cxnSp>
+      <p:cxnSp>
+        <p:nvCxnSpPr>
+          <p:cNvPr id="74" name="Соединительная линия уступом 523">
+            <a:extLst>
+              <a:ext uri="{FF2B5EF4-FFF2-40B4-BE49-F238E27FC236}">
+                <a16:creationId xmlns:a16="http://schemas.microsoft.com/office/drawing/2014/main" id="{E2C02A62-C523-45E8-8EB1-CC2016531DBF}"/>
+              </a:ext>
+            </a:extLst>
+          </p:cNvPr>
+          <p:cNvCxnSpPr>
+            <a:cxnSpLocks/>
+            <a:stCxn id="50" idx="2"/>
+            <a:endCxn id="52" idx="0"/>
+          </p:cNvCxnSpPr>
+          <p:nvPr/>
+        </p:nvCxnSpPr>
+        <p:spPr>
+          <a:xfrm rot="5400000">
+            <a:off x="4532963" y="-1617023"/>
+            <a:ext cx="324957" cy="6455982"/>
+          </a:xfrm>
+          <a:prstGeom prst="bentConnector3">
+            <a:avLst>
+              <a:gd name="adj1" fmla="val 50000"/>
+            </a:avLst>
+          </a:prstGeom>
+          <a:ln w="28575">
+            <a:tailEnd type="arrow"/>
+          </a:ln>
+        </p:spPr>
+        <p:style>
+          <a:lnRef idx="1">
+            <a:schemeClr val="accent1"/>
+          </a:lnRef>
+          <a:fillRef idx="0">
+            <a:schemeClr val="accent1"/>
+          </a:fillRef>
+          <a:effectRef idx="0">
+            <a:schemeClr val="accent1"/>
+          </a:effectRef>
+          <a:fontRef idx="minor">
+            <a:schemeClr val="tx1"/>
+          </a:fontRef>
+        </p:style>
+      </p:cxnSp>
+      <p:cxnSp>
+        <p:nvCxnSpPr>
+          <p:cNvPr id="75" name="Соединительная линия уступом 523">
+            <a:extLst>
+              <a:ext uri="{FF2B5EF4-FFF2-40B4-BE49-F238E27FC236}">
+                <a16:creationId xmlns:a16="http://schemas.microsoft.com/office/drawing/2014/main" id="{69F338FF-D8FA-4705-9387-D860ADD66E20}"/>
+              </a:ext>
+            </a:extLst>
+          </p:cNvPr>
+          <p:cNvCxnSpPr>
+            <a:cxnSpLocks/>
+            <a:stCxn id="61" idx="2"/>
+            <a:endCxn id="63" idx="0"/>
+          </p:cNvCxnSpPr>
+          <p:nvPr/>
+        </p:nvCxnSpPr>
+        <p:spPr>
+          <a:xfrm rot="16200000" flipH="1">
+            <a:off x="5166963" y="1723353"/>
+            <a:ext cx="330912" cy="2576646"/>
+          </a:xfrm>
+          <a:prstGeom prst="bentConnector3">
+            <a:avLst>
+              <a:gd name="adj1" fmla="val 50000"/>
+            </a:avLst>
+          </a:prstGeom>
+          <a:ln w="28575">
+            <a:tailEnd type="arrow"/>
+          </a:ln>
+        </p:spPr>
+        <p:style>
+          <a:lnRef idx="1">
+            <a:schemeClr val="accent1"/>
+          </a:lnRef>
+          <a:fillRef idx="0">
+            <a:schemeClr val="accent1"/>
+          </a:fillRef>
+          <a:effectRef idx="0">
+            <a:schemeClr val="accent1"/>
+          </a:effectRef>
+          <a:fontRef idx="minor">
+            <a:schemeClr val="tx1"/>
+          </a:fontRef>
+        </p:style>
+      </p:cxnSp>
+      <p:cxnSp>
+        <p:nvCxnSpPr>
+          <p:cNvPr id="76" name="Соединительная линия уступом 523">
+            <a:extLst>
+              <a:ext uri="{FF2B5EF4-FFF2-40B4-BE49-F238E27FC236}">
+                <a16:creationId xmlns:a16="http://schemas.microsoft.com/office/drawing/2014/main" id="{F8F4E366-172F-4FC2-BE12-AEED0FAE5B6E}"/>
+              </a:ext>
+            </a:extLst>
+          </p:cNvPr>
+          <p:cNvCxnSpPr>
+            <a:cxnSpLocks/>
+            <a:stCxn id="61" idx="2"/>
+            <a:endCxn id="65" idx="0"/>
+          </p:cNvCxnSpPr>
+          <p:nvPr/>
+        </p:nvCxnSpPr>
+        <p:spPr>
+          <a:xfrm rot="5400000">
+            <a:off x="2590317" y="1723353"/>
+            <a:ext cx="330912" cy="2576646"/>
+          </a:xfrm>
+          <a:prstGeom prst="bentConnector3">
+            <a:avLst>
+              <a:gd name="adj1" fmla="val 50000"/>
+            </a:avLst>
+          </a:prstGeom>
+          <a:ln w="28575">
+            <a:tailEnd type="arrow"/>
+          </a:ln>
+        </p:spPr>
+        <p:style>
+          <a:lnRef idx="1">
+            <a:schemeClr val="accent1"/>
+          </a:lnRef>
+          <a:fillRef idx="0">
+            <a:schemeClr val="accent1"/>
+          </a:fillRef>
+          <a:effectRef idx="0">
+            <a:schemeClr val="accent1"/>
+          </a:effectRef>
+          <a:fontRef idx="minor">
+            <a:schemeClr val="tx1"/>
+          </a:fontRef>
+        </p:style>
+      </p:cxnSp>
+      <p:sp>
+        <p:nvSpPr>
+          <p:cNvPr id="77" name="Прямоугольник 76">
+            <a:extLst>
+              <a:ext uri="{FF2B5EF4-FFF2-40B4-BE49-F238E27FC236}">
+                <a16:creationId xmlns:a16="http://schemas.microsoft.com/office/drawing/2014/main" id="{D080EE49-8689-462D-BAED-5974EFA28A33}"/>
+              </a:ext>
+            </a:extLst>
+          </p:cNvPr>
+          <p:cNvSpPr/>
+          <p:nvPr/>
+        </p:nvSpPr>
+        <p:spPr>
+          <a:xfrm>
+            <a:off x="1697814" y="6150107"/>
+            <a:ext cx="2115918" cy="1080000"/>
+          </a:xfrm>
+          <a:prstGeom prst="rect">
+            <a:avLst/>
+          </a:prstGeom>
+          <a:ln w="28575"/>
+        </p:spPr>
+        <p:style>
+          <a:lnRef idx="2">
+            <a:schemeClr val="accent1"/>
+          </a:lnRef>
+          <a:fillRef idx="1">
+            <a:schemeClr val="lt1"/>
+          </a:fillRef>
+          <a:effectRef idx="0">
+            <a:schemeClr val="accent1"/>
+          </a:effectRef>
+          <a:fontRef idx="minor">
+            <a:schemeClr val="dk1"/>
+          </a:fontRef>
+        </p:style>
+        <p:txBody>
+          <a:bodyPr lIns="124733" tIns="62367" rIns="124733" bIns="62367" rtlCol="0" anchor="ctr"/>
+          <a:lstStyle/>
+          <a:p>
+            <a:pPr algn="ctr"/>
+            <a:r>
+              <a:rPr lang="ru-RU" sz="1400" dirty="0"/>
+              <a:t>Нарастить военный бюджет</a:t>
+            </a:r>
+          </a:p>
+        </p:txBody>
+      </p:sp>
+      <p:cxnSp>
+        <p:nvCxnSpPr>
+          <p:cNvPr id="78" name="Прямая со стрелкой 77">
+            <a:extLst>
+              <a:ext uri="{FF2B5EF4-FFF2-40B4-BE49-F238E27FC236}">
+                <a16:creationId xmlns:a16="http://schemas.microsoft.com/office/drawing/2014/main" id="{8FA20AE9-5B1F-4302-BE76-1B9DEE6BED1E}"/>
+              </a:ext>
+            </a:extLst>
+          </p:cNvPr>
+          <p:cNvCxnSpPr>
+            <a:cxnSpLocks/>
+            <a:stCxn id="478" idx="2"/>
+            <a:endCxn id="33" idx="0"/>
+          </p:cNvCxnSpPr>
+          <p:nvPr/>
+        </p:nvCxnSpPr>
+        <p:spPr>
+          <a:xfrm>
+            <a:off x="14313339" y="12836021"/>
+            <a:ext cx="0" cy="319747"/>
+          </a:xfrm>
+          <a:prstGeom prst="straightConnector1">
+            <a:avLst/>
+          </a:prstGeom>
+          <a:ln w="28575">
+            <a:tailEnd type="arrow"/>
+          </a:ln>
+        </p:spPr>
+        <p:style>
+          <a:lnRef idx="1">
+            <a:schemeClr val="accent1"/>
+          </a:lnRef>
+          <a:fillRef idx="0">
+            <a:schemeClr val="accent1"/>
+          </a:fillRef>
+          <a:effectRef idx="0">
+            <a:schemeClr val="accent1"/>
+          </a:effectRef>
+          <a:fontRef idx="minor">
+            <a:schemeClr val="tx1"/>
+          </a:fontRef>
+        </p:style>
+      </p:cxnSp>
+      <p:cxnSp>
+        <p:nvCxnSpPr>
+          <p:cNvPr id="79" name="Прямая со стрелкой 78">
+            <a:extLst>
+              <a:ext uri="{FF2B5EF4-FFF2-40B4-BE49-F238E27FC236}">
+                <a16:creationId xmlns:a16="http://schemas.microsoft.com/office/drawing/2014/main" id="{598EEC52-FAAD-4C68-B6C4-904FD02558FE}"/>
+              </a:ext>
+            </a:extLst>
+          </p:cNvPr>
+          <p:cNvCxnSpPr>
+            <a:cxnSpLocks/>
+            <a:stCxn id="33" idx="2"/>
+            <a:endCxn id="36" idx="0"/>
+          </p:cNvCxnSpPr>
+          <p:nvPr/>
+        </p:nvCxnSpPr>
+        <p:spPr>
+          <a:xfrm>
+            <a:off x="14313339" y="14235768"/>
+            <a:ext cx="0" cy="330167"/>
+          </a:xfrm>
+          <a:prstGeom prst="straightConnector1">
+            <a:avLst/>
+          </a:prstGeom>
+          <a:ln w="28575">
+            <a:tailEnd type="arrow"/>
+          </a:ln>
+        </p:spPr>
+        <p:style>
+          <a:lnRef idx="1">
+            <a:schemeClr val="accent1"/>
+          </a:lnRef>
+          <a:fillRef idx="0">
+            <a:schemeClr val="accent1"/>
+          </a:fillRef>
+          <a:effectRef idx="0">
+            <a:schemeClr val="accent1"/>
+          </a:effectRef>
+          <a:fontRef idx="minor">
+            <a:schemeClr val="tx1"/>
+          </a:fontRef>
+        </p:style>
+      </p:cxnSp>
+      <p:cxnSp>
+        <p:nvCxnSpPr>
+          <p:cNvPr id="80" name="Соединительная линия уступом 523">
+            <a:extLst>
+              <a:ext uri="{FF2B5EF4-FFF2-40B4-BE49-F238E27FC236}">
+                <a16:creationId xmlns:a16="http://schemas.microsoft.com/office/drawing/2014/main" id="{6D52E519-D038-4281-A080-101A7FB243C8}"/>
+              </a:ext>
+            </a:extLst>
+          </p:cNvPr>
+          <p:cNvCxnSpPr>
+            <a:cxnSpLocks/>
+            <a:stCxn id="77" idx="2"/>
+            <a:endCxn id="70" idx="0"/>
+          </p:cNvCxnSpPr>
+          <p:nvPr/>
+        </p:nvCxnSpPr>
+        <p:spPr>
+          <a:xfrm rot="16200000" flipH="1">
+            <a:off x="3209754" y="6776125"/>
+            <a:ext cx="380360" cy="1288323"/>
+          </a:xfrm>
+          <a:prstGeom prst="bentConnector3">
+            <a:avLst>
+              <a:gd name="adj1" fmla="val 50000"/>
+            </a:avLst>
+          </a:prstGeom>
+          <a:ln w="28575">
+            <a:tailEnd type="arrow"/>
+          </a:ln>
+        </p:spPr>
+        <p:style>
+          <a:lnRef idx="1">
+            <a:schemeClr val="accent1"/>
+          </a:lnRef>
+          <a:fillRef idx="0">
+            <a:schemeClr val="accent1"/>
+          </a:fillRef>
+          <a:effectRef idx="0">
+            <a:schemeClr val="accent1"/>
+          </a:effectRef>
+          <a:fontRef idx="minor">
+            <a:schemeClr val="tx1"/>
+          </a:fontRef>
+        </p:style>
+      </p:cxnSp>
+      <p:cxnSp>
+        <p:nvCxnSpPr>
+          <p:cNvPr id="81" name="Соединительная линия уступом 523">
+            <a:extLst>
+              <a:ext uri="{FF2B5EF4-FFF2-40B4-BE49-F238E27FC236}">
+                <a16:creationId xmlns:a16="http://schemas.microsoft.com/office/drawing/2014/main" id="{E8C4D606-BFC2-4579-8ECA-38A266566981}"/>
+              </a:ext>
+            </a:extLst>
+          </p:cNvPr>
+          <p:cNvCxnSpPr>
+            <a:cxnSpLocks/>
+            <a:stCxn id="77" idx="2"/>
+            <a:endCxn id="55" idx="0"/>
+          </p:cNvCxnSpPr>
+          <p:nvPr/>
+        </p:nvCxnSpPr>
+        <p:spPr>
+          <a:xfrm rot="5400000">
+            <a:off x="1921432" y="6776126"/>
+            <a:ext cx="380360" cy="1288323"/>
+          </a:xfrm>
+          <a:prstGeom prst="bentConnector3">
+            <a:avLst>
+              <a:gd name="adj1" fmla="val 50000"/>
+            </a:avLst>
+          </a:prstGeom>
+          <a:ln w="28575">
+            <a:tailEnd type="arrow"/>
+          </a:ln>
+        </p:spPr>
+        <p:style>
+          <a:lnRef idx="1">
+            <a:schemeClr val="accent1"/>
+          </a:lnRef>
+          <a:fillRef idx="0">
+            <a:schemeClr val="accent1"/>
+          </a:fillRef>
+          <a:effectRef idx="0">
+            <a:schemeClr val="accent1"/>
+          </a:effectRef>
+          <a:fontRef idx="minor">
+            <a:schemeClr val="tx1"/>
+          </a:fontRef>
+        </p:style>
+      </p:cxnSp>
+      <p:cxnSp>
+        <p:nvCxnSpPr>
+          <p:cNvPr id="82" name="Прямая со стрелкой 81">
+            <a:extLst>
+              <a:ext uri="{FF2B5EF4-FFF2-40B4-BE49-F238E27FC236}">
+                <a16:creationId xmlns:a16="http://schemas.microsoft.com/office/drawing/2014/main" id="{E03D7C26-0A3B-4123-B72F-8456A408EDFB}"/>
+              </a:ext>
+            </a:extLst>
+          </p:cNvPr>
+          <p:cNvCxnSpPr>
+            <a:cxnSpLocks/>
+            <a:stCxn id="70" idx="2"/>
+            <a:endCxn id="71" idx="0"/>
+          </p:cNvCxnSpPr>
+          <p:nvPr/>
+        </p:nvCxnSpPr>
+        <p:spPr>
+          <a:xfrm>
+            <a:off x="4044096" y="8690467"/>
+            <a:ext cx="0" cy="266060"/>
+          </a:xfrm>
+          <a:prstGeom prst="straightConnector1">
+            <a:avLst/>
+          </a:prstGeom>
+          <a:ln w="28575">
+            <a:tailEnd type="arrow"/>
+          </a:ln>
+        </p:spPr>
+        <p:style>
+          <a:lnRef idx="1">
+            <a:schemeClr val="accent1"/>
+          </a:lnRef>
+          <a:fillRef idx="0">
+            <a:schemeClr val="accent1"/>
+          </a:fillRef>
+          <a:effectRef idx="0">
+            <a:schemeClr val="accent1"/>
+          </a:effectRef>
+          <a:fontRef idx="minor">
+            <a:schemeClr val="tx1"/>
+          </a:fontRef>
+        </p:style>
+      </p:cxnSp>
+      <p:cxnSp>
+        <p:nvCxnSpPr>
+          <p:cNvPr id="83" name="Прямая со стрелкой 82">
+            <a:extLst>
+              <a:ext uri="{FF2B5EF4-FFF2-40B4-BE49-F238E27FC236}">
+                <a16:creationId xmlns:a16="http://schemas.microsoft.com/office/drawing/2014/main" id="{740ED13F-5617-44FB-AB16-EFD3E35B5466}"/>
+              </a:ext>
+            </a:extLst>
+          </p:cNvPr>
+          <p:cNvCxnSpPr>
+            <a:cxnSpLocks/>
+            <a:stCxn id="55" idx="2"/>
+            <a:endCxn id="68" idx="0"/>
+          </p:cNvCxnSpPr>
+          <p:nvPr/>
+        </p:nvCxnSpPr>
+        <p:spPr>
+          <a:xfrm>
+            <a:off x="1467450" y="8690467"/>
+            <a:ext cx="0" cy="266060"/>
+          </a:xfrm>
+          <a:prstGeom prst="straightConnector1">
+            <a:avLst/>
+          </a:prstGeom>
+          <a:ln w="28575">
+            <a:tailEnd type="arrow"/>
+          </a:ln>
+        </p:spPr>
+        <p:style>
+          <a:lnRef idx="1">
+            <a:schemeClr val="accent1"/>
+          </a:lnRef>
+          <a:fillRef idx="0">
+            <a:schemeClr val="accent1"/>
+          </a:fillRef>
+          <a:effectRef idx="0">
+            <a:schemeClr val="accent1"/>
+          </a:effectRef>
+          <a:fontRef idx="minor">
+            <a:schemeClr val="tx1"/>
+          </a:fontRef>
+        </p:style>
+      </p:cxnSp>
+      <p:cxnSp>
+        <p:nvCxnSpPr>
+          <p:cNvPr id="84" name="Прямая со стрелкой 83">
+            <a:extLst>
+              <a:ext uri="{FF2B5EF4-FFF2-40B4-BE49-F238E27FC236}">
+                <a16:creationId xmlns:a16="http://schemas.microsoft.com/office/drawing/2014/main" id="{71961C47-19A9-4AF4-BA51-2E5E53AA0C1E}"/>
+              </a:ext>
+            </a:extLst>
+          </p:cNvPr>
+          <p:cNvCxnSpPr>
+            <a:cxnSpLocks/>
+            <a:stCxn id="77" idx="2"/>
+            <a:endCxn id="69" idx="0"/>
+          </p:cNvCxnSpPr>
+          <p:nvPr/>
+        </p:nvCxnSpPr>
+        <p:spPr>
+          <a:xfrm>
+            <a:off x="2755773" y="7230107"/>
+            <a:ext cx="0" cy="3126167"/>
+          </a:xfrm>
+          <a:prstGeom prst="straightConnector1">
+            <a:avLst/>
+          </a:prstGeom>
+          <a:ln w="28575">
+            <a:tailEnd type="arrow"/>
+          </a:ln>
+        </p:spPr>
+        <p:style>
+          <a:lnRef idx="1">
+            <a:schemeClr val="accent1"/>
+          </a:lnRef>
+          <a:fillRef idx="0">
+            <a:schemeClr val="accent1"/>
+          </a:fillRef>
+          <a:effectRef idx="0">
+            <a:schemeClr val="accent1"/>
+          </a:effectRef>
+          <a:fontRef idx="minor">
+            <a:schemeClr val="tx1"/>
+          </a:fontRef>
+        </p:style>
+      </p:cxnSp>
+      <p:cxnSp>
+        <p:nvCxnSpPr>
+          <p:cNvPr id="85" name="Прямая со стрелкой 84">
+            <a:extLst>
+              <a:ext uri="{FF2B5EF4-FFF2-40B4-BE49-F238E27FC236}">
+                <a16:creationId xmlns:a16="http://schemas.microsoft.com/office/drawing/2014/main" id="{2DA0694A-EB41-4CE2-AA9E-B52FEE40DE0C}"/>
+              </a:ext>
+            </a:extLst>
+          </p:cNvPr>
+          <p:cNvCxnSpPr>
+            <a:cxnSpLocks/>
+            <a:stCxn id="47" idx="2"/>
+            <a:endCxn id="49" idx="0"/>
+          </p:cNvCxnSpPr>
+          <p:nvPr/>
+        </p:nvCxnSpPr>
+        <p:spPr>
+          <a:xfrm>
+            <a:off x="6620742" y="7230107"/>
+            <a:ext cx="0" cy="380360"/>
+          </a:xfrm>
+          <a:prstGeom prst="straightConnector1">
+            <a:avLst/>
+          </a:prstGeom>
+          <a:ln w="28575">
+            <a:tailEnd type="arrow"/>
+          </a:ln>
+        </p:spPr>
+        <p:style>
+          <a:lnRef idx="1">
+            <a:schemeClr val="accent1"/>
+          </a:lnRef>
+          <a:fillRef idx="0">
+            <a:schemeClr val="accent1"/>
+          </a:fillRef>
+          <a:effectRef idx="0">
+            <a:schemeClr val="accent1"/>
+          </a:effectRef>
+          <a:fontRef idx="minor">
+            <a:schemeClr val="tx1"/>
+          </a:fontRef>
+        </p:style>
+      </p:cxnSp>
+      <p:cxnSp>
+        <p:nvCxnSpPr>
+          <p:cNvPr id="87" name="Соединительная линия уступом 523">
+            <a:extLst>
+              <a:ext uri="{FF2B5EF4-FFF2-40B4-BE49-F238E27FC236}">
+                <a16:creationId xmlns:a16="http://schemas.microsoft.com/office/drawing/2014/main" id="{601DFF7D-F1EA-427A-9EC1-1385D719621D}"/>
+              </a:ext>
+            </a:extLst>
+          </p:cNvPr>
+          <p:cNvCxnSpPr>
+            <a:cxnSpLocks/>
+            <a:stCxn id="77" idx="2"/>
+            <a:endCxn id="48" idx="0"/>
+          </p:cNvCxnSpPr>
+          <p:nvPr/>
+        </p:nvCxnSpPr>
+        <p:spPr>
+          <a:xfrm rot="16200000" flipH="1">
+            <a:off x="2471677" y="7514202"/>
+            <a:ext cx="3126167" cy="2557975"/>
+          </a:xfrm>
+          <a:prstGeom prst="bentConnector3">
+            <a:avLst>
+              <a:gd name="adj1" fmla="val 6125"/>
+            </a:avLst>
+          </a:prstGeom>
+          <a:ln w="28575">
+            <a:tailEnd type="arrow"/>
+          </a:ln>
+        </p:spPr>
+        <p:style>
+          <a:lnRef idx="1">
+            <a:schemeClr val="accent1"/>
+          </a:lnRef>
+          <a:fillRef idx="0">
+            <a:schemeClr val="accent1"/>
+          </a:fillRef>
+          <a:effectRef idx="0">
+            <a:schemeClr val="accent1"/>
+          </a:effectRef>
+          <a:fontRef idx="minor">
+            <a:schemeClr val="tx1"/>
+          </a:fontRef>
+        </p:style>
+      </p:cxnSp>
+      <p:cxnSp>
+        <p:nvCxnSpPr>
+          <p:cNvPr id="88" name="Соединительная линия уступом 523">
+            <a:extLst>
+              <a:ext uri="{FF2B5EF4-FFF2-40B4-BE49-F238E27FC236}">
+                <a16:creationId xmlns:a16="http://schemas.microsoft.com/office/drawing/2014/main" id="{651B23A2-86E9-4468-A171-0DBCEA5D42E8}"/>
+              </a:ext>
+            </a:extLst>
+          </p:cNvPr>
+          <p:cNvCxnSpPr>
+            <a:cxnSpLocks/>
+            <a:stCxn id="49" idx="2"/>
+            <a:endCxn id="48" idx="0"/>
+          </p:cNvCxnSpPr>
+          <p:nvPr/>
+        </p:nvCxnSpPr>
+        <p:spPr>
+          <a:xfrm rot="5400000">
+            <a:off x="5134342" y="8869873"/>
+            <a:ext cx="1665807" cy="1306994"/>
+          </a:xfrm>
+          <a:prstGeom prst="bentConnector3">
+            <a:avLst>
+              <a:gd name="adj1" fmla="val 9974"/>
+            </a:avLst>
+          </a:prstGeom>
+          <a:ln w="28575">
+            <a:tailEnd type="arrow"/>
+          </a:ln>
+        </p:spPr>
+        <p:style>
+          <a:lnRef idx="1">
+            <a:schemeClr val="accent1"/>
+          </a:lnRef>
+          <a:fillRef idx="0">
+            <a:schemeClr val="accent1"/>
+          </a:fillRef>
+          <a:effectRef idx="0">
+            <a:schemeClr val="accent1"/>
+          </a:effectRef>
+          <a:fontRef idx="minor">
+            <a:schemeClr val="tx1"/>
+          </a:fontRef>
+        </p:style>
+      </p:cxnSp>
+      <p:cxnSp>
+        <p:nvCxnSpPr>
+          <p:cNvPr id="95" name="Соединительная линия уступом 523">
+            <a:extLst>
+              <a:ext uri="{FF2B5EF4-FFF2-40B4-BE49-F238E27FC236}">
+                <a16:creationId xmlns:a16="http://schemas.microsoft.com/office/drawing/2014/main" id="{6AC3527A-8784-4D6E-9EB8-0C6A3FB498F5}"/>
+              </a:ext>
+            </a:extLst>
+          </p:cNvPr>
+          <p:cNvCxnSpPr>
+            <a:cxnSpLocks/>
+            <a:stCxn id="35" idx="2"/>
+            <a:endCxn id="44" idx="0"/>
+          </p:cNvCxnSpPr>
+          <p:nvPr/>
+        </p:nvCxnSpPr>
+        <p:spPr>
+          <a:xfrm rot="5400000">
+            <a:off x="9653416" y="6774079"/>
+            <a:ext cx="374675" cy="1286730"/>
+          </a:xfrm>
+          <a:prstGeom prst="bentConnector3">
+            <a:avLst>
+              <a:gd name="adj1" fmla="val 50000"/>
+            </a:avLst>
+          </a:prstGeom>
+          <a:ln w="28575">
+            <a:tailEnd type="arrow"/>
+          </a:ln>
+        </p:spPr>
+        <p:style>
+          <a:lnRef idx="1">
+            <a:schemeClr val="accent1"/>
+          </a:lnRef>
+          <a:fillRef idx="0">
+            <a:schemeClr val="accent1"/>
+          </a:fillRef>
+          <a:effectRef idx="0">
+            <a:schemeClr val="accent1"/>
+          </a:effectRef>
+          <a:fontRef idx="minor">
+            <a:schemeClr val="tx1"/>
+          </a:fontRef>
+        </p:style>
+      </p:cxnSp>
+      <p:cxnSp>
+        <p:nvCxnSpPr>
+          <p:cNvPr id="98" name="Соединительная линия уступом 523">
+            <a:extLst>
+              <a:ext uri="{FF2B5EF4-FFF2-40B4-BE49-F238E27FC236}">
+                <a16:creationId xmlns:a16="http://schemas.microsoft.com/office/drawing/2014/main" id="{1E229524-E407-4977-93F3-A7442BE0F848}"/>
+              </a:ext>
+            </a:extLst>
+          </p:cNvPr>
+          <p:cNvCxnSpPr>
+            <a:cxnSpLocks/>
+            <a:stCxn id="35" idx="2"/>
+            <a:endCxn id="38" idx="0"/>
+          </p:cNvCxnSpPr>
+          <p:nvPr/>
+        </p:nvCxnSpPr>
+        <p:spPr>
+          <a:xfrm rot="16200000" flipH="1">
+            <a:off x="10940146" y="6774079"/>
+            <a:ext cx="374675" cy="1286730"/>
+          </a:xfrm>
+          <a:prstGeom prst="bentConnector3">
+            <a:avLst>
+              <a:gd name="adj1" fmla="val 50000"/>
+            </a:avLst>
+          </a:prstGeom>
+          <a:ln w="28575">
+            <a:tailEnd type="arrow"/>
+          </a:ln>
+        </p:spPr>
+        <p:style>
+          <a:lnRef idx="1">
+            <a:schemeClr val="accent1"/>
+          </a:lnRef>
+          <a:fillRef idx="0">
+            <a:schemeClr val="accent1"/>
+          </a:fillRef>
+          <a:effectRef idx="0">
+            <a:schemeClr val="accent1"/>
+          </a:effectRef>
+          <a:fontRef idx="minor">
+            <a:schemeClr val="tx1"/>
+          </a:fontRef>
+        </p:style>
+      </p:cxnSp>
+      <p:cxnSp>
+        <p:nvCxnSpPr>
+          <p:cNvPr id="101" name="Соединительная линия уступом 523">
+            <a:extLst>
+              <a:ext uri="{FF2B5EF4-FFF2-40B4-BE49-F238E27FC236}">
+                <a16:creationId xmlns:a16="http://schemas.microsoft.com/office/drawing/2014/main" id="{02643FCE-10F1-4393-8A90-521548C1C33B}"/>
+              </a:ext>
+            </a:extLst>
+          </p:cNvPr>
+          <p:cNvCxnSpPr>
+            <a:cxnSpLocks/>
+            <a:stCxn id="40" idx="2"/>
+            <a:endCxn id="39" idx="0"/>
+          </p:cNvCxnSpPr>
+          <p:nvPr/>
+        </p:nvCxnSpPr>
+        <p:spPr>
+          <a:xfrm rot="16200000" flipH="1">
+            <a:off x="13488410" y="6783790"/>
+            <a:ext cx="378613" cy="1271246"/>
+          </a:xfrm>
+          <a:prstGeom prst="bentConnector3">
+            <a:avLst>
+              <a:gd name="adj1" fmla="val 50000"/>
+            </a:avLst>
+          </a:prstGeom>
+          <a:ln w="28575">
+            <a:tailEnd type="arrow"/>
+          </a:ln>
+        </p:spPr>
+        <p:style>
+          <a:lnRef idx="1">
+            <a:schemeClr val="accent1"/>
+          </a:lnRef>
+          <a:fillRef idx="0">
+            <a:schemeClr val="accent1"/>
+          </a:fillRef>
+          <a:effectRef idx="0">
+            <a:schemeClr val="accent1"/>
+          </a:effectRef>
+          <a:fontRef idx="minor">
+            <a:schemeClr val="tx1"/>
+          </a:fontRef>
+        </p:style>
+      </p:cxnSp>
+      <p:cxnSp>
+        <p:nvCxnSpPr>
+          <p:cNvPr id="104" name="Соединительная линия уступом 523">
+            <a:extLst>
+              <a:ext uri="{FF2B5EF4-FFF2-40B4-BE49-F238E27FC236}">
+                <a16:creationId xmlns:a16="http://schemas.microsoft.com/office/drawing/2014/main" id="{CCB906EC-15F8-49B2-A37A-809E9B64809E}"/>
+              </a:ext>
+            </a:extLst>
+          </p:cNvPr>
+          <p:cNvCxnSpPr>
+            <a:cxnSpLocks/>
+            <a:stCxn id="34" idx="2"/>
+            <a:endCxn id="39" idx="0"/>
+          </p:cNvCxnSpPr>
+          <p:nvPr/>
+        </p:nvCxnSpPr>
+        <p:spPr>
+          <a:xfrm rot="5400000">
+            <a:off x="14767398" y="6776049"/>
+            <a:ext cx="378613" cy="1286729"/>
+          </a:xfrm>
+          <a:prstGeom prst="bentConnector3">
+            <a:avLst>
+              <a:gd name="adj1" fmla="val 50000"/>
+            </a:avLst>
+          </a:prstGeom>
+          <a:ln w="28575">
+            <a:tailEnd type="arrow"/>
+          </a:ln>
+        </p:spPr>
+        <p:style>
+          <a:lnRef idx="1">
+            <a:schemeClr val="accent1"/>
+          </a:lnRef>
+          <a:fillRef idx="0">
+            <a:schemeClr val="accent1"/>
+          </a:fillRef>
+          <a:effectRef idx="0">
+            <a:schemeClr val="accent1"/>
+          </a:effectRef>
+          <a:fontRef idx="minor">
+            <a:schemeClr val="tx1"/>
+          </a:fontRef>
+        </p:style>
+      </p:cxnSp>
+      <p:cxnSp>
+        <p:nvCxnSpPr>
+          <p:cNvPr id="107" name="Соединительная линия уступом 523">
+            <a:extLst>
+              <a:ext uri="{FF2B5EF4-FFF2-40B4-BE49-F238E27FC236}">
+                <a16:creationId xmlns:a16="http://schemas.microsoft.com/office/drawing/2014/main" id="{7875949F-463A-435C-93B4-1638CBA0C53D}"/>
+              </a:ext>
+            </a:extLst>
+          </p:cNvPr>
+          <p:cNvCxnSpPr>
+            <a:cxnSpLocks/>
+            <a:stCxn id="34" idx="2"/>
+            <a:endCxn id="45" idx="0"/>
+          </p:cNvCxnSpPr>
+          <p:nvPr/>
+        </p:nvCxnSpPr>
+        <p:spPr>
+          <a:xfrm rot="16200000" flipH="1">
+            <a:off x="16038643" y="6791532"/>
+            <a:ext cx="378613" cy="1255762"/>
+          </a:xfrm>
+          <a:prstGeom prst="bentConnector3">
+            <a:avLst>
+              <a:gd name="adj1" fmla="val 50000"/>
+            </a:avLst>
+          </a:prstGeom>
+          <a:ln w="28575">
+            <a:tailEnd type="arrow"/>
+          </a:ln>
+        </p:spPr>
+        <p:style>
+          <a:lnRef idx="1">
+            <a:schemeClr val="accent1"/>
+          </a:lnRef>
+          <a:fillRef idx="0">
+            <a:schemeClr val="accent1"/>
+          </a:fillRef>
+          <a:effectRef idx="0">
+            <a:schemeClr val="accent1"/>
+          </a:effectRef>
+          <a:fontRef idx="minor">
+            <a:schemeClr val="tx1"/>
+          </a:fontRef>
+        </p:style>
+      </p:cxnSp>
+      <p:cxnSp>
+        <p:nvCxnSpPr>
+          <p:cNvPr id="112" name="Прямая со стрелкой 111">
+            <a:extLst>
+              <a:ext uri="{FF2B5EF4-FFF2-40B4-BE49-F238E27FC236}">
+                <a16:creationId xmlns:a16="http://schemas.microsoft.com/office/drawing/2014/main" id="{6A34E9ED-30A2-40B5-AA90-C4AA6758A1F1}"/>
+              </a:ext>
+            </a:extLst>
+          </p:cNvPr>
+          <p:cNvCxnSpPr>
+            <a:cxnSpLocks/>
+            <a:stCxn id="38" idx="2"/>
+            <a:endCxn id="42" idx="0"/>
+          </p:cNvCxnSpPr>
+          <p:nvPr/>
+        </p:nvCxnSpPr>
+        <p:spPr>
+          <a:xfrm>
+            <a:off x="11770848" y="8684782"/>
+            <a:ext cx="0" cy="273967"/>
+          </a:xfrm>
+          <a:prstGeom prst="straightConnector1">
+            <a:avLst/>
+          </a:prstGeom>
+          <a:ln w="28575">
+            <a:tailEnd type="arrow"/>
+          </a:ln>
+        </p:spPr>
+        <p:style>
+          <a:lnRef idx="1">
+            <a:schemeClr val="accent1"/>
+          </a:lnRef>
+          <a:fillRef idx="0">
+            <a:schemeClr val="accent1"/>
+          </a:fillRef>
+          <a:effectRef idx="0">
+            <a:schemeClr val="accent1"/>
+          </a:effectRef>
+          <a:fontRef idx="minor">
+            <a:schemeClr val="tx1"/>
+          </a:fontRef>
+        </p:style>
+      </p:cxnSp>
+      <p:cxnSp>
+        <p:nvCxnSpPr>
+          <p:cNvPr id="115" name="Соединительная линия уступом 523">
+            <a:extLst>
+              <a:ext uri="{FF2B5EF4-FFF2-40B4-BE49-F238E27FC236}">
+                <a16:creationId xmlns:a16="http://schemas.microsoft.com/office/drawing/2014/main" id="{C356EB2D-01FA-4848-80C1-C47FAA58665E}"/>
+              </a:ext>
+            </a:extLst>
+          </p:cNvPr>
+          <p:cNvCxnSpPr>
+            <a:cxnSpLocks/>
+            <a:stCxn id="25" idx="2"/>
+            <a:endCxn id="28" idx="0"/>
+          </p:cNvCxnSpPr>
+          <p:nvPr/>
+        </p:nvCxnSpPr>
+        <p:spPr>
+          <a:xfrm rot="5400000">
+            <a:off x="8404245" y="9555714"/>
+            <a:ext cx="312330" cy="1273956"/>
+          </a:xfrm>
+          <a:prstGeom prst="bentConnector3">
+            <a:avLst>
+              <a:gd name="adj1" fmla="val 50000"/>
+            </a:avLst>
+          </a:prstGeom>
+          <a:ln w="28575">
+            <a:tailEnd type="arrow"/>
+          </a:ln>
+        </p:spPr>
+        <p:style>
+          <a:lnRef idx="1">
+            <a:schemeClr val="accent1"/>
+          </a:lnRef>
+          <a:fillRef idx="0">
+            <a:schemeClr val="accent1"/>
+          </a:fillRef>
+          <a:effectRef idx="0">
+            <a:schemeClr val="accent1"/>
+          </a:effectRef>
+          <a:fontRef idx="minor">
+            <a:schemeClr val="tx1"/>
+          </a:fontRef>
+        </p:style>
+      </p:cxnSp>
+      <p:cxnSp>
+        <p:nvCxnSpPr>
+          <p:cNvPr id="118" name="Соединительная линия уступом 523">
+            <a:extLst>
+              <a:ext uri="{FF2B5EF4-FFF2-40B4-BE49-F238E27FC236}">
+                <a16:creationId xmlns:a16="http://schemas.microsoft.com/office/drawing/2014/main" id="{B54539AD-0F6E-4E60-B45A-9DCBE7451733}"/>
+              </a:ext>
+            </a:extLst>
+          </p:cNvPr>
+          <p:cNvCxnSpPr>
+            <a:cxnSpLocks/>
+            <a:stCxn id="25" idx="2"/>
+            <a:endCxn id="26" idx="0"/>
+          </p:cNvCxnSpPr>
+          <p:nvPr/>
+        </p:nvCxnSpPr>
+        <p:spPr>
+          <a:xfrm rot="16200000" flipH="1">
+            <a:off x="9684588" y="9549327"/>
+            <a:ext cx="312330" cy="1286730"/>
+          </a:xfrm>
+          <a:prstGeom prst="bentConnector3">
+            <a:avLst>
+              <a:gd name="adj1" fmla="val 50000"/>
+            </a:avLst>
+          </a:prstGeom>
+          <a:ln w="28575">
+            <a:tailEnd type="arrow"/>
+          </a:ln>
+        </p:spPr>
+        <p:style>
+          <a:lnRef idx="1">
+            <a:schemeClr val="accent1"/>
+          </a:lnRef>
+          <a:fillRef idx="0">
+            <a:schemeClr val="accent1"/>
+          </a:fillRef>
+          <a:effectRef idx="0">
+            <a:schemeClr val="accent1"/>
+          </a:effectRef>
+          <a:fontRef idx="minor">
+            <a:schemeClr val="tx1"/>
+          </a:fontRef>
+        </p:style>
+      </p:cxnSp>
+      <p:cxnSp>
+        <p:nvCxnSpPr>
+          <p:cNvPr id="122" name="Прямая со стрелкой 121">
+            <a:extLst>
+              <a:ext uri="{FF2B5EF4-FFF2-40B4-BE49-F238E27FC236}">
+                <a16:creationId xmlns:a16="http://schemas.microsoft.com/office/drawing/2014/main" id="{2EA9E2A7-A043-487B-BD5C-D3DD912B4356}"/>
+              </a:ext>
+            </a:extLst>
+          </p:cNvPr>
+          <p:cNvCxnSpPr>
+            <a:cxnSpLocks/>
+            <a:stCxn id="28" idx="2"/>
+            <a:endCxn id="30" idx="0"/>
+          </p:cNvCxnSpPr>
+          <p:nvPr/>
+        </p:nvCxnSpPr>
+        <p:spPr>
+          <a:xfrm>
+            <a:off x="7923432" y="11428857"/>
+            <a:ext cx="0" cy="323210"/>
+          </a:xfrm>
+          <a:prstGeom prst="straightConnector1">
+            <a:avLst/>
+          </a:prstGeom>
+          <a:ln w="28575">
+            <a:tailEnd type="arrow"/>
+          </a:ln>
+        </p:spPr>
+        <p:style>
+          <a:lnRef idx="1">
+            <a:schemeClr val="accent1"/>
+          </a:lnRef>
+          <a:fillRef idx="0">
+            <a:schemeClr val="accent1"/>
+          </a:fillRef>
+          <a:effectRef idx="0">
+            <a:schemeClr val="accent1"/>
+          </a:effectRef>
+          <a:fontRef idx="minor">
+            <a:schemeClr val="tx1"/>
+          </a:fontRef>
+        </p:style>
+      </p:cxnSp>
+      <p:cxnSp>
+        <p:nvCxnSpPr>
+          <p:cNvPr id="125" name="Прямая со стрелкой 124">
+            <a:extLst>
+              <a:ext uri="{FF2B5EF4-FFF2-40B4-BE49-F238E27FC236}">
+                <a16:creationId xmlns:a16="http://schemas.microsoft.com/office/drawing/2014/main" id="{2508D6D7-6D54-4C03-B717-A7AEB9F4714C}"/>
+              </a:ext>
+            </a:extLst>
+          </p:cNvPr>
+          <p:cNvCxnSpPr>
+            <a:cxnSpLocks/>
+            <a:stCxn id="26" idx="2"/>
+            <a:endCxn id="27" idx="0"/>
+          </p:cNvCxnSpPr>
+          <p:nvPr/>
+        </p:nvCxnSpPr>
+        <p:spPr>
+          <a:xfrm>
+            <a:off x="10484118" y="11428857"/>
+            <a:ext cx="0" cy="327164"/>
+          </a:xfrm>
+          <a:prstGeom prst="straightConnector1">
+            <a:avLst/>
+          </a:prstGeom>
+          <a:ln w="28575">
+            <a:tailEnd type="arrow"/>
+          </a:ln>
+        </p:spPr>
+        <p:style>
+          <a:lnRef idx="1">
+            <a:schemeClr val="accent1"/>
+          </a:lnRef>
+          <a:fillRef idx="0">
+            <a:schemeClr val="accent1"/>
+          </a:fillRef>
+          <a:effectRef idx="0">
+            <a:schemeClr val="accent1"/>
+          </a:effectRef>
+          <a:fontRef idx="minor">
+            <a:schemeClr val="tx1"/>
+          </a:fontRef>
+        </p:style>
+      </p:cxnSp>
+      <p:cxnSp>
+        <p:nvCxnSpPr>
+          <p:cNvPr id="129" name="Прямая со стрелкой 128">
+            <a:extLst>
+              <a:ext uri="{FF2B5EF4-FFF2-40B4-BE49-F238E27FC236}">
+                <a16:creationId xmlns:a16="http://schemas.microsoft.com/office/drawing/2014/main" id="{0862DCEC-2AFC-4705-833D-2F85536D579C}"/>
+              </a:ext>
+            </a:extLst>
+          </p:cNvPr>
+          <p:cNvCxnSpPr>
+            <a:cxnSpLocks/>
+            <a:stCxn id="40" idx="2"/>
+            <a:endCxn id="41" idx="0"/>
+          </p:cNvCxnSpPr>
+          <p:nvPr/>
+        </p:nvCxnSpPr>
+        <p:spPr>
+          <a:xfrm>
+            <a:off x="13042093" y="7230107"/>
+            <a:ext cx="0" cy="3126167"/>
+          </a:xfrm>
+          <a:prstGeom prst="straightConnector1">
+            <a:avLst/>
+          </a:prstGeom>
+          <a:ln w="28575">
+            <a:tailEnd type="arrow"/>
+          </a:ln>
+        </p:spPr>
+        <p:style>
+          <a:lnRef idx="1">
+            <a:schemeClr val="accent1"/>
+          </a:lnRef>
+          <a:fillRef idx="0">
+            <a:schemeClr val="accent1"/>
+          </a:fillRef>
+          <a:effectRef idx="0">
+            <a:schemeClr val="accent1"/>
+          </a:effectRef>
+          <a:fontRef idx="minor">
+            <a:schemeClr val="tx1"/>
+          </a:fontRef>
+        </p:style>
+      </p:cxnSp>
+      <p:cxnSp>
+        <p:nvCxnSpPr>
+          <p:cNvPr id="132" name="Прямая со стрелкой 131">
+            <a:extLst>
+              <a:ext uri="{FF2B5EF4-FFF2-40B4-BE49-F238E27FC236}">
+                <a16:creationId xmlns:a16="http://schemas.microsoft.com/office/drawing/2014/main" id="{F77D2DA5-EDEF-4E45-8230-51F2A41A8199}"/>
+              </a:ext>
+            </a:extLst>
+          </p:cNvPr>
+          <p:cNvCxnSpPr>
+            <a:cxnSpLocks/>
+            <a:stCxn id="34" idx="2"/>
+            <a:endCxn id="37" idx="0"/>
+          </p:cNvCxnSpPr>
+          <p:nvPr/>
+        </p:nvCxnSpPr>
+        <p:spPr>
+          <a:xfrm>
+            <a:off x="15600068" y="7230107"/>
+            <a:ext cx="0" cy="3126167"/>
+          </a:xfrm>
+          <a:prstGeom prst="straightConnector1">
+            <a:avLst/>
+          </a:prstGeom>
+          <a:ln w="28575">
+            <a:tailEnd type="arrow"/>
+          </a:ln>
+        </p:spPr>
+        <p:style>
+          <a:lnRef idx="1">
+            <a:schemeClr val="accent1"/>
+          </a:lnRef>
+          <a:fillRef idx="0">
+            <a:schemeClr val="accent1"/>
+          </a:fillRef>
+          <a:effectRef idx="0">
+            <a:schemeClr val="accent1"/>
+          </a:effectRef>
+          <a:fontRef idx="minor">
+            <a:schemeClr val="tx1"/>
+          </a:fontRef>
+        </p:style>
+      </p:cxnSp>
+      <p:cxnSp>
+        <p:nvCxnSpPr>
+          <p:cNvPr id="135" name="Соединительная линия уступом 523">
+            <a:extLst>
+              <a:ext uri="{FF2B5EF4-FFF2-40B4-BE49-F238E27FC236}">
+                <a16:creationId xmlns:a16="http://schemas.microsoft.com/office/drawing/2014/main" id="{5EDBD8FF-3888-4099-82F9-0F2356A22121}"/>
+              </a:ext>
+            </a:extLst>
+          </p:cNvPr>
+          <p:cNvCxnSpPr>
+            <a:cxnSpLocks/>
+            <a:stCxn id="43" idx="2"/>
+            <a:endCxn id="41" idx="0"/>
+          </p:cNvCxnSpPr>
+          <p:nvPr/>
+        </p:nvCxnSpPr>
+        <p:spPr>
+          <a:xfrm rot="5400000">
+            <a:off x="13517843" y="9560777"/>
+            <a:ext cx="319747" cy="1271246"/>
+          </a:xfrm>
+          <a:prstGeom prst="bentConnector3">
+            <a:avLst>
+              <a:gd name="adj1" fmla="val 50000"/>
+            </a:avLst>
+          </a:prstGeom>
+          <a:ln w="28575">
+            <a:tailEnd type="arrow"/>
+          </a:ln>
+        </p:spPr>
+        <p:style>
+          <a:lnRef idx="1">
+            <a:schemeClr val="accent1"/>
+          </a:lnRef>
+          <a:fillRef idx="0">
+            <a:schemeClr val="accent1"/>
+          </a:fillRef>
+          <a:effectRef idx="0">
+            <a:schemeClr val="accent1"/>
+          </a:effectRef>
+          <a:fontRef idx="minor">
+            <a:schemeClr val="tx1"/>
+          </a:fontRef>
+        </p:style>
+      </p:cxnSp>
+      <p:cxnSp>
+        <p:nvCxnSpPr>
+          <p:cNvPr id="138" name="Соединительная линия уступом 523">
+            <a:extLst>
+              <a:ext uri="{FF2B5EF4-FFF2-40B4-BE49-F238E27FC236}">
+                <a16:creationId xmlns:a16="http://schemas.microsoft.com/office/drawing/2014/main" id="{491AB98D-9B64-49BC-930A-7D12B9554A07}"/>
+              </a:ext>
+            </a:extLst>
+          </p:cNvPr>
+          <p:cNvCxnSpPr>
+            <a:cxnSpLocks/>
+            <a:stCxn id="43" idx="2"/>
+            <a:endCxn id="37" idx="0"/>
+          </p:cNvCxnSpPr>
+          <p:nvPr/>
+        </p:nvCxnSpPr>
+        <p:spPr>
+          <a:xfrm rot="16200000" flipH="1">
+            <a:off x="14796830" y="9553035"/>
+            <a:ext cx="319747" cy="1286729"/>
+          </a:xfrm>
+          <a:prstGeom prst="bentConnector3">
+            <a:avLst>
+              <a:gd name="adj1" fmla="val 50000"/>
+            </a:avLst>
+          </a:prstGeom>
+          <a:ln w="28575">
+            <a:tailEnd type="arrow"/>
+          </a:ln>
+        </p:spPr>
+        <p:style>
+          <a:lnRef idx="1">
+            <a:schemeClr val="accent1"/>
+          </a:lnRef>
+          <a:fillRef idx="0">
+            <a:schemeClr val="accent1"/>
+          </a:fillRef>
+          <a:effectRef idx="0">
+            <a:schemeClr val="accent1"/>
+          </a:effectRef>
+          <a:fontRef idx="minor">
+            <a:schemeClr val="tx1"/>
+          </a:fontRef>
+        </p:style>
+      </p:cxnSp>
+      <p:cxnSp>
+        <p:nvCxnSpPr>
+          <p:cNvPr id="141" name="Соединительная линия уступом 523">
+            <a:extLst>
+              <a:ext uri="{FF2B5EF4-FFF2-40B4-BE49-F238E27FC236}">
+                <a16:creationId xmlns:a16="http://schemas.microsoft.com/office/drawing/2014/main" id="{2B4830C7-F7F8-4FBB-B4A6-47E46EA7B2F8}"/>
+              </a:ext>
+            </a:extLst>
+          </p:cNvPr>
+          <p:cNvCxnSpPr>
+            <a:cxnSpLocks/>
+            <a:stCxn id="54" idx="2"/>
+            <a:endCxn id="58" idx="0"/>
+          </p:cNvCxnSpPr>
+          <p:nvPr/>
+        </p:nvCxnSpPr>
+        <p:spPr>
+          <a:xfrm rot="16200000" flipH="1">
+            <a:off x="12880251" y="1744043"/>
+            <a:ext cx="323685" cy="2542491"/>
+          </a:xfrm>
+          <a:prstGeom prst="bentConnector3">
+            <a:avLst>
+              <a:gd name="adj1" fmla="val 50000"/>
+            </a:avLst>
+          </a:prstGeom>
+          <a:ln w="28575">
+            <a:tailEnd type="arrow"/>
+          </a:ln>
+        </p:spPr>
+        <p:style>
+          <a:lnRef idx="1">
+            <a:schemeClr val="accent1"/>
+          </a:lnRef>
+          <a:fillRef idx="0">
+            <a:schemeClr val="accent1"/>
+          </a:fillRef>
+          <a:effectRef idx="0">
+            <a:schemeClr val="accent1"/>
+          </a:effectRef>
+          <a:fontRef idx="minor">
+            <a:schemeClr val="tx1"/>
+          </a:fontRef>
+        </p:style>
+      </p:cxnSp>
+      <p:cxnSp>
+        <p:nvCxnSpPr>
+          <p:cNvPr id="144" name="Соединительная линия уступом 523">
+            <a:extLst>
+              <a:ext uri="{FF2B5EF4-FFF2-40B4-BE49-F238E27FC236}">
+                <a16:creationId xmlns:a16="http://schemas.microsoft.com/office/drawing/2014/main" id="{25968507-4E3A-4825-A0E5-BF572F1C5CA1}"/>
+              </a:ext>
+            </a:extLst>
+          </p:cNvPr>
+          <p:cNvCxnSpPr>
+            <a:cxnSpLocks/>
+            <a:stCxn id="54" idx="2"/>
+            <a:endCxn id="56" idx="0"/>
+          </p:cNvCxnSpPr>
+          <p:nvPr/>
+        </p:nvCxnSpPr>
+        <p:spPr>
+          <a:xfrm rot="5400000">
+            <a:off x="10322276" y="1728559"/>
+            <a:ext cx="323685" cy="2573460"/>
+          </a:xfrm>
+          <a:prstGeom prst="bentConnector3">
+            <a:avLst>
+              <a:gd name="adj1" fmla="val 50000"/>
+            </a:avLst>
+          </a:prstGeom>
+          <a:ln w="28575">
+            <a:tailEnd type="arrow"/>
+          </a:ln>
+        </p:spPr>
+        <p:style>
+          <a:lnRef idx="1">
+            <a:schemeClr val="accent1"/>
+          </a:lnRef>
+          <a:fillRef idx="0">
+            <a:schemeClr val="accent1"/>
+          </a:fillRef>
+          <a:effectRef idx="0">
+            <a:schemeClr val="accent1"/>
+          </a:effectRef>
+          <a:fontRef idx="minor">
+            <a:schemeClr val="tx1"/>
+          </a:fontRef>
+        </p:style>
+      </p:cxnSp>
+      <p:cxnSp>
+        <p:nvCxnSpPr>
+          <p:cNvPr id="147" name="Прямая со стрелкой 146">
+            <a:extLst>
+              <a:ext uri="{FF2B5EF4-FFF2-40B4-BE49-F238E27FC236}">
+                <a16:creationId xmlns:a16="http://schemas.microsoft.com/office/drawing/2014/main" id="{FEF0748A-B663-49A8-9415-C42D5F6298E4}"/>
+              </a:ext>
+            </a:extLst>
+          </p:cNvPr>
+          <p:cNvCxnSpPr>
+            <a:cxnSpLocks/>
+            <a:stCxn id="61" idx="2"/>
+            <a:endCxn id="64" idx="0"/>
+          </p:cNvCxnSpPr>
+          <p:nvPr/>
+        </p:nvCxnSpPr>
+        <p:spPr>
+          <a:xfrm>
+            <a:off x="4044096" y="2846220"/>
+            <a:ext cx="0" cy="330912"/>
+          </a:xfrm>
+          <a:prstGeom prst="straightConnector1">
+            <a:avLst/>
+          </a:prstGeom>
+          <a:ln w="28575">
+            <a:tailEnd type="arrow"/>
+          </a:ln>
+        </p:spPr>
+        <p:style>
+          <a:lnRef idx="1">
+            <a:schemeClr val="accent1"/>
+          </a:lnRef>
+          <a:fillRef idx="0">
+            <a:schemeClr val="accent1"/>
+          </a:fillRef>
+          <a:effectRef idx="0">
+            <a:schemeClr val="accent1"/>
+          </a:effectRef>
+          <a:fontRef idx="minor">
+            <a:schemeClr val="tx1"/>
+          </a:fontRef>
+        </p:style>
+      </p:cxnSp>
+      <p:cxnSp>
+        <p:nvCxnSpPr>
+          <p:cNvPr id="150" name="Прямая со стрелкой 149">
+            <a:extLst>
+              <a:ext uri="{FF2B5EF4-FFF2-40B4-BE49-F238E27FC236}">
+                <a16:creationId xmlns:a16="http://schemas.microsoft.com/office/drawing/2014/main" id="{1773E2C9-86CF-4909-BE24-C4E533596803}"/>
+              </a:ext>
+            </a:extLst>
+          </p:cNvPr>
+          <p:cNvCxnSpPr>
+            <a:cxnSpLocks/>
+            <a:stCxn id="54" idx="2"/>
+            <a:endCxn id="57" idx="0"/>
+          </p:cNvCxnSpPr>
+          <p:nvPr/>
+        </p:nvCxnSpPr>
+        <p:spPr>
+          <a:xfrm>
+            <a:off x="11770848" y="2853447"/>
+            <a:ext cx="0" cy="323685"/>
+          </a:xfrm>
+          <a:prstGeom prst="straightConnector1">
+            <a:avLst/>
+          </a:prstGeom>
+          <a:ln w="28575">
+            <a:tailEnd type="arrow"/>
           </a:ln>
         </p:spPr>
         <p:style>

--- a/Наработки/диздоки/Бельгия/Бельгия.pptx
+++ b/Наработки/диздоки/Бельгия/Бельгия.pptx
@@ -209,7 +209,7 @@
             <a:fld id="{33E3D7F9-E251-484C-A6FF-FA958879DF69}" type="datetimeFigureOut">
               <a:rPr lang="ru-RU" smtClean="0"/>
               <a:pPr/>
-              <a:t>31.05.2022</a:t>
+              <a:t>02.06.2022</a:t>
             </a:fld>
             <a:endParaRPr lang="ru-RU"/>
           </a:p>
@@ -699,7 +699,7 @@
             <a:fld id="{85A5DE44-605B-4D3B-B2B7-94543DF81A36}" type="datetimeFigureOut">
               <a:rPr lang="ru-RU" smtClean="0"/>
               <a:pPr/>
-              <a:t>31.05.2022</a:t>
+              <a:t>02.06.2022</a:t>
             </a:fld>
             <a:endParaRPr lang="ru-RU"/>
           </a:p>
@@ -871,7 +871,7 @@
             <a:fld id="{85A5DE44-605B-4D3B-B2B7-94543DF81A36}" type="datetimeFigureOut">
               <a:rPr lang="ru-RU" smtClean="0"/>
               <a:pPr/>
-              <a:t>31.05.2022</a:t>
+              <a:t>02.06.2022</a:t>
             </a:fld>
             <a:endParaRPr lang="ru-RU"/>
           </a:p>
@@ -1053,7 +1053,7 @@
             <a:fld id="{85A5DE44-605B-4D3B-B2B7-94543DF81A36}" type="datetimeFigureOut">
               <a:rPr lang="ru-RU" smtClean="0"/>
               <a:pPr/>
-              <a:t>31.05.2022</a:t>
+              <a:t>02.06.2022</a:t>
             </a:fld>
             <a:endParaRPr lang="ru-RU"/>
           </a:p>
@@ -1225,7 +1225,7 @@
             <a:fld id="{85A5DE44-605B-4D3B-B2B7-94543DF81A36}" type="datetimeFigureOut">
               <a:rPr lang="ru-RU" smtClean="0"/>
               <a:pPr/>
-              <a:t>31.05.2022</a:t>
+              <a:t>02.06.2022</a:t>
             </a:fld>
             <a:endParaRPr lang="ru-RU"/>
           </a:p>
@@ -1473,7 +1473,7 @@
             <a:fld id="{85A5DE44-605B-4D3B-B2B7-94543DF81A36}" type="datetimeFigureOut">
               <a:rPr lang="ru-RU" smtClean="0"/>
               <a:pPr/>
-              <a:t>31.05.2022</a:t>
+              <a:t>02.06.2022</a:t>
             </a:fld>
             <a:endParaRPr lang="ru-RU"/>
           </a:p>
@@ -1707,7 +1707,7 @@
             <a:fld id="{85A5DE44-605B-4D3B-B2B7-94543DF81A36}" type="datetimeFigureOut">
               <a:rPr lang="ru-RU" smtClean="0"/>
               <a:pPr/>
-              <a:t>31.05.2022</a:t>
+              <a:t>02.06.2022</a:t>
             </a:fld>
             <a:endParaRPr lang="ru-RU"/>
           </a:p>
@@ -2076,7 +2076,7 @@
             <a:fld id="{85A5DE44-605B-4D3B-B2B7-94543DF81A36}" type="datetimeFigureOut">
               <a:rPr lang="ru-RU" smtClean="0"/>
               <a:pPr/>
-              <a:t>31.05.2022</a:t>
+              <a:t>02.06.2022</a:t>
             </a:fld>
             <a:endParaRPr lang="ru-RU"/>
           </a:p>
@@ -2196,7 +2196,7 @@
             <a:fld id="{85A5DE44-605B-4D3B-B2B7-94543DF81A36}" type="datetimeFigureOut">
               <a:rPr lang="ru-RU" smtClean="0"/>
               <a:pPr/>
-              <a:t>31.05.2022</a:t>
+              <a:t>02.06.2022</a:t>
             </a:fld>
             <a:endParaRPr lang="ru-RU"/>
           </a:p>
@@ -2293,7 +2293,7 @@
             <a:fld id="{85A5DE44-605B-4D3B-B2B7-94543DF81A36}" type="datetimeFigureOut">
               <a:rPr lang="ru-RU" smtClean="0"/>
               <a:pPr/>
-              <a:t>31.05.2022</a:t>
+              <a:t>02.06.2022</a:t>
             </a:fld>
             <a:endParaRPr lang="ru-RU"/>
           </a:p>
@@ -2572,7 +2572,7 @@
             <a:fld id="{85A5DE44-605B-4D3B-B2B7-94543DF81A36}" type="datetimeFigureOut">
               <a:rPr lang="ru-RU" smtClean="0"/>
               <a:pPr/>
-              <a:t>31.05.2022</a:t>
+              <a:t>02.06.2022</a:t>
             </a:fld>
             <a:endParaRPr lang="ru-RU"/>
           </a:p>
@@ -2831,7 +2831,7 @@
             <a:fld id="{85A5DE44-605B-4D3B-B2B7-94543DF81A36}" type="datetimeFigureOut">
               <a:rPr lang="ru-RU" smtClean="0"/>
               <a:pPr/>
-              <a:t>31.05.2022</a:t>
+              <a:t>02.06.2022</a:t>
             </a:fld>
             <a:endParaRPr lang="ru-RU"/>
           </a:p>
@@ -3046,7 +3046,7 @@
             <a:fld id="{85A5DE44-605B-4D3B-B2B7-94543DF81A36}" type="datetimeFigureOut">
               <a:rPr lang="ru-RU" smtClean="0"/>
               <a:pPr/>
-              <a:t>31.05.2022</a:t>
+              <a:t>02.06.2022</a:t>
             </a:fld>
             <a:endParaRPr lang="ru-RU"/>
           </a:p>

--- a/Наработки/диздоки/Бельгия/Бельгия.pptx
+++ b/Наработки/диздоки/Бельгия/Бельгия.pptx
@@ -209,7 +209,7 @@
             <a:fld id="{33E3D7F9-E251-484C-A6FF-FA958879DF69}" type="datetimeFigureOut">
               <a:rPr lang="ru-RU" smtClean="0"/>
               <a:pPr/>
-              <a:t>02.06.2022</a:t>
+              <a:t>15.07.2022</a:t>
             </a:fld>
             <a:endParaRPr lang="ru-RU"/>
           </a:p>
@@ -699,7 +699,7 @@
             <a:fld id="{85A5DE44-605B-4D3B-B2B7-94543DF81A36}" type="datetimeFigureOut">
               <a:rPr lang="ru-RU" smtClean="0"/>
               <a:pPr/>
-              <a:t>02.06.2022</a:t>
+              <a:t>15.07.2022</a:t>
             </a:fld>
             <a:endParaRPr lang="ru-RU"/>
           </a:p>
@@ -871,7 +871,7 @@
             <a:fld id="{85A5DE44-605B-4D3B-B2B7-94543DF81A36}" type="datetimeFigureOut">
               <a:rPr lang="ru-RU" smtClean="0"/>
               <a:pPr/>
-              <a:t>02.06.2022</a:t>
+              <a:t>15.07.2022</a:t>
             </a:fld>
             <a:endParaRPr lang="ru-RU"/>
           </a:p>
@@ -1053,7 +1053,7 @@
             <a:fld id="{85A5DE44-605B-4D3B-B2B7-94543DF81A36}" type="datetimeFigureOut">
               <a:rPr lang="ru-RU" smtClean="0"/>
               <a:pPr/>
-              <a:t>02.06.2022</a:t>
+              <a:t>15.07.2022</a:t>
             </a:fld>
             <a:endParaRPr lang="ru-RU"/>
           </a:p>
@@ -1225,7 +1225,7 @@
             <a:fld id="{85A5DE44-605B-4D3B-B2B7-94543DF81A36}" type="datetimeFigureOut">
               <a:rPr lang="ru-RU" smtClean="0"/>
               <a:pPr/>
-              <a:t>02.06.2022</a:t>
+              <a:t>15.07.2022</a:t>
             </a:fld>
             <a:endParaRPr lang="ru-RU"/>
           </a:p>
@@ -1473,7 +1473,7 @@
             <a:fld id="{85A5DE44-605B-4D3B-B2B7-94543DF81A36}" type="datetimeFigureOut">
               <a:rPr lang="ru-RU" smtClean="0"/>
               <a:pPr/>
-              <a:t>02.06.2022</a:t>
+              <a:t>15.07.2022</a:t>
             </a:fld>
             <a:endParaRPr lang="ru-RU"/>
           </a:p>
@@ -1707,7 +1707,7 @@
             <a:fld id="{85A5DE44-605B-4D3B-B2B7-94543DF81A36}" type="datetimeFigureOut">
               <a:rPr lang="ru-RU" smtClean="0"/>
               <a:pPr/>
-              <a:t>02.06.2022</a:t>
+              <a:t>15.07.2022</a:t>
             </a:fld>
             <a:endParaRPr lang="ru-RU"/>
           </a:p>
@@ -2076,7 +2076,7 @@
             <a:fld id="{85A5DE44-605B-4D3B-B2B7-94543DF81A36}" type="datetimeFigureOut">
               <a:rPr lang="ru-RU" smtClean="0"/>
               <a:pPr/>
-              <a:t>02.06.2022</a:t>
+              <a:t>15.07.2022</a:t>
             </a:fld>
             <a:endParaRPr lang="ru-RU"/>
           </a:p>
@@ -2196,7 +2196,7 @@
             <a:fld id="{85A5DE44-605B-4D3B-B2B7-94543DF81A36}" type="datetimeFigureOut">
               <a:rPr lang="ru-RU" smtClean="0"/>
               <a:pPr/>
-              <a:t>02.06.2022</a:t>
+              <a:t>15.07.2022</a:t>
             </a:fld>
             <a:endParaRPr lang="ru-RU"/>
           </a:p>
@@ -2293,7 +2293,7 @@
             <a:fld id="{85A5DE44-605B-4D3B-B2B7-94543DF81A36}" type="datetimeFigureOut">
               <a:rPr lang="ru-RU" smtClean="0"/>
               <a:pPr/>
-              <a:t>02.06.2022</a:t>
+              <a:t>15.07.2022</a:t>
             </a:fld>
             <a:endParaRPr lang="ru-RU"/>
           </a:p>
@@ -2572,7 +2572,7 @@
             <a:fld id="{85A5DE44-605B-4D3B-B2B7-94543DF81A36}" type="datetimeFigureOut">
               <a:rPr lang="ru-RU" smtClean="0"/>
               <a:pPr/>
-              <a:t>02.06.2022</a:t>
+              <a:t>15.07.2022</a:t>
             </a:fld>
             <a:endParaRPr lang="ru-RU"/>
           </a:p>
@@ -2831,7 +2831,7 @@
             <a:fld id="{85A5DE44-605B-4D3B-B2B7-94543DF81A36}" type="datetimeFigureOut">
               <a:rPr lang="ru-RU" smtClean="0"/>
               <a:pPr/>
-              <a:t>02.06.2022</a:t>
+              <a:t>15.07.2022</a:t>
             </a:fld>
             <a:endParaRPr lang="ru-RU"/>
           </a:p>
@@ -3046,7 +3046,7 @@
             <a:fld id="{85A5DE44-605B-4D3B-B2B7-94543DF81A36}" type="datetimeFigureOut">
               <a:rPr lang="ru-RU" smtClean="0"/>
               <a:pPr/>
-              <a:t>02.06.2022</a:t>
+              <a:t>15.07.2022</a:t>
             </a:fld>
             <a:endParaRPr lang="ru-RU"/>
           </a:p>
@@ -3460,7 +3460,7 @@
         </p:nvSpPr>
         <p:spPr>
           <a:xfrm>
-            <a:off x="13255380" y="11756021"/>
+            <a:off x="15828840" y="1766220"/>
             <a:ext cx="2115918" cy="1080000"/>
           </a:xfrm>
           <a:prstGeom prst="rect">
@@ -3805,7 +3805,7 @@
         </p:nvSpPr>
         <p:spPr>
           <a:xfrm>
-            <a:off x="13255380" y="13155768"/>
+            <a:off x="15828840" y="3165967"/>
             <a:ext cx="2115918" cy="1080000"/>
           </a:xfrm>
           <a:prstGeom prst="rect">
@@ -4235,7 +4235,7 @@
         </p:nvSpPr>
         <p:spPr>
           <a:xfrm>
-            <a:off x="13255380" y="14565935"/>
+            <a:off x="15828840" y="4576134"/>
             <a:ext cx="2115918" cy="1080000"/>
           </a:xfrm>
           <a:prstGeom prst="rect">
@@ -7753,7 +7753,7 @@
         </p:nvCxnSpPr>
         <p:spPr>
           <a:xfrm>
-            <a:off x="14313339" y="12836021"/>
+            <a:off x="16886799" y="2846220"/>
             <a:ext cx="0" cy="319747"/>
           </a:xfrm>
           <a:prstGeom prst="straightConnector1">
@@ -7796,7 +7796,7 @@
         </p:nvCxnSpPr>
         <p:spPr>
           <a:xfrm>
-            <a:off x="14313339" y="14235768"/>
+            <a:off x="16886799" y="4245967"/>
             <a:ext cx="0" cy="330167"/>
           </a:xfrm>
           <a:prstGeom prst="straightConnector1">

--- a/Наработки/диздоки/Бельгия/Бельгия.pptx
+++ b/Наработки/диздоки/Бельгия/Бельгия.pptx
@@ -209,7 +209,7 @@
             <a:fld id="{33E3D7F9-E251-484C-A6FF-FA958879DF69}" type="datetimeFigureOut">
               <a:rPr lang="ru-RU" smtClean="0"/>
               <a:pPr/>
-              <a:t>15.07.2022</a:t>
+              <a:t>20.01.2023</a:t>
             </a:fld>
             <a:endParaRPr lang="ru-RU"/>
           </a:p>
@@ -699,7 +699,7 @@
             <a:fld id="{85A5DE44-605B-4D3B-B2B7-94543DF81A36}" type="datetimeFigureOut">
               <a:rPr lang="ru-RU" smtClean="0"/>
               <a:pPr/>
-              <a:t>15.07.2022</a:t>
+              <a:t>20.01.2023</a:t>
             </a:fld>
             <a:endParaRPr lang="ru-RU"/>
           </a:p>
@@ -871,7 +871,7 @@
             <a:fld id="{85A5DE44-605B-4D3B-B2B7-94543DF81A36}" type="datetimeFigureOut">
               <a:rPr lang="ru-RU" smtClean="0"/>
               <a:pPr/>
-              <a:t>15.07.2022</a:t>
+              <a:t>20.01.2023</a:t>
             </a:fld>
             <a:endParaRPr lang="ru-RU"/>
           </a:p>
@@ -1053,7 +1053,7 @@
             <a:fld id="{85A5DE44-605B-4D3B-B2B7-94543DF81A36}" type="datetimeFigureOut">
               <a:rPr lang="ru-RU" smtClean="0"/>
               <a:pPr/>
-              <a:t>15.07.2022</a:t>
+              <a:t>20.01.2023</a:t>
             </a:fld>
             <a:endParaRPr lang="ru-RU"/>
           </a:p>
@@ -1225,7 +1225,7 @@
             <a:fld id="{85A5DE44-605B-4D3B-B2B7-94543DF81A36}" type="datetimeFigureOut">
               <a:rPr lang="ru-RU" smtClean="0"/>
               <a:pPr/>
-              <a:t>15.07.2022</a:t>
+              <a:t>20.01.2023</a:t>
             </a:fld>
             <a:endParaRPr lang="ru-RU"/>
           </a:p>
@@ -1473,7 +1473,7 @@
             <a:fld id="{85A5DE44-605B-4D3B-B2B7-94543DF81A36}" type="datetimeFigureOut">
               <a:rPr lang="ru-RU" smtClean="0"/>
               <a:pPr/>
-              <a:t>15.07.2022</a:t>
+              <a:t>20.01.2023</a:t>
             </a:fld>
             <a:endParaRPr lang="ru-RU"/>
           </a:p>
@@ -1707,7 +1707,7 @@
             <a:fld id="{85A5DE44-605B-4D3B-B2B7-94543DF81A36}" type="datetimeFigureOut">
               <a:rPr lang="ru-RU" smtClean="0"/>
               <a:pPr/>
-              <a:t>15.07.2022</a:t>
+              <a:t>20.01.2023</a:t>
             </a:fld>
             <a:endParaRPr lang="ru-RU"/>
           </a:p>
@@ -2076,7 +2076,7 @@
             <a:fld id="{85A5DE44-605B-4D3B-B2B7-94543DF81A36}" type="datetimeFigureOut">
               <a:rPr lang="ru-RU" smtClean="0"/>
               <a:pPr/>
-              <a:t>15.07.2022</a:t>
+              <a:t>20.01.2023</a:t>
             </a:fld>
             <a:endParaRPr lang="ru-RU"/>
           </a:p>
@@ -2196,7 +2196,7 @@
             <a:fld id="{85A5DE44-605B-4D3B-B2B7-94543DF81A36}" type="datetimeFigureOut">
               <a:rPr lang="ru-RU" smtClean="0"/>
               <a:pPr/>
-              <a:t>15.07.2022</a:t>
+              <a:t>20.01.2023</a:t>
             </a:fld>
             <a:endParaRPr lang="ru-RU"/>
           </a:p>
@@ -2293,7 +2293,7 @@
             <a:fld id="{85A5DE44-605B-4D3B-B2B7-94543DF81A36}" type="datetimeFigureOut">
               <a:rPr lang="ru-RU" smtClean="0"/>
               <a:pPr/>
-              <a:t>15.07.2022</a:t>
+              <a:t>20.01.2023</a:t>
             </a:fld>
             <a:endParaRPr lang="ru-RU"/>
           </a:p>
@@ -2572,7 +2572,7 @@
             <a:fld id="{85A5DE44-605B-4D3B-B2B7-94543DF81A36}" type="datetimeFigureOut">
               <a:rPr lang="ru-RU" smtClean="0"/>
               <a:pPr/>
-              <a:t>15.07.2022</a:t>
+              <a:t>20.01.2023</a:t>
             </a:fld>
             <a:endParaRPr lang="ru-RU"/>
           </a:p>
@@ -2831,7 +2831,7 @@
             <a:fld id="{85A5DE44-605B-4D3B-B2B7-94543DF81A36}" type="datetimeFigureOut">
               <a:rPr lang="ru-RU" smtClean="0"/>
               <a:pPr/>
-              <a:t>15.07.2022</a:t>
+              <a:t>20.01.2023</a:t>
             </a:fld>
             <a:endParaRPr lang="ru-RU"/>
           </a:p>
@@ -3046,7 +3046,7 @@
             <a:fld id="{85A5DE44-605B-4D3B-B2B7-94543DF81A36}" type="datetimeFigureOut">
               <a:rPr lang="ru-RU" smtClean="0"/>
               <a:pPr/>
-              <a:t>15.07.2022</a:t>
+              <a:t>20.01.2023</a:t>
             </a:fld>
             <a:endParaRPr lang="ru-RU"/>
           </a:p>
@@ -3727,7 +3727,7 @@
         </p:nvCxnSpPr>
         <p:spPr>
           <a:xfrm>
-            <a:off x="7923432" y="1448490"/>
+            <a:off x="7896136" y="1448490"/>
             <a:ext cx="0" cy="3127644"/>
           </a:xfrm>
           <a:prstGeom prst="straightConnector1">
@@ -3764,8 +3764,8 @@
         </p:nvCxnSpPr>
         <p:spPr>
           <a:xfrm rot="16200000" flipH="1">
-            <a:off x="9684662" y="-312740"/>
-            <a:ext cx="324957" cy="3847416"/>
+            <a:off x="9671014" y="-326388"/>
+            <a:ext cx="324957" cy="3874712"/>
           </a:xfrm>
           <a:prstGeom prst="bentConnector3">
             <a:avLst>
@@ -5475,7 +5475,7 @@
         </p:nvSpPr>
         <p:spPr>
           <a:xfrm>
-            <a:off x="8139429" y="8956527"/>
+            <a:off x="6839341" y="10450634"/>
             <a:ext cx="2115918" cy="1080000"/>
           </a:xfrm>
           <a:prstGeom prst="rect">
@@ -5523,7 +5523,7 @@
         </p:nvSpPr>
         <p:spPr>
           <a:xfrm>
-            <a:off x="9426159" y="10348857"/>
+            <a:off x="8139429" y="11859282"/>
             <a:ext cx="2115918" cy="1080000"/>
           </a:xfrm>
           <a:prstGeom prst="rect">
@@ -5571,7 +5571,7 @@
         </p:nvSpPr>
         <p:spPr>
           <a:xfrm>
-            <a:off x="9426159" y="11756021"/>
+            <a:off x="8139429" y="13252798"/>
             <a:ext cx="2115918" cy="1080000"/>
           </a:xfrm>
           <a:prstGeom prst="rect">
@@ -5619,7 +5619,7 @@
         </p:nvSpPr>
         <p:spPr>
           <a:xfrm>
-            <a:off x="6865473" y="10348857"/>
+            <a:off x="5562783" y="11850111"/>
             <a:ext cx="2115918" cy="1080000"/>
           </a:xfrm>
           <a:prstGeom prst="rect">
@@ -5667,7 +5667,7 @@
         </p:nvSpPr>
         <p:spPr>
           <a:xfrm>
-            <a:off x="6865473" y="11752067"/>
+            <a:off x="5562783" y="13253321"/>
             <a:ext cx="2115918" cy="1080000"/>
           </a:xfrm>
           <a:prstGeom prst="rect">
@@ -5718,9 +5718,9 @@
           <p:nvPr/>
         </p:nvCxnSpPr>
         <p:spPr>
-          <a:xfrm>
-            <a:off x="8981391" y="12292067"/>
-            <a:ext cx="444768" cy="3954"/>
+          <a:xfrm flipV="1">
+            <a:off x="7678701" y="13792798"/>
+            <a:ext cx="460728" cy="523"/>
           </a:xfrm>
           <a:prstGeom prst="line">
             <a:avLst/>
@@ -5827,7 +5827,7 @@
         </p:nvSpPr>
         <p:spPr>
           <a:xfrm>
-            <a:off x="6865473" y="368490"/>
+            <a:off x="6838177" y="368490"/>
             <a:ext cx="2115918" cy="1080000"/>
           </a:xfrm>
           <a:prstGeom prst="rect">
@@ -6141,7 +6141,7 @@
         </p:nvSpPr>
         <p:spPr>
           <a:xfrm>
-            <a:off x="6865473" y="4576134"/>
+            <a:off x="6838177" y="4576134"/>
             <a:ext cx="2115918" cy="1080000"/>
           </a:xfrm>
           <a:prstGeom prst="rect">
@@ -7480,8 +7480,8 @@
         </p:nvCxnSpPr>
         <p:spPr>
           <a:xfrm rot="16200000" flipH="1">
-            <a:off x="10955907" y="-1583986"/>
-            <a:ext cx="324957" cy="6389907"/>
+            <a:off x="10942259" y="-1597634"/>
+            <a:ext cx="324957" cy="6417203"/>
           </a:xfrm>
           <a:prstGeom prst="bentConnector3">
             <a:avLst>
@@ -7525,8 +7525,8 @@
         </p:nvCxnSpPr>
         <p:spPr>
           <a:xfrm rot="5400000">
-            <a:off x="5824899" y="-332313"/>
-            <a:ext cx="317730" cy="3879336"/>
+            <a:off x="5811251" y="-318665"/>
+            <a:ext cx="317730" cy="3852040"/>
           </a:xfrm>
           <a:prstGeom prst="bentConnector3">
             <a:avLst>
@@ -7570,8 +7570,8 @@
         </p:nvCxnSpPr>
         <p:spPr>
           <a:xfrm rot="5400000">
-            <a:off x="4532963" y="-1617023"/>
-            <a:ext cx="324957" cy="6455982"/>
+            <a:off x="4519315" y="-1603375"/>
+            <a:ext cx="324957" cy="6428686"/>
           </a:xfrm>
           <a:prstGeom prst="bentConnector3">
             <a:avLst>
@@ -8459,8 +8459,8 @@
         </p:nvCxnSpPr>
         <p:spPr>
           <a:xfrm rot="5400000">
-            <a:off x="8404245" y="9555714"/>
-            <a:ext cx="312330" cy="1273956"/>
+            <a:off x="7099283" y="11052093"/>
+            <a:ext cx="319477" cy="1276558"/>
           </a:xfrm>
           <a:prstGeom prst="bentConnector3">
             <a:avLst>
@@ -8504,8 +8504,8 @@
         </p:nvCxnSpPr>
         <p:spPr>
           <a:xfrm rot="16200000" flipH="1">
-            <a:off x="9684588" y="9549327"/>
-            <a:ext cx="312330" cy="1286730"/>
+            <a:off x="8383020" y="11044914"/>
+            <a:ext cx="328648" cy="1300088"/>
           </a:xfrm>
           <a:prstGeom prst="bentConnector3">
             <a:avLst>
@@ -8549,7 +8549,7 @@
         </p:nvCxnSpPr>
         <p:spPr>
           <a:xfrm>
-            <a:off x="7923432" y="11428857"/>
+            <a:off x="6620742" y="12930111"/>
             <a:ext cx="0" cy="323210"/>
           </a:xfrm>
           <a:prstGeom prst="straightConnector1">
@@ -8592,8 +8592,8 @@
         </p:nvCxnSpPr>
         <p:spPr>
           <a:xfrm>
-            <a:off x="10484118" y="11428857"/>
-            <a:ext cx="0" cy="327164"/>
+            <a:off x="9197388" y="12939282"/>
+            <a:ext cx="0" cy="313516"/>
           </a:xfrm>
           <a:prstGeom prst="straightConnector1">
             <a:avLst/>
@@ -8969,6 +8969,1234 @@
           </a:fontRef>
         </p:style>
       </p:cxnSp>
+      <p:cxnSp>
+        <p:nvCxnSpPr>
+          <p:cNvPr id="91" name="Соединительная линия уступом 523">
+            <a:extLst>
+              <a:ext uri="{FF2B5EF4-FFF2-40B4-BE49-F238E27FC236}">
+                <a16:creationId xmlns:a16="http://schemas.microsoft.com/office/drawing/2014/main" id="{93FABB1C-3159-4BB7-8C74-41BC65AA4528}"/>
+              </a:ext>
+            </a:extLst>
+          </p:cNvPr>
+          <p:cNvCxnSpPr>
+            <a:cxnSpLocks/>
+            <a:stCxn id="49" idx="2"/>
+            <a:endCxn id="25" idx="0"/>
+          </p:cNvCxnSpPr>
+          <p:nvPr/>
+        </p:nvCxnSpPr>
+        <p:spPr>
+          <a:xfrm rot="16200000" flipH="1">
+            <a:off x="6378938" y="8932271"/>
+            <a:ext cx="1760167" cy="1276558"/>
+          </a:xfrm>
+          <a:prstGeom prst="bentConnector3">
+            <a:avLst>
+              <a:gd name="adj1" fmla="val 9681"/>
+            </a:avLst>
+          </a:prstGeom>
+          <a:ln w="28575">
+            <a:tailEnd type="arrow"/>
+          </a:ln>
+        </p:spPr>
+        <p:style>
+          <a:lnRef idx="1">
+            <a:schemeClr val="accent1"/>
+          </a:lnRef>
+          <a:fillRef idx="0">
+            <a:schemeClr val="accent1"/>
+          </a:fillRef>
+          <a:effectRef idx="0">
+            <a:schemeClr val="accent1"/>
+          </a:effectRef>
+          <a:fontRef idx="minor">
+            <a:schemeClr val="tx1"/>
+          </a:fontRef>
+        </p:style>
+      </p:cxnSp>
+      <p:cxnSp>
+        <p:nvCxnSpPr>
+          <p:cNvPr id="94" name="Соединительная линия уступом 523">
+            <a:extLst>
+              <a:ext uri="{FF2B5EF4-FFF2-40B4-BE49-F238E27FC236}">
+                <a16:creationId xmlns:a16="http://schemas.microsoft.com/office/drawing/2014/main" id="{813E6CB1-3FED-48AC-A38F-C3E6B8A7343B}"/>
+              </a:ext>
+            </a:extLst>
+          </p:cNvPr>
+          <p:cNvCxnSpPr>
+            <a:cxnSpLocks/>
+            <a:stCxn id="44" idx="2"/>
+            <a:endCxn id="25" idx="0"/>
+          </p:cNvCxnSpPr>
+          <p:nvPr/>
+        </p:nvCxnSpPr>
+        <p:spPr>
+          <a:xfrm rot="5400000">
+            <a:off x="7664418" y="8917664"/>
+            <a:ext cx="1765852" cy="1300088"/>
+          </a:xfrm>
+          <a:prstGeom prst="bentConnector3">
+            <a:avLst>
+              <a:gd name="adj1" fmla="val 10584"/>
+            </a:avLst>
+          </a:prstGeom>
+          <a:ln w="28575">
+            <a:tailEnd type="arrow"/>
+          </a:ln>
+        </p:spPr>
+        <p:style>
+          <a:lnRef idx="1">
+            <a:schemeClr val="accent1"/>
+          </a:lnRef>
+          <a:fillRef idx="0">
+            <a:schemeClr val="accent1"/>
+          </a:fillRef>
+          <a:effectRef idx="0">
+            <a:schemeClr val="accent1"/>
+          </a:effectRef>
+          <a:fontRef idx="minor">
+            <a:schemeClr val="tx1"/>
+          </a:fontRef>
+        </p:style>
+      </p:cxnSp>
+      <p:sp>
+        <p:nvSpPr>
+          <p:cNvPr id="102" name="Прямоугольник 101">
+            <a:extLst>
+              <a:ext uri="{FF2B5EF4-FFF2-40B4-BE49-F238E27FC236}">
+                <a16:creationId xmlns:a16="http://schemas.microsoft.com/office/drawing/2014/main" id="{104BB11C-19DA-4DA4-8899-2145048FEA67}"/>
+              </a:ext>
+            </a:extLst>
+          </p:cNvPr>
+          <p:cNvSpPr/>
+          <p:nvPr/>
+        </p:nvSpPr>
+        <p:spPr>
+          <a:xfrm>
+            <a:off x="5568096" y="8958485"/>
+            <a:ext cx="2115918" cy="1080000"/>
+          </a:xfrm>
+          <a:prstGeom prst="rect">
+            <a:avLst/>
+          </a:prstGeom>
+          <a:ln w="28575"/>
+        </p:spPr>
+        <p:style>
+          <a:lnRef idx="2">
+            <a:schemeClr val="accent1"/>
+          </a:lnRef>
+          <a:fillRef idx="1">
+            <a:schemeClr val="lt1"/>
+          </a:fillRef>
+          <a:effectRef idx="0">
+            <a:schemeClr val="accent1"/>
+          </a:effectRef>
+          <a:fontRef idx="minor">
+            <a:schemeClr val="dk1"/>
+          </a:fontRef>
+        </p:style>
+        <p:txBody>
+          <a:bodyPr lIns="124733" tIns="62367" rIns="124733" bIns="62367" rtlCol="0" anchor="ctr"/>
+          <a:lstStyle/>
+          <a:p>
+            <a:pPr algn="ctr"/>
+            <a:r>
+              <a:rPr lang="ru-RU" sz="1400" dirty="0"/>
+              <a:t>Продолжить развитие артиллерийской доктрины</a:t>
+            </a:r>
+          </a:p>
+        </p:txBody>
+      </p:sp>
+      <p:sp>
+        <p:nvSpPr>
+          <p:cNvPr id="103" name="Прямоугольник 102">
+            <a:extLst>
+              <a:ext uri="{FF2B5EF4-FFF2-40B4-BE49-F238E27FC236}">
+                <a16:creationId xmlns:a16="http://schemas.microsoft.com/office/drawing/2014/main" id="{015BC524-92C7-4AD3-AAE2-C2638148AEC6}"/>
+              </a:ext>
+            </a:extLst>
+          </p:cNvPr>
+          <p:cNvSpPr/>
+          <p:nvPr/>
+        </p:nvSpPr>
+        <p:spPr>
+          <a:xfrm>
+            <a:off x="8136244" y="8956527"/>
+            <a:ext cx="2115918" cy="1080000"/>
+          </a:xfrm>
+          <a:prstGeom prst="rect">
+            <a:avLst/>
+          </a:prstGeom>
+          <a:ln w="28575"/>
+        </p:spPr>
+        <p:style>
+          <a:lnRef idx="2">
+            <a:schemeClr val="accent1"/>
+          </a:lnRef>
+          <a:fillRef idx="1">
+            <a:schemeClr val="lt1"/>
+          </a:fillRef>
+          <a:effectRef idx="0">
+            <a:schemeClr val="accent1"/>
+          </a:effectRef>
+          <a:fontRef idx="minor">
+            <a:schemeClr val="dk1"/>
+          </a:fontRef>
+        </p:style>
+        <p:txBody>
+          <a:bodyPr lIns="124733" tIns="62367" rIns="124733" bIns="62367" rtlCol="0" anchor="ctr"/>
+          <a:lstStyle/>
+          <a:p>
+            <a:pPr algn="ctr"/>
+            <a:r>
+              <a:rPr lang="ru-RU" sz="1400" dirty="0"/>
+              <a:t>Продолжить развитие мобильной доктрины</a:t>
+            </a:r>
+          </a:p>
+        </p:txBody>
+      </p:sp>
+      <p:cxnSp>
+        <p:nvCxnSpPr>
+          <p:cNvPr id="105" name="Прямая соединительная линия 104">
+            <a:extLst>
+              <a:ext uri="{FF2B5EF4-FFF2-40B4-BE49-F238E27FC236}">
+                <a16:creationId xmlns:a16="http://schemas.microsoft.com/office/drawing/2014/main" id="{30601EE9-46E6-4732-A0DE-B57457679897}"/>
+              </a:ext>
+            </a:extLst>
+          </p:cNvPr>
+          <p:cNvCxnSpPr>
+            <a:cxnSpLocks/>
+            <a:stCxn id="102" idx="3"/>
+            <a:endCxn id="103" idx="1"/>
+          </p:cNvCxnSpPr>
+          <p:nvPr/>
+        </p:nvCxnSpPr>
+        <p:spPr>
+          <a:xfrm flipV="1">
+            <a:off x="7684014" y="9496527"/>
+            <a:ext cx="452230" cy="1958"/>
+          </a:xfrm>
+          <a:prstGeom prst="line">
+            <a:avLst/>
+          </a:prstGeom>
+          <a:ln w="28575">
+            <a:solidFill>
+              <a:srgbClr val="FF0000"/>
+            </a:solidFill>
+          </a:ln>
+        </p:spPr>
+        <p:style>
+          <a:lnRef idx="1">
+            <a:schemeClr val="accent1"/>
+          </a:lnRef>
+          <a:fillRef idx="0">
+            <a:schemeClr val="accent1"/>
+          </a:fillRef>
+          <a:effectRef idx="0">
+            <a:schemeClr val="accent1"/>
+          </a:effectRef>
+          <a:fontRef idx="minor">
+            <a:schemeClr val="tx1"/>
+          </a:fontRef>
+        </p:style>
+      </p:cxnSp>
+      <p:cxnSp>
+        <p:nvCxnSpPr>
+          <p:cNvPr id="106" name="Прямая со стрелкой 105">
+            <a:extLst>
+              <a:ext uri="{FF2B5EF4-FFF2-40B4-BE49-F238E27FC236}">
+                <a16:creationId xmlns:a16="http://schemas.microsoft.com/office/drawing/2014/main" id="{CBC4A588-3776-409A-BA21-84D57C3B0391}"/>
+              </a:ext>
+            </a:extLst>
+          </p:cNvPr>
+          <p:cNvCxnSpPr>
+            <a:cxnSpLocks/>
+            <a:stCxn id="49" idx="2"/>
+            <a:endCxn id="102" idx="0"/>
+          </p:cNvCxnSpPr>
+          <p:nvPr/>
+        </p:nvCxnSpPr>
+        <p:spPr>
+          <a:xfrm>
+            <a:off x="6620742" y="8690467"/>
+            <a:ext cx="5313" cy="268018"/>
+          </a:xfrm>
+          <a:prstGeom prst="straightConnector1">
+            <a:avLst/>
+          </a:prstGeom>
+          <a:ln w="28575">
+            <a:tailEnd type="arrow"/>
+          </a:ln>
+        </p:spPr>
+        <p:style>
+          <a:lnRef idx="1">
+            <a:schemeClr val="accent1"/>
+          </a:lnRef>
+          <a:fillRef idx="0">
+            <a:schemeClr val="accent1"/>
+          </a:fillRef>
+          <a:effectRef idx="0">
+            <a:schemeClr val="accent1"/>
+          </a:effectRef>
+          <a:fontRef idx="minor">
+            <a:schemeClr val="tx1"/>
+          </a:fontRef>
+        </p:style>
+      </p:cxnSp>
+      <p:cxnSp>
+        <p:nvCxnSpPr>
+          <p:cNvPr id="109" name="Прямая со стрелкой 108">
+            <a:extLst>
+              <a:ext uri="{FF2B5EF4-FFF2-40B4-BE49-F238E27FC236}">
+                <a16:creationId xmlns:a16="http://schemas.microsoft.com/office/drawing/2014/main" id="{40FCCF04-27A6-4B4C-8065-3A1DFBFA8F5B}"/>
+              </a:ext>
+            </a:extLst>
+          </p:cNvPr>
+          <p:cNvCxnSpPr>
+            <a:cxnSpLocks/>
+            <a:stCxn id="44" idx="2"/>
+            <a:endCxn id="103" idx="0"/>
+          </p:cNvCxnSpPr>
+          <p:nvPr/>
+        </p:nvCxnSpPr>
+        <p:spPr>
+          <a:xfrm flipH="1">
+            <a:off x="9194203" y="8684782"/>
+            <a:ext cx="3185" cy="271745"/>
+          </a:xfrm>
+          <a:prstGeom prst="straightConnector1">
+            <a:avLst/>
+          </a:prstGeom>
+          <a:ln w="28575">
+            <a:tailEnd type="arrow"/>
+          </a:ln>
+        </p:spPr>
+        <p:style>
+          <a:lnRef idx="1">
+            <a:schemeClr val="accent1"/>
+          </a:lnRef>
+          <a:fillRef idx="0">
+            <a:schemeClr val="accent1"/>
+          </a:fillRef>
+          <a:effectRef idx="0">
+            <a:schemeClr val="accent1"/>
+          </a:effectRef>
+          <a:fontRef idx="minor">
+            <a:schemeClr val="tx1"/>
+          </a:fontRef>
+        </p:style>
+      </p:cxnSp>
+      <p:sp>
+        <p:nvSpPr>
+          <p:cNvPr id="113" name="Прямоугольник 112">
+            <a:extLst>
+              <a:ext uri="{FF2B5EF4-FFF2-40B4-BE49-F238E27FC236}">
+                <a16:creationId xmlns:a16="http://schemas.microsoft.com/office/drawing/2014/main" id="{0F2080B8-4947-482B-8722-8B19F72F8559}"/>
+              </a:ext>
+            </a:extLst>
+          </p:cNvPr>
+          <p:cNvSpPr/>
+          <p:nvPr/>
+        </p:nvSpPr>
+        <p:spPr>
+          <a:xfrm>
+            <a:off x="21029230" y="3177132"/>
+            <a:ext cx="2115918" cy="1080000"/>
+          </a:xfrm>
+          <a:prstGeom prst="rect">
+            <a:avLst/>
+          </a:prstGeom>
+          <a:solidFill>
+            <a:srgbClr val="FF0000"/>
+          </a:solidFill>
+          <a:ln w="28575"/>
+        </p:spPr>
+        <p:style>
+          <a:lnRef idx="2">
+            <a:schemeClr val="accent1"/>
+          </a:lnRef>
+          <a:fillRef idx="1">
+            <a:schemeClr val="lt1"/>
+          </a:fillRef>
+          <a:effectRef idx="0">
+            <a:schemeClr val="accent1"/>
+          </a:effectRef>
+          <a:fontRef idx="minor">
+            <a:schemeClr val="dk1"/>
+          </a:fontRef>
+        </p:style>
+        <p:txBody>
+          <a:bodyPr lIns="124733" tIns="62367" rIns="124733" bIns="62367" rtlCol="0" anchor="ctr"/>
+          <a:lstStyle/>
+          <a:p>
+            <a:pPr algn="ctr"/>
+            <a:r>
+              <a:rPr lang="ru-RU" sz="1400" dirty="0"/>
+              <a:t>Присоединиться к интернациональным бригадам в Испании </a:t>
+            </a:r>
+            <a:r>
+              <a:rPr lang="ru-RU" sz="600" dirty="0"/>
+              <a:t>(В 1936—1939 бельгийские коммунисты выступали в поддержку Испанской республики, оказывали помощь в формировании интернациональных бригад и участвовали в боевых действиях в Испании[2].)</a:t>
+            </a:r>
+            <a:endParaRPr lang="ru-RU" sz="1400" dirty="0"/>
+          </a:p>
+        </p:txBody>
+      </p:sp>
+      <p:sp>
+        <p:nvSpPr>
+          <p:cNvPr id="114" name="Прямоугольник 113">
+            <a:extLst>
+              <a:ext uri="{FF2B5EF4-FFF2-40B4-BE49-F238E27FC236}">
+                <a16:creationId xmlns:a16="http://schemas.microsoft.com/office/drawing/2014/main" id="{C922E429-61A8-41DF-A7BF-ECB4E26FFE98}"/>
+              </a:ext>
+            </a:extLst>
+          </p:cNvPr>
+          <p:cNvSpPr/>
+          <p:nvPr/>
+        </p:nvSpPr>
+        <p:spPr>
+          <a:xfrm>
+            <a:off x="31491242" y="1930406"/>
+            <a:ext cx="2115918" cy="1080000"/>
+          </a:xfrm>
+          <a:prstGeom prst="rect">
+            <a:avLst/>
+          </a:prstGeom>
+          <a:ln w="28575"/>
+        </p:spPr>
+        <p:style>
+          <a:lnRef idx="2">
+            <a:schemeClr val="accent1"/>
+          </a:lnRef>
+          <a:fillRef idx="1">
+            <a:schemeClr val="lt1"/>
+          </a:fillRef>
+          <a:effectRef idx="0">
+            <a:schemeClr val="accent1"/>
+          </a:effectRef>
+          <a:fontRef idx="minor">
+            <a:schemeClr val="dk1"/>
+          </a:fontRef>
+        </p:style>
+        <p:txBody>
+          <a:bodyPr lIns="124733" tIns="62367" rIns="124733" bIns="62367" rtlCol="0" anchor="ctr"/>
+          <a:lstStyle/>
+          <a:p>
+            <a:pPr algn="ctr"/>
+            <a:r>
+              <a:rPr lang="ru-RU" sz="1400" dirty="0"/>
+              <a:t>Закон Янсена (1940) </a:t>
+            </a:r>
+            <a:r>
+              <a:rPr lang="ru-RU" sz="500" dirty="0"/>
+              <a:t>(В январе 1940 года правительством Бельгии был принят «закон Янсена», в соответствии с которым были запрещены печатные издания коммунистической партии. 10 мая 1940 г. партия была запрещена и перешла в подполье[3].])</a:t>
+            </a:r>
+            <a:endParaRPr lang="ru-RU" sz="1400" dirty="0"/>
+          </a:p>
+        </p:txBody>
+      </p:sp>
+      <p:sp>
+        <p:nvSpPr>
+          <p:cNvPr id="116" name="Прямоугольник 115">
+            <a:extLst>
+              <a:ext uri="{FF2B5EF4-FFF2-40B4-BE49-F238E27FC236}">
+                <a16:creationId xmlns:a16="http://schemas.microsoft.com/office/drawing/2014/main" id="{F2311656-ADD2-4DB8-ACE3-3A30EA6BF282}"/>
+              </a:ext>
+            </a:extLst>
+          </p:cNvPr>
+          <p:cNvSpPr/>
+          <p:nvPr/>
+        </p:nvSpPr>
+        <p:spPr>
+          <a:xfrm>
+            <a:off x="21029230" y="4576134"/>
+            <a:ext cx="2115918" cy="1080000"/>
+          </a:xfrm>
+          <a:prstGeom prst="rect">
+            <a:avLst/>
+          </a:prstGeom>
+          <a:solidFill>
+            <a:srgbClr val="FF0000"/>
+          </a:solidFill>
+          <a:ln w="28575"/>
+        </p:spPr>
+        <p:style>
+          <a:lnRef idx="2">
+            <a:schemeClr val="accent1"/>
+          </a:lnRef>
+          <a:fillRef idx="1">
+            <a:schemeClr val="lt1"/>
+          </a:fillRef>
+          <a:effectRef idx="0">
+            <a:schemeClr val="accent1"/>
+          </a:effectRef>
+          <a:fontRef idx="minor">
+            <a:schemeClr val="dk1"/>
+          </a:fontRef>
+        </p:style>
+        <p:txBody>
+          <a:bodyPr lIns="124733" tIns="62367" rIns="124733" bIns="62367" rtlCol="0" anchor="ctr"/>
+          <a:lstStyle/>
+          <a:p>
+            <a:pPr algn="ctr"/>
+            <a:r>
+              <a:rPr lang="ru-RU" sz="1400" dirty="0"/>
+              <a:t>План экономического обновления страны </a:t>
+            </a:r>
+            <a:r>
+              <a:rPr lang="ru-RU" sz="500" dirty="0"/>
+              <a:t>(В ответ, партия предложила собственную программу выхода из кризиса — разработанный под руководством Э. </a:t>
+            </a:r>
+            <a:r>
+              <a:rPr lang="ru-RU" sz="500" dirty="0" err="1"/>
+              <a:t>Лальмана</a:t>
+            </a:r>
+            <a:r>
+              <a:rPr lang="ru-RU" sz="500" dirty="0"/>
+              <a:t> «План экономического обновления страны», предусматривавший национализацию угольных шахт, электростанций и банков, переход в собственность государства залежей золота и урана в Бельгийском Конго, установление контроля за себестоимостью промышленной продукции и меры по повышению покупательной способности населения</a:t>
+            </a:r>
+            <a:endParaRPr lang="ru-RU" sz="1400" dirty="0"/>
+          </a:p>
+        </p:txBody>
+      </p:sp>
+      <p:sp>
+        <p:nvSpPr>
+          <p:cNvPr id="117" name="Прямоугольник 116">
+            <a:extLst>
+              <a:ext uri="{FF2B5EF4-FFF2-40B4-BE49-F238E27FC236}">
+                <a16:creationId xmlns:a16="http://schemas.microsoft.com/office/drawing/2014/main" id="{72EE031F-A3D2-40E5-A429-8F3077068C2C}"/>
+              </a:ext>
+            </a:extLst>
+          </p:cNvPr>
+          <p:cNvSpPr/>
+          <p:nvPr/>
+        </p:nvSpPr>
+        <p:spPr>
+          <a:xfrm>
+            <a:off x="19388925" y="177258"/>
+            <a:ext cx="2115918" cy="1080000"/>
+          </a:xfrm>
+          <a:prstGeom prst="rect">
+            <a:avLst/>
+          </a:prstGeom>
+          <a:solidFill>
+            <a:srgbClr val="FF0000"/>
+          </a:solidFill>
+          <a:ln w="28575"/>
+        </p:spPr>
+        <p:style>
+          <a:lnRef idx="2">
+            <a:schemeClr val="accent1"/>
+          </a:lnRef>
+          <a:fillRef idx="1">
+            <a:schemeClr val="lt1"/>
+          </a:fillRef>
+          <a:effectRef idx="0">
+            <a:schemeClr val="accent1"/>
+          </a:effectRef>
+          <a:fontRef idx="minor">
+            <a:schemeClr val="dk1"/>
+          </a:fontRef>
+        </p:style>
+        <p:txBody>
+          <a:bodyPr lIns="124733" tIns="62367" rIns="124733" bIns="62367" rtlCol="0" anchor="ctr"/>
+          <a:lstStyle/>
+          <a:p>
+            <a:pPr algn="ctr"/>
+            <a:r>
+              <a:rPr lang="ru-RU" sz="1400" dirty="0"/>
+              <a:t>Стачка в 1936 и последующее создание народного фронта с </a:t>
+            </a:r>
+            <a:r>
+              <a:rPr lang="ru-RU" sz="1400" dirty="0" err="1"/>
+              <a:t>соц</a:t>
+            </a:r>
+            <a:r>
+              <a:rPr lang="ru-RU" sz="1400" dirty="0"/>
+              <a:t> </a:t>
+            </a:r>
+            <a:r>
+              <a:rPr lang="ru-RU" sz="1400" dirty="0" err="1"/>
+              <a:t>демами</a:t>
+            </a:r>
+            <a:endParaRPr lang="ru-RU" sz="1400" dirty="0"/>
+          </a:p>
+        </p:txBody>
+      </p:sp>
+      <p:sp>
+        <p:nvSpPr>
+          <p:cNvPr id="119" name="Прямоугольник 118">
+            <a:extLst>
+              <a:ext uri="{FF2B5EF4-FFF2-40B4-BE49-F238E27FC236}">
+                <a16:creationId xmlns:a16="http://schemas.microsoft.com/office/drawing/2014/main" id="{F616D5C5-5E71-491B-B1E1-44B7AFE218A2}"/>
+              </a:ext>
+            </a:extLst>
+          </p:cNvPr>
+          <p:cNvSpPr/>
+          <p:nvPr/>
+        </p:nvSpPr>
+        <p:spPr>
+          <a:xfrm>
+            <a:off x="24113702" y="3165967"/>
+            <a:ext cx="2115918" cy="1080000"/>
+          </a:xfrm>
+          <a:prstGeom prst="rect">
+            <a:avLst/>
+          </a:prstGeom>
+          <a:solidFill>
+            <a:srgbClr val="FF0000"/>
+          </a:solidFill>
+          <a:ln w="28575"/>
+        </p:spPr>
+        <p:style>
+          <a:lnRef idx="2">
+            <a:schemeClr val="accent1"/>
+          </a:lnRef>
+          <a:fillRef idx="1">
+            <a:schemeClr val="lt1"/>
+          </a:fillRef>
+          <a:effectRef idx="0">
+            <a:schemeClr val="accent1"/>
+          </a:effectRef>
+          <a:fontRef idx="minor">
+            <a:schemeClr val="dk1"/>
+          </a:fontRef>
+        </p:style>
+        <p:txBody>
+          <a:bodyPr lIns="124733" tIns="62367" rIns="124733" bIns="62367" rtlCol="0" anchor="ctr"/>
+          <a:lstStyle/>
+          <a:p>
+            <a:pPr algn="ctr"/>
+            <a:r>
+              <a:rPr lang="ru-RU" sz="1400" dirty="0"/>
+              <a:t>Основать газету «Красное знамя» ()</a:t>
+            </a:r>
+          </a:p>
+        </p:txBody>
+      </p:sp>
+      <p:sp>
+        <p:nvSpPr>
+          <p:cNvPr id="120" name="Прямоугольник 119">
+            <a:extLst>
+              <a:ext uri="{FF2B5EF4-FFF2-40B4-BE49-F238E27FC236}">
+                <a16:creationId xmlns:a16="http://schemas.microsoft.com/office/drawing/2014/main" id="{1289AEDA-B315-477F-8287-09F8B972C3EB}"/>
+              </a:ext>
+            </a:extLst>
+          </p:cNvPr>
+          <p:cNvSpPr/>
+          <p:nvPr/>
+        </p:nvSpPr>
+        <p:spPr>
+          <a:xfrm>
+            <a:off x="21997784" y="177258"/>
+            <a:ext cx="2115918" cy="1080000"/>
+          </a:xfrm>
+          <a:prstGeom prst="rect">
+            <a:avLst/>
+          </a:prstGeom>
+          <a:solidFill>
+            <a:srgbClr val="FF0000"/>
+          </a:solidFill>
+          <a:ln w="28575"/>
+        </p:spPr>
+        <p:style>
+          <a:lnRef idx="2">
+            <a:schemeClr val="accent1"/>
+          </a:lnRef>
+          <a:fillRef idx="1">
+            <a:schemeClr val="lt1"/>
+          </a:fillRef>
+          <a:effectRef idx="0">
+            <a:schemeClr val="accent1"/>
+          </a:effectRef>
+          <a:fontRef idx="minor">
+            <a:schemeClr val="dk1"/>
+          </a:fontRef>
+        </p:style>
+        <p:txBody>
+          <a:bodyPr lIns="124733" tIns="62367" rIns="124733" bIns="62367" rtlCol="0" anchor="ctr"/>
+          <a:lstStyle/>
+          <a:p>
+            <a:pPr algn="ctr"/>
+            <a:r>
+              <a:rPr lang="ru-RU" sz="1400" dirty="0"/>
+              <a:t>Смерть </a:t>
+            </a:r>
+            <a:r>
+              <a:rPr lang="ru-RU" sz="1400" dirty="0" err="1"/>
+              <a:t>Жакемотта</a:t>
+            </a:r>
+            <a:r>
+              <a:rPr lang="ru-RU" sz="1400" dirty="0"/>
+              <a:t> </a:t>
+            </a:r>
+            <a:r>
+              <a:rPr lang="ru-RU" sz="600" dirty="0"/>
+              <a:t>(« Красное знамя » ,18 июля 1936 г.). </a:t>
+            </a:r>
+            <a:r>
+              <a:rPr lang="ru-RU" sz="600" dirty="0" err="1"/>
+              <a:t>Жакмотт</a:t>
+            </a:r>
+            <a:r>
+              <a:rPr lang="ru-RU" sz="600" dirty="0"/>
+              <a:t> не мог идти дальше. Смерть должна была удивить его, несколько недель спустя,11 октября 1936 </a:t>
+            </a:r>
+            <a:r>
+              <a:rPr lang="ru-RU" sz="600" dirty="0" err="1"/>
+              <a:t>г.в</a:t>
+            </a:r>
+            <a:r>
+              <a:rPr lang="ru-RU" sz="600" dirty="0"/>
+              <a:t> поезде, который привез его обратно в Брюссель из типографии </a:t>
+            </a:r>
+            <a:r>
+              <a:rPr lang="ru-RU" sz="600" dirty="0" err="1"/>
+              <a:t>La</a:t>
+            </a:r>
+            <a:r>
+              <a:rPr lang="ru-RU" sz="600" dirty="0"/>
+              <a:t> </a:t>
+            </a:r>
+            <a:r>
+              <a:rPr lang="ru-RU" sz="600" dirty="0" err="1"/>
+              <a:t>Voix</a:t>
+            </a:r>
+            <a:r>
+              <a:rPr lang="ru-RU" sz="600" dirty="0"/>
+              <a:t> </a:t>
+            </a:r>
+            <a:r>
+              <a:rPr lang="ru-RU" sz="600" dirty="0" err="1"/>
+              <a:t>du</a:t>
+            </a:r>
+            <a:r>
+              <a:rPr lang="ru-RU" sz="600" dirty="0"/>
+              <a:t> </a:t>
+            </a:r>
+            <a:r>
+              <a:rPr lang="ru-RU" sz="600" dirty="0" err="1"/>
+              <a:t>Peuple</a:t>
+            </a:r>
+            <a:r>
+              <a:rPr lang="ru-RU" sz="600" dirty="0"/>
+              <a:t> , ежедневной газеты партии, которую он только что основал как преемник </a:t>
+            </a:r>
+            <a:r>
+              <a:rPr lang="ru-RU" sz="600" dirty="0" err="1"/>
+              <a:t>Red</a:t>
+            </a:r>
+            <a:r>
+              <a:rPr lang="ru-RU" sz="600" dirty="0"/>
+              <a:t> </a:t>
+            </a:r>
+            <a:r>
+              <a:rPr lang="ru-RU" sz="600" dirty="0" err="1"/>
+              <a:t>Flag</a:t>
+            </a:r>
+            <a:r>
+              <a:rPr lang="ru-RU" sz="600" dirty="0"/>
+              <a:t>)</a:t>
+            </a:r>
+            <a:endParaRPr lang="ru-RU" sz="1400" dirty="0"/>
+          </a:p>
+        </p:txBody>
+      </p:sp>
+      <p:sp>
+        <p:nvSpPr>
+          <p:cNvPr id="121" name="Прямоугольник 120">
+            <a:extLst>
+              <a:ext uri="{FF2B5EF4-FFF2-40B4-BE49-F238E27FC236}">
+                <a16:creationId xmlns:a16="http://schemas.microsoft.com/office/drawing/2014/main" id="{36AADC54-76EE-4E99-BA06-5F0E3BC28A8E}"/>
+              </a:ext>
+            </a:extLst>
+          </p:cNvPr>
+          <p:cNvSpPr/>
+          <p:nvPr/>
+        </p:nvSpPr>
+        <p:spPr>
+          <a:xfrm>
+            <a:off x="24113702" y="6150106"/>
+            <a:ext cx="2115918" cy="1080000"/>
+          </a:xfrm>
+          <a:prstGeom prst="rect">
+            <a:avLst/>
+          </a:prstGeom>
+          <a:solidFill>
+            <a:srgbClr val="FF0000"/>
+          </a:solidFill>
+          <a:ln w="28575"/>
+        </p:spPr>
+        <p:style>
+          <a:lnRef idx="2">
+            <a:schemeClr val="accent1"/>
+          </a:lnRef>
+          <a:fillRef idx="1">
+            <a:schemeClr val="lt1"/>
+          </a:fillRef>
+          <a:effectRef idx="0">
+            <a:schemeClr val="accent1"/>
+          </a:effectRef>
+          <a:fontRef idx="minor">
+            <a:schemeClr val="dk1"/>
+          </a:fontRef>
+        </p:style>
+        <p:txBody>
+          <a:bodyPr lIns="124733" tIns="62367" rIns="124733" bIns="62367" rtlCol="0" anchor="ctr"/>
+          <a:lstStyle/>
+          <a:p>
+            <a:pPr algn="ctr"/>
+            <a:r>
+              <a:rPr lang="ru-RU" sz="1400" dirty="0"/>
+              <a:t>Продолжить поддержку Коминтерна</a:t>
+            </a:r>
+          </a:p>
+        </p:txBody>
+      </p:sp>
+      <p:sp>
+        <p:nvSpPr>
+          <p:cNvPr id="123" name="Прямоугольник 122">
+            <a:extLst>
+              <a:ext uri="{FF2B5EF4-FFF2-40B4-BE49-F238E27FC236}">
+                <a16:creationId xmlns:a16="http://schemas.microsoft.com/office/drawing/2014/main" id="{6D46541F-895F-4439-9A9A-56C5EEFB5D58}"/>
+              </a:ext>
+            </a:extLst>
+          </p:cNvPr>
+          <p:cNvSpPr/>
+          <p:nvPr/>
+        </p:nvSpPr>
+        <p:spPr>
+          <a:xfrm>
+            <a:off x="19388925" y="1677195"/>
+            <a:ext cx="2115918" cy="1080000"/>
+          </a:xfrm>
+          <a:prstGeom prst="rect">
+            <a:avLst/>
+          </a:prstGeom>
+          <a:solidFill>
+            <a:srgbClr val="FF0000"/>
+          </a:solidFill>
+          <a:ln w="28575"/>
+        </p:spPr>
+        <p:style>
+          <a:lnRef idx="2">
+            <a:schemeClr val="accent1"/>
+          </a:lnRef>
+          <a:fillRef idx="1">
+            <a:schemeClr val="lt1"/>
+          </a:fillRef>
+          <a:effectRef idx="0">
+            <a:schemeClr val="accent1"/>
+          </a:effectRef>
+          <a:fontRef idx="minor">
+            <a:schemeClr val="dk1"/>
+          </a:fontRef>
+        </p:style>
+        <p:txBody>
+          <a:bodyPr lIns="124733" tIns="62367" rIns="124733" bIns="62367" rtlCol="0" anchor="ctr"/>
+          <a:lstStyle/>
+          <a:p>
+            <a:pPr algn="ctr"/>
+            <a:r>
+              <a:rPr lang="ru-RU" sz="1100" dirty="0"/>
+              <a:t>объединение Коммунистической молодежи и Молодой социалистической гвардии в Объединенную молодую социалистическую гвардию в 1936 году</a:t>
+            </a:r>
+          </a:p>
+        </p:txBody>
+      </p:sp>
+      <p:sp>
+        <p:nvSpPr>
+          <p:cNvPr id="124" name="Прямоугольник 123">
+            <a:extLst>
+              <a:ext uri="{FF2B5EF4-FFF2-40B4-BE49-F238E27FC236}">
+                <a16:creationId xmlns:a16="http://schemas.microsoft.com/office/drawing/2014/main" id="{A4F99D25-6BB2-45F8-8825-8010354D120C}"/>
+              </a:ext>
+            </a:extLst>
+          </p:cNvPr>
+          <p:cNvSpPr/>
+          <p:nvPr/>
+        </p:nvSpPr>
+        <p:spPr>
+          <a:xfrm>
+            <a:off x="21997784" y="1636118"/>
+            <a:ext cx="2115918" cy="1080000"/>
+          </a:xfrm>
+          <a:prstGeom prst="rect">
+            <a:avLst/>
+          </a:prstGeom>
+          <a:solidFill>
+            <a:srgbClr val="FF0000"/>
+          </a:solidFill>
+          <a:ln w="28575"/>
+        </p:spPr>
+        <p:style>
+          <a:lnRef idx="2">
+            <a:schemeClr val="accent1"/>
+          </a:lnRef>
+          <a:fillRef idx="1">
+            <a:schemeClr val="lt1"/>
+          </a:fillRef>
+          <a:effectRef idx="0">
+            <a:schemeClr val="accent1"/>
+          </a:effectRef>
+          <a:fontRef idx="minor">
+            <a:schemeClr val="dk1"/>
+          </a:fontRef>
+        </p:style>
+        <p:txBody>
+          <a:bodyPr lIns="124733" tIns="62367" rIns="124733" bIns="62367" rtlCol="0" anchor="ctr"/>
+          <a:lstStyle/>
+          <a:p>
+            <a:pPr algn="ctr"/>
+            <a:r>
+              <a:rPr lang="ru-RU" sz="1100" dirty="0"/>
+              <a:t>Народный фронт не увидеть свет в Бельгии, и эта идея была официально отвергнута6 января 1936 </a:t>
+            </a:r>
+            <a:r>
+              <a:rPr lang="ru-RU" sz="1100" dirty="0" err="1"/>
+              <a:t>г.Генеральным</a:t>
+            </a:r>
+            <a:r>
+              <a:rPr lang="ru-RU" sz="1100" dirty="0"/>
+              <a:t> советом Бельгийской рабочей партии, принимавшей участие в правительстве Ван </a:t>
+            </a:r>
+            <a:r>
+              <a:rPr lang="ru-RU" sz="1100" dirty="0" err="1"/>
+              <a:t>Зеланда</a:t>
+            </a:r>
+            <a:r>
+              <a:rPr lang="ru-RU" sz="1100" dirty="0"/>
+              <a:t> II</a:t>
+            </a:r>
+          </a:p>
+        </p:txBody>
+      </p:sp>
+      <p:sp>
+        <p:nvSpPr>
+          <p:cNvPr id="126" name="Прямоугольник 125">
+            <a:extLst>
+              <a:ext uri="{FF2B5EF4-FFF2-40B4-BE49-F238E27FC236}">
+                <a16:creationId xmlns:a16="http://schemas.microsoft.com/office/drawing/2014/main" id="{BFFDACAE-3D8D-4C1F-B11E-B6E1EE53BEF7}"/>
+              </a:ext>
+            </a:extLst>
+          </p:cNvPr>
+          <p:cNvSpPr/>
+          <p:nvPr/>
+        </p:nvSpPr>
+        <p:spPr>
+          <a:xfrm>
+            <a:off x="24545241" y="187914"/>
+            <a:ext cx="2115918" cy="1080000"/>
+          </a:xfrm>
+          <a:prstGeom prst="rect">
+            <a:avLst/>
+          </a:prstGeom>
+          <a:solidFill>
+            <a:srgbClr val="FF0000"/>
+          </a:solidFill>
+          <a:ln w="28575"/>
+        </p:spPr>
+        <p:style>
+          <a:lnRef idx="2">
+            <a:schemeClr val="accent1"/>
+          </a:lnRef>
+          <a:fillRef idx="1">
+            <a:schemeClr val="lt1"/>
+          </a:fillRef>
+          <a:effectRef idx="0">
+            <a:schemeClr val="accent1"/>
+          </a:effectRef>
+          <a:fontRef idx="minor">
+            <a:schemeClr val="dk1"/>
+          </a:fontRef>
+        </p:style>
+        <p:txBody>
+          <a:bodyPr lIns="124733" tIns="62367" rIns="124733" bIns="62367" rtlCol="0" anchor="ctr"/>
+          <a:lstStyle/>
+          <a:p>
+            <a:pPr algn="ctr"/>
+            <a:r>
+              <a:rPr lang="en-US" sz="1400" dirty="0"/>
+              <a:t>Raoul </a:t>
+            </a:r>
+            <a:r>
+              <a:rPr lang="en-US" sz="1400" dirty="0" err="1"/>
+              <a:t>Baligand</a:t>
+            </a:r>
+            <a:r>
+              <a:rPr lang="ru-RU" sz="1400" dirty="0"/>
+              <a:t> – </a:t>
+            </a:r>
+            <a:r>
+              <a:rPr lang="ru-RU" sz="1400" dirty="0" err="1"/>
+              <a:t>комми</a:t>
+            </a:r>
+            <a:r>
+              <a:rPr lang="ru-RU" sz="1400" dirty="0"/>
+              <a:t> генерал</a:t>
+            </a:r>
+          </a:p>
+        </p:txBody>
+      </p:sp>
+      <p:sp>
+        <p:nvSpPr>
+          <p:cNvPr id="127" name="Прямоугольник 126">
+            <a:extLst>
+              <a:ext uri="{FF2B5EF4-FFF2-40B4-BE49-F238E27FC236}">
+                <a16:creationId xmlns:a16="http://schemas.microsoft.com/office/drawing/2014/main" id="{8638B688-6CBD-4FE7-988B-02AD51073E40}"/>
+              </a:ext>
+            </a:extLst>
+          </p:cNvPr>
+          <p:cNvSpPr/>
+          <p:nvPr/>
+        </p:nvSpPr>
+        <p:spPr>
+          <a:xfrm>
+            <a:off x="28563789" y="3331050"/>
+            <a:ext cx="2115918" cy="1080000"/>
+          </a:xfrm>
+          <a:prstGeom prst="rect">
+            <a:avLst/>
+          </a:prstGeom>
+          <a:solidFill>
+            <a:srgbClr val="FF0000"/>
+          </a:solidFill>
+          <a:ln w="28575"/>
+        </p:spPr>
+        <p:style>
+          <a:lnRef idx="2">
+            <a:schemeClr val="accent1"/>
+          </a:lnRef>
+          <a:fillRef idx="1">
+            <a:schemeClr val="lt1"/>
+          </a:fillRef>
+          <a:effectRef idx="0">
+            <a:schemeClr val="accent1"/>
+          </a:effectRef>
+          <a:fontRef idx="minor">
+            <a:schemeClr val="dk1"/>
+          </a:fontRef>
+        </p:style>
+        <p:txBody>
+          <a:bodyPr lIns="124733" tIns="62367" rIns="124733" bIns="62367" rtlCol="0" anchor="ctr"/>
+          <a:lstStyle/>
+          <a:p>
+            <a:pPr algn="ctr"/>
+            <a:r>
+              <a:rPr lang="ru-RU" sz="1400" dirty="0"/>
+              <a:t>Его заменил триумвират, состоящий из </a:t>
+            </a:r>
+            <a:r>
+              <a:rPr lang="ru-RU" sz="1400" dirty="0" err="1"/>
+              <a:t>Ксавьера</a:t>
+            </a:r>
+            <a:r>
+              <a:rPr lang="ru-RU" sz="1400" dirty="0"/>
+              <a:t> </a:t>
+            </a:r>
+            <a:r>
+              <a:rPr lang="ru-RU" sz="1400" dirty="0" err="1"/>
+              <a:t>Релекома</a:t>
+            </a:r>
+            <a:r>
+              <a:rPr lang="ru-RU" sz="1400" dirty="0"/>
+              <a:t> (</a:t>
+            </a:r>
+            <a:r>
+              <a:rPr lang="en-US" sz="1400" dirty="0"/>
+              <a:t>Xavier </a:t>
+            </a:r>
+            <a:r>
+              <a:rPr lang="en-US" sz="1400" dirty="0" err="1"/>
+              <a:t>Relecom</a:t>
+            </a:r>
+            <a:r>
+              <a:rPr lang="ru-RU" sz="1400" dirty="0"/>
+              <a:t>), фламандца Жоржа Ван </a:t>
+            </a:r>
+            <a:r>
+              <a:rPr lang="ru-RU" sz="1400" dirty="0" err="1"/>
+              <a:t>ден</a:t>
+            </a:r>
+            <a:r>
+              <a:rPr lang="ru-RU" sz="1400" dirty="0"/>
+              <a:t> </a:t>
+            </a:r>
+            <a:r>
+              <a:rPr lang="ru-RU" sz="1400" dirty="0" err="1"/>
+              <a:t>Боома</a:t>
+            </a:r>
+            <a:r>
+              <a:rPr lang="ru-RU" sz="1400" dirty="0"/>
+              <a:t> и </a:t>
+            </a:r>
+            <a:r>
+              <a:rPr lang="ru-RU" sz="1400" dirty="0" err="1"/>
+              <a:t>Льежуа</a:t>
+            </a:r>
+            <a:r>
+              <a:rPr lang="ru-RU" sz="1400" dirty="0"/>
+              <a:t> Жюльена </a:t>
+            </a:r>
+            <a:r>
+              <a:rPr lang="ru-RU" sz="1400" dirty="0" err="1"/>
+              <a:t>Лао</a:t>
+            </a:r>
+            <a:r>
+              <a:rPr lang="ru-RU" sz="1400" dirty="0"/>
+              <a:t>(</a:t>
+            </a:r>
+            <a:r>
+              <a:rPr lang="en-US" sz="1400" dirty="0"/>
+              <a:t>Julien </a:t>
+            </a:r>
+            <a:r>
+              <a:rPr lang="en-US" sz="1400" dirty="0" err="1"/>
+              <a:t>Lahaut</a:t>
+            </a:r>
+            <a:r>
+              <a:rPr lang="ru-RU" sz="1400" dirty="0"/>
+              <a:t>) . Он будет одним из главных действующих лиц многогранной помощи, оказываемой Испанской республике рабочими Бельгии, несмотря на препятствия, чинимые правительством. Упомянем здесь о приверженности молодых коммунистов и социалистов из Бельгии в рядах Интернациональных бригад</a:t>
+            </a:r>
+          </a:p>
+        </p:txBody>
+      </p:sp>
+      <p:sp>
+        <p:nvSpPr>
+          <p:cNvPr id="128" name="Прямоугольник 127">
+            <a:extLst>
+              <a:ext uri="{FF2B5EF4-FFF2-40B4-BE49-F238E27FC236}">
+                <a16:creationId xmlns:a16="http://schemas.microsoft.com/office/drawing/2014/main" id="{AC33A04A-31A1-4C7C-B118-E7E9145786AB}"/>
+              </a:ext>
+            </a:extLst>
+          </p:cNvPr>
+          <p:cNvSpPr/>
+          <p:nvPr/>
+        </p:nvSpPr>
+        <p:spPr>
+          <a:xfrm>
+            <a:off x="24113702" y="4576134"/>
+            <a:ext cx="2115918" cy="1080000"/>
+          </a:xfrm>
+          <a:prstGeom prst="rect">
+            <a:avLst/>
+          </a:prstGeom>
+          <a:solidFill>
+            <a:srgbClr val="FF0000"/>
+          </a:solidFill>
+          <a:ln w="28575"/>
+        </p:spPr>
+        <p:style>
+          <a:lnRef idx="2">
+            <a:schemeClr val="accent1"/>
+          </a:lnRef>
+          <a:fillRef idx="1">
+            <a:schemeClr val="lt1"/>
+          </a:fillRef>
+          <a:effectRef idx="0">
+            <a:schemeClr val="accent1"/>
+          </a:effectRef>
+          <a:fontRef idx="minor">
+            <a:schemeClr val="dk1"/>
+          </a:fontRef>
+        </p:style>
+        <p:txBody>
+          <a:bodyPr lIns="124733" tIns="62367" rIns="124733" bIns="62367" rtlCol="0" anchor="ctr"/>
+          <a:lstStyle/>
+          <a:p>
+            <a:pPr algn="ctr"/>
+            <a:r>
+              <a:rPr lang="ru-RU" sz="1400" dirty="0"/>
+              <a:t>Выбрать номера 1 </a:t>
+            </a:r>
+            <a:r>
+              <a:rPr lang="ru-RU" sz="900" dirty="0"/>
+              <a:t>(Став в 1939 г. подлинным номером один в партии на посту генерального секретаря, </a:t>
+            </a:r>
+            <a:r>
+              <a:rPr lang="ru-RU" sz="900" dirty="0" err="1"/>
+              <a:t>Релеком</a:t>
+            </a:r>
+            <a:r>
+              <a:rPr lang="ru-RU" sz="900" dirty="0"/>
+              <a:t> избежал арестов мая 1940 </a:t>
+            </a:r>
+            <a:r>
+              <a:rPr lang="ru-RU" sz="900" dirty="0" err="1"/>
+              <a:t>г.июнь</a:t>
+            </a:r>
+            <a:r>
+              <a:rPr lang="ru-RU" sz="900" dirty="0"/>
+              <a:t> 1941 </a:t>
+            </a:r>
+            <a:r>
+              <a:rPr lang="ru-RU" sz="900" dirty="0" err="1"/>
+              <a:t>г.и</a:t>
+            </a:r>
+            <a:r>
+              <a:rPr lang="ru-RU" sz="900" dirty="0"/>
+              <a:t> удалось легализовать партию)</a:t>
+            </a:r>
+            <a:endParaRPr lang="ru-RU" sz="1400" dirty="0"/>
+          </a:p>
+        </p:txBody>
+      </p:sp>
+      <p:sp>
+        <p:nvSpPr>
+          <p:cNvPr id="131" name="Прямоугольник 130">
+            <a:extLst>
+              <a:ext uri="{FF2B5EF4-FFF2-40B4-BE49-F238E27FC236}">
+                <a16:creationId xmlns:a16="http://schemas.microsoft.com/office/drawing/2014/main" id="{D6695341-5B54-4DE3-83C4-5FB4D345FC4B}"/>
+              </a:ext>
+            </a:extLst>
+          </p:cNvPr>
+          <p:cNvSpPr/>
+          <p:nvPr/>
+        </p:nvSpPr>
+        <p:spPr>
+          <a:xfrm>
+            <a:off x="18550724" y="4576134"/>
+            <a:ext cx="2115918" cy="1080000"/>
+          </a:xfrm>
+          <a:prstGeom prst="rect">
+            <a:avLst/>
+          </a:prstGeom>
+          <a:solidFill>
+            <a:srgbClr val="FF0000"/>
+          </a:solidFill>
+          <a:ln w="28575"/>
+        </p:spPr>
+        <p:style>
+          <a:lnRef idx="2">
+            <a:schemeClr val="accent1"/>
+          </a:lnRef>
+          <a:fillRef idx="1">
+            <a:schemeClr val="lt1"/>
+          </a:fillRef>
+          <a:effectRef idx="0">
+            <a:schemeClr val="accent1"/>
+          </a:effectRef>
+          <a:fontRef idx="minor">
+            <a:schemeClr val="dk1"/>
+          </a:fontRef>
+        </p:style>
+        <p:txBody>
+          <a:bodyPr lIns="124733" tIns="62367" rIns="124733" bIns="62367" rtlCol="0" anchor="ctr"/>
+          <a:lstStyle/>
+          <a:p>
+            <a:pPr algn="ctr"/>
+            <a:r>
+              <a:rPr lang="ru-RU" sz="1400" dirty="0"/>
+              <a:t>Потребовать отречения Леопольда </a:t>
+            </a:r>
+            <a:r>
+              <a:rPr lang="en-US" sz="1400" dirty="0"/>
+              <a:t>III</a:t>
+            </a:r>
+            <a:endParaRPr lang="ru-RU" sz="1400" dirty="0"/>
+          </a:p>
+        </p:txBody>
+      </p:sp>
     </p:spTree>
     <p:extLst>
       <p:ext uri="{BB962C8B-B14F-4D97-AF65-F5344CB8AC3E}">

--- a/Наработки/диздоки/Бельгия/Бельгия.pptx
+++ b/Наработки/диздоки/Бельгия/Бельгия.pptx
@@ -209,7 +209,7 @@
             <a:fld id="{33E3D7F9-E251-484C-A6FF-FA958879DF69}" type="datetimeFigureOut">
               <a:rPr lang="ru-RU" smtClean="0"/>
               <a:pPr/>
-              <a:t>20.01.2023</a:t>
+              <a:t>25.01.2023</a:t>
             </a:fld>
             <a:endParaRPr lang="ru-RU"/>
           </a:p>
@@ -699,7 +699,7 @@
             <a:fld id="{85A5DE44-605B-4D3B-B2B7-94543DF81A36}" type="datetimeFigureOut">
               <a:rPr lang="ru-RU" smtClean="0"/>
               <a:pPr/>
-              <a:t>20.01.2023</a:t>
+              <a:t>25.01.2023</a:t>
             </a:fld>
             <a:endParaRPr lang="ru-RU"/>
           </a:p>
@@ -871,7 +871,7 @@
             <a:fld id="{85A5DE44-605B-4D3B-B2B7-94543DF81A36}" type="datetimeFigureOut">
               <a:rPr lang="ru-RU" smtClean="0"/>
               <a:pPr/>
-              <a:t>20.01.2023</a:t>
+              <a:t>25.01.2023</a:t>
             </a:fld>
             <a:endParaRPr lang="ru-RU"/>
           </a:p>
@@ -1053,7 +1053,7 @@
             <a:fld id="{85A5DE44-605B-4D3B-B2B7-94543DF81A36}" type="datetimeFigureOut">
               <a:rPr lang="ru-RU" smtClean="0"/>
               <a:pPr/>
-              <a:t>20.01.2023</a:t>
+              <a:t>25.01.2023</a:t>
             </a:fld>
             <a:endParaRPr lang="ru-RU"/>
           </a:p>
@@ -1225,7 +1225,7 @@
             <a:fld id="{85A5DE44-605B-4D3B-B2B7-94543DF81A36}" type="datetimeFigureOut">
               <a:rPr lang="ru-RU" smtClean="0"/>
               <a:pPr/>
-              <a:t>20.01.2023</a:t>
+              <a:t>25.01.2023</a:t>
             </a:fld>
             <a:endParaRPr lang="ru-RU"/>
           </a:p>
@@ -1473,7 +1473,7 @@
             <a:fld id="{85A5DE44-605B-4D3B-B2B7-94543DF81A36}" type="datetimeFigureOut">
               <a:rPr lang="ru-RU" smtClean="0"/>
               <a:pPr/>
-              <a:t>20.01.2023</a:t>
+              <a:t>25.01.2023</a:t>
             </a:fld>
             <a:endParaRPr lang="ru-RU"/>
           </a:p>
@@ -1707,7 +1707,7 @@
             <a:fld id="{85A5DE44-605B-4D3B-B2B7-94543DF81A36}" type="datetimeFigureOut">
               <a:rPr lang="ru-RU" smtClean="0"/>
               <a:pPr/>
-              <a:t>20.01.2023</a:t>
+              <a:t>25.01.2023</a:t>
             </a:fld>
             <a:endParaRPr lang="ru-RU"/>
           </a:p>
@@ -2076,7 +2076,7 @@
             <a:fld id="{85A5DE44-605B-4D3B-B2B7-94543DF81A36}" type="datetimeFigureOut">
               <a:rPr lang="ru-RU" smtClean="0"/>
               <a:pPr/>
-              <a:t>20.01.2023</a:t>
+              <a:t>25.01.2023</a:t>
             </a:fld>
             <a:endParaRPr lang="ru-RU"/>
           </a:p>
@@ -2196,7 +2196,7 @@
             <a:fld id="{85A5DE44-605B-4D3B-B2B7-94543DF81A36}" type="datetimeFigureOut">
               <a:rPr lang="ru-RU" smtClean="0"/>
               <a:pPr/>
-              <a:t>20.01.2023</a:t>
+              <a:t>25.01.2023</a:t>
             </a:fld>
             <a:endParaRPr lang="ru-RU"/>
           </a:p>
@@ -2293,7 +2293,7 @@
             <a:fld id="{85A5DE44-605B-4D3B-B2B7-94543DF81A36}" type="datetimeFigureOut">
               <a:rPr lang="ru-RU" smtClean="0"/>
               <a:pPr/>
-              <a:t>20.01.2023</a:t>
+              <a:t>25.01.2023</a:t>
             </a:fld>
             <a:endParaRPr lang="ru-RU"/>
           </a:p>
@@ -2572,7 +2572,7 @@
             <a:fld id="{85A5DE44-605B-4D3B-B2B7-94543DF81A36}" type="datetimeFigureOut">
               <a:rPr lang="ru-RU" smtClean="0"/>
               <a:pPr/>
-              <a:t>20.01.2023</a:t>
+              <a:t>25.01.2023</a:t>
             </a:fld>
             <a:endParaRPr lang="ru-RU"/>
           </a:p>
@@ -2831,7 +2831,7 @@
             <a:fld id="{85A5DE44-605B-4D3B-B2B7-94543DF81A36}" type="datetimeFigureOut">
               <a:rPr lang="ru-RU" smtClean="0"/>
               <a:pPr/>
-              <a:t>20.01.2023</a:t>
+              <a:t>25.01.2023</a:t>
             </a:fld>
             <a:endParaRPr lang="ru-RU"/>
           </a:p>
@@ -3046,7 +3046,7 @@
             <a:fld id="{85A5DE44-605B-4D3B-B2B7-94543DF81A36}" type="datetimeFigureOut">
               <a:rPr lang="ru-RU" smtClean="0"/>
               <a:pPr/>
-              <a:t>20.01.2023</a:t>
+              <a:t>25.01.2023</a:t>
             </a:fld>
             <a:endParaRPr lang="ru-RU"/>
           </a:p>
@@ -3460,7 +3460,7 @@
         </p:nvSpPr>
         <p:spPr>
           <a:xfrm>
-            <a:off x="15828840" y="1766220"/>
+            <a:off x="15590036" y="1766220"/>
             <a:ext cx="2115918" cy="1080000"/>
           </a:xfrm>
           <a:prstGeom prst="rect">
@@ -3727,7 +3727,7 @@
         </p:nvCxnSpPr>
         <p:spPr>
           <a:xfrm>
-            <a:off x="7896136" y="1448490"/>
+            <a:off x="7657332" y="1448490"/>
             <a:ext cx="0" cy="3127644"/>
           </a:xfrm>
           <a:prstGeom prst="straightConnector1">
@@ -3764,7 +3764,7 @@
         </p:nvCxnSpPr>
         <p:spPr>
           <a:xfrm rot="16200000" flipH="1">
-            <a:off x="9671014" y="-326388"/>
+            <a:off x="9432210" y="-326388"/>
             <a:ext cx="324957" cy="3874712"/>
           </a:xfrm>
           <a:prstGeom prst="bentConnector3">
@@ -3805,7 +3805,7 @@
         </p:nvSpPr>
         <p:spPr>
           <a:xfrm>
-            <a:off x="15828840" y="3165967"/>
+            <a:off x="15590036" y="3165967"/>
             <a:ext cx="2115918" cy="1080000"/>
           </a:xfrm>
           <a:prstGeom prst="rect">
@@ -3962,7 +3962,7 @@
         </p:nvSpPr>
         <p:spPr>
           <a:xfrm>
-            <a:off x="14542109" y="6150107"/>
+            <a:off x="15589859" y="6150107"/>
             <a:ext cx="2115918" cy="1080000"/>
           </a:xfrm>
           <a:prstGeom prst="rect">
@@ -4179,7 +4179,7 @@
         </p:nvSpPr>
         <p:spPr>
           <a:xfrm>
-            <a:off x="9426159" y="6150107"/>
+            <a:off x="10473909" y="6150107"/>
             <a:ext cx="2115918" cy="1080000"/>
           </a:xfrm>
           <a:prstGeom prst="rect">
@@ -4235,7 +4235,7 @@
         </p:nvSpPr>
         <p:spPr>
           <a:xfrm>
-            <a:off x="15828840" y="4576134"/>
+            <a:off x="15590036" y="4576134"/>
             <a:ext cx="2115918" cy="1080000"/>
           </a:xfrm>
           <a:prstGeom prst="rect">
@@ -4344,7 +4344,7 @@
         </p:nvSpPr>
         <p:spPr>
           <a:xfrm>
-            <a:off x="14542109" y="10356274"/>
+            <a:off x="15589859" y="10356274"/>
             <a:ext cx="2115918" cy="1080000"/>
           </a:xfrm>
           <a:prstGeom prst="rect">
@@ -4404,7 +4404,7 @@
         </p:nvSpPr>
         <p:spPr>
           <a:xfrm>
-            <a:off x="10712889" y="7604782"/>
+            <a:off x="11760639" y="7604782"/>
             <a:ext cx="2115918" cy="1080000"/>
           </a:xfrm>
           <a:prstGeom prst="rect">
@@ -4460,7 +4460,7 @@
         </p:nvSpPr>
         <p:spPr>
           <a:xfrm>
-            <a:off x="13255380" y="7608720"/>
+            <a:off x="14303130" y="7608720"/>
             <a:ext cx="2115918" cy="1080000"/>
           </a:xfrm>
           <a:prstGeom prst="rect">
@@ -4585,7 +4585,7 @@
         </p:nvSpPr>
         <p:spPr>
           <a:xfrm>
-            <a:off x="11984134" y="6150107"/>
+            <a:off x="13031884" y="6150107"/>
             <a:ext cx="2115918" cy="1080000"/>
           </a:xfrm>
           <a:prstGeom prst="rect">
@@ -4757,7 +4757,7 @@
         </p:nvSpPr>
         <p:spPr>
           <a:xfrm>
-            <a:off x="11984134" y="10356274"/>
+            <a:off x="13031884" y="10356274"/>
             <a:ext cx="2115918" cy="1080000"/>
           </a:xfrm>
           <a:prstGeom prst="rect">
@@ -4962,7 +4962,7 @@
         </p:nvSpPr>
         <p:spPr>
           <a:xfrm>
-            <a:off x="10712889" y="8958749"/>
+            <a:off x="11760639" y="8958749"/>
             <a:ext cx="2115918" cy="1080000"/>
           </a:xfrm>
           <a:prstGeom prst="rect">
@@ -5018,7 +5018,7 @@
         </p:nvSpPr>
         <p:spPr>
           <a:xfrm>
-            <a:off x="8139429" y="7604782"/>
+            <a:off x="9187179" y="7604782"/>
             <a:ext cx="2115918" cy="1080000"/>
           </a:xfrm>
           <a:prstGeom prst="rect">
@@ -5075,7 +5075,7 @@
         </p:nvSpPr>
         <p:spPr>
           <a:xfrm>
-            <a:off x="15797871" y="7608720"/>
+            <a:off x="16876589" y="7604782"/>
             <a:ext cx="2115918" cy="1080000"/>
           </a:xfrm>
           <a:prstGeom prst="rect">
@@ -5144,7 +5144,7 @@
         </p:nvSpPr>
         <p:spPr>
           <a:xfrm>
-            <a:off x="5562783" y="6150107"/>
+            <a:off x="6610533" y="6150107"/>
             <a:ext cx="2115918" cy="1080000"/>
           </a:xfrm>
           <a:prstGeom prst="rect">
@@ -5261,7 +5261,7 @@
         </p:nvSpPr>
         <p:spPr>
           <a:xfrm>
-            <a:off x="4255789" y="10356274"/>
+            <a:off x="5303539" y="10356274"/>
             <a:ext cx="2115918" cy="1080000"/>
           </a:xfrm>
           <a:prstGeom prst="rect">
@@ -5378,7 +5378,7 @@
         </p:nvSpPr>
         <p:spPr>
           <a:xfrm>
-            <a:off x="5562783" y="7610467"/>
+            <a:off x="6610533" y="7610467"/>
             <a:ext cx="2115918" cy="1080000"/>
           </a:xfrm>
           <a:prstGeom prst="rect">
@@ -5475,7 +5475,7 @@
         </p:nvSpPr>
         <p:spPr>
           <a:xfrm>
-            <a:off x="6839341" y="10450634"/>
+            <a:off x="7887091" y="10450634"/>
             <a:ext cx="2115918" cy="1080000"/>
           </a:xfrm>
           <a:prstGeom prst="rect">
@@ -5523,7 +5523,7 @@
         </p:nvSpPr>
         <p:spPr>
           <a:xfrm>
-            <a:off x="8139429" y="11859282"/>
+            <a:off x="9187179" y="11859282"/>
             <a:ext cx="2115918" cy="1080000"/>
           </a:xfrm>
           <a:prstGeom prst="rect">
@@ -5571,7 +5571,7 @@
         </p:nvSpPr>
         <p:spPr>
           <a:xfrm>
-            <a:off x="8139429" y="13252798"/>
+            <a:off x="9187179" y="13252798"/>
             <a:ext cx="2115918" cy="1080000"/>
           </a:xfrm>
           <a:prstGeom prst="rect">
@@ -5619,7 +5619,7 @@
         </p:nvSpPr>
         <p:spPr>
           <a:xfrm>
-            <a:off x="5562783" y="11850111"/>
+            <a:off x="6610533" y="11850111"/>
             <a:ext cx="2115918" cy="1080000"/>
           </a:xfrm>
           <a:prstGeom prst="rect">
@@ -5667,7 +5667,7 @@
         </p:nvSpPr>
         <p:spPr>
           <a:xfrm>
-            <a:off x="5562783" y="13253321"/>
+            <a:off x="6610533" y="13253321"/>
             <a:ext cx="2115918" cy="1080000"/>
           </a:xfrm>
           <a:prstGeom prst="rect">
@@ -5719,7 +5719,7 @@
         </p:nvCxnSpPr>
         <p:spPr>
           <a:xfrm flipV="1">
-            <a:off x="7678701" y="13792798"/>
+            <a:off x="8726451" y="13792798"/>
             <a:ext cx="460728" cy="523"/>
           </a:xfrm>
           <a:prstGeom prst="line">
@@ -5760,7 +5760,7 @@
         </p:nvSpPr>
         <p:spPr>
           <a:xfrm>
-            <a:off x="13255380" y="8956527"/>
+            <a:off x="14303130" y="8956527"/>
             <a:ext cx="2115918" cy="1080000"/>
           </a:xfrm>
           <a:prstGeom prst="rect">
@@ -5827,7 +5827,7 @@
         </p:nvSpPr>
         <p:spPr>
           <a:xfrm>
-            <a:off x="6838177" y="368490"/>
+            <a:off x="6599373" y="368490"/>
             <a:ext cx="2115918" cy="1080000"/>
           </a:xfrm>
           <a:prstGeom prst="rect">
@@ -5891,7 +5891,7 @@
         </p:nvSpPr>
         <p:spPr>
           <a:xfrm>
-            <a:off x="13255380" y="1773447"/>
+            <a:off x="13016576" y="1773447"/>
             <a:ext cx="2115918" cy="1080000"/>
           </a:xfrm>
           <a:prstGeom prst="rect">
@@ -6000,7 +6000,7 @@
         </p:nvSpPr>
         <p:spPr>
           <a:xfrm>
-            <a:off x="409491" y="1773447"/>
+            <a:off x="170687" y="1773447"/>
             <a:ext cx="2115918" cy="1080000"/>
           </a:xfrm>
           <a:prstGeom prst="rect">
@@ -6141,7 +6141,7 @@
         </p:nvSpPr>
         <p:spPr>
           <a:xfrm>
-            <a:off x="6838177" y="4576134"/>
+            <a:off x="6599373" y="4576134"/>
             <a:ext cx="2115918" cy="1080000"/>
           </a:xfrm>
           <a:prstGeom prst="rect">
@@ -6202,7 +6202,7 @@
         </p:nvSpPr>
         <p:spPr>
           <a:xfrm>
-            <a:off x="10712889" y="1773447"/>
+            <a:off x="10474085" y="1773447"/>
             <a:ext cx="2115918" cy="1080000"/>
           </a:xfrm>
           <a:prstGeom prst="rect">
@@ -6299,7 +6299,7 @@
         </p:nvSpPr>
         <p:spPr>
           <a:xfrm>
-            <a:off x="8139429" y="3177132"/>
+            <a:off x="7900625" y="3177132"/>
             <a:ext cx="2115918" cy="1080000"/>
           </a:xfrm>
           <a:prstGeom prst="rect">
@@ -6392,7 +6392,7 @@
         </p:nvSpPr>
         <p:spPr>
           <a:xfrm>
-            <a:off x="10712889" y="3177132"/>
+            <a:off x="10474085" y="3177132"/>
             <a:ext cx="2115918" cy="1080000"/>
           </a:xfrm>
           <a:prstGeom prst="rect">
@@ -6485,7 +6485,7 @@
         </p:nvSpPr>
         <p:spPr>
           <a:xfrm>
-            <a:off x="13255380" y="3177132"/>
+            <a:off x="13016576" y="3177132"/>
             <a:ext cx="2115918" cy="1080000"/>
           </a:xfrm>
           <a:prstGeom prst="rect">
@@ -6574,7 +6574,7 @@
         </p:nvCxnSpPr>
         <p:spPr>
           <a:xfrm>
-            <a:off x="10255347" y="3717132"/>
+            <a:off x="10016543" y="3717132"/>
             <a:ext cx="457542" cy="0"/>
           </a:xfrm>
           <a:prstGeom prst="line">
@@ -6619,7 +6619,7 @@
         </p:nvCxnSpPr>
         <p:spPr>
           <a:xfrm>
-            <a:off x="12828807" y="3717132"/>
+            <a:off x="12590003" y="3717132"/>
             <a:ext cx="426573" cy="0"/>
           </a:xfrm>
           <a:prstGeom prst="line">
@@ -6660,7 +6660,7 @@
         </p:nvSpPr>
         <p:spPr>
           <a:xfrm>
-            <a:off x="2986137" y="1766220"/>
+            <a:off x="2747333" y="1766220"/>
             <a:ext cx="2115918" cy="1080000"/>
           </a:xfrm>
           <a:prstGeom prst="rect">
@@ -6748,7 +6748,7 @@
         </p:nvCxnSpPr>
         <p:spPr>
           <a:xfrm>
-            <a:off x="5102055" y="2306220"/>
+            <a:off x="4863251" y="2306220"/>
             <a:ext cx="5610834" cy="7227"/>
           </a:xfrm>
           <a:prstGeom prst="line">
@@ -6789,7 +6789,7 @@
         </p:nvSpPr>
         <p:spPr>
           <a:xfrm>
-            <a:off x="5562783" y="3177132"/>
+            <a:off x="5323979" y="3177132"/>
             <a:ext cx="2115918" cy="1080000"/>
           </a:xfrm>
           <a:prstGeom prst="rect">
@@ -6837,7 +6837,7 @@
         </p:nvSpPr>
         <p:spPr>
           <a:xfrm>
-            <a:off x="2986137" y="3177132"/>
+            <a:off x="2747333" y="3177132"/>
             <a:ext cx="2115918" cy="1080000"/>
           </a:xfrm>
           <a:prstGeom prst="rect">
@@ -6893,7 +6893,7 @@
         </p:nvSpPr>
         <p:spPr>
           <a:xfrm>
-            <a:off x="409491" y="3177132"/>
+            <a:off x="170687" y="3177132"/>
             <a:ext cx="2115918" cy="1080000"/>
           </a:xfrm>
           <a:prstGeom prst="rect">
@@ -6953,7 +6953,7 @@
         </p:nvCxnSpPr>
         <p:spPr>
           <a:xfrm>
-            <a:off x="2525409" y="3717132"/>
+            <a:off x="2286605" y="3717132"/>
             <a:ext cx="460728" cy="0"/>
           </a:xfrm>
           <a:prstGeom prst="line">
@@ -6998,7 +6998,7 @@
         </p:nvCxnSpPr>
         <p:spPr>
           <a:xfrm>
-            <a:off x="5102055" y="3717132"/>
+            <a:off x="4863251" y="3717132"/>
             <a:ext cx="460728" cy="0"/>
           </a:xfrm>
           <a:prstGeom prst="line">
@@ -7039,7 +7039,7 @@
         </p:nvSpPr>
         <p:spPr>
           <a:xfrm>
-            <a:off x="409491" y="7610467"/>
+            <a:off x="1457241" y="7610467"/>
             <a:ext cx="2115918" cy="1080000"/>
           </a:xfrm>
           <a:prstGeom prst="rect">
@@ -7152,7 +7152,7 @@
         </p:nvSpPr>
         <p:spPr>
           <a:xfrm>
-            <a:off x="409491" y="8956527"/>
+            <a:off x="1457241" y="8956527"/>
             <a:ext cx="2115918" cy="1080000"/>
           </a:xfrm>
           <a:prstGeom prst="rect">
@@ -7277,7 +7277,7 @@
         </p:nvSpPr>
         <p:spPr>
           <a:xfrm>
-            <a:off x="1697814" y="10356274"/>
+            <a:off x="2745564" y="10356274"/>
             <a:ext cx="2115918" cy="1080000"/>
           </a:xfrm>
           <a:prstGeom prst="rect">
@@ -7330,7 +7330,7 @@
         </p:nvSpPr>
         <p:spPr>
           <a:xfrm>
-            <a:off x="2986137" y="7610467"/>
+            <a:off x="4033887" y="7610467"/>
             <a:ext cx="2115918" cy="1080000"/>
           </a:xfrm>
           <a:prstGeom prst="rect">
@@ -7383,7 +7383,7 @@
         </p:nvSpPr>
         <p:spPr>
           <a:xfrm>
-            <a:off x="2986137" y="8956527"/>
+            <a:off x="4033887" y="8956527"/>
             <a:ext cx="2115918" cy="1080000"/>
           </a:xfrm>
           <a:prstGeom prst="rect">
@@ -7480,7 +7480,7 @@
         </p:nvCxnSpPr>
         <p:spPr>
           <a:xfrm rot="16200000" flipH="1">
-            <a:off x="10942259" y="-1597634"/>
+            <a:off x="10703455" y="-1597634"/>
             <a:ext cx="324957" cy="6417203"/>
           </a:xfrm>
           <a:prstGeom prst="bentConnector3">
@@ -7525,7 +7525,7 @@
         </p:nvCxnSpPr>
         <p:spPr>
           <a:xfrm rot="5400000">
-            <a:off x="5811251" y="-318665"/>
+            <a:off x="5572447" y="-318665"/>
             <a:ext cx="317730" cy="3852040"/>
           </a:xfrm>
           <a:prstGeom prst="bentConnector3">
@@ -7570,7 +7570,7 @@
         </p:nvCxnSpPr>
         <p:spPr>
           <a:xfrm rot="5400000">
-            <a:off x="4519315" y="-1603375"/>
+            <a:off x="4280511" y="-1603375"/>
             <a:ext cx="324957" cy="6428686"/>
           </a:xfrm>
           <a:prstGeom prst="bentConnector3">
@@ -7615,7 +7615,7 @@
         </p:nvCxnSpPr>
         <p:spPr>
           <a:xfrm rot="16200000" flipH="1">
-            <a:off x="5166963" y="1723353"/>
+            <a:off x="4928159" y="1723353"/>
             <a:ext cx="330912" cy="2576646"/>
           </a:xfrm>
           <a:prstGeom prst="bentConnector3">
@@ -7660,7 +7660,7 @@
         </p:nvCxnSpPr>
         <p:spPr>
           <a:xfrm rot="5400000">
-            <a:off x="2590317" y="1723353"/>
+            <a:off x="2351513" y="1723353"/>
             <a:ext cx="330912" cy="2576646"/>
           </a:xfrm>
           <a:prstGeom prst="bentConnector3">
@@ -7701,7 +7701,7 @@
         </p:nvSpPr>
         <p:spPr>
           <a:xfrm>
-            <a:off x="1697814" y="6150107"/>
+            <a:off x="2745564" y="6150107"/>
             <a:ext cx="2115918" cy="1080000"/>
           </a:xfrm>
           <a:prstGeom prst="rect">
@@ -7753,7 +7753,7 @@
         </p:nvCxnSpPr>
         <p:spPr>
           <a:xfrm>
-            <a:off x="16886799" y="2846220"/>
+            <a:off x="16647995" y="2846220"/>
             <a:ext cx="0" cy="319747"/>
           </a:xfrm>
           <a:prstGeom prst="straightConnector1">
@@ -7796,7 +7796,7 @@
         </p:nvCxnSpPr>
         <p:spPr>
           <a:xfrm>
-            <a:off x="16886799" y="4245967"/>
+            <a:off x="16647995" y="4245967"/>
             <a:ext cx="0" cy="330167"/>
           </a:xfrm>
           <a:prstGeom prst="straightConnector1">
@@ -7839,7 +7839,7 @@
         </p:nvCxnSpPr>
         <p:spPr>
           <a:xfrm rot="16200000" flipH="1">
-            <a:off x="3209754" y="6776125"/>
+            <a:off x="4257504" y="6776125"/>
             <a:ext cx="380360" cy="1288323"/>
           </a:xfrm>
           <a:prstGeom prst="bentConnector3">
@@ -7884,7 +7884,7 @@
         </p:nvCxnSpPr>
         <p:spPr>
           <a:xfrm rot="5400000">
-            <a:off x="1921432" y="6776126"/>
+            <a:off x="2969182" y="6776126"/>
             <a:ext cx="380360" cy="1288323"/>
           </a:xfrm>
           <a:prstGeom prst="bentConnector3">
@@ -7929,7 +7929,7 @@
         </p:nvCxnSpPr>
         <p:spPr>
           <a:xfrm>
-            <a:off x="4044096" y="8690467"/>
+            <a:off x="5091846" y="8690467"/>
             <a:ext cx="0" cy="266060"/>
           </a:xfrm>
           <a:prstGeom prst="straightConnector1">
@@ -7972,7 +7972,7 @@
         </p:nvCxnSpPr>
         <p:spPr>
           <a:xfrm>
-            <a:off x="1467450" y="8690467"/>
+            <a:off x="2515200" y="8690467"/>
             <a:ext cx="0" cy="266060"/>
           </a:xfrm>
           <a:prstGeom prst="straightConnector1">
@@ -8015,7 +8015,7 @@
         </p:nvCxnSpPr>
         <p:spPr>
           <a:xfrm>
-            <a:off x="2755773" y="7230107"/>
+            <a:off x="3803523" y="7230107"/>
             <a:ext cx="0" cy="3126167"/>
           </a:xfrm>
           <a:prstGeom prst="straightConnector1">
@@ -8058,7 +8058,7 @@
         </p:nvCxnSpPr>
         <p:spPr>
           <a:xfrm>
-            <a:off x="6620742" y="7230107"/>
+            <a:off x="7668492" y="7230107"/>
             <a:ext cx="0" cy="380360"/>
           </a:xfrm>
           <a:prstGeom prst="straightConnector1">
@@ -8101,7 +8101,7 @@
         </p:nvCxnSpPr>
         <p:spPr>
           <a:xfrm rot="16200000" flipH="1">
-            <a:off x="2471677" y="7514202"/>
+            <a:off x="3519427" y="7514202"/>
             <a:ext cx="3126167" cy="2557975"/>
           </a:xfrm>
           <a:prstGeom prst="bentConnector3">
@@ -8146,7 +8146,7 @@
         </p:nvCxnSpPr>
         <p:spPr>
           <a:xfrm rot="5400000">
-            <a:off x="5134342" y="8869873"/>
+            <a:off x="6182092" y="8869873"/>
             <a:ext cx="1665807" cy="1306994"/>
           </a:xfrm>
           <a:prstGeom prst="bentConnector3">
@@ -8191,7 +8191,7 @@
         </p:nvCxnSpPr>
         <p:spPr>
           <a:xfrm rot="5400000">
-            <a:off x="9653416" y="6774079"/>
+            <a:off x="10701166" y="6774079"/>
             <a:ext cx="374675" cy="1286730"/>
           </a:xfrm>
           <a:prstGeom prst="bentConnector3">
@@ -8236,7 +8236,7 @@
         </p:nvCxnSpPr>
         <p:spPr>
           <a:xfrm rot="16200000" flipH="1">
-            <a:off x="10940146" y="6774079"/>
+            <a:off x="11987896" y="6774079"/>
             <a:ext cx="374675" cy="1286730"/>
           </a:xfrm>
           <a:prstGeom prst="bentConnector3">
@@ -8281,7 +8281,7 @@
         </p:nvCxnSpPr>
         <p:spPr>
           <a:xfrm rot="16200000" flipH="1">
-            <a:off x="13488410" y="6783790"/>
+            <a:off x="14536160" y="6783790"/>
             <a:ext cx="378613" cy="1271246"/>
           </a:xfrm>
           <a:prstGeom prst="bentConnector3">
@@ -8326,7 +8326,7 @@
         </p:nvCxnSpPr>
         <p:spPr>
           <a:xfrm rot="5400000">
-            <a:off x="14767398" y="6776049"/>
+            <a:off x="15815148" y="6776049"/>
             <a:ext cx="378613" cy="1286729"/>
           </a:xfrm>
           <a:prstGeom prst="bentConnector3">
@@ -8371,8 +8371,8 @@
         </p:nvCxnSpPr>
         <p:spPr>
           <a:xfrm rot="16200000" flipH="1">
-            <a:off x="16038643" y="6791532"/>
-            <a:ext cx="378613" cy="1255762"/>
+            <a:off x="17103846" y="6774079"/>
+            <a:ext cx="374675" cy="1286730"/>
           </a:xfrm>
           <a:prstGeom prst="bentConnector3">
             <a:avLst>
@@ -8416,7 +8416,7 @@
         </p:nvCxnSpPr>
         <p:spPr>
           <a:xfrm>
-            <a:off x="11770848" y="8684782"/>
+            <a:off x="12818598" y="8684782"/>
             <a:ext cx="0" cy="273967"/>
           </a:xfrm>
           <a:prstGeom prst="straightConnector1">
@@ -8459,7 +8459,7 @@
         </p:nvCxnSpPr>
         <p:spPr>
           <a:xfrm rot="5400000">
-            <a:off x="7099283" y="11052093"/>
+            <a:off x="8147033" y="11052093"/>
             <a:ext cx="319477" cy="1276558"/>
           </a:xfrm>
           <a:prstGeom prst="bentConnector3">
@@ -8504,7 +8504,7 @@
         </p:nvCxnSpPr>
         <p:spPr>
           <a:xfrm rot="16200000" flipH="1">
-            <a:off x="8383020" y="11044914"/>
+            <a:off x="9430770" y="11044914"/>
             <a:ext cx="328648" cy="1300088"/>
           </a:xfrm>
           <a:prstGeom prst="bentConnector3">
@@ -8549,7 +8549,7 @@
         </p:nvCxnSpPr>
         <p:spPr>
           <a:xfrm>
-            <a:off x="6620742" y="12930111"/>
+            <a:off x="7668492" y="12930111"/>
             <a:ext cx="0" cy="323210"/>
           </a:xfrm>
           <a:prstGeom prst="straightConnector1">
@@ -8592,7 +8592,7 @@
         </p:nvCxnSpPr>
         <p:spPr>
           <a:xfrm>
-            <a:off x="9197388" y="12939282"/>
+            <a:off x="10245138" y="12939282"/>
             <a:ext cx="0" cy="313516"/>
           </a:xfrm>
           <a:prstGeom prst="straightConnector1">
@@ -8635,7 +8635,7 @@
         </p:nvCxnSpPr>
         <p:spPr>
           <a:xfrm>
-            <a:off x="13042093" y="7230107"/>
+            <a:off x="14089843" y="7230107"/>
             <a:ext cx="0" cy="3126167"/>
           </a:xfrm>
           <a:prstGeom prst="straightConnector1">
@@ -8678,7 +8678,7 @@
         </p:nvCxnSpPr>
         <p:spPr>
           <a:xfrm>
-            <a:off x="15600068" y="7230107"/>
+            <a:off x="16647818" y="7230107"/>
             <a:ext cx="0" cy="3126167"/>
           </a:xfrm>
           <a:prstGeom prst="straightConnector1">
@@ -8721,7 +8721,7 @@
         </p:nvCxnSpPr>
         <p:spPr>
           <a:xfrm rot="5400000">
-            <a:off x="13517843" y="9560777"/>
+            <a:off x="14565593" y="9560777"/>
             <a:ext cx="319747" cy="1271246"/>
           </a:xfrm>
           <a:prstGeom prst="bentConnector3">
@@ -8766,7 +8766,7 @@
         </p:nvCxnSpPr>
         <p:spPr>
           <a:xfrm rot="16200000" flipH="1">
-            <a:off x="14796830" y="9553035"/>
+            <a:off x="15844580" y="9553035"/>
             <a:ext cx="319747" cy="1286729"/>
           </a:xfrm>
           <a:prstGeom prst="bentConnector3">
@@ -8811,7 +8811,7 @@
         </p:nvCxnSpPr>
         <p:spPr>
           <a:xfrm rot="16200000" flipH="1">
-            <a:off x="12880251" y="1744043"/>
+            <a:off x="12641447" y="1744043"/>
             <a:ext cx="323685" cy="2542491"/>
           </a:xfrm>
           <a:prstGeom prst="bentConnector3">
@@ -8856,7 +8856,7 @@
         </p:nvCxnSpPr>
         <p:spPr>
           <a:xfrm rot="5400000">
-            <a:off x="10322276" y="1728559"/>
+            <a:off x="10083472" y="1728559"/>
             <a:ext cx="323685" cy="2573460"/>
           </a:xfrm>
           <a:prstGeom prst="bentConnector3">
@@ -8901,7 +8901,7 @@
         </p:nvCxnSpPr>
         <p:spPr>
           <a:xfrm>
-            <a:off x="4044096" y="2846220"/>
+            <a:off x="3805292" y="2846220"/>
             <a:ext cx="0" cy="330912"/>
           </a:xfrm>
           <a:prstGeom prst="straightConnector1">
@@ -8944,7 +8944,7 @@
         </p:nvCxnSpPr>
         <p:spPr>
           <a:xfrm>
-            <a:off x="11770848" y="2853447"/>
+            <a:off x="11532044" y="2853447"/>
             <a:ext cx="0" cy="323685"/>
           </a:xfrm>
           <a:prstGeom prst="straightConnector1">
@@ -8987,7 +8987,7 @@
         </p:nvCxnSpPr>
         <p:spPr>
           <a:xfrm rot="16200000" flipH="1">
-            <a:off x="6378938" y="8932271"/>
+            <a:off x="7426688" y="8932271"/>
             <a:ext cx="1760167" cy="1276558"/>
           </a:xfrm>
           <a:prstGeom prst="bentConnector3">
@@ -9032,12 +9032,12 @@
         </p:nvCxnSpPr>
         <p:spPr>
           <a:xfrm rot="5400000">
-            <a:off x="7664418" y="8917664"/>
+            <a:off x="8712168" y="8917664"/>
             <a:ext cx="1765852" cy="1300088"/>
           </a:xfrm>
           <a:prstGeom prst="bentConnector3">
             <a:avLst>
-              <a:gd name="adj1" fmla="val 10584"/>
+              <a:gd name="adj1" fmla="val 9505"/>
             </a:avLst>
           </a:prstGeom>
           <a:ln w="28575">
@@ -9073,7 +9073,7 @@
         </p:nvSpPr>
         <p:spPr>
           <a:xfrm>
-            <a:off x="5568096" y="8958485"/>
+            <a:off x="6615846" y="8958485"/>
             <a:ext cx="2115918" cy="1080000"/>
           </a:xfrm>
           <a:prstGeom prst="rect">
@@ -9121,7 +9121,7 @@
         </p:nvSpPr>
         <p:spPr>
           <a:xfrm>
-            <a:off x="8136244" y="8956527"/>
+            <a:off x="9183994" y="8956527"/>
             <a:ext cx="2115918" cy="1080000"/>
           </a:xfrm>
           <a:prstGeom prst="rect">
@@ -9173,7 +9173,7 @@
         </p:nvCxnSpPr>
         <p:spPr>
           <a:xfrm flipV="1">
-            <a:off x="7684014" y="9496527"/>
+            <a:off x="8731764" y="9496527"/>
             <a:ext cx="452230" cy="1958"/>
           </a:xfrm>
           <a:prstGeom prst="line">
@@ -9218,7 +9218,7 @@
         </p:nvCxnSpPr>
         <p:spPr>
           <a:xfrm>
-            <a:off x="6620742" y="8690467"/>
+            <a:off x="7668492" y="8690467"/>
             <a:ext cx="5313" cy="268018"/>
           </a:xfrm>
           <a:prstGeom prst="straightConnector1">
@@ -9261,7 +9261,7 @@
         </p:nvCxnSpPr>
         <p:spPr>
           <a:xfrm flipH="1">
-            <a:off x="9194203" y="8684782"/>
+            <a:off x="10241953" y="8684782"/>
             <a:ext cx="3185" cy="271745"/>
           </a:xfrm>
           <a:prstGeom prst="straightConnector1">
@@ -9356,7 +9356,7 @@
         </p:nvSpPr>
         <p:spPr>
           <a:xfrm>
-            <a:off x="31491242" y="1930406"/>
+            <a:off x="32065400" y="6150106"/>
             <a:ext cx="2115918" cy="1080000"/>
           </a:xfrm>
           <a:prstGeom prst="rect">
@@ -9885,7 +9885,7 @@
         </p:nvSpPr>
         <p:spPr>
           <a:xfrm>
-            <a:off x="24545241" y="187914"/>
+            <a:off x="24259372" y="1641869"/>
             <a:ext cx="2115918" cy="1080000"/>
           </a:xfrm>
           <a:prstGeom prst="rect">
@@ -9952,7 +9952,7 @@
         </p:nvSpPr>
         <p:spPr>
           <a:xfrm>
-            <a:off x="28563789" y="3331050"/>
+            <a:off x="24439335" y="177258"/>
             <a:ext cx="2115918" cy="1080000"/>
           </a:xfrm>
           <a:prstGeom prst="rect">
@@ -9983,79 +9983,79 @@
           <a:p>
             <a:pPr algn="ctr"/>
             <a:r>
-              <a:rPr lang="ru-RU" sz="1400" dirty="0"/>
+              <a:rPr lang="ru-RU" sz="600" dirty="0"/>
               <a:t>Его заменил триумвират, состоящий из </a:t>
             </a:r>
             <a:r>
-              <a:rPr lang="ru-RU" sz="1400" dirty="0" err="1"/>
+              <a:rPr lang="ru-RU" sz="600" dirty="0" err="1"/>
               <a:t>Ксавьера</a:t>
             </a:r>
             <a:r>
-              <a:rPr lang="ru-RU" sz="1400" dirty="0"/>
+              <a:rPr lang="ru-RU" sz="600" dirty="0"/>
               <a:t> </a:t>
             </a:r>
             <a:r>
-              <a:rPr lang="ru-RU" sz="1400" dirty="0" err="1"/>
+              <a:rPr lang="ru-RU" sz="600" dirty="0" err="1"/>
               <a:t>Релекома</a:t>
             </a:r>
             <a:r>
-              <a:rPr lang="ru-RU" sz="1400" dirty="0"/>
+              <a:rPr lang="ru-RU" sz="600" dirty="0"/>
               <a:t> (</a:t>
             </a:r>
             <a:r>
-              <a:rPr lang="en-US" sz="1400" dirty="0"/>
+              <a:rPr lang="en-US" sz="600" dirty="0"/>
               <a:t>Xavier </a:t>
             </a:r>
             <a:r>
-              <a:rPr lang="en-US" sz="1400" dirty="0" err="1"/>
+              <a:rPr lang="en-US" sz="600" dirty="0" err="1"/>
               <a:t>Relecom</a:t>
             </a:r>
             <a:r>
-              <a:rPr lang="ru-RU" sz="1400" dirty="0"/>
+              <a:rPr lang="ru-RU" sz="600" dirty="0"/>
               <a:t>), фламандца Жоржа Ван </a:t>
             </a:r>
             <a:r>
-              <a:rPr lang="ru-RU" sz="1400" dirty="0" err="1"/>
+              <a:rPr lang="ru-RU" sz="600" dirty="0" err="1"/>
               <a:t>ден</a:t>
             </a:r>
             <a:r>
-              <a:rPr lang="ru-RU" sz="1400" dirty="0"/>
+              <a:rPr lang="ru-RU" sz="600" dirty="0"/>
               <a:t> </a:t>
             </a:r>
             <a:r>
-              <a:rPr lang="ru-RU" sz="1400" dirty="0" err="1"/>
+              <a:rPr lang="ru-RU" sz="600" dirty="0" err="1"/>
               <a:t>Боома</a:t>
             </a:r>
             <a:r>
-              <a:rPr lang="ru-RU" sz="1400" dirty="0"/>
+              <a:rPr lang="ru-RU" sz="600" dirty="0"/>
               <a:t> и </a:t>
             </a:r>
             <a:r>
-              <a:rPr lang="ru-RU" sz="1400" dirty="0" err="1"/>
+              <a:rPr lang="ru-RU" sz="600" dirty="0" err="1"/>
               <a:t>Льежуа</a:t>
             </a:r>
             <a:r>
-              <a:rPr lang="ru-RU" sz="1400" dirty="0"/>
+              <a:rPr lang="ru-RU" sz="600" dirty="0"/>
               <a:t> Жюльена </a:t>
             </a:r>
             <a:r>
-              <a:rPr lang="ru-RU" sz="1400" dirty="0" err="1"/>
+              <a:rPr lang="ru-RU" sz="600" dirty="0" err="1"/>
               <a:t>Лао</a:t>
             </a:r>
             <a:r>
-              <a:rPr lang="ru-RU" sz="1400" dirty="0"/>
+              <a:rPr lang="ru-RU" sz="600" dirty="0"/>
               <a:t>(</a:t>
             </a:r>
             <a:r>
-              <a:rPr lang="en-US" sz="1400" dirty="0"/>
+              <a:rPr lang="en-US" sz="600" dirty="0"/>
               <a:t>Julien </a:t>
             </a:r>
             <a:r>
-              <a:rPr lang="en-US" sz="1400" dirty="0" err="1"/>
+              <a:rPr lang="en-US" sz="600" dirty="0" err="1"/>
               <a:t>Lahaut</a:t>
             </a:r>
             <a:r>
-              <a:rPr lang="ru-RU" sz="1400" dirty="0"/>
+              <a:rPr lang="ru-RU" sz="600" dirty="0"/>
               <a:t>) . Он будет одним из главных действующих лиц многогранной помощи, оказываемой Испанской республике рабочими Бельгии, несмотря на препятствия, чинимые правительством. Упомянем здесь о приверженности молодых коммунистов и социалистов из Бельгии в рядах Интернациональных бригад</a:t>
             </a:r>
           </a:p>
@@ -10192,6 +10192,341 @@
             <a:r>
               <a:rPr lang="en-US" sz="1400" dirty="0"/>
               <a:t>III</a:t>
+            </a:r>
+            <a:endParaRPr lang="ru-RU" sz="1400" dirty="0"/>
+          </a:p>
+        </p:txBody>
+      </p:sp>
+      <p:sp>
+        <p:nvSpPr>
+          <p:cNvPr id="108" name="Прямоугольник 107">
+            <a:extLst>
+              <a:ext uri="{FF2B5EF4-FFF2-40B4-BE49-F238E27FC236}">
+                <a16:creationId xmlns:a16="http://schemas.microsoft.com/office/drawing/2014/main" id="{2E7BAEEE-3678-43D6-B838-7DDAAC7A27FA}"/>
+              </a:ext>
+            </a:extLst>
+          </p:cNvPr>
+          <p:cNvSpPr/>
+          <p:nvPr/>
+        </p:nvSpPr>
+        <p:spPr>
+          <a:xfrm>
+            <a:off x="186882" y="10356274"/>
+            <a:ext cx="2115918" cy="1080000"/>
+          </a:xfrm>
+          <a:prstGeom prst="rect">
+            <a:avLst/>
+          </a:prstGeom>
+          <a:ln w="28575"/>
+        </p:spPr>
+        <p:style>
+          <a:lnRef idx="2">
+            <a:schemeClr val="accent1"/>
+          </a:lnRef>
+          <a:fillRef idx="1">
+            <a:schemeClr val="lt1"/>
+          </a:fillRef>
+          <a:effectRef idx="0">
+            <a:schemeClr val="accent1"/>
+          </a:effectRef>
+          <a:fontRef idx="minor">
+            <a:schemeClr val="dk1"/>
+          </a:fontRef>
+        </p:style>
+        <p:txBody>
+          <a:bodyPr lIns="124733" tIns="62367" rIns="124733" bIns="62367" rtlCol="0" anchor="ctr"/>
+          <a:lstStyle/>
+          <a:p>
+            <a:pPr algn="ctr"/>
+            <a:r>
+              <a:rPr lang="ru-RU" sz="1400" dirty="0"/>
+              <a:t>Выделить Фламандские полки (1938) </a:t>
+            </a:r>
+            <a:r>
+              <a:rPr lang="ru-RU" sz="500" dirty="0"/>
+              <a:t>(Бельгийская армия разделилась на валлонский и фламандский </a:t>
+            </a:r>
+            <a:r>
+              <a:rPr lang="ru-RU" sz="500" dirty="0" err="1"/>
+              <a:t>полки.МодифицироватьЗаконы</a:t>
+            </a:r>
+            <a:r>
+              <a:rPr lang="ru-RU" sz="500" dirty="0"/>
+              <a:t> 1938 г., принятые фламандским большинством в парламенте против практически всех валлонских депутатов, устанавливают валлонские и фламандские полки. Следствием этого закона является то, что мы сможем четко различать два типа единиц. Хотя съезды аббата </a:t>
+            </a:r>
+            <a:r>
+              <a:rPr lang="ru-RU" sz="500" dirty="0" err="1"/>
+              <a:t>Махье</a:t>
+            </a:r>
+            <a:r>
+              <a:rPr lang="ru-RU" sz="500" dirty="0"/>
+              <a:t> «Валлонская концентрация» собирали очень радикальных людей, в их речах ясно выражалось валлонское недомогание до 1940 г.)</a:t>
+            </a:r>
+            <a:endParaRPr lang="ru-RU" sz="1400" dirty="0"/>
+          </a:p>
+        </p:txBody>
+      </p:sp>
+      <p:cxnSp>
+        <p:nvCxnSpPr>
+          <p:cNvPr id="110" name="Соединительная линия уступом 523">
+            <a:extLst>
+              <a:ext uri="{FF2B5EF4-FFF2-40B4-BE49-F238E27FC236}">
+                <a16:creationId xmlns:a16="http://schemas.microsoft.com/office/drawing/2014/main" id="{6A288F7E-6546-4FC6-BEDC-8C5ECA54E8E4}"/>
+              </a:ext>
+            </a:extLst>
+          </p:cNvPr>
+          <p:cNvCxnSpPr>
+            <a:cxnSpLocks/>
+            <a:stCxn id="77" idx="2"/>
+            <a:endCxn id="108" idx="0"/>
+          </p:cNvCxnSpPr>
+          <p:nvPr/>
+        </p:nvCxnSpPr>
+        <p:spPr>
+          <a:xfrm rot="5400000">
+            <a:off x="961099" y="7513849"/>
+            <a:ext cx="3126167" cy="2558682"/>
+          </a:xfrm>
+          <a:prstGeom prst="bentConnector3">
+            <a:avLst>
+              <a:gd name="adj1" fmla="val 6125"/>
+            </a:avLst>
+          </a:prstGeom>
+          <a:ln w="28575">
+            <a:tailEnd type="arrow"/>
+          </a:ln>
+        </p:spPr>
+        <p:style>
+          <a:lnRef idx="1">
+            <a:schemeClr val="accent1"/>
+          </a:lnRef>
+          <a:fillRef idx="0">
+            <a:schemeClr val="accent1"/>
+          </a:fillRef>
+          <a:effectRef idx="0">
+            <a:schemeClr val="accent1"/>
+          </a:effectRef>
+          <a:fontRef idx="minor">
+            <a:schemeClr val="tx1"/>
+          </a:fontRef>
+        </p:style>
+      </p:cxnSp>
+      <p:sp>
+        <p:nvSpPr>
+          <p:cNvPr id="111" name="Прямоугольник 110">
+            <a:extLst>
+              <a:ext uri="{FF2B5EF4-FFF2-40B4-BE49-F238E27FC236}">
+                <a16:creationId xmlns:a16="http://schemas.microsoft.com/office/drawing/2014/main" id="{2BAA2D08-0381-43BE-BEC0-53C96B2E1978}"/>
+              </a:ext>
+            </a:extLst>
+          </p:cNvPr>
+          <p:cNvSpPr/>
+          <p:nvPr/>
+        </p:nvSpPr>
+        <p:spPr>
+          <a:xfrm>
+            <a:off x="32065400" y="4576134"/>
+            <a:ext cx="2115918" cy="1080000"/>
+          </a:xfrm>
+          <a:prstGeom prst="rect">
+            <a:avLst/>
+          </a:prstGeom>
+          <a:ln w="28575"/>
+        </p:spPr>
+        <p:style>
+          <a:lnRef idx="2">
+            <a:schemeClr val="accent1"/>
+          </a:lnRef>
+          <a:fillRef idx="1">
+            <a:schemeClr val="lt1"/>
+          </a:fillRef>
+          <a:effectRef idx="0">
+            <a:schemeClr val="accent1"/>
+          </a:effectRef>
+          <a:fontRef idx="minor">
+            <a:schemeClr val="dk1"/>
+          </a:fontRef>
+        </p:style>
+        <p:txBody>
+          <a:bodyPr lIns="124733" tIns="62367" rIns="124733" bIns="62367" rtlCol="0" anchor="ctr"/>
+          <a:lstStyle/>
+          <a:p>
+            <a:pPr algn="ctr"/>
+            <a:r>
+              <a:rPr lang="ru-RU" sz="1400" dirty="0"/>
+              <a:t>Возобновление нейтралитета (1937) </a:t>
+            </a:r>
+            <a:r>
+              <a:rPr lang="ru-RU" sz="300" dirty="0"/>
+              <a:t>(Чтобы избежать втягивания в войну, которой они не хотят, король и бельгийское правительство пересматривают внешнюю политику Бельгии, ведя переговоры с Англией и Францией о признании права Бельгии не вмешиваться, если это не будет спровоцировано, и перевооружив страну в таким образом, чтобы обескуражить любого возможного агрессора. Это возобновление нейтралитета должно сохранить Германии пренебрегать независимостью Бельгии, как в 1914 году, но в той мере, в какой Бельгия представляет собой достаточно внушительную военную силу, чтобы навязать ее германскому генеральному штабу. Пацифисты, в особенности социалисты и валлоны (Жорж </a:t>
+            </a:r>
+            <a:r>
+              <a:rPr lang="ru-RU" sz="300" dirty="0" err="1"/>
+              <a:t>Трюффо</a:t>
+            </a:r>
+            <a:r>
+              <a:rPr lang="ru-RU" sz="300" dirty="0"/>
+              <a:t> , Франсуа </a:t>
+            </a:r>
+            <a:r>
+              <a:rPr lang="ru-RU" sz="300" dirty="0" err="1"/>
+              <a:t>Бовес</a:t>
+            </a:r>
+            <a:r>
+              <a:rPr lang="ru-RU" sz="300" dirty="0"/>
+              <a:t> , аббат </a:t>
+            </a:r>
+            <a:r>
+              <a:rPr lang="ru-RU" sz="300" dirty="0" err="1"/>
+              <a:t>Махье</a:t>
+            </a:r>
+            <a:r>
+              <a:rPr lang="ru-RU" sz="300" dirty="0"/>
+              <a:t> и др. выступают против этой политики. Этот, который защищает, в частности, франкоязычный житель Брюсселя Поль-Анри </a:t>
+            </a:r>
+            <a:r>
+              <a:rPr lang="ru-RU" sz="300" dirty="0" err="1"/>
+              <a:t>Спаак</a:t>
+            </a:r>
+            <a:r>
+              <a:rPr lang="ru-RU" sz="300" dirty="0"/>
+              <a:t> , осуществляется под давлением Фландрии [ 19 ] , [ 20 ] .Эта бельгийская политика была ратифицирована Францией и Англией, когда Декларация24 апреля 1937 </a:t>
+            </a:r>
+            <a:r>
+              <a:rPr lang="ru-RU" sz="300" dirty="0" err="1"/>
+              <a:t>г.и</a:t>
+            </a:r>
+            <a:r>
+              <a:rPr lang="ru-RU" sz="300" dirty="0"/>
+              <a:t> зарегистрирован Лигой Наций , что придает ему договорную силу. Более того, обе державы обещают свою помощь в случае нападения на Бельгию.])</a:t>
+            </a:r>
+            <a:endParaRPr lang="ru-RU" sz="1400" dirty="0"/>
+          </a:p>
+        </p:txBody>
+      </p:sp>
+      <p:sp>
+        <p:nvSpPr>
+          <p:cNvPr id="130" name="Прямоугольник 129">
+            <a:extLst>
+              <a:ext uri="{FF2B5EF4-FFF2-40B4-BE49-F238E27FC236}">
+                <a16:creationId xmlns:a16="http://schemas.microsoft.com/office/drawing/2014/main" id="{CE65226A-D7B6-4323-ADB7-8698A02C50F6}"/>
+              </a:ext>
+            </a:extLst>
+          </p:cNvPr>
+          <p:cNvSpPr/>
+          <p:nvPr/>
+        </p:nvSpPr>
+        <p:spPr>
+          <a:xfrm>
+            <a:off x="27092700" y="177258"/>
+            <a:ext cx="2115918" cy="1080000"/>
+          </a:xfrm>
+          <a:prstGeom prst="rect">
+            <a:avLst/>
+          </a:prstGeom>
+          <a:ln w="28575"/>
+        </p:spPr>
+        <p:style>
+          <a:lnRef idx="2">
+            <a:schemeClr val="accent1"/>
+          </a:lnRef>
+          <a:fillRef idx="1">
+            <a:schemeClr val="lt1"/>
+          </a:fillRef>
+          <a:effectRef idx="0">
+            <a:schemeClr val="accent1"/>
+          </a:effectRef>
+          <a:fontRef idx="minor">
+            <a:schemeClr val="dk1"/>
+          </a:fontRef>
+        </p:style>
+        <p:txBody>
+          <a:bodyPr lIns="124733" tIns="62367" rIns="124733" bIns="62367" rtlCol="0" anchor="ctr"/>
+          <a:lstStyle/>
+          <a:p>
+            <a:pPr algn="ctr"/>
+            <a:r>
+              <a:rPr lang="ru-RU" sz="1200" dirty="0"/>
+              <a:t>В </a:t>
+            </a:r>
+            <a:r>
+              <a:rPr lang="ru-RU" sz="1200" dirty="0">
+                <a:hlinkClick r:id="rId3" tooltip="май 1940 г."/>
+              </a:rPr>
+              <a:t>мае 1940</a:t>
+            </a:r>
+            <a:r>
+              <a:rPr lang="ru-RU" sz="1200" dirty="0"/>
+              <a:t> года Германия снова вторглась в Бельгию. Бельгийская армия насчитывает 650 000 человек,</a:t>
+            </a:r>
+            <a:endParaRPr lang="ru-RU" sz="700" dirty="0"/>
+          </a:p>
+        </p:txBody>
+      </p:sp>
+      <p:sp>
+        <p:nvSpPr>
+          <p:cNvPr id="133" name="Прямоугольник 132">
+            <a:extLst>
+              <a:ext uri="{FF2B5EF4-FFF2-40B4-BE49-F238E27FC236}">
+                <a16:creationId xmlns:a16="http://schemas.microsoft.com/office/drawing/2014/main" id="{0FD1B242-348C-4691-BD1A-EAC1A01409C8}"/>
+              </a:ext>
+            </a:extLst>
+          </p:cNvPr>
+          <p:cNvSpPr/>
+          <p:nvPr/>
+        </p:nvSpPr>
+        <p:spPr>
+          <a:xfrm>
+            <a:off x="32065400" y="3177132"/>
+            <a:ext cx="2115918" cy="1080000"/>
+          </a:xfrm>
+          <a:prstGeom prst="rect">
+            <a:avLst/>
+          </a:prstGeom>
+          <a:ln w="28575"/>
+        </p:spPr>
+        <p:style>
+          <a:lnRef idx="2">
+            <a:schemeClr val="accent1"/>
+          </a:lnRef>
+          <a:fillRef idx="1">
+            <a:schemeClr val="lt1"/>
+          </a:fillRef>
+          <a:effectRef idx="0">
+            <a:schemeClr val="accent1"/>
+          </a:effectRef>
+          <a:fontRef idx="minor">
+            <a:schemeClr val="dk1"/>
+          </a:fontRef>
+        </p:style>
+        <p:txBody>
+          <a:bodyPr lIns="124733" tIns="62367" rIns="124733" bIns="62367" rtlCol="0" anchor="ctr"/>
+          <a:lstStyle/>
+          <a:p>
+            <a:pPr algn="ctr"/>
+            <a:r>
+              <a:rPr lang="ru-RU" sz="1400" dirty="0"/>
+              <a:t>Денонсация </a:t>
+            </a:r>
+            <a:r>
+              <a:rPr lang="ru-RU" sz="1400" dirty="0" err="1"/>
+              <a:t>Локарнского</a:t>
+            </a:r>
+            <a:r>
+              <a:rPr lang="ru-RU" sz="1400" dirty="0"/>
+              <a:t> соглашения(1936) </a:t>
+            </a:r>
+            <a:r>
+              <a:rPr lang="ru-RU" sz="600" dirty="0"/>
+              <a:t>(1936.10.14 Правительство Бельгии денонсировало военный союз с Францией и заявило об отказе от своих обязательств по </a:t>
+            </a:r>
+            <a:r>
+              <a:rPr lang="ru-RU" sz="600" dirty="0" err="1"/>
+              <a:t>Локарнским</a:t>
+            </a:r>
+            <a:r>
+              <a:rPr lang="ru-RU" sz="600" dirty="0"/>
+              <a:t> соглашениям 1925 года. Король Леопольд III объявил о возвращении к политике нейтралитета.</a:t>
             </a:r>
             <a:endParaRPr lang="ru-RU" sz="1400" dirty="0"/>
           </a:p>

--- a/Наработки/диздоки/Бельгия/Бельгия.pptx
+++ b/Наработки/диздоки/Бельгия/Бельгия.pptx
@@ -109,7 +109,7 @@
   </p:defaultTextStyle>
   <p:extLst>
     <p:ext uri="{EFAFB233-063F-42B5-8137-9DF3F51BA10A}">
-      <p15:sldGuideLst xmlns:p15="http://schemas.microsoft.com/office/powerpoint/2012/main">
+      <p15:sldGuideLst xmlns:p15="http://schemas.microsoft.com/office/powerpoint/2012/main" xmlns="">
         <p15:guide id="1" orient="horz" pos="11344">
           <p15:clr>
             <a:srgbClr val="A4A3A4"/>
@@ -209,7 +209,7 @@
             <a:fld id="{33E3D7F9-E251-484C-A6FF-FA958879DF69}" type="datetimeFigureOut">
               <a:rPr lang="ru-RU" smtClean="0"/>
               <a:pPr/>
-              <a:t>25.01.2023</a:t>
+              <a:t>09.10.2023</a:t>
             </a:fld>
             <a:endParaRPr lang="ru-RU"/>
           </a:p>
@@ -699,7 +699,7 @@
             <a:fld id="{85A5DE44-605B-4D3B-B2B7-94543DF81A36}" type="datetimeFigureOut">
               <a:rPr lang="ru-RU" smtClean="0"/>
               <a:pPr/>
-              <a:t>25.01.2023</a:t>
+              <a:t>09.10.2023</a:t>
             </a:fld>
             <a:endParaRPr lang="ru-RU"/>
           </a:p>
@@ -871,7 +871,7 @@
             <a:fld id="{85A5DE44-605B-4D3B-B2B7-94543DF81A36}" type="datetimeFigureOut">
               <a:rPr lang="ru-RU" smtClean="0"/>
               <a:pPr/>
-              <a:t>25.01.2023</a:t>
+              <a:t>09.10.2023</a:t>
             </a:fld>
             <a:endParaRPr lang="ru-RU"/>
           </a:p>
@@ -1053,7 +1053,7 @@
             <a:fld id="{85A5DE44-605B-4D3B-B2B7-94543DF81A36}" type="datetimeFigureOut">
               <a:rPr lang="ru-RU" smtClean="0"/>
               <a:pPr/>
-              <a:t>25.01.2023</a:t>
+              <a:t>09.10.2023</a:t>
             </a:fld>
             <a:endParaRPr lang="ru-RU"/>
           </a:p>
@@ -1225,7 +1225,7 @@
             <a:fld id="{85A5DE44-605B-4D3B-B2B7-94543DF81A36}" type="datetimeFigureOut">
               <a:rPr lang="ru-RU" smtClean="0"/>
               <a:pPr/>
-              <a:t>25.01.2023</a:t>
+              <a:t>09.10.2023</a:t>
             </a:fld>
             <a:endParaRPr lang="ru-RU"/>
           </a:p>
@@ -1473,7 +1473,7 @@
             <a:fld id="{85A5DE44-605B-4D3B-B2B7-94543DF81A36}" type="datetimeFigureOut">
               <a:rPr lang="ru-RU" smtClean="0"/>
               <a:pPr/>
-              <a:t>25.01.2023</a:t>
+              <a:t>09.10.2023</a:t>
             </a:fld>
             <a:endParaRPr lang="ru-RU"/>
           </a:p>
@@ -1707,7 +1707,7 @@
             <a:fld id="{85A5DE44-605B-4D3B-B2B7-94543DF81A36}" type="datetimeFigureOut">
               <a:rPr lang="ru-RU" smtClean="0"/>
               <a:pPr/>
-              <a:t>25.01.2023</a:t>
+              <a:t>09.10.2023</a:t>
             </a:fld>
             <a:endParaRPr lang="ru-RU"/>
           </a:p>
@@ -2076,7 +2076,7 @@
             <a:fld id="{85A5DE44-605B-4D3B-B2B7-94543DF81A36}" type="datetimeFigureOut">
               <a:rPr lang="ru-RU" smtClean="0"/>
               <a:pPr/>
-              <a:t>25.01.2023</a:t>
+              <a:t>09.10.2023</a:t>
             </a:fld>
             <a:endParaRPr lang="ru-RU"/>
           </a:p>
@@ -2196,7 +2196,7 @@
             <a:fld id="{85A5DE44-605B-4D3B-B2B7-94543DF81A36}" type="datetimeFigureOut">
               <a:rPr lang="ru-RU" smtClean="0"/>
               <a:pPr/>
-              <a:t>25.01.2023</a:t>
+              <a:t>09.10.2023</a:t>
             </a:fld>
             <a:endParaRPr lang="ru-RU"/>
           </a:p>
@@ -2293,7 +2293,7 @@
             <a:fld id="{85A5DE44-605B-4D3B-B2B7-94543DF81A36}" type="datetimeFigureOut">
               <a:rPr lang="ru-RU" smtClean="0"/>
               <a:pPr/>
-              <a:t>25.01.2023</a:t>
+              <a:t>09.10.2023</a:t>
             </a:fld>
             <a:endParaRPr lang="ru-RU"/>
           </a:p>
@@ -2572,7 +2572,7 @@
             <a:fld id="{85A5DE44-605B-4D3B-B2B7-94543DF81A36}" type="datetimeFigureOut">
               <a:rPr lang="ru-RU" smtClean="0"/>
               <a:pPr/>
-              <a:t>25.01.2023</a:t>
+              <a:t>09.10.2023</a:t>
             </a:fld>
             <a:endParaRPr lang="ru-RU"/>
           </a:p>
@@ -2831,7 +2831,7 @@
             <a:fld id="{85A5DE44-605B-4D3B-B2B7-94543DF81A36}" type="datetimeFigureOut">
               <a:rPr lang="ru-RU" smtClean="0"/>
               <a:pPr/>
-              <a:t>25.01.2023</a:t>
+              <a:t>09.10.2023</a:t>
             </a:fld>
             <a:endParaRPr lang="ru-RU"/>
           </a:p>
@@ -3046,7 +3046,7 @@
             <a:fld id="{85A5DE44-605B-4D3B-B2B7-94543DF81A36}" type="datetimeFigureOut">
               <a:rPr lang="ru-RU" smtClean="0"/>
               <a:pPr/>
-              <a:t>25.01.2023</a:t>
+              <a:t>09.10.2023</a:t>
             </a:fld>
             <a:endParaRPr lang="ru-RU"/>
           </a:p>
@@ -3796,7 +3796,7 @@
           <p:cNvPr id="33" name="Прямоугольник 32">
             <a:extLst>
               <a:ext uri="{FF2B5EF4-FFF2-40B4-BE49-F238E27FC236}">
-                <a16:creationId xmlns:a16="http://schemas.microsoft.com/office/drawing/2014/main" id="{0E0B5DFF-ABEB-4917-9207-7644A0AF99FF}"/>
+                <a16:creationId xmlns:a16="http://schemas.microsoft.com/office/drawing/2014/main" xmlns="" id="{0E0B5DFF-ABEB-4917-9207-7644A0AF99FF}"/>
               </a:ext>
             </a:extLst>
           </p:cNvPr>
@@ -3953,7 +3953,7 @@
           <p:cNvPr id="34" name="Прямоугольник 33">
             <a:extLst>
               <a:ext uri="{FF2B5EF4-FFF2-40B4-BE49-F238E27FC236}">
-                <a16:creationId xmlns:a16="http://schemas.microsoft.com/office/drawing/2014/main" id="{51A90983-AEB8-411D-878C-CCEC94B93ACC}"/>
+                <a16:creationId xmlns:a16="http://schemas.microsoft.com/office/drawing/2014/main" xmlns="" id="{51A90983-AEB8-411D-878C-CCEC94B93ACC}"/>
               </a:ext>
             </a:extLst>
           </p:cNvPr>
@@ -4170,7 +4170,7 @@
           <p:cNvPr id="35" name="Прямоугольник 34">
             <a:extLst>
               <a:ext uri="{FF2B5EF4-FFF2-40B4-BE49-F238E27FC236}">
-                <a16:creationId xmlns:a16="http://schemas.microsoft.com/office/drawing/2014/main" id="{FDBBE88F-33FD-45C0-8BC5-DB650DA8B43D}"/>
+                <a16:creationId xmlns:a16="http://schemas.microsoft.com/office/drawing/2014/main" xmlns="" id="{FDBBE88F-33FD-45C0-8BC5-DB650DA8B43D}"/>
               </a:ext>
             </a:extLst>
           </p:cNvPr>
@@ -4226,7 +4226,7 @@
           <p:cNvPr id="36" name="Прямоугольник 35">
             <a:extLst>
               <a:ext uri="{FF2B5EF4-FFF2-40B4-BE49-F238E27FC236}">
-                <a16:creationId xmlns:a16="http://schemas.microsoft.com/office/drawing/2014/main" id="{F49CDE11-2B29-438E-9079-C65CDE3419A8}"/>
+                <a16:creationId xmlns:a16="http://schemas.microsoft.com/office/drawing/2014/main" xmlns="" id="{F49CDE11-2B29-438E-9079-C65CDE3419A8}"/>
               </a:ext>
             </a:extLst>
           </p:cNvPr>
@@ -4335,7 +4335,7 @@
           <p:cNvPr id="37" name="Прямоугольник 36">
             <a:extLst>
               <a:ext uri="{FF2B5EF4-FFF2-40B4-BE49-F238E27FC236}">
-                <a16:creationId xmlns:a16="http://schemas.microsoft.com/office/drawing/2014/main" id="{FD5D8F22-B368-4D19-8953-D59AA342EDA5}"/>
+                <a16:creationId xmlns:a16="http://schemas.microsoft.com/office/drawing/2014/main" xmlns="" id="{FD5D8F22-B368-4D19-8953-D59AA342EDA5}"/>
               </a:ext>
             </a:extLst>
           </p:cNvPr>
@@ -4395,7 +4395,7 @@
           <p:cNvPr id="38" name="Прямоугольник 37">
             <a:extLst>
               <a:ext uri="{FF2B5EF4-FFF2-40B4-BE49-F238E27FC236}">
-                <a16:creationId xmlns:a16="http://schemas.microsoft.com/office/drawing/2014/main" id="{1C828EEE-A81C-4FC3-B78B-DE37F620B918}"/>
+                <a16:creationId xmlns:a16="http://schemas.microsoft.com/office/drawing/2014/main" xmlns="" id="{1C828EEE-A81C-4FC3-B78B-DE37F620B918}"/>
               </a:ext>
             </a:extLst>
           </p:cNvPr>
@@ -4451,7 +4451,7 @@
           <p:cNvPr id="39" name="Прямоугольник 38">
             <a:extLst>
               <a:ext uri="{FF2B5EF4-FFF2-40B4-BE49-F238E27FC236}">
-                <a16:creationId xmlns:a16="http://schemas.microsoft.com/office/drawing/2014/main" id="{17F6A0E1-6BEB-495C-B20A-399B8A628F4D}"/>
+                <a16:creationId xmlns:a16="http://schemas.microsoft.com/office/drawing/2014/main" xmlns="" id="{17F6A0E1-6BEB-495C-B20A-399B8A628F4D}"/>
               </a:ext>
             </a:extLst>
           </p:cNvPr>
@@ -4576,7 +4576,7 @@
           <p:cNvPr id="40" name="Прямоугольник 39">
             <a:extLst>
               <a:ext uri="{FF2B5EF4-FFF2-40B4-BE49-F238E27FC236}">
-                <a16:creationId xmlns:a16="http://schemas.microsoft.com/office/drawing/2014/main" id="{08ACEFEB-E675-4D60-995C-46AB2E2C0991}"/>
+                <a16:creationId xmlns:a16="http://schemas.microsoft.com/office/drawing/2014/main" xmlns="" id="{08ACEFEB-E675-4D60-995C-46AB2E2C0991}"/>
               </a:ext>
             </a:extLst>
           </p:cNvPr>
@@ -4748,7 +4748,7 @@
           <p:cNvPr id="41" name="Прямоугольник 40">
             <a:extLst>
               <a:ext uri="{FF2B5EF4-FFF2-40B4-BE49-F238E27FC236}">
-                <a16:creationId xmlns:a16="http://schemas.microsoft.com/office/drawing/2014/main" id="{4FB11C64-6A47-4C4B-B70B-5C94A624A164}"/>
+                <a16:creationId xmlns:a16="http://schemas.microsoft.com/office/drawing/2014/main" xmlns="" id="{4FB11C64-6A47-4C4B-B70B-5C94A624A164}"/>
               </a:ext>
             </a:extLst>
           </p:cNvPr>
@@ -4953,7 +4953,7 @@
           <p:cNvPr id="42" name="Прямоугольник 41">
             <a:extLst>
               <a:ext uri="{FF2B5EF4-FFF2-40B4-BE49-F238E27FC236}">
-                <a16:creationId xmlns:a16="http://schemas.microsoft.com/office/drawing/2014/main" id="{E4306019-581B-4A18-87BF-3B7F8357B066}"/>
+                <a16:creationId xmlns:a16="http://schemas.microsoft.com/office/drawing/2014/main" xmlns="" id="{E4306019-581B-4A18-87BF-3B7F8357B066}"/>
               </a:ext>
             </a:extLst>
           </p:cNvPr>
@@ -5009,7 +5009,7 @@
           <p:cNvPr id="44" name="Прямоугольник 43">
             <a:extLst>
               <a:ext uri="{FF2B5EF4-FFF2-40B4-BE49-F238E27FC236}">
-                <a16:creationId xmlns:a16="http://schemas.microsoft.com/office/drawing/2014/main" id="{E9E5E8BF-D995-4901-9A14-BDDD65CD7BB5}"/>
+                <a16:creationId xmlns:a16="http://schemas.microsoft.com/office/drawing/2014/main" xmlns="" id="{E9E5E8BF-D995-4901-9A14-BDDD65CD7BB5}"/>
               </a:ext>
             </a:extLst>
           </p:cNvPr>
@@ -5066,7 +5066,7 @@
           <p:cNvPr id="45" name="Прямоугольник 44">
             <a:extLst>
               <a:ext uri="{FF2B5EF4-FFF2-40B4-BE49-F238E27FC236}">
-                <a16:creationId xmlns:a16="http://schemas.microsoft.com/office/drawing/2014/main" id="{2E359796-D508-420A-B340-9B6DD34480FF}"/>
+                <a16:creationId xmlns:a16="http://schemas.microsoft.com/office/drawing/2014/main" xmlns="" id="{2E359796-D508-420A-B340-9B6DD34480FF}"/>
               </a:ext>
             </a:extLst>
           </p:cNvPr>
@@ -5135,7 +5135,7 @@
           <p:cNvPr id="47" name="Прямоугольник 46">
             <a:extLst>
               <a:ext uri="{FF2B5EF4-FFF2-40B4-BE49-F238E27FC236}">
-                <a16:creationId xmlns:a16="http://schemas.microsoft.com/office/drawing/2014/main" id="{56B6E708-5271-4862-8558-AB25F9A3CD4A}"/>
+                <a16:creationId xmlns:a16="http://schemas.microsoft.com/office/drawing/2014/main" xmlns="" id="{56B6E708-5271-4862-8558-AB25F9A3CD4A}"/>
               </a:ext>
             </a:extLst>
           </p:cNvPr>
@@ -5252,7 +5252,7 @@
           <p:cNvPr id="48" name="Прямоугольник 47">
             <a:extLst>
               <a:ext uri="{FF2B5EF4-FFF2-40B4-BE49-F238E27FC236}">
-                <a16:creationId xmlns:a16="http://schemas.microsoft.com/office/drawing/2014/main" id="{2680FF36-1ECB-431C-B518-9AFCFDA654B2}"/>
+                <a16:creationId xmlns:a16="http://schemas.microsoft.com/office/drawing/2014/main" xmlns="" id="{2680FF36-1ECB-431C-B518-9AFCFDA654B2}"/>
               </a:ext>
             </a:extLst>
           </p:cNvPr>
@@ -5369,7 +5369,7 @@
           <p:cNvPr id="49" name="Прямоугольник 48">
             <a:extLst>
               <a:ext uri="{FF2B5EF4-FFF2-40B4-BE49-F238E27FC236}">
-                <a16:creationId xmlns:a16="http://schemas.microsoft.com/office/drawing/2014/main" id="{1BE05CA1-7E0B-485D-819A-704F80401958}"/>
+                <a16:creationId xmlns:a16="http://schemas.microsoft.com/office/drawing/2014/main" xmlns="" id="{1BE05CA1-7E0B-485D-819A-704F80401958}"/>
               </a:ext>
             </a:extLst>
           </p:cNvPr>
@@ -5466,7 +5466,7 @@
           <p:cNvPr id="25" name="Прямоугольник 24">
             <a:extLst>
               <a:ext uri="{FF2B5EF4-FFF2-40B4-BE49-F238E27FC236}">
-                <a16:creationId xmlns:a16="http://schemas.microsoft.com/office/drawing/2014/main" id="{2A0E6E2C-7B78-48F8-8D54-530BEA3D0C1F}"/>
+                <a16:creationId xmlns:a16="http://schemas.microsoft.com/office/drawing/2014/main" xmlns="" id="{2A0E6E2C-7B78-48F8-8D54-530BEA3D0C1F}"/>
               </a:ext>
             </a:extLst>
           </p:cNvPr>
@@ -5514,7 +5514,7 @@
           <p:cNvPr id="26" name="Прямоугольник 25">
             <a:extLst>
               <a:ext uri="{FF2B5EF4-FFF2-40B4-BE49-F238E27FC236}">
-                <a16:creationId xmlns:a16="http://schemas.microsoft.com/office/drawing/2014/main" id="{BA93E377-6A12-4528-9AFD-05DFCD4EE6EC}"/>
+                <a16:creationId xmlns:a16="http://schemas.microsoft.com/office/drawing/2014/main" xmlns="" id="{BA93E377-6A12-4528-9AFD-05DFCD4EE6EC}"/>
               </a:ext>
             </a:extLst>
           </p:cNvPr>
@@ -5562,7 +5562,7 @@
           <p:cNvPr id="27" name="Прямоугольник 26">
             <a:extLst>
               <a:ext uri="{FF2B5EF4-FFF2-40B4-BE49-F238E27FC236}">
-                <a16:creationId xmlns:a16="http://schemas.microsoft.com/office/drawing/2014/main" id="{CEC72D80-A4AD-41E8-85D1-786A128A79B3}"/>
+                <a16:creationId xmlns:a16="http://schemas.microsoft.com/office/drawing/2014/main" xmlns="" id="{CEC72D80-A4AD-41E8-85D1-786A128A79B3}"/>
               </a:ext>
             </a:extLst>
           </p:cNvPr>
@@ -5610,7 +5610,7 @@
           <p:cNvPr id="28" name="Прямоугольник 27">
             <a:extLst>
               <a:ext uri="{FF2B5EF4-FFF2-40B4-BE49-F238E27FC236}">
-                <a16:creationId xmlns:a16="http://schemas.microsoft.com/office/drawing/2014/main" id="{F08AAA0F-EF8D-4C3B-9D0F-BC29CCF04137}"/>
+                <a16:creationId xmlns:a16="http://schemas.microsoft.com/office/drawing/2014/main" xmlns="" id="{F08AAA0F-EF8D-4C3B-9D0F-BC29CCF04137}"/>
               </a:ext>
             </a:extLst>
           </p:cNvPr>
@@ -5658,7 +5658,7 @@
           <p:cNvPr id="30" name="Прямоугольник 29">
             <a:extLst>
               <a:ext uri="{FF2B5EF4-FFF2-40B4-BE49-F238E27FC236}">
-                <a16:creationId xmlns:a16="http://schemas.microsoft.com/office/drawing/2014/main" id="{3B5FB243-8F52-48F2-8A87-65479D2CDCB6}"/>
+                <a16:creationId xmlns:a16="http://schemas.microsoft.com/office/drawing/2014/main" xmlns="" id="{3B5FB243-8F52-48F2-8A87-65479D2CDCB6}"/>
               </a:ext>
             </a:extLst>
           </p:cNvPr>
@@ -5701,57 +5701,12 @@
           </a:p>
         </p:txBody>
       </p:sp>
-      <p:cxnSp>
-        <p:nvCxnSpPr>
-          <p:cNvPr id="31" name="Прямая соединительная линия 30">
-            <a:extLst>
-              <a:ext uri="{FF2B5EF4-FFF2-40B4-BE49-F238E27FC236}">
-                <a16:creationId xmlns:a16="http://schemas.microsoft.com/office/drawing/2014/main" id="{E29E2367-12B5-47E7-BE24-592F93239C5C}"/>
-              </a:ext>
-            </a:extLst>
-          </p:cNvPr>
-          <p:cNvCxnSpPr>
-            <a:cxnSpLocks/>
-            <a:stCxn id="30" idx="3"/>
-            <a:endCxn id="27" idx="1"/>
-          </p:cNvCxnSpPr>
-          <p:nvPr/>
-        </p:nvCxnSpPr>
-        <p:spPr>
-          <a:xfrm flipV="1">
-            <a:off x="8726451" y="13792798"/>
-            <a:ext cx="460728" cy="523"/>
-          </a:xfrm>
-          <a:prstGeom prst="line">
-            <a:avLst/>
-          </a:prstGeom>
-          <a:ln w="28575">
-            <a:solidFill>
-              <a:srgbClr val="FF0000"/>
-            </a:solidFill>
-          </a:ln>
-        </p:spPr>
-        <p:style>
-          <a:lnRef idx="1">
-            <a:schemeClr val="accent1"/>
-          </a:lnRef>
-          <a:fillRef idx="0">
-            <a:schemeClr val="accent1"/>
-          </a:fillRef>
-          <a:effectRef idx="0">
-            <a:schemeClr val="accent1"/>
-          </a:effectRef>
-          <a:fontRef idx="minor">
-            <a:schemeClr val="tx1"/>
-          </a:fontRef>
-        </p:style>
-      </p:cxnSp>
       <p:sp>
         <p:nvSpPr>
           <p:cNvPr id="43" name="Прямоугольник 42">
             <a:extLst>
               <a:ext uri="{FF2B5EF4-FFF2-40B4-BE49-F238E27FC236}">
-                <a16:creationId xmlns:a16="http://schemas.microsoft.com/office/drawing/2014/main" id="{0E4FDC92-0409-4738-B9A6-9F0E90156B62}"/>
+                <a16:creationId xmlns:a16="http://schemas.microsoft.com/office/drawing/2014/main" xmlns="" id="{0E4FDC92-0409-4738-B9A6-9F0E90156B62}"/>
               </a:ext>
             </a:extLst>
           </p:cNvPr>
@@ -5818,7 +5773,7 @@
           <p:cNvPr id="50" name="Прямоугольник 49">
             <a:extLst>
               <a:ext uri="{FF2B5EF4-FFF2-40B4-BE49-F238E27FC236}">
-                <a16:creationId xmlns:a16="http://schemas.microsoft.com/office/drawing/2014/main" id="{1D07C853-B2DD-4982-BF11-511B650715D7}"/>
+                <a16:creationId xmlns:a16="http://schemas.microsoft.com/office/drawing/2014/main" xmlns="" id="{1D07C853-B2DD-4982-BF11-511B650715D7}"/>
               </a:ext>
             </a:extLst>
           </p:cNvPr>
@@ -5860,20 +5815,17 @@
             </a:r>
             <a:r>
               <a:rPr lang="en-US" sz="1400" dirty="0"/>
-              <a:t>Ateliers Renard»</a:t>
-            </a:r>
-            <a:r>
-              <a:rPr lang="ru-RU" sz="1400" dirty="0"/>
-              <a:t> (Разведчики довоенные </a:t>
-            </a:r>
-            <a:r>
-              <a:rPr lang="en-US" sz="1400" dirty="0"/>
-              <a:t>Renard R.31</a:t>
-            </a:r>
-            <a:r>
-              <a:rPr lang="ru-RU" sz="1400" dirty="0"/>
-              <a:t>)</a:t>
-            </a:r>
+              <a:t>Ateliers </a:t>
+            </a:r>
+            <a:r>
+              <a:rPr lang="en-US" sz="1400" dirty="0" err="1"/>
+              <a:t>Renard</a:t>
+            </a:r>
+            <a:r>
+              <a:rPr lang="en-US" sz="1400" dirty="0" smtClean="0"/>
+              <a:t>»</a:t>
+            </a:r>
+            <a:endParaRPr lang="ru-RU" sz="1400" dirty="0"/>
           </a:p>
         </p:txBody>
       </p:sp>
@@ -5882,7 +5834,7 @@
           <p:cNvPr id="51" name="Прямоугольник 50">
             <a:extLst>
               <a:ext uri="{FF2B5EF4-FFF2-40B4-BE49-F238E27FC236}">
-                <a16:creationId xmlns:a16="http://schemas.microsoft.com/office/drawing/2014/main" id="{D603320C-9192-4F3C-8114-F303A7CD6793}"/>
+                <a16:creationId xmlns:a16="http://schemas.microsoft.com/office/drawing/2014/main" xmlns="" id="{D603320C-9192-4F3C-8114-F303A7CD6793}"/>
               </a:ext>
             </a:extLst>
           </p:cNvPr>
@@ -5991,7 +5943,7 @@
           <p:cNvPr id="52" name="Прямоугольник 51">
             <a:extLst>
               <a:ext uri="{FF2B5EF4-FFF2-40B4-BE49-F238E27FC236}">
-                <a16:creationId xmlns:a16="http://schemas.microsoft.com/office/drawing/2014/main" id="{F50CFCD5-56FB-451D-9C26-A4B05088EFA7}"/>
+                <a16:creationId xmlns:a16="http://schemas.microsoft.com/office/drawing/2014/main" xmlns="" id="{F50CFCD5-56FB-451D-9C26-A4B05088EFA7}"/>
               </a:ext>
             </a:extLst>
           </p:cNvPr>
@@ -6132,7 +6084,7 @@
           <p:cNvPr id="53" name="Прямоугольник 52">
             <a:extLst>
               <a:ext uri="{FF2B5EF4-FFF2-40B4-BE49-F238E27FC236}">
-                <a16:creationId xmlns:a16="http://schemas.microsoft.com/office/drawing/2014/main" id="{9B2453BF-815C-4325-B8B8-E6656C3248AB}"/>
+                <a16:creationId xmlns:a16="http://schemas.microsoft.com/office/drawing/2014/main" xmlns="" id="{9B2453BF-815C-4325-B8B8-E6656C3248AB}"/>
               </a:ext>
             </a:extLst>
           </p:cNvPr>
@@ -6193,7 +6145,7 @@
           <p:cNvPr id="54" name="Прямоугольник 53">
             <a:extLst>
               <a:ext uri="{FF2B5EF4-FFF2-40B4-BE49-F238E27FC236}">
-                <a16:creationId xmlns:a16="http://schemas.microsoft.com/office/drawing/2014/main" id="{7DF6CD79-8349-4E75-89EF-5208B3487C7C}"/>
+                <a16:creationId xmlns:a16="http://schemas.microsoft.com/office/drawing/2014/main" xmlns="" id="{7DF6CD79-8349-4E75-89EF-5208B3487C7C}"/>
               </a:ext>
             </a:extLst>
           </p:cNvPr>
@@ -6290,7 +6242,7 @@
           <p:cNvPr id="56" name="Прямоугольник 55">
             <a:extLst>
               <a:ext uri="{FF2B5EF4-FFF2-40B4-BE49-F238E27FC236}">
-                <a16:creationId xmlns:a16="http://schemas.microsoft.com/office/drawing/2014/main" id="{5ECB5972-DF2F-44B1-9C1F-35B746F0DE1F}"/>
+                <a16:creationId xmlns:a16="http://schemas.microsoft.com/office/drawing/2014/main" xmlns="" id="{5ECB5972-DF2F-44B1-9C1F-35B746F0DE1F}"/>
               </a:ext>
             </a:extLst>
           </p:cNvPr>
@@ -6383,7 +6335,7 @@
           <p:cNvPr id="57" name="Прямоугольник 56">
             <a:extLst>
               <a:ext uri="{FF2B5EF4-FFF2-40B4-BE49-F238E27FC236}">
-                <a16:creationId xmlns:a16="http://schemas.microsoft.com/office/drawing/2014/main" id="{1FB752A9-4E9A-49DC-BBFD-B10E15AF187E}"/>
+                <a16:creationId xmlns:a16="http://schemas.microsoft.com/office/drawing/2014/main" xmlns="" id="{1FB752A9-4E9A-49DC-BBFD-B10E15AF187E}"/>
               </a:ext>
             </a:extLst>
           </p:cNvPr>
@@ -6476,7 +6428,7 @@
           <p:cNvPr id="58" name="Прямоугольник 57">
             <a:extLst>
               <a:ext uri="{FF2B5EF4-FFF2-40B4-BE49-F238E27FC236}">
-                <a16:creationId xmlns:a16="http://schemas.microsoft.com/office/drawing/2014/main" id="{ABCFBB8E-0600-4889-AF1E-93958E5ECF80}"/>
+                <a16:creationId xmlns:a16="http://schemas.microsoft.com/office/drawing/2014/main" xmlns="" id="{ABCFBB8E-0600-4889-AF1E-93958E5ECF80}"/>
               </a:ext>
             </a:extLst>
           </p:cNvPr>
@@ -6561,7 +6513,7 @@
           <p:cNvPr id="59" name="Прямая соединительная линия 58">
             <a:extLst>
               <a:ext uri="{FF2B5EF4-FFF2-40B4-BE49-F238E27FC236}">
-                <a16:creationId xmlns:a16="http://schemas.microsoft.com/office/drawing/2014/main" id="{60EBFE69-647A-429E-AC54-DA932720C39C}"/>
+                <a16:creationId xmlns:a16="http://schemas.microsoft.com/office/drawing/2014/main" xmlns="" id="{60EBFE69-647A-429E-AC54-DA932720C39C}"/>
               </a:ext>
             </a:extLst>
           </p:cNvPr>
@@ -6606,7 +6558,7 @@
           <p:cNvPr id="60" name="Прямая соединительная линия 59">
             <a:extLst>
               <a:ext uri="{FF2B5EF4-FFF2-40B4-BE49-F238E27FC236}">
-                <a16:creationId xmlns:a16="http://schemas.microsoft.com/office/drawing/2014/main" id="{BC399F68-80AE-433B-AD6B-370A5EE7AE92}"/>
+                <a16:creationId xmlns:a16="http://schemas.microsoft.com/office/drawing/2014/main" xmlns="" id="{BC399F68-80AE-433B-AD6B-370A5EE7AE92}"/>
               </a:ext>
             </a:extLst>
           </p:cNvPr>
@@ -6651,7 +6603,7 @@
           <p:cNvPr id="61" name="Прямоугольник 60">
             <a:extLst>
               <a:ext uri="{FF2B5EF4-FFF2-40B4-BE49-F238E27FC236}">
-                <a16:creationId xmlns:a16="http://schemas.microsoft.com/office/drawing/2014/main" id="{BC23B88D-BA3D-4683-96F7-82A71C5C9056}"/>
+                <a16:creationId xmlns:a16="http://schemas.microsoft.com/office/drawing/2014/main" xmlns="" id="{BC23B88D-BA3D-4683-96F7-82A71C5C9056}"/>
               </a:ext>
             </a:extLst>
           </p:cNvPr>
@@ -6735,7 +6687,7 @@
           <p:cNvPr id="62" name="Прямая соединительная линия 61">
             <a:extLst>
               <a:ext uri="{FF2B5EF4-FFF2-40B4-BE49-F238E27FC236}">
-                <a16:creationId xmlns:a16="http://schemas.microsoft.com/office/drawing/2014/main" id="{A57BCE41-DB05-40E8-A017-58EEF93FBE78}"/>
+                <a16:creationId xmlns:a16="http://schemas.microsoft.com/office/drawing/2014/main" xmlns="" id="{A57BCE41-DB05-40E8-A017-58EEF93FBE78}"/>
               </a:ext>
             </a:extLst>
           </p:cNvPr>
@@ -6780,7 +6732,7 @@
           <p:cNvPr id="63" name="Прямоугольник 62">
             <a:extLst>
               <a:ext uri="{FF2B5EF4-FFF2-40B4-BE49-F238E27FC236}">
-                <a16:creationId xmlns:a16="http://schemas.microsoft.com/office/drawing/2014/main" id="{616C7DF2-824D-4388-BAF2-9351B348DB26}"/>
+                <a16:creationId xmlns:a16="http://schemas.microsoft.com/office/drawing/2014/main" xmlns="" id="{616C7DF2-824D-4388-BAF2-9351B348DB26}"/>
               </a:ext>
             </a:extLst>
           </p:cNvPr>
@@ -6828,7 +6780,7 @@
           <p:cNvPr id="64" name="Прямоугольник 63">
             <a:extLst>
               <a:ext uri="{FF2B5EF4-FFF2-40B4-BE49-F238E27FC236}">
-                <a16:creationId xmlns:a16="http://schemas.microsoft.com/office/drawing/2014/main" id="{CA9664A1-8081-4A0B-847E-404600F6E371}"/>
+                <a16:creationId xmlns:a16="http://schemas.microsoft.com/office/drawing/2014/main" xmlns="" id="{CA9664A1-8081-4A0B-847E-404600F6E371}"/>
               </a:ext>
             </a:extLst>
           </p:cNvPr>
@@ -6884,7 +6836,7 @@
           <p:cNvPr id="65" name="Прямоугольник 64">
             <a:extLst>
               <a:ext uri="{FF2B5EF4-FFF2-40B4-BE49-F238E27FC236}">
-                <a16:creationId xmlns:a16="http://schemas.microsoft.com/office/drawing/2014/main" id="{76A83F02-0AC8-4720-BA0D-43C55873A1F9}"/>
+                <a16:creationId xmlns:a16="http://schemas.microsoft.com/office/drawing/2014/main" xmlns="" id="{76A83F02-0AC8-4720-BA0D-43C55873A1F9}"/>
               </a:ext>
             </a:extLst>
           </p:cNvPr>
@@ -6940,7 +6892,7 @@
           <p:cNvPr id="66" name="Прямая соединительная линия 65">
             <a:extLst>
               <a:ext uri="{FF2B5EF4-FFF2-40B4-BE49-F238E27FC236}">
-                <a16:creationId xmlns:a16="http://schemas.microsoft.com/office/drawing/2014/main" id="{0A35F6D0-13A2-4541-BAFB-3E0D21244ECA}"/>
+                <a16:creationId xmlns:a16="http://schemas.microsoft.com/office/drawing/2014/main" xmlns="" id="{0A35F6D0-13A2-4541-BAFB-3E0D21244ECA}"/>
               </a:ext>
             </a:extLst>
           </p:cNvPr>
@@ -6985,7 +6937,7 @@
           <p:cNvPr id="67" name="Прямая соединительная линия 66">
             <a:extLst>
               <a:ext uri="{FF2B5EF4-FFF2-40B4-BE49-F238E27FC236}">
-                <a16:creationId xmlns:a16="http://schemas.microsoft.com/office/drawing/2014/main" id="{878D9B60-E30F-48F7-AF3A-F9D13F7EB637}"/>
+                <a16:creationId xmlns:a16="http://schemas.microsoft.com/office/drawing/2014/main" xmlns="" id="{878D9B60-E30F-48F7-AF3A-F9D13F7EB637}"/>
               </a:ext>
             </a:extLst>
           </p:cNvPr>
@@ -7030,7 +6982,7 @@
           <p:cNvPr id="55" name="Прямоугольник 54">
             <a:extLst>
               <a:ext uri="{FF2B5EF4-FFF2-40B4-BE49-F238E27FC236}">
-                <a16:creationId xmlns:a16="http://schemas.microsoft.com/office/drawing/2014/main" id="{9C36B8C8-DB85-4762-B3CC-B09935511617}"/>
+                <a16:creationId xmlns:a16="http://schemas.microsoft.com/office/drawing/2014/main" xmlns="" id="{9C36B8C8-DB85-4762-B3CC-B09935511617}"/>
               </a:ext>
             </a:extLst>
           </p:cNvPr>
@@ -7143,7 +7095,7 @@
           <p:cNvPr id="68" name="Прямоугольник 67">
             <a:extLst>
               <a:ext uri="{FF2B5EF4-FFF2-40B4-BE49-F238E27FC236}">
-                <a16:creationId xmlns:a16="http://schemas.microsoft.com/office/drawing/2014/main" id="{8EDB5027-76F8-4F26-B70B-62E851625221}"/>
+                <a16:creationId xmlns:a16="http://schemas.microsoft.com/office/drawing/2014/main" xmlns="" id="{8EDB5027-76F8-4F26-B70B-62E851625221}"/>
               </a:ext>
             </a:extLst>
           </p:cNvPr>
@@ -7268,7 +7220,7 @@
           <p:cNvPr id="69" name="Прямоугольник 68">
             <a:extLst>
               <a:ext uri="{FF2B5EF4-FFF2-40B4-BE49-F238E27FC236}">
-                <a16:creationId xmlns:a16="http://schemas.microsoft.com/office/drawing/2014/main" id="{A6C53A3B-D171-4BA3-81CD-BBB29B60A2E2}"/>
+                <a16:creationId xmlns:a16="http://schemas.microsoft.com/office/drawing/2014/main" xmlns="" id="{A6C53A3B-D171-4BA3-81CD-BBB29B60A2E2}"/>
               </a:ext>
             </a:extLst>
           </p:cNvPr>
@@ -7321,7 +7273,7 @@
           <p:cNvPr id="70" name="Прямоугольник 69">
             <a:extLst>
               <a:ext uri="{FF2B5EF4-FFF2-40B4-BE49-F238E27FC236}">
-                <a16:creationId xmlns:a16="http://schemas.microsoft.com/office/drawing/2014/main" id="{050C0F0F-0F5F-4137-8947-062470264E5C}"/>
+                <a16:creationId xmlns:a16="http://schemas.microsoft.com/office/drawing/2014/main" xmlns="" id="{050C0F0F-0F5F-4137-8947-062470264E5C}"/>
               </a:ext>
             </a:extLst>
           </p:cNvPr>
@@ -7374,7 +7326,7 @@
           <p:cNvPr id="71" name="Прямоугольник 70">
             <a:extLst>
               <a:ext uri="{FF2B5EF4-FFF2-40B4-BE49-F238E27FC236}">
-                <a16:creationId xmlns:a16="http://schemas.microsoft.com/office/drawing/2014/main" id="{76AD3F43-559A-4E69-95CF-A58B1D4643BB}"/>
+                <a16:creationId xmlns:a16="http://schemas.microsoft.com/office/drawing/2014/main" xmlns="" id="{76AD3F43-559A-4E69-95CF-A58B1D4643BB}"/>
               </a:ext>
             </a:extLst>
           </p:cNvPr>
@@ -7467,7 +7419,7 @@
           <p:cNvPr id="72" name="Соединительная линия уступом 523">
             <a:extLst>
               <a:ext uri="{FF2B5EF4-FFF2-40B4-BE49-F238E27FC236}">
-                <a16:creationId xmlns:a16="http://schemas.microsoft.com/office/drawing/2014/main" id="{2A25F4B4-02B5-440D-93F5-CFBC12D61896}"/>
+                <a16:creationId xmlns:a16="http://schemas.microsoft.com/office/drawing/2014/main" xmlns="" id="{2A25F4B4-02B5-440D-93F5-CFBC12D61896}"/>
               </a:ext>
             </a:extLst>
           </p:cNvPr>
@@ -7512,7 +7464,7 @@
           <p:cNvPr id="73" name="Соединительная линия уступом 523">
             <a:extLst>
               <a:ext uri="{FF2B5EF4-FFF2-40B4-BE49-F238E27FC236}">
-                <a16:creationId xmlns:a16="http://schemas.microsoft.com/office/drawing/2014/main" id="{C303E358-F5A9-4491-95C6-7400F87B3853}"/>
+                <a16:creationId xmlns:a16="http://schemas.microsoft.com/office/drawing/2014/main" xmlns="" id="{C303E358-F5A9-4491-95C6-7400F87B3853}"/>
               </a:ext>
             </a:extLst>
           </p:cNvPr>
@@ -7557,7 +7509,7 @@
           <p:cNvPr id="74" name="Соединительная линия уступом 523">
             <a:extLst>
               <a:ext uri="{FF2B5EF4-FFF2-40B4-BE49-F238E27FC236}">
-                <a16:creationId xmlns:a16="http://schemas.microsoft.com/office/drawing/2014/main" id="{E2C02A62-C523-45E8-8EB1-CC2016531DBF}"/>
+                <a16:creationId xmlns:a16="http://schemas.microsoft.com/office/drawing/2014/main" xmlns="" id="{E2C02A62-C523-45E8-8EB1-CC2016531DBF}"/>
               </a:ext>
             </a:extLst>
           </p:cNvPr>
@@ -7602,7 +7554,7 @@
           <p:cNvPr id="75" name="Соединительная линия уступом 523">
             <a:extLst>
               <a:ext uri="{FF2B5EF4-FFF2-40B4-BE49-F238E27FC236}">
-                <a16:creationId xmlns:a16="http://schemas.microsoft.com/office/drawing/2014/main" id="{69F338FF-D8FA-4705-9387-D860ADD66E20}"/>
+                <a16:creationId xmlns:a16="http://schemas.microsoft.com/office/drawing/2014/main" xmlns="" id="{69F338FF-D8FA-4705-9387-D860ADD66E20}"/>
               </a:ext>
             </a:extLst>
           </p:cNvPr>
@@ -7647,7 +7599,7 @@
           <p:cNvPr id="76" name="Соединительная линия уступом 523">
             <a:extLst>
               <a:ext uri="{FF2B5EF4-FFF2-40B4-BE49-F238E27FC236}">
-                <a16:creationId xmlns:a16="http://schemas.microsoft.com/office/drawing/2014/main" id="{F8F4E366-172F-4FC2-BE12-AEED0FAE5B6E}"/>
+                <a16:creationId xmlns:a16="http://schemas.microsoft.com/office/drawing/2014/main" xmlns="" id="{F8F4E366-172F-4FC2-BE12-AEED0FAE5B6E}"/>
               </a:ext>
             </a:extLst>
           </p:cNvPr>
@@ -7692,7 +7644,7 @@
           <p:cNvPr id="77" name="Прямоугольник 76">
             <a:extLst>
               <a:ext uri="{FF2B5EF4-FFF2-40B4-BE49-F238E27FC236}">
-                <a16:creationId xmlns:a16="http://schemas.microsoft.com/office/drawing/2014/main" id="{D080EE49-8689-462D-BAED-5974EFA28A33}"/>
+                <a16:creationId xmlns:a16="http://schemas.microsoft.com/office/drawing/2014/main" xmlns="" id="{D080EE49-8689-462D-BAED-5974EFA28A33}"/>
               </a:ext>
             </a:extLst>
           </p:cNvPr>
@@ -7740,7 +7692,7 @@
           <p:cNvPr id="78" name="Прямая со стрелкой 77">
             <a:extLst>
               <a:ext uri="{FF2B5EF4-FFF2-40B4-BE49-F238E27FC236}">
-                <a16:creationId xmlns:a16="http://schemas.microsoft.com/office/drawing/2014/main" id="{8FA20AE9-5B1F-4302-BE76-1B9DEE6BED1E}"/>
+                <a16:creationId xmlns:a16="http://schemas.microsoft.com/office/drawing/2014/main" xmlns="" id="{8FA20AE9-5B1F-4302-BE76-1B9DEE6BED1E}"/>
               </a:ext>
             </a:extLst>
           </p:cNvPr>
@@ -7783,7 +7735,7 @@
           <p:cNvPr id="79" name="Прямая со стрелкой 78">
             <a:extLst>
               <a:ext uri="{FF2B5EF4-FFF2-40B4-BE49-F238E27FC236}">
-                <a16:creationId xmlns:a16="http://schemas.microsoft.com/office/drawing/2014/main" id="{598EEC52-FAAD-4C68-B6C4-904FD02558FE}"/>
+                <a16:creationId xmlns:a16="http://schemas.microsoft.com/office/drawing/2014/main" xmlns="" id="{598EEC52-FAAD-4C68-B6C4-904FD02558FE}"/>
               </a:ext>
             </a:extLst>
           </p:cNvPr>
@@ -7826,7 +7778,7 @@
           <p:cNvPr id="80" name="Соединительная линия уступом 523">
             <a:extLst>
               <a:ext uri="{FF2B5EF4-FFF2-40B4-BE49-F238E27FC236}">
-                <a16:creationId xmlns:a16="http://schemas.microsoft.com/office/drawing/2014/main" id="{6D52E519-D038-4281-A080-101A7FB243C8}"/>
+                <a16:creationId xmlns:a16="http://schemas.microsoft.com/office/drawing/2014/main" xmlns="" id="{6D52E519-D038-4281-A080-101A7FB243C8}"/>
               </a:ext>
             </a:extLst>
           </p:cNvPr>
@@ -7871,7 +7823,7 @@
           <p:cNvPr id="81" name="Соединительная линия уступом 523">
             <a:extLst>
               <a:ext uri="{FF2B5EF4-FFF2-40B4-BE49-F238E27FC236}">
-                <a16:creationId xmlns:a16="http://schemas.microsoft.com/office/drawing/2014/main" id="{E8C4D606-BFC2-4579-8ECA-38A266566981}"/>
+                <a16:creationId xmlns:a16="http://schemas.microsoft.com/office/drawing/2014/main" xmlns="" id="{E8C4D606-BFC2-4579-8ECA-38A266566981}"/>
               </a:ext>
             </a:extLst>
           </p:cNvPr>
@@ -7916,7 +7868,7 @@
           <p:cNvPr id="82" name="Прямая со стрелкой 81">
             <a:extLst>
               <a:ext uri="{FF2B5EF4-FFF2-40B4-BE49-F238E27FC236}">
-                <a16:creationId xmlns:a16="http://schemas.microsoft.com/office/drawing/2014/main" id="{E03D7C26-0A3B-4123-B72F-8456A408EDFB}"/>
+                <a16:creationId xmlns:a16="http://schemas.microsoft.com/office/drawing/2014/main" xmlns="" id="{E03D7C26-0A3B-4123-B72F-8456A408EDFB}"/>
               </a:ext>
             </a:extLst>
           </p:cNvPr>
@@ -7959,7 +7911,7 @@
           <p:cNvPr id="83" name="Прямая со стрелкой 82">
             <a:extLst>
               <a:ext uri="{FF2B5EF4-FFF2-40B4-BE49-F238E27FC236}">
-                <a16:creationId xmlns:a16="http://schemas.microsoft.com/office/drawing/2014/main" id="{740ED13F-5617-44FB-AB16-EFD3E35B5466}"/>
+                <a16:creationId xmlns:a16="http://schemas.microsoft.com/office/drawing/2014/main" xmlns="" id="{740ED13F-5617-44FB-AB16-EFD3E35B5466}"/>
               </a:ext>
             </a:extLst>
           </p:cNvPr>
@@ -8002,7 +7954,7 @@
           <p:cNvPr id="84" name="Прямая со стрелкой 83">
             <a:extLst>
               <a:ext uri="{FF2B5EF4-FFF2-40B4-BE49-F238E27FC236}">
-                <a16:creationId xmlns:a16="http://schemas.microsoft.com/office/drawing/2014/main" id="{71961C47-19A9-4AF4-BA51-2E5E53AA0C1E}"/>
+                <a16:creationId xmlns:a16="http://schemas.microsoft.com/office/drawing/2014/main" xmlns="" id="{71961C47-19A9-4AF4-BA51-2E5E53AA0C1E}"/>
               </a:ext>
             </a:extLst>
           </p:cNvPr>
@@ -8045,7 +7997,7 @@
           <p:cNvPr id="85" name="Прямая со стрелкой 84">
             <a:extLst>
               <a:ext uri="{FF2B5EF4-FFF2-40B4-BE49-F238E27FC236}">
-                <a16:creationId xmlns:a16="http://schemas.microsoft.com/office/drawing/2014/main" id="{2DA0694A-EB41-4CE2-AA9E-B52FEE40DE0C}"/>
+                <a16:creationId xmlns:a16="http://schemas.microsoft.com/office/drawing/2014/main" xmlns="" id="{2DA0694A-EB41-4CE2-AA9E-B52FEE40DE0C}"/>
               </a:ext>
             </a:extLst>
           </p:cNvPr>
@@ -8088,7 +8040,7 @@
           <p:cNvPr id="87" name="Соединительная линия уступом 523">
             <a:extLst>
               <a:ext uri="{FF2B5EF4-FFF2-40B4-BE49-F238E27FC236}">
-                <a16:creationId xmlns:a16="http://schemas.microsoft.com/office/drawing/2014/main" id="{601DFF7D-F1EA-427A-9EC1-1385D719621D}"/>
+                <a16:creationId xmlns:a16="http://schemas.microsoft.com/office/drawing/2014/main" xmlns="" id="{601DFF7D-F1EA-427A-9EC1-1385D719621D}"/>
               </a:ext>
             </a:extLst>
           </p:cNvPr>
@@ -8133,7 +8085,7 @@
           <p:cNvPr id="88" name="Соединительная линия уступом 523">
             <a:extLst>
               <a:ext uri="{FF2B5EF4-FFF2-40B4-BE49-F238E27FC236}">
-                <a16:creationId xmlns:a16="http://schemas.microsoft.com/office/drawing/2014/main" id="{651B23A2-86E9-4468-A171-0DBCEA5D42E8}"/>
+                <a16:creationId xmlns:a16="http://schemas.microsoft.com/office/drawing/2014/main" xmlns="" id="{651B23A2-86E9-4468-A171-0DBCEA5D42E8}"/>
               </a:ext>
             </a:extLst>
           </p:cNvPr>
@@ -8178,7 +8130,7 @@
           <p:cNvPr id="95" name="Соединительная линия уступом 523">
             <a:extLst>
               <a:ext uri="{FF2B5EF4-FFF2-40B4-BE49-F238E27FC236}">
-                <a16:creationId xmlns:a16="http://schemas.microsoft.com/office/drawing/2014/main" id="{6AC3527A-8784-4D6E-9EB8-0C6A3FB498F5}"/>
+                <a16:creationId xmlns:a16="http://schemas.microsoft.com/office/drawing/2014/main" xmlns="" id="{6AC3527A-8784-4D6E-9EB8-0C6A3FB498F5}"/>
               </a:ext>
             </a:extLst>
           </p:cNvPr>
@@ -8223,7 +8175,7 @@
           <p:cNvPr id="98" name="Соединительная линия уступом 523">
             <a:extLst>
               <a:ext uri="{FF2B5EF4-FFF2-40B4-BE49-F238E27FC236}">
-                <a16:creationId xmlns:a16="http://schemas.microsoft.com/office/drawing/2014/main" id="{1E229524-E407-4977-93F3-A7442BE0F848}"/>
+                <a16:creationId xmlns:a16="http://schemas.microsoft.com/office/drawing/2014/main" xmlns="" id="{1E229524-E407-4977-93F3-A7442BE0F848}"/>
               </a:ext>
             </a:extLst>
           </p:cNvPr>
@@ -8268,7 +8220,7 @@
           <p:cNvPr id="101" name="Соединительная линия уступом 523">
             <a:extLst>
               <a:ext uri="{FF2B5EF4-FFF2-40B4-BE49-F238E27FC236}">
-                <a16:creationId xmlns:a16="http://schemas.microsoft.com/office/drawing/2014/main" id="{02643FCE-10F1-4393-8A90-521548C1C33B}"/>
+                <a16:creationId xmlns:a16="http://schemas.microsoft.com/office/drawing/2014/main" xmlns="" id="{02643FCE-10F1-4393-8A90-521548C1C33B}"/>
               </a:ext>
             </a:extLst>
           </p:cNvPr>
@@ -8313,7 +8265,7 @@
           <p:cNvPr id="104" name="Соединительная линия уступом 523">
             <a:extLst>
               <a:ext uri="{FF2B5EF4-FFF2-40B4-BE49-F238E27FC236}">
-                <a16:creationId xmlns:a16="http://schemas.microsoft.com/office/drawing/2014/main" id="{CCB906EC-15F8-49B2-A37A-809E9B64809E}"/>
+                <a16:creationId xmlns:a16="http://schemas.microsoft.com/office/drawing/2014/main" xmlns="" id="{CCB906EC-15F8-49B2-A37A-809E9B64809E}"/>
               </a:ext>
             </a:extLst>
           </p:cNvPr>
@@ -8358,7 +8310,7 @@
           <p:cNvPr id="107" name="Соединительная линия уступом 523">
             <a:extLst>
               <a:ext uri="{FF2B5EF4-FFF2-40B4-BE49-F238E27FC236}">
-                <a16:creationId xmlns:a16="http://schemas.microsoft.com/office/drawing/2014/main" id="{7875949F-463A-435C-93B4-1638CBA0C53D}"/>
+                <a16:creationId xmlns:a16="http://schemas.microsoft.com/office/drawing/2014/main" xmlns="" id="{7875949F-463A-435C-93B4-1638CBA0C53D}"/>
               </a:ext>
             </a:extLst>
           </p:cNvPr>
@@ -8403,7 +8355,7 @@
           <p:cNvPr id="112" name="Прямая со стрелкой 111">
             <a:extLst>
               <a:ext uri="{FF2B5EF4-FFF2-40B4-BE49-F238E27FC236}">
-                <a16:creationId xmlns:a16="http://schemas.microsoft.com/office/drawing/2014/main" id="{6A34E9ED-30A2-40B5-AA90-C4AA6758A1F1}"/>
+                <a16:creationId xmlns:a16="http://schemas.microsoft.com/office/drawing/2014/main" xmlns="" id="{6A34E9ED-30A2-40B5-AA90-C4AA6758A1F1}"/>
               </a:ext>
             </a:extLst>
           </p:cNvPr>
@@ -8446,7 +8398,7 @@
           <p:cNvPr id="115" name="Соединительная линия уступом 523">
             <a:extLst>
               <a:ext uri="{FF2B5EF4-FFF2-40B4-BE49-F238E27FC236}">
-                <a16:creationId xmlns:a16="http://schemas.microsoft.com/office/drawing/2014/main" id="{C356EB2D-01FA-4848-80C1-C47FAA58665E}"/>
+                <a16:creationId xmlns:a16="http://schemas.microsoft.com/office/drawing/2014/main" xmlns="" id="{C356EB2D-01FA-4848-80C1-C47FAA58665E}"/>
               </a:ext>
             </a:extLst>
           </p:cNvPr>
@@ -8491,7 +8443,7 @@
           <p:cNvPr id="118" name="Соединительная линия уступом 523">
             <a:extLst>
               <a:ext uri="{FF2B5EF4-FFF2-40B4-BE49-F238E27FC236}">
-                <a16:creationId xmlns:a16="http://schemas.microsoft.com/office/drawing/2014/main" id="{B54539AD-0F6E-4E60-B45A-9DCBE7451733}"/>
+                <a16:creationId xmlns:a16="http://schemas.microsoft.com/office/drawing/2014/main" xmlns="" id="{B54539AD-0F6E-4E60-B45A-9DCBE7451733}"/>
               </a:ext>
             </a:extLst>
           </p:cNvPr>
@@ -8536,7 +8488,7 @@
           <p:cNvPr id="122" name="Прямая со стрелкой 121">
             <a:extLst>
               <a:ext uri="{FF2B5EF4-FFF2-40B4-BE49-F238E27FC236}">
-                <a16:creationId xmlns:a16="http://schemas.microsoft.com/office/drawing/2014/main" id="{2EA9E2A7-A043-487B-BD5C-D3DD912B4356}"/>
+                <a16:creationId xmlns:a16="http://schemas.microsoft.com/office/drawing/2014/main" xmlns="" id="{2EA9E2A7-A043-487B-BD5C-D3DD912B4356}"/>
               </a:ext>
             </a:extLst>
           </p:cNvPr>
@@ -8579,7 +8531,7 @@
           <p:cNvPr id="125" name="Прямая со стрелкой 124">
             <a:extLst>
               <a:ext uri="{FF2B5EF4-FFF2-40B4-BE49-F238E27FC236}">
-                <a16:creationId xmlns:a16="http://schemas.microsoft.com/office/drawing/2014/main" id="{2508D6D7-6D54-4C03-B717-A7AEB9F4714C}"/>
+                <a16:creationId xmlns:a16="http://schemas.microsoft.com/office/drawing/2014/main" xmlns="" id="{2508D6D7-6D54-4C03-B717-A7AEB9F4714C}"/>
               </a:ext>
             </a:extLst>
           </p:cNvPr>
@@ -8622,7 +8574,7 @@
           <p:cNvPr id="129" name="Прямая со стрелкой 128">
             <a:extLst>
               <a:ext uri="{FF2B5EF4-FFF2-40B4-BE49-F238E27FC236}">
-                <a16:creationId xmlns:a16="http://schemas.microsoft.com/office/drawing/2014/main" id="{0862DCEC-2AFC-4705-833D-2F85536D579C}"/>
+                <a16:creationId xmlns:a16="http://schemas.microsoft.com/office/drawing/2014/main" xmlns="" id="{0862DCEC-2AFC-4705-833D-2F85536D579C}"/>
               </a:ext>
             </a:extLst>
           </p:cNvPr>
@@ -8665,7 +8617,7 @@
           <p:cNvPr id="132" name="Прямая со стрелкой 131">
             <a:extLst>
               <a:ext uri="{FF2B5EF4-FFF2-40B4-BE49-F238E27FC236}">
-                <a16:creationId xmlns:a16="http://schemas.microsoft.com/office/drawing/2014/main" id="{F77D2DA5-EDEF-4E45-8230-51F2A41A8199}"/>
+                <a16:creationId xmlns:a16="http://schemas.microsoft.com/office/drawing/2014/main" xmlns="" id="{F77D2DA5-EDEF-4E45-8230-51F2A41A8199}"/>
               </a:ext>
             </a:extLst>
           </p:cNvPr>
@@ -8708,7 +8660,7 @@
           <p:cNvPr id="135" name="Соединительная линия уступом 523">
             <a:extLst>
               <a:ext uri="{FF2B5EF4-FFF2-40B4-BE49-F238E27FC236}">
-                <a16:creationId xmlns:a16="http://schemas.microsoft.com/office/drawing/2014/main" id="{5EDBD8FF-3888-4099-82F9-0F2356A22121}"/>
+                <a16:creationId xmlns:a16="http://schemas.microsoft.com/office/drawing/2014/main" xmlns="" id="{5EDBD8FF-3888-4099-82F9-0F2356A22121}"/>
               </a:ext>
             </a:extLst>
           </p:cNvPr>
@@ -8753,7 +8705,7 @@
           <p:cNvPr id="138" name="Соединительная линия уступом 523">
             <a:extLst>
               <a:ext uri="{FF2B5EF4-FFF2-40B4-BE49-F238E27FC236}">
-                <a16:creationId xmlns:a16="http://schemas.microsoft.com/office/drawing/2014/main" id="{491AB98D-9B64-49BC-930A-7D12B9554A07}"/>
+                <a16:creationId xmlns:a16="http://schemas.microsoft.com/office/drawing/2014/main" xmlns="" id="{491AB98D-9B64-49BC-930A-7D12B9554A07}"/>
               </a:ext>
             </a:extLst>
           </p:cNvPr>
@@ -8798,7 +8750,7 @@
           <p:cNvPr id="141" name="Соединительная линия уступом 523">
             <a:extLst>
               <a:ext uri="{FF2B5EF4-FFF2-40B4-BE49-F238E27FC236}">
-                <a16:creationId xmlns:a16="http://schemas.microsoft.com/office/drawing/2014/main" id="{2B4830C7-F7F8-4FBB-B4A6-47E46EA7B2F8}"/>
+                <a16:creationId xmlns:a16="http://schemas.microsoft.com/office/drawing/2014/main" xmlns="" id="{2B4830C7-F7F8-4FBB-B4A6-47E46EA7B2F8}"/>
               </a:ext>
             </a:extLst>
           </p:cNvPr>
@@ -8843,7 +8795,7 @@
           <p:cNvPr id="144" name="Соединительная линия уступом 523">
             <a:extLst>
               <a:ext uri="{FF2B5EF4-FFF2-40B4-BE49-F238E27FC236}">
-                <a16:creationId xmlns:a16="http://schemas.microsoft.com/office/drawing/2014/main" id="{25968507-4E3A-4825-A0E5-BF572F1C5CA1}"/>
+                <a16:creationId xmlns:a16="http://schemas.microsoft.com/office/drawing/2014/main" xmlns="" id="{25968507-4E3A-4825-A0E5-BF572F1C5CA1}"/>
               </a:ext>
             </a:extLst>
           </p:cNvPr>
@@ -8888,7 +8840,7 @@
           <p:cNvPr id="147" name="Прямая со стрелкой 146">
             <a:extLst>
               <a:ext uri="{FF2B5EF4-FFF2-40B4-BE49-F238E27FC236}">
-                <a16:creationId xmlns:a16="http://schemas.microsoft.com/office/drawing/2014/main" id="{FEF0748A-B663-49A8-9415-C42D5F6298E4}"/>
+                <a16:creationId xmlns:a16="http://schemas.microsoft.com/office/drawing/2014/main" xmlns="" id="{FEF0748A-B663-49A8-9415-C42D5F6298E4}"/>
               </a:ext>
             </a:extLst>
           </p:cNvPr>
@@ -8931,7 +8883,7 @@
           <p:cNvPr id="150" name="Прямая со стрелкой 149">
             <a:extLst>
               <a:ext uri="{FF2B5EF4-FFF2-40B4-BE49-F238E27FC236}">
-                <a16:creationId xmlns:a16="http://schemas.microsoft.com/office/drawing/2014/main" id="{1773E2C9-86CF-4909-BE24-C4E533596803}"/>
+                <a16:creationId xmlns:a16="http://schemas.microsoft.com/office/drawing/2014/main" xmlns="" id="{1773E2C9-86CF-4909-BE24-C4E533596803}"/>
               </a:ext>
             </a:extLst>
           </p:cNvPr>
@@ -8974,7 +8926,7 @@
           <p:cNvPr id="91" name="Соединительная линия уступом 523">
             <a:extLst>
               <a:ext uri="{FF2B5EF4-FFF2-40B4-BE49-F238E27FC236}">
-                <a16:creationId xmlns:a16="http://schemas.microsoft.com/office/drawing/2014/main" id="{93FABB1C-3159-4BB7-8C74-41BC65AA4528}"/>
+                <a16:creationId xmlns:a16="http://schemas.microsoft.com/office/drawing/2014/main" xmlns="" id="{93FABB1C-3159-4BB7-8C74-41BC65AA4528}"/>
               </a:ext>
             </a:extLst>
           </p:cNvPr>
@@ -9019,7 +8971,7 @@
           <p:cNvPr id="94" name="Соединительная линия уступом 523">
             <a:extLst>
               <a:ext uri="{FF2B5EF4-FFF2-40B4-BE49-F238E27FC236}">
-                <a16:creationId xmlns:a16="http://schemas.microsoft.com/office/drawing/2014/main" id="{813E6CB1-3FED-48AC-A38F-C3E6B8A7343B}"/>
+                <a16:creationId xmlns:a16="http://schemas.microsoft.com/office/drawing/2014/main" xmlns="" id="{813E6CB1-3FED-48AC-A38F-C3E6B8A7343B}"/>
               </a:ext>
             </a:extLst>
           </p:cNvPr>
@@ -9064,7 +9016,7 @@
           <p:cNvPr id="102" name="Прямоугольник 101">
             <a:extLst>
               <a:ext uri="{FF2B5EF4-FFF2-40B4-BE49-F238E27FC236}">
-                <a16:creationId xmlns:a16="http://schemas.microsoft.com/office/drawing/2014/main" id="{104BB11C-19DA-4DA4-8899-2145048FEA67}"/>
+                <a16:creationId xmlns:a16="http://schemas.microsoft.com/office/drawing/2014/main" xmlns="" id="{104BB11C-19DA-4DA4-8899-2145048FEA67}"/>
               </a:ext>
             </a:extLst>
           </p:cNvPr>
@@ -9112,7 +9064,7 @@
           <p:cNvPr id="103" name="Прямоугольник 102">
             <a:extLst>
               <a:ext uri="{FF2B5EF4-FFF2-40B4-BE49-F238E27FC236}">
-                <a16:creationId xmlns:a16="http://schemas.microsoft.com/office/drawing/2014/main" id="{015BC524-92C7-4AD3-AAE2-C2638148AEC6}"/>
+                <a16:creationId xmlns:a16="http://schemas.microsoft.com/office/drawing/2014/main" xmlns="" id="{015BC524-92C7-4AD3-AAE2-C2638148AEC6}"/>
               </a:ext>
             </a:extLst>
           </p:cNvPr>
@@ -9160,7 +9112,7 @@
           <p:cNvPr id="105" name="Прямая соединительная линия 104">
             <a:extLst>
               <a:ext uri="{FF2B5EF4-FFF2-40B4-BE49-F238E27FC236}">
-                <a16:creationId xmlns:a16="http://schemas.microsoft.com/office/drawing/2014/main" id="{30601EE9-46E6-4732-A0DE-B57457679897}"/>
+                <a16:creationId xmlns:a16="http://schemas.microsoft.com/office/drawing/2014/main" xmlns="" id="{30601EE9-46E6-4732-A0DE-B57457679897}"/>
               </a:ext>
             </a:extLst>
           </p:cNvPr>
@@ -9205,7 +9157,7 @@
           <p:cNvPr id="106" name="Прямая со стрелкой 105">
             <a:extLst>
               <a:ext uri="{FF2B5EF4-FFF2-40B4-BE49-F238E27FC236}">
-                <a16:creationId xmlns:a16="http://schemas.microsoft.com/office/drawing/2014/main" id="{CBC4A588-3776-409A-BA21-84D57C3B0391}"/>
+                <a16:creationId xmlns:a16="http://schemas.microsoft.com/office/drawing/2014/main" xmlns="" id="{CBC4A588-3776-409A-BA21-84D57C3B0391}"/>
               </a:ext>
             </a:extLst>
           </p:cNvPr>
@@ -9248,7 +9200,7 @@
           <p:cNvPr id="109" name="Прямая со стрелкой 108">
             <a:extLst>
               <a:ext uri="{FF2B5EF4-FFF2-40B4-BE49-F238E27FC236}">
-                <a16:creationId xmlns:a16="http://schemas.microsoft.com/office/drawing/2014/main" id="{40FCCF04-27A6-4B4C-8065-3A1DFBFA8F5B}"/>
+                <a16:creationId xmlns:a16="http://schemas.microsoft.com/office/drawing/2014/main" xmlns="" id="{40FCCF04-27A6-4B4C-8065-3A1DFBFA8F5B}"/>
               </a:ext>
             </a:extLst>
           </p:cNvPr>
@@ -9291,7 +9243,7 @@
           <p:cNvPr id="113" name="Прямоугольник 112">
             <a:extLst>
               <a:ext uri="{FF2B5EF4-FFF2-40B4-BE49-F238E27FC236}">
-                <a16:creationId xmlns:a16="http://schemas.microsoft.com/office/drawing/2014/main" id="{0F2080B8-4947-482B-8722-8B19F72F8559}"/>
+                <a16:creationId xmlns:a16="http://schemas.microsoft.com/office/drawing/2014/main" xmlns="" id="{0F2080B8-4947-482B-8722-8B19F72F8559}"/>
               </a:ext>
             </a:extLst>
           </p:cNvPr>
@@ -9347,7 +9299,7 @@
           <p:cNvPr id="114" name="Прямоугольник 113">
             <a:extLst>
               <a:ext uri="{FF2B5EF4-FFF2-40B4-BE49-F238E27FC236}">
-                <a16:creationId xmlns:a16="http://schemas.microsoft.com/office/drawing/2014/main" id="{C922E429-61A8-41DF-A7BF-ECB4E26FFE98}"/>
+                <a16:creationId xmlns:a16="http://schemas.microsoft.com/office/drawing/2014/main" xmlns="" id="{C922E429-61A8-41DF-A7BF-ECB4E26FFE98}"/>
               </a:ext>
             </a:extLst>
           </p:cNvPr>
@@ -9400,7 +9352,7 @@
           <p:cNvPr id="116" name="Прямоугольник 115">
             <a:extLst>
               <a:ext uri="{FF2B5EF4-FFF2-40B4-BE49-F238E27FC236}">
-                <a16:creationId xmlns:a16="http://schemas.microsoft.com/office/drawing/2014/main" id="{F2311656-ADD2-4DB8-ACE3-3A30EA6BF282}"/>
+                <a16:creationId xmlns:a16="http://schemas.microsoft.com/office/drawing/2014/main" xmlns="" id="{F2311656-ADD2-4DB8-ACE3-3A30EA6BF282}"/>
               </a:ext>
             </a:extLst>
           </p:cNvPr>
@@ -9464,7 +9416,7 @@
           <p:cNvPr id="117" name="Прямоугольник 116">
             <a:extLst>
               <a:ext uri="{FF2B5EF4-FFF2-40B4-BE49-F238E27FC236}">
-                <a16:creationId xmlns:a16="http://schemas.microsoft.com/office/drawing/2014/main" id="{72EE031F-A3D2-40E5-A429-8F3077068C2C}"/>
+                <a16:creationId xmlns:a16="http://schemas.microsoft.com/office/drawing/2014/main" xmlns="" id="{72EE031F-A3D2-40E5-A429-8F3077068C2C}"/>
               </a:ext>
             </a:extLst>
           </p:cNvPr>
@@ -9528,7 +9480,7 @@
           <p:cNvPr id="119" name="Прямоугольник 118">
             <a:extLst>
               <a:ext uri="{FF2B5EF4-FFF2-40B4-BE49-F238E27FC236}">
-                <a16:creationId xmlns:a16="http://schemas.microsoft.com/office/drawing/2014/main" id="{F616D5C5-5E71-491B-B1E1-44B7AFE218A2}"/>
+                <a16:creationId xmlns:a16="http://schemas.microsoft.com/office/drawing/2014/main" xmlns="" id="{F616D5C5-5E71-491B-B1E1-44B7AFE218A2}"/>
               </a:ext>
             </a:extLst>
           </p:cNvPr>
@@ -9579,7 +9531,7 @@
           <p:cNvPr id="120" name="Прямоугольник 119">
             <a:extLst>
               <a:ext uri="{FF2B5EF4-FFF2-40B4-BE49-F238E27FC236}">
-                <a16:creationId xmlns:a16="http://schemas.microsoft.com/office/drawing/2014/main" id="{1289AEDA-B315-477F-8287-09F8B972C3EB}"/>
+                <a16:creationId xmlns:a16="http://schemas.microsoft.com/office/drawing/2014/main" xmlns="" id="{1289AEDA-B315-477F-8287-09F8B972C3EB}"/>
               </a:ext>
             </a:extLst>
           </p:cNvPr>
@@ -9707,7 +9659,7 @@
           <p:cNvPr id="121" name="Прямоугольник 120">
             <a:extLst>
               <a:ext uri="{FF2B5EF4-FFF2-40B4-BE49-F238E27FC236}">
-                <a16:creationId xmlns:a16="http://schemas.microsoft.com/office/drawing/2014/main" id="{36AADC54-76EE-4E99-BA06-5F0E3BC28A8E}"/>
+                <a16:creationId xmlns:a16="http://schemas.microsoft.com/office/drawing/2014/main" xmlns="" id="{36AADC54-76EE-4E99-BA06-5F0E3BC28A8E}"/>
               </a:ext>
             </a:extLst>
           </p:cNvPr>
@@ -9758,7 +9710,7 @@
           <p:cNvPr id="123" name="Прямоугольник 122">
             <a:extLst>
               <a:ext uri="{FF2B5EF4-FFF2-40B4-BE49-F238E27FC236}">
-                <a16:creationId xmlns:a16="http://schemas.microsoft.com/office/drawing/2014/main" id="{6D46541F-895F-4439-9A9A-56C5EEFB5D58}"/>
+                <a16:creationId xmlns:a16="http://schemas.microsoft.com/office/drawing/2014/main" xmlns="" id="{6D46541F-895F-4439-9A9A-56C5EEFB5D58}"/>
               </a:ext>
             </a:extLst>
           </p:cNvPr>
@@ -9809,7 +9761,7 @@
           <p:cNvPr id="124" name="Прямоугольник 123">
             <a:extLst>
               <a:ext uri="{FF2B5EF4-FFF2-40B4-BE49-F238E27FC236}">
-                <a16:creationId xmlns:a16="http://schemas.microsoft.com/office/drawing/2014/main" id="{A4F99D25-6BB2-45F8-8825-8010354D120C}"/>
+                <a16:creationId xmlns:a16="http://schemas.microsoft.com/office/drawing/2014/main" xmlns="" id="{A4F99D25-6BB2-45F8-8825-8010354D120C}"/>
               </a:ext>
             </a:extLst>
           </p:cNvPr>
@@ -9876,7 +9828,7 @@
           <p:cNvPr id="126" name="Прямоугольник 125">
             <a:extLst>
               <a:ext uri="{FF2B5EF4-FFF2-40B4-BE49-F238E27FC236}">
-                <a16:creationId xmlns:a16="http://schemas.microsoft.com/office/drawing/2014/main" id="{BFFDACAE-3D8D-4C1F-B11E-B6E1EE53BEF7}"/>
+                <a16:creationId xmlns:a16="http://schemas.microsoft.com/office/drawing/2014/main" xmlns="" id="{BFFDACAE-3D8D-4C1F-B11E-B6E1EE53BEF7}"/>
               </a:ext>
             </a:extLst>
           </p:cNvPr>
@@ -9943,7 +9895,7 @@
           <p:cNvPr id="127" name="Прямоугольник 126">
             <a:extLst>
               <a:ext uri="{FF2B5EF4-FFF2-40B4-BE49-F238E27FC236}">
-                <a16:creationId xmlns:a16="http://schemas.microsoft.com/office/drawing/2014/main" id="{8638B688-6CBD-4FE7-988B-02AD51073E40}"/>
+                <a16:creationId xmlns:a16="http://schemas.microsoft.com/office/drawing/2014/main" xmlns="" id="{8638B688-6CBD-4FE7-988B-02AD51073E40}"/>
               </a:ext>
             </a:extLst>
           </p:cNvPr>
@@ -10066,7 +10018,7 @@
           <p:cNvPr id="128" name="Прямоугольник 127">
             <a:extLst>
               <a:ext uri="{FF2B5EF4-FFF2-40B4-BE49-F238E27FC236}">
-                <a16:creationId xmlns:a16="http://schemas.microsoft.com/office/drawing/2014/main" id="{AC33A04A-31A1-4C7C-B118-E7E9145786AB}"/>
+                <a16:creationId xmlns:a16="http://schemas.microsoft.com/office/drawing/2014/main" xmlns="" id="{AC33A04A-31A1-4C7C-B118-E7E9145786AB}"/>
               </a:ext>
             </a:extLst>
           </p:cNvPr>
@@ -10146,7 +10098,7 @@
           <p:cNvPr id="131" name="Прямоугольник 130">
             <a:extLst>
               <a:ext uri="{FF2B5EF4-FFF2-40B4-BE49-F238E27FC236}">
-                <a16:creationId xmlns:a16="http://schemas.microsoft.com/office/drawing/2014/main" id="{D6695341-5B54-4DE3-83C4-5FB4D345FC4B}"/>
+                <a16:creationId xmlns:a16="http://schemas.microsoft.com/office/drawing/2014/main" xmlns="" id="{D6695341-5B54-4DE3-83C4-5FB4D345FC4B}"/>
               </a:ext>
             </a:extLst>
           </p:cNvPr>
@@ -10202,7 +10154,7 @@
           <p:cNvPr id="108" name="Прямоугольник 107">
             <a:extLst>
               <a:ext uri="{FF2B5EF4-FFF2-40B4-BE49-F238E27FC236}">
-                <a16:creationId xmlns:a16="http://schemas.microsoft.com/office/drawing/2014/main" id="{2E7BAEEE-3678-43D6-B838-7DDAAC7A27FA}"/>
+                <a16:creationId xmlns:a16="http://schemas.microsoft.com/office/drawing/2014/main" xmlns="" id="{2E7BAEEE-3678-43D6-B838-7DDAAC7A27FA}"/>
               </a:ext>
             </a:extLst>
           </p:cNvPr>
@@ -10271,7 +10223,7 @@
           <p:cNvPr id="110" name="Соединительная линия уступом 523">
             <a:extLst>
               <a:ext uri="{FF2B5EF4-FFF2-40B4-BE49-F238E27FC236}">
-                <a16:creationId xmlns:a16="http://schemas.microsoft.com/office/drawing/2014/main" id="{6A288F7E-6546-4FC6-BEDC-8C5ECA54E8E4}"/>
+                <a16:creationId xmlns:a16="http://schemas.microsoft.com/office/drawing/2014/main" xmlns="" id="{6A288F7E-6546-4FC6-BEDC-8C5ECA54E8E4}"/>
               </a:ext>
             </a:extLst>
           </p:cNvPr>
@@ -10316,7 +10268,7 @@
           <p:cNvPr id="111" name="Прямоугольник 110">
             <a:extLst>
               <a:ext uri="{FF2B5EF4-FFF2-40B4-BE49-F238E27FC236}">
-                <a16:creationId xmlns:a16="http://schemas.microsoft.com/office/drawing/2014/main" id="{2BAA2D08-0381-43BE-BEC0-53C96B2E1978}"/>
+                <a16:creationId xmlns:a16="http://schemas.microsoft.com/office/drawing/2014/main" xmlns="" id="{2BAA2D08-0381-43BE-BEC0-53C96B2E1978}"/>
               </a:ext>
             </a:extLst>
           </p:cNvPr>
@@ -10409,7 +10361,7 @@
           <p:cNvPr id="130" name="Прямоугольник 129">
             <a:extLst>
               <a:ext uri="{FF2B5EF4-FFF2-40B4-BE49-F238E27FC236}">
-                <a16:creationId xmlns:a16="http://schemas.microsoft.com/office/drawing/2014/main" id="{CE65226A-D7B6-4323-ADB7-8698A02C50F6}"/>
+                <a16:creationId xmlns:a16="http://schemas.microsoft.com/office/drawing/2014/main" xmlns="" id="{CE65226A-D7B6-4323-ADB7-8698A02C50F6}"/>
               </a:ext>
             </a:extLst>
           </p:cNvPr>
@@ -10468,7 +10420,7 @@
           <p:cNvPr id="133" name="Прямоугольник 132">
             <a:extLst>
               <a:ext uri="{FF2B5EF4-FFF2-40B4-BE49-F238E27FC236}">
-                <a16:creationId xmlns:a16="http://schemas.microsoft.com/office/drawing/2014/main" id="{0FD1B242-348C-4691-BD1A-EAC1A01409C8}"/>
+                <a16:creationId xmlns:a16="http://schemas.microsoft.com/office/drawing/2014/main" xmlns="" id="{0FD1B242-348C-4691-BD1A-EAC1A01409C8}"/>
               </a:ext>
             </a:extLst>
           </p:cNvPr>
@@ -10800,7 +10752,7 @@
   <a:extraClrSchemeLst/>
   <a:extLst>
     <a:ext uri="{05A4C25C-085E-4340-85A3-A5531E510DB2}">
-      <thm15:themeFamily xmlns:thm15="http://schemas.microsoft.com/office/thememl/2012/main" name="Office Theme" id="{62F939B6-93AF-4DB8-9C6B-D6C7DFDC589F}" vid="{4A3C46E8-61CC-4603-A589-7422A47A8E4A}"/>
+      <thm15:themeFamily xmlns:thm15="http://schemas.microsoft.com/office/thememl/2012/main" xmlns="" name="Office Theme" id="{62F939B6-93AF-4DB8-9C6B-D6C7DFDC589F}" vid="{4A3C46E8-61CC-4603-A589-7422A47A8E4A}"/>
     </a:ext>
   </a:extLst>
 </a:theme>
@@ -11061,7 +11013,7 @@
   <a:extraClrSchemeLst/>
   <a:extLst>
     <a:ext uri="{05A4C25C-085E-4340-85A3-A5531E510DB2}">
-      <thm15:themeFamily xmlns:thm15="http://schemas.microsoft.com/office/thememl/2012/main" name="Office Theme" id="{62F939B6-93AF-4DB8-9C6B-D6C7DFDC589F}" vid="{4A3C46E8-61CC-4603-A589-7422A47A8E4A}"/>
+      <thm15:themeFamily xmlns:thm15="http://schemas.microsoft.com/office/thememl/2012/main" xmlns="" name="Office Theme" id="{62F939B6-93AF-4DB8-9C6B-D6C7DFDC589F}" vid="{4A3C46E8-61CC-4603-A589-7422A47A8E4A}"/>
     </a:ext>
   </a:extLst>
 </a:theme>

--- a/Наработки/диздоки/Бельгия/Бельгия.pptx
+++ b/Наработки/диздоки/Бельгия/Бельгия.pptx
@@ -5,10 +5,11 @@
     <p:sldMasterId id="2147483732" r:id="rId1"/>
   </p:sldMasterIdLst>
   <p:notesMasterIdLst>
-    <p:notesMasterId r:id="rId3"/>
+    <p:notesMasterId r:id="rId4"/>
   </p:notesMasterIdLst>
   <p:sldIdLst>
     <p:sldId id="259" r:id="rId2"/>
+    <p:sldId id="260" r:id="rId3"/>
   </p:sldIdLst>
   <p:sldSz cx="51206400" cy="36018788"/>
   <p:notesSz cx="6858000" cy="9144000"/>
@@ -209,7 +210,7 @@
             <a:fld id="{33E3D7F9-E251-484C-A6FF-FA958879DF69}" type="datetimeFigureOut">
               <a:rPr lang="ru-RU" smtClean="0"/>
               <a:pPr/>
-              <a:t>09.10.2023</a:t>
+              <a:t>03.11.2023</a:t>
             </a:fld>
             <a:endParaRPr lang="ru-RU"/>
           </a:p>
@@ -699,7 +700,7 @@
             <a:fld id="{85A5DE44-605B-4D3B-B2B7-94543DF81A36}" type="datetimeFigureOut">
               <a:rPr lang="ru-RU" smtClean="0"/>
               <a:pPr/>
-              <a:t>09.10.2023</a:t>
+              <a:t>03.11.2023</a:t>
             </a:fld>
             <a:endParaRPr lang="ru-RU"/>
           </a:p>
@@ -871,7 +872,7 @@
             <a:fld id="{85A5DE44-605B-4D3B-B2B7-94543DF81A36}" type="datetimeFigureOut">
               <a:rPr lang="ru-RU" smtClean="0"/>
               <a:pPr/>
-              <a:t>09.10.2023</a:t>
+              <a:t>03.11.2023</a:t>
             </a:fld>
             <a:endParaRPr lang="ru-RU"/>
           </a:p>
@@ -1053,7 +1054,7 @@
             <a:fld id="{85A5DE44-605B-4D3B-B2B7-94543DF81A36}" type="datetimeFigureOut">
               <a:rPr lang="ru-RU" smtClean="0"/>
               <a:pPr/>
-              <a:t>09.10.2023</a:t>
+              <a:t>03.11.2023</a:t>
             </a:fld>
             <a:endParaRPr lang="ru-RU"/>
           </a:p>
@@ -1225,7 +1226,7 @@
             <a:fld id="{85A5DE44-605B-4D3B-B2B7-94543DF81A36}" type="datetimeFigureOut">
               <a:rPr lang="ru-RU" smtClean="0"/>
               <a:pPr/>
-              <a:t>09.10.2023</a:t>
+              <a:t>03.11.2023</a:t>
             </a:fld>
             <a:endParaRPr lang="ru-RU"/>
           </a:p>
@@ -1473,7 +1474,7 @@
             <a:fld id="{85A5DE44-605B-4D3B-B2B7-94543DF81A36}" type="datetimeFigureOut">
               <a:rPr lang="ru-RU" smtClean="0"/>
               <a:pPr/>
-              <a:t>09.10.2023</a:t>
+              <a:t>03.11.2023</a:t>
             </a:fld>
             <a:endParaRPr lang="ru-RU"/>
           </a:p>
@@ -1707,7 +1708,7 @@
             <a:fld id="{85A5DE44-605B-4D3B-B2B7-94543DF81A36}" type="datetimeFigureOut">
               <a:rPr lang="ru-RU" smtClean="0"/>
               <a:pPr/>
-              <a:t>09.10.2023</a:t>
+              <a:t>03.11.2023</a:t>
             </a:fld>
             <a:endParaRPr lang="ru-RU"/>
           </a:p>
@@ -2076,7 +2077,7 @@
             <a:fld id="{85A5DE44-605B-4D3B-B2B7-94543DF81A36}" type="datetimeFigureOut">
               <a:rPr lang="ru-RU" smtClean="0"/>
               <a:pPr/>
-              <a:t>09.10.2023</a:t>
+              <a:t>03.11.2023</a:t>
             </a:fld>
             <a:endParaRPr lang="ru-RU"/>
           </a:p>
@@ -2196,7 +2197,7 @@
             <a:fld id="{85A5DE44-605B-4D3B-B2B7-94543DF81A36}" type="datetimeFigureOut">
               <a:rPr lang="ru-RU" smtClean="0"/>
               <a:pPr/>
-              <a:t>09.10.2023</a:t>
+              <a:t>03.11.2023</a:t>
             </a:fld>
             <a:endParaRPr lang="ru-RU"/>
           </a:p>
@@ -2293,7 +2294,7 @@
             <a:fld id="{85A5DE44-605B-4D3B-B2B7-94543DF81A36}" type="datetimeFigureOut">
               <a:rPr lang="ru-RU" smtClean="0"/>
               <a:pPr/>
-              <a:t>09.10.2023</a:t>
+              <a:t>03.11.2023</a:t>
             </a:fld>
             <a:endParaRPr lang="ru-RU"/>
           </a:p>
@@ -2572,7 +2573,7 @@
             <a:fld id="{85A5DE44-605B-4D3B-B2B7-94543DF81A36}" type="datetimeFigureOut">
               <a:rPr lang="ru-RU" smtClean="0"/>
               <a:pPr/>
-              <a:t>09.10.2023</a:t>
+              <a:t>03.11.2023</a:t>
             </a:fld>
             <a:endParaRPr lang="ru-RU"/>
           </a:p>
@@ -2831,7 +2832,7 @@
             <a:fld id="{85A5DE44-605B-4D3B-B2B7-94543DF81A36}" type="datetimeFigureOut">
               <a:rPr lang="ru-RU" smtClean="0"/>
               <a:pPr/>
-              <a:t>09.10.2023</a:t>
+              <a:t>03.11.2023</a:t>
             </a:fld>
             <a:endParaRPr lang="ru-RU"/>
           </a:p>
@@ -3046,7 +3047,7 @@
             <a:fld id="{85A5DE44-605B-4D3B-B2B7-94543DF81A36}" type="datetimeFigureOut">
               <a:rPr lang="ru-RU" smtClean="0"/>
               <a:pPr/>
-              <a:t>09.10.2023</a:t>
+              <a:t>03.11.2023</a:t>
             </a:fld>
             <a:endParaRPr lang="ru-RU"/>
           </a:p>
@@ -3454,18 +3455,27 @@
       </p:grpSpPr>
       <p:sp>
         <p:nvSpPr>
-          <p:cNvPr id="478" name="Прямоугольник 477"/>
+          <p:cNvPr id="113" name="Прямоугольник 112">
+            <a:extLst>
+              <a:ext uri="{FF2B5EF4-FFF2-40B4-BE49-F238E27FC236}">
+                <a16:creationId xmlns:a16="http://schemas.microsoft.com/office/drawing/2014/main" xmlns="" id="{0F2080B8-4947-482B-8722-8B19F72F8559}"/>
+              </a:ext>
+            </a:extLst>
+          </p:cNvPr>
           <p:cNvSpPr/>
           <p:nvPr/>
         </p:nvSpPr>
         <p:spPr>
           <a:xfrm>
-            <a:off x="15590036" y="1766220"/>
+            <a:off x="10724926" y="4838451"/>
             <a:ext cx="2115918" cy="1080000"/>
           </a:xfrm>
           <a:prstGeom prst="rect">
             <a:avLst/>
           </a:prstGeom>
+          <a:solidFill>
+            <a:srgbClr val="FF0000"/>
+          </a:solidFill>
           <a:ln w="28575"/>
         </p:spPr>
         <p:style>
@@ -3489,6 +3499,3270 @@
             <a:pPr algn="ctr"/>
             <a:r>
               <a:rPr lang="ru-RU" sz="1400" dirty="0"/>
+              <a:t>Присоединиться к интернациональным бригадам в Испании </a:t>
+            </a:r>
+            <a:r>
+              <a:rPr lang="ru-RU" sz="600" dirty="0"/>
+              <a:t>(В 1936—1939 бельгийские коммунисты выступали в поддержку Испанской республики, оказывали помощь в формировании интернациональных бригад и участвовали в боевых действиях в Испании[2].)</a:t>
+            </a:r>
+            <a:endParaRPr lang="ru-RU" sz="1400" dirty="0"/>
+          </a:p>
+        </p:txBody>
+      </p:sp>
+      <p:sp>
+        <p:nvSpPr>
+          <p:cNvPr id="114" name="Прямоугольник 113">
+            <a:extLst>
+              <a:ext uri="{FF2B5EF4-FFF2-40B4-BE49-F238E27FC236}">
+                <a16:creationId xmlns:a16="http://schemas.microsoft.com/office/drawing/2014/main" xmlns="" id="{C922E429-61A8-41DF-A7BF-ECB4E26FFE98}"/>
+              </a:ext>
+            </a:extLst>
+          </p:cNvPr>
+          <p:cNvSpPr/>
+          <p:nvPr/>
+        </p:nvSpPr>
+        <p:spPr>
+          <a:xfrm>
+            <a:off x="17473100" y="6328244"/>
+            <a:ext cx="2115918" cy="1080000"/>
+          </a:xfrm>
+          <a:prstGeom prst="rect">
+            <a:avLst/>
+          </a:prstGeom>
+          <a:ln w="28575"/>
+        </p:spPr>
+        <p:style>
+          <a:lnRef idx="2">
+            <a:schemeClr val="accent1"/>
+          </a:lnRef>
+          <a:fillRef idx="1">
+            <a:schemeClr val="lt1"/>
+          </a:fillRef>
+          <a:effectRef idx="0">
+            <a:schemeClr val="accent1"/>
+          </a:effectRef>
+          <a:fontRef idx="minor">
+            <a:schemeClr val="dk1"/>
+          </a:fontRef>
+        </p:style>
+        <p:txBody>
+          <a:bodyPr lIns="124733" tIns="62367" rIns="124733" bIns="62367" rtlCol="0" anchor="ctr"/>
+          <a:lstStyle/>
+          <a:p>
+            <a:pPr algn="ctr"/>
+            <a:r>
+              <a:rPr lang="ru-RU" sz="1400" dirty="0"/>
+              <a:t>Закон Янсена (1940) </a:t>
+            </a:r>
+            <a:r>
+              <a:rPr lang="ru-RU" sz="500" dirty="0"/>
+              <a:t>(В январе 1940 года правительством Бельгии был принят «закон Янсена», в соответствии с которым были запрещены печатные издания коммунистической партии. 10 мая 1940 г. партия была запрещена и перешла в подполье[3].])</a:t>
+            </a:r>
+            <a:endParaRPr lang="ru-RU" sz="1400" dirty="0"/>
+          </a:p>
+        </p:txBody>
+      </p:sp>
+      <p:sp>
+        <p:nvSpPr>
+          <p:cNvPr id="116" name="Прямоугольник 115">
+            <a:extLst>
+              <a:ext uri="{FF2B5EF4-FFF2-40B4-BE49-F238E27FC236}">
+                <a16:creationId xmlns:a16="http://schemas.microsoft.com/office/drawing/2014/main" xmlns="" id="{F2311656-ADD2-4DB8-ACE3-3A30EA6BF282}"/>
+              </a:ext>
+            </a:extLst>
+          </p:cNvPr>
+          <p:cNvSpPr/>
+          <p:nvPr/>
+        </p:nvSpPr>
+        <p:spPr>
+          <a:xfrm>
+            <a:off x="10724926" y="6237453"/>
+            <a:ext cx="2115918" cy="1080000"/>
+          </a:xfrm>
+          <a:prstGeom prst="rect">
+            <a:avLst/>
+          </a:prstGeom>
+          <a:solidFill>
+            <a:srgbClr val="FF0000"/>
+          </a:solidFill>
+          <a:ln w="28575"/>
+        </p:spPr>
+        <p:style>
+          <a:lnRef idx="2">
+            <a:schemeClr val="accent1"/>
+          </a:lnRef>
+          <a:fillRef idx="1">
+            <a:schemeClr val="lt1"/>
+          </a:fillRef>
+          <a:effectRef idx="0">
+            <a:schemeClr val="accent1"/>
+          </a:effectRef>
+          <a:fontRef idx="minor">
+            <a:schemeClr val="dk1"/>
+          </a:fontRef>
+        </p:style>
+        <p:txBody>
+          <a:bodyPr lIns="124733" tIns="62367" rIns="124733" bIns="62367" rtlCol="0" anchor="ctr"/>
+          <a:lstStyle/>
+          <a:p>
+            <a:pPr algn="ctr"/>
+            <a:r>
+              <a:rPr lang="ru-RU" sz="1400" dirty="0"/>
+              <a:t>План экономического обновления страны </a:t>
+            </a:r>
+            <a:r>
+              <a:rPr lang="ru-RU" sz="500" dirty="0"/>
+              <a:t>(В ответ, партия предложила собственную программу выхода из кризиса — разработанный под руководством Э. </a:t>
+            </a:r>
+            <a:r>
+              <a:rPr lang="ru-RU" sz="500" dirty="0" err="1"/>
+              <a:t>Лальмана</a:t>
+            </a:r>
+            <a:r>
+              <a:rPr lang="ru-RU" sz="500" dirty="0"/>
+              <a:t> «План экономического обновления страны», предусматривавший национализацию угольных шахт, электростанций и банков, переход в собственность государства залежей золота и урана в Бельгийском Конго, установление контроля за себестоимостью промышленной продукции и меры по повышению покупательной способности населения</a:t>
+            </a:r>
+            <a:endParaRPr lang="ru-RU" sz="1400" dirty="0"/>
+          </a:p>
+        </p:txBody>
+      </p:sp>
+      <p:sp>
+        <p:nvSpPr>
+          <p:cNvPr id="117" name="Прямоугольник 116">
+            <a:extLst>
+              <a:ext uri="{FF2B5EF4-FFF2-40B4-BE49-F238E27FC236}">
+                <a16:creationId xmlns:a16="http://schemas.microsoft.com/office/drawing/2014/main" xmlns="" id="{72EE031F-A3D2-40E5-A429-8F3077068C2C}"/>
+              </a:ext>
+            </a:extLst>
+          </p:cNvPr>
+          <p:cNvSpPr/>
+          <p:nvPr/>
+        </p:nvSpPr>
+        <p:spPr>
+          <a:xfrm>
+            <a:off x="9084621" y="1838577"/>
+            <a:ext cx="2115918" cy="1080000"/>
+          </a:xfrm>
+          <a:prstGeom prst="rect">
+            <a:avLst/>
+          </a:prstGeom>
+          <a:solidFill>
+            <a:srgbClr val="FF0000"/>
+          </a:solidFill>
+          <a:ln w="28575"/>
+        </p:spPr>
+        <p:style>
+          <a:lnRef idx="2">
+            <a:schemeClr val="accent1"/>
+          </a:lnRef>
+          <a:fillRef idx="1">
+            <a:schemeClr val="lt1"/>
+          </a:fillRef>
+          <a:effectRef idx="0">
+            <a:schemeClr val="accent1"/>
+          </a:effectRef>
+          <a:fontRef idx="minor">
+            <a:schemeClr val="dk1"/>
+          </a:fontRef>
+        </p:style>
+        <p:txBody>
+          <a:bodyPr lIns="124733" tIns="62367" rIns="124733" bIns="62367" rtlCol="0" anchor="ctr"/>
+          <a:lstStyle/>
+          <a:p>
+            <a:pPr algn="ctr"/>
+            <a:r>
+              <a:rPr lang="ru-RU" sz="1400" dirty="0"/>
+              <a:t>Стачка в 1936 и последующее создание народного фронта с </a:t>
+            </a:r>
+            <a:r>
+              <a:rPr lang="ru-RU" sz="1400" dirty="0" err="1"/>
+              <a:t>соц</a:t>
+            </a:r>
+            <a:r>
+              <a:rPr lang="ru-RU" sz="1400" dirty="0"/>
+              <a:t> </a:t>
+            </a:r>
+            <a:r>
+              <a:rPr lang="ru-RU" sz="1400" dirty="0" err="1"/>
+              <a:t>демами</a:t>
+            </a:r>
+            <a:endParaRPr lang="ru-RU" sz="1400" dirty="0"/>
+          </a:p>
+        </p:txBody>
+      </p:sp>
+      <p:sp>
+        <p:nvSpPr>
+          <p:cNvPr id="119" name="Прямоугольник 118">
+            <a:extLst>
+              <a:ext uri="{FF2B5EF4-FFF2-40B4-BE49-F238E27FC236}">
+                <a16:creationId xmlns:a16="http://schemas.microsoft.com/office/drawing/2014/main" xmlns="" id="{F616D5C5-5E71-491B-B1E1-44B7AFE218A2}"/>
+              </a:ext>
+            </a:extLst>
+          </p:cNvPr>
+          <p:cNvSpPr/>
+          <p:nvPr/>
+        </p:nvSpPr>
+        <p:spPr>
+          <a:xfrm>
+            <a:off x="13809398" y="4827286"/>
+            <a:ext cx="2115918" cy="1080000"/>
+          </a:xfrm>
+          <a:prstGeom prst="rect">
+            <a:avLst/>
+          </a:prstGeom>
+          <a:solidFill>
+            <a:srgbClr val="FF0000"/>
+          </a:solidFill>
+          <a:ln w="28575"/>
+        </p:spPr>
+        <p:style>
+          <a:lnRef idx="2">
+            <a:schemeClr val="accent1"/>
+          </a:lnRef>
+          <a:fillRef idx="1">
+            <a:schemeClr val="lt1"/>
+          </a:fillRef>
+          <a:effectRef idx="0">
+            <a:schemeClr val="accent1"/>
+          </a:effectRef>
+          <a:fontRef idx="minor">
+            <a:schemeClr val="dk1"/>
+          </a:fontRef>
+        </p:style>
+        <p:txBody>
+          <a:bodyPr lIns="124733" tIns="62367" rIns="124733" bIns="62367" rtlCol="0" anchor="ctr"/>
+          <a:lstStyle/>
+          <a:p>
+            <a:pPr algn="ctr"/>
+            <a:r>
+              <a:rPr lang="ru-RU" sz="1400" dirty="0"/>
+              <a:t>Основать газету «Красное знамя» ()</a:t>
+            </a:r>
+          </a:p>
+        </p:txBody>
+      </p:sp>
+      <p:sp>
+        <p:nvSpPr>
+          <p:cNvPr id="120" name="Прямоугольник 119">
+            <a:extLst>
+              <a:ext uri="{FF2B5EF4-FFF2-40B4-BE49-F238E27FC236}">
+                <a16:creationId xmlns:a16="http://schemas.microsoft.com/office/drawing/2014/main" xmlns="" id="{1289AEDA-B315-477F-8287-09F8B972C3EB}"/>
+              </a:ext>
+            </a:extLst>
+          </p:cNvPr>
+          <p:cNvSpPr/>
+          <p:nvPr/>
+        </p:nvSpPr>
+        <p:spPr>
+          <a:xfrm>
+            <a:off x="11693480" y="1838577"/>
+            <a:ext cx="2115918" cy="1080000"/>
+          </a:xfrm>
+          <a:prstGeom prst="rect">
+            <a:avLst/>
+          </a:prstGeom>
+          <a:solidFill>
+            <a:srgbClr val="FF0000"/>
+          </a:solidFill>
+          <a:ln w="28575"/>
+        </p:spPr>
+        <p:style>
+          <a:lnRef idx="2">
+            <a:schemeClr val="accent1"/>
+          </a:lnRef>
+          <a:fillRef idx="1">
+            <a:schemeClr val="lt1"/>
+          </a:fillRef>
+          <a:effectRef idx="0">
+            <a:schemeClr val="accent1"/>
+          </a:effectRef>
+          <a:fontRef idx="minor">
+            <a:schemeClr val="dk1"/>
+          </a:fontRef>
+        </p:style>
+        <p:txBody>
+          <a:bodyPr lIns="124733" tIns="62367" rIns="124733" bIns="62367" rtlCol="0" anchor="ctr"/>
+          <a:lstStyle/>
+          <a:p>
+            <a:pPr algn="ctr"/>
+            <a:r>
+              <a:rPr lang="ru-RU" sz="1400" dirty="0"/>
+              <a:t>Смерть </a:t>
+            </a:r>
+            <a:r>
+              <a:rPr lang="ru-RU" sz="1400" dirty="0" err="1"/>
+              <a:t>Жакемотта</a:t>
+            </a:r>
+            <a:r>
+              <a:rPr lang="ru-RU" sz="1400" dirty="0"/>
+              <a:t> </a:t>
+            </a:r>
+            <a:r>
+              <a:rPr lang="ru-RU" sz="600" dirty="0"/>
+              <a:t>(« Красное знамя » ,18 июля 1936 г.). </a:t>
+            </a:r>
+            <a:r>
+              <a:rPr lang="ru-RU" sz="600" dirty="0" err="1"/>
+              <a:t>Жакмотт</a:t>
+            </a:r>
+            <a:r>
+              <a:rPr lang="ru-RU" sz="600" dirty="0"/>
+              <a:t> не мог идти дальше. Смерть должна была удивить его, несколько недель спустя,11 октября 1936 </a:t>
+            </a:r>
+            <a:r>
+              <a:rPr lang="ru-RU" sz="600" dirty="0" err="1"/>
+              <a:t>г.в</a:t>
+            </a:r>
+            <a:r>
+              <a:rPr lang="ru-RU" sz="600" dirty="0"/>
+              <a:t> поезде, который привез его обратно в Брюссель из типографии </a:t>
+            </a:r>
+            <a:r>
+              <a:rPr lang="ru-RU" sz="600" dirty="0" err="1"/>
+              <a:t>La</a:t>
+            </a:r>
+            <a:r>
+              <a:rPr lang="ru-RU" sz="600" dirty="0"/>
+              <a:t> </a:t>
+            </a:r>
+            <a:r>
+              <a:rPr lang="ru-RU" sz="600" dirty="0" err="1"/>
+              <a:t>Voix</a:t>
+            </a:r>
+            <a:r>
+              <a:rPr lang="ru-RU" sz="600" dirty="0"/>
+              <a:t> </a:t>
+            </a:r>
+            <a:r>
+              <a:rPr lang="ru-RU" sz="600" dirty="0" err="1"/>
+              <a:t>du</a:t>
+            </a:r>
+            <a:r>
+              <a:rPr lang="ru-RU" sz="600" dirty="0"/>
+              <a:t> </a:t>
+            </a:r>
+            <a:r>
+              <a:rPr lang="ru-RU" sz="600" dirty="0" err="1"/>
+              <a:t>Peuple</a:t>
+            </a:r>
+            <a:r>
+              <a:rPr lang="ru-RU" sz="600" dirty="0"/>
+              <a:t> , ежедневной газеты партии, которую он только что основал как преемник </a:t>
+            </a:r>
+            <a:r>
+              <a:rPr lang="ru-RU" sz="600" dirty="0" err="1"/>
+              <a:t>Red</a:t>
+            </a:r>
+            <a:r>
+              <a:rPr lang="ru-RU" sz="600" dirty="0"/>
+              <a:t> </a:t>
+            </a:r>
+            <a:r>
+              <a:rPr lang="ru-RU" sz="600" dirty="0" err="1"/>
+              <a:t>Flag</a:t>
+            </a:r>
+            <a:r>
+              <a:rPr lang="ru-RU" sz="600" dirty="0"/>
+              <a:t>)</a:t>
+            </a:r>
+            <a:endParaRPr lang="ru-RU" sz="1400" dirty="0"/>
+          </a:p>
+        </p:txBody>
+      </p:sp>
+      <p:sp>
+        <p:nvSpPr>
+          <p:cNvPr id="121" name="Прямоугольник 120">
+            <a:extLst>
+              <a:ext uri="{FF2B5EF4-FFF2-40B4-BE49-F238E27FC236}">
+                <a16:creationId xmlns:a16="http://schemas.microsoft.com/office/drawing/2014/main" xmlns="" id="{36AADC54-76EE-4E99-BA06-5F0E3BC28A8E}"/>
+              </a:ext>
+            </a:extLst>
+          </p:cNvPr>
+          <p:cNvSpPr/>
+          <p:nvPr/>
+        </p:nvSpPr>
+        <p:spPr>
+          <a:xfrm>
+            <a:off x="13809398" y="7811425"/>
+            <a:ext cx="2115918" cy="1080000"/>
+          </a:xfrm>
+          <a:prstGeom prst="rect">
+            <a:avLst/>
+          </a:prstGeom>
+          <a:solidFill>
+            <a:srgbClr val="FF0000"/>
+          </a:solidFill>
+          <a:ln w="28575"/>
+        </p:spPr>
+        <p:style>
+          <a:lnRef idx="2">
+            <a:schemeClr val="accent1"/>
+          </a:lnRef>
+          <a:fillRef idx="1">
+            <a:schemeClr val="lt1"/>
+          </a:fillRef>
+          <a:effectRef idx="0">
+            <a:schemeClr val="accent1"/>
+          </a:effectRef>
+          <a:fontRef idx="minor">
+            <a:schemeClr val="dk1"/>
+          </a:fontRef>
+        </p:style>
+        <p:txBody>
+          <a:bodyPr lIns="124733" tIns="62367" rIns="124733" bIns="62367" rtlCol="0" anchor="ctr"/>
+          <a:lstStyle/>
+          <a:p>
+            <a:pPr algn="ctr"/>
+            <a:r>
+              <a:rPr lang="ru-RU" sz="1400" dirty="0"/>
+              <a:t>Продолжить поддержку Коминтерна</a:t>
+            </a:r>
+          </a:p>
+        </p:txBody>
+      </p:sp>
+      <p:sp>
+        <p:nvSpPr>
+          <p:cNvPr id="123" name="Прямоугольник 122">
+            <a:extLst>
+              <a:ext uri="{FF2B5EF4-FFF2-40B4-BE49-F238E27FC236}">
+                <a16:creationId xmlns:a16="http://schemas.microsoft.com/office/drawing/2014/main" xmlns="" id="{6D46541F-895F-4439-9A9A-56C5EEFB5D58}"/>
+              </a:ext>
+            </a:extLst>
+          </p:cNvPr>
+          <p:cNvSpPr/>
+          <p:nvPr/>
+        </p:nvSpPr>
+        <p:spPr>
+          <a:xfrm>
+            <a:off x="9084621" y="3338514"/>
+            <a:ext cx="2115918" cy="1080000"/>
+          </a:xfrm>
+          <a:prstGeom prst="rect">
+            <a:avLst/>
+          </a:prstGeom>
+          <a:solidFill>
+            <a:srgbClr val="FF0000"/>
+          </a:solidFill>
+          <a:ln w="28575"/>
+        </p:spPr>
+        <p:style>
+          <a:lnRef idx="2">
+            <a:schemeClr val="accent1"/>
+          </a:lnRef>
+          <a:fillRef idx="1">
+            <a:schemeClr val="lt1"/>
+          </a:fillRef>
+          <a:effectRef idx="0">
+            <a:schemeClr val="accent1"/>
+          </a:effectRef>
+          <a:fontRef idx="minor">
+            <a:schemeClr val="dk1"/>
+          </a:fontRef>
+        </p:style>
+        <p:txBody>
+          <a:bodyPr lIns="124733" tIns="62367" rIns="124733" bIns="62367" rtlCol="0" anchor="ctr"/>
+          <a:lstStyle/>
+          <a:p>
+            <a:pPr algn="ctr"/>
+            <a:r>
+              <a:rPr lang="ru-RU" sz="1100" dirty="0"/>
+              <a:t>объединение Коммунистической молодежи и Молодой социалистической гвардии в Объединенную молодую социалистическую гвардию в 1936 году</a:t>
+            </a:r>
+          </a:p>
+        </p:txBody>
+      </p:sp>
+      <p:sp>
+        <p:nvSpPr>
+          <p:cNvPr id="124" name="Прямоугольник 123">
+            <a:extLst>
+              <a:ext uri="{FF2B5EF4-FFF2-40B4-BE49-F238E27FC236}">
+                <a16:creationId xmlns:a16="http://schemas.microsoft.com/office/drawing/2014/main" xmlns="" id="{A4F99D25-6BB2-45F8-8825-8010354D120C}"/>
+              </a:ext>
+            </a:extLst>
+          </p:cNvPr>
+          <p:cNvSpPr/>
+          <p:nvPr/>
+        </p:nvSpPr>
+        <p:spPr>
+          <a:xfrm>
+            <a:off x="11693480" y="3297437"/>
+            <a:ext cx="2115918" cy="1080000"/>
+          </a:xfrm>
+          <a:prstGeom prst="rect">
+            <a:avLst/>
+          </a:prstGeom>
+          <a:solidFill>
+            <a:srgbClr val="FF0000"/>
+          </a:solidFill>
+          <a:ln w="28575"/>
+        </p:spPr>
+        <p:style>
+          <a:lnRef idx="2">
+            <a:schemeClr val="accent1"/>
+          </a:lnRef>
+          <a:fillRef idx="1">
+            <a:schemeClr val="lt1"/>
+          </a:fillRef>
+          <a:effectRef idx="0">
+            <a:schemeClr val="accent1"/>
+          </a:effectRef>
+          <a:fontRef idx="minor">
+            <a:schemeClr val="dk1"/>
+          </a:fontRef>
+        </p:style>
+        <p:txBody>
+          <a:bodyPr lIns="124733" tIns="62367" rIns="124733" bIns="62367" rtlCol="0" anchor="ctr"/>
+          <a:lstStyle/>
+          <a:p>
+            <a:pPr algn="ctr"/>
+            <a:r>
+              <a:rPr lang="ru-RU" sz="1100" dirty="0"/>
+              <a:t>Народный фронт не увидеть свет в Бельгии, и эта идея была официально отвергнута6 января 1936 </a:t>
+            </a:r>
+            <a:r>
+              <a:rPr lang="ru-RU" sz="1100" dirty="0" err="1"/>
+              <a:t>г.Генеральным</a:t>
+            </a:r>
+            <a:r>
+              <a:rPr lang="ru-RU" sz="1100" dirty="0"/>
+              <a:t> советом Бельгийской рабочей партии, принимавшей участие в правительстве Ван </a:t>
+            </a:r>
+            <a:r>
+              <a:rPr lang="ru-RU" sz="1100" dirty="0" err="1"/>
+              <a:t>Зеланда</a:t>
+            </a:r>
+            <a:r>
+              <a:rPr lang="ru-RU" sz="1100" dirty="0"/>
+              <a:t> II</a:t>
+            </a:r>
+          </a:p>
+        </p:txBody>
+      </p:sp>
+      <p:sp>
+        <p:nvSpPr>
+          <p:cNvPr id="126" name="Прямоугольник 125">
+            <a:extLst>
+              <a:ext uri="{FF2B5EF4-FFF2-40B4-BE49-F238E27FC236}">
+                <a16:creationId xmlns:a16="http://schemas.microsoft.com/office/drawing/2014/main" xmlns="" id="{BFFDACAE-3D8D-4C1F-B11E-B6E1EE53BEF7}"/>
+              </a:ext>
+            </a:extLst>
+          </p:cNvPr>
+          <p:cNvSpPr/>
+          <p:nvPr/>
+        </p:nvSpPr>
+        <p:spPr>
+          <a:xfrm>
+            <a:off x="13955068" y="3303188"/>
+            <a:ext cx="2115918" cy="1080000"/>
+          </a:xfrm>
+          <a:prstGeom prst="rect">
+            <a:avLst/>
+          </a:prstGeom>
+          <a:solidFill>
+            <a:srgbClr val="FF0000"/>
+          </a:solidFill>
+          <a:ln w="28575"/>
+        </p:spPr>
+        <p:style>
+          <a:lnRef idx="2">
+            <a:schemeClr val="accent1"/>
+          </a:lnRef>
+          <a:fillRef idx="1">
+            <a:schemeClr val="lt1"/>
+          </a:fillRef>
+          <a:effectRef idx="0">
+            <a:schemeClr val="accent1"/>
+          </a:effectRef>
+          <a:fontRef idx="minor">
+            <a:schemeClr val="dk1"/>
+          </a:fontRef>
+        </p:style>
+        <p:txBody>
+          <a:bodyPr lIns="124733" tIns="62367" rIns="124733" bIns="62367" rtlCol="0" anchor="ctr"/>
+          <a:lstStyle/>
+          <a:p>
+            <a:pPr algn="ctr"/>
+            <a:r>
+              <a:rPr lang="en-US" sz="1400" dirty="0"/>
+              <a:t>Raoul </a:t>
+            </a:r>
+            <a:r>
+              <a:rPr lang="en-US" sz="1400" dirty="0" err="1"/>
+              <a:t>Baligand</a:t>
+            </a:r>
+            <a:r>
+              <a:rPr lang="ru-RU" sz="1400" dirty="0"/>
+              <a:t> – </a:t>
+            </a:r>
+            <a:r>
+              <a:rPr lang="ru-RU" sz="1400" dirty="0" err="1"/>
+              <a:t>комми</a:t>
+            </a:r>
+            <a:r>
+              <a:rPr lang="ru-RU" sz="1400" dirty="0"/>
+              <a:t> генерал</a:t>
+            </a:r>
+          </a:p>
+        </p:txBody>
+      </p:sp>
+      <p:sp>
+        <p:nvSpPr>
+          <p:cNvPr id="127" name="Прямоугольник 126">
+            <a:extLst>
+              <a:ext uri="{FF2B5EF4-FFF2-40B4-BE49-F238E27FC236}">
+                <a16:creationId xmlns:a16="http://schemas.microsoft.com/office/drawing/2014/main" xmlns="" id="{8638B688-6CBD-4FE7-988B-02AD51073E40}"/>
+              </a:ext>
+            </a:extLst>
+          </p:cNvPr>
+          <p:cNvSpPr/>
+          <p:nvPr/>
+        </p:nvSpPr>
+        <p:spPr>
+          <a:xfrm>
+            <a:off x="14135031" y="1838577"/>
+            <a:ext cx="2115918" cy="1080000"/>
+          </a:xfrm>
+          <a:prstGeom prst="rect">
+            <a:avLst/>
+          </a:prstGeom>
+          <a:solidFill>
+            <a:srgbClr val="FF0000"/>
+          </a:solidFill>
+          <a:ln w="28575"/>
+        </p:spPr>
+        <p:style>
+          <a:lnRef idx="2">
+            <a:schemeClr val="accent1"/>
+          </a:lnRef>
+          <a:fillRef idx="1">
+            <a:schemeClr val="lt1"/>
+          </a:fillRef>
+          <a:effectRef idx="0">
+            <a:schemeClr val="accent1"/>
+          </a:effectRef>
+          <a:fontRef idx="minor">
+            <a:schemeClr val="dk1"/>
+          </a:fontRef>
+        </p:style>
+        <p:txBody>
+          <a:bodyPr lIns="124733" tIns="62367" rIns="124733" bIns="62367" rtlCol="0" anchor="ctr"/>
+          <a:lstStyle/>
+          <a:p>
+            <a:pPr algn="ctr"/>
+            <a:r>
+              <a:rPr lang="ru-RU" sz="600" dirty="0"/>
+              <a:t>Его заменил триумвират, состоящий из </a:t>
+            </a:r>
+            <a:r>
+              <a:rPr lang="ru-RU" sz="600" dirty="0" err="1"/>
+              <a:t>Ксавьера</a:t>
+            </a:r>
+            <a:r>
+              <a:rPr lang="ru-RU" sz="600" dirty="0"/>
+              <a:t> </a:t>
+            </a:r>
+            <a:r>
+              <a:rPr lang="ru-RU" sz="600" dirty="0" err="1"/>
+              <a:t>Релекома</a:t>
+            </a:r>
+            <a:r>
+              <a:rPr lang="ru-RU" sz="600" dirty="0"/>
+              <a:t> (</a:t>
+            </a:r>
+            <a:r>
+              <a:rPr lang="en-US" sz="600" dirty="0"/>
+              <a:t>Xavier </a:t>
+            </a:r>
+            <a:r>
+              <a:rPr lang="en-US" sz="600" dirty="0" err="1"/>
+              <a:t>Relecom</a:t>
+            </a:r>
+            <a:r>
+              <a:rPr lang="ru-RU" sz="600" dirty="0"/>
+              <a:t>), фламандца Жоржа Ван </a:t>
+            </a:r>
+            <a:r>
+              <a:rPr lang="ru-RU" sz="600" dirty="0" err="1"/>
+              <a:t>ден</a:t>
+            </a:r>
+            <a:r>
+              <a:rPr lang="ru-RU" sz="600" dirty="0"/>
+              <a:t> </a:t>
+            </a:r>
+            <a:r>
+              <a:rPr lang="ru-RU" sz="600" dirty="0" err="1"/>
+              <a:t>Боома</a:t>
+            </a:r>
+            <a:r>
+              <a:rPr lang="ru-RU" sz="600" dirty="0"/>
+              <a:t> и </a:t>
+            </a:r>
+            <a:r>
+              <a:rPr lang="ru-RU" sz="600" dirty="0" err="1"/>
+              <a:t>Льежуа</a:t>
+            </a:r>
+            <a:r>
+              <a:rPr lang="ru-RU" sz="600" dirty="0"/>
+              <a:t> Жюльена </a:t>
+            </a:r>
+            <a:r>
+              <a:rPr lang="ru-RU" sz="600" dirty="0" err="1"/>
+              <a:t>Лао</a:t>
+            </a:r>
+            <a:r>
+              <a:rPr lang="ru-RU" sz="600" dirty="0"/>
+              <a:t>(</a:t>
+            </a:r>
+            <a:r>
+              <a:rPr lang="en-US" sz="600" dirty="0"/>
+              <a:t>Julien </a:t>
+            </a:r>
+            <a:r>
+              <a:rPr lang="en-US" sz="600" dirty="0" err="1"/>
+              <a:t>Lahaut</a:t>
+            </a:r>
+            <a:r>
+              <a:rPr lang="ru-RU" sz="600" dirty="0"/>
+              <a:t>) . Он будет одним из главных действующих лиц многогранной помощи, оказываемой Испанской республике рабочими Бельгии, несмотря на препятствия, чинимые правительством. Упомянем здесь о приверженности молодых коммунистов и социалистов из Бельгии в рядах Интернациональных бригад</a:t>
+            </a:r>
+          </a:p>
+        </p:txBody>
+      </p:sp>
+      <p:sp>
+        <p:nvSpPr>
+          <p:cNvPr id="128" name="Прямоугольник 127">
+            <a:extLst>
+              <a:ext uri="{FF2B5EF4-FFF2-40B4-BE49-F238E27FC236}">
+                <a16:creationId xmlns:a16="http://schemas.microsoft.com/office/drawing/2014/main" xmlns="" id="{AC33A04A-31A1-4C7C-B118-E7E9145786AB}"/>
+              </a:ext>
+            </a:extLst>
+          </p:cNvPr>
+          <p:cNvSpPr/>
+          <p:nvPr/>
+        </p:nvSpPr>
+        <p:spPr>
+          <a:xfrm>
+            <a:off x="13809398" y="6237453"/>
+            <a:ext cx="2115918" cy="1080000"/>
+          </a:xfrm>
+          <a:prstGeom prst="rect">
+            <a:avLst/>
+          </a:prstGeom>
+          <a:solidFill>
+            <a:srgbClr val="FF0000"/>
+          </a:solidFill>
+          <a:ln w="28575"/>
+        </p:spPr>
+        <p:style>
+          <a:lnRef idx="2">
+            <a:schemeClr val="accent1"/>
+          </a:lnRef>
+          <a:fillRef idx="1">
+            <a:schemeClr val="lt1"/>
+          </a:fillRef>
+          <a:effectRef idx="0">
+            <a:schemeClr val="accent1"/>
+          </a:effectRef>
+          <a:fontRef idx="minor">
+            <a:schemeClr val="dk1"/>
+          </a:fontRef>
+        </p:style>
+        <p:txBody>
+          <a:bodyPr lIns="124733" tIns="62367" rIns="124733" bIns="62367" rtlCol="0" anchor="ctr"/>
+          <a:lstStyle/>
+          <a:p>
+            <a:pPr algn="ctr"/>
+            <a:r>
+              <a:rPr lang="ru-RU" sz="1400" dirty="0"/>
+              <a:t>Выбрать номера 1 </a:t>
+            </a:r>
+            <a:r>
+              <a:rPr lang="ru-RU" sz="900" dirty="0"/>
+              <a:t>(Став в 1939 г. подлинным номером один в партии на посту генерального секретаря, </a:t>
+            </a:r>
+            <a:r>
+              <a:rPr lang="ru-RU" sz="900" dirty="0" err="1"/>
+              <a:t>Релеком</a:t>
+            </a:r>
+            <a:r>
+              <a:rPr lang="ru-RU" sz="900" dirty="0"/>
+              <a:t> избежал арестов мая 1940 </a:t>
+            </a:r>
+            <a:r>
+              <a:rPr lang="ru-RU" sz="900" dirty="0" err="1"/>
+              <a:t>г.июнь</a:t>
+            </a:r>
+            <a:r>
+              <a:rPr lang="ru-RU" sz="900" dirty="0"/>
+              <a:t> 1941 </a:t>
+            </a:r>
+            <a:r>
+              <a:rPr lang="ru-RU" sz="900" dirty="0" err="1"/>
+              <a:t>г.и</a:t>
+            </a:r>
+            <a:r>
+              <a:rPr lang="ru-RU" sz="900" dirty="0"/>
+              <a:t> удалось легализовать партию)</a:t>
+            </a:r>
+            <a:endParaRPr lang="ru-RU" sz="1400" dirty="0"/>
+          </a:p>
+        </p:txBody>
+      </p:sp>
+      <p:sp>
+        <p:nvSpPr>
+          <p:cNvPr id="131" name="Прямоугольник 130">
+            <a:extLst>
+              <a:ext uri="{FF2B5EF4-FFF2-40B4-BE49-F238E27FC236}">
+                <a16:creationId xmlns:a16="http://schemas.microsoft.com/office/drawing/2014/main" xmlns="" id="{D6695341-5B54-4DE3-83C4-5FB4D345FC4B}"/>
+              </a:ext>
+            </a:extLst>
+          </p:cNvPr>
+          <p:cNvSpPr/>
+          <p:nvPr/>
+        </p:nvSpPr>
+        <p:spPr>
+          <a:xfrm>
+            <a:off x="8246420" y="6237453"/>
+            <a:ext cx="2115918" cy="1080000"/>
+          </a:xfrm>
+          <a:prstGeom prst="rect">
+            <a:avLst/>
+          </a:prstGeom>
+          <a:solidFill>
+            <a:srgbClr val="FF0000"/>
+          </a:solidFill>
+          <a:ln w="28575"/>
+        </p:spPr>
+        <p:style>
+          <a:lnRef idx="2">
+            <a:schemeClr val="accent1"/>
+          </a:lnRef>
+          <a:fillRef idx="1">
+            <a:schemeClr val="lt1"/>
+          </a:fillRef>
+          <a:effectRef idx="0">
+            <a:schemeClr val="accent1"/>
+          </a:effectRef>
+          <a:fontRef idx="minor">
+            <a:schemeClr val="dk1"/>
+          </a:fontRef>
+        </p:style>
+        <p:txBody>
+          <a:bodyPr lIns="124733" tIns="62367" rIns="124733" bIns="62367" rtlCol="0" anchor="ctr"/>
+          <a:lstStyle/>
+          <a:p>
+            <a:pPr algn="ctr"/>
+            <a:r>
+              <a:rPr lang="ru-RU" sz="1400" dirty="0"/>
+              <a:t>Потребовать отречения Леопольда </a:t>
+            </a:r>
+            <a:r>
+              <a:rPr lang="en-US" sz="1400" dirty="0"/>
+              <a:t>III</a:t>
+            </a:r>
+            <a:endParaRPr lang="ru-RU" sz="1400" dirty="0"/>
+          </a:p>
+        </p:txBody>
+      </p:sp>
+      <p:sp>
+        <p:nvSpPr>
+          <p:cNvPr id="111" name="Прямоугольник 110">
+            <a:extLst>
+              <a:ext uri="{FF2B5EF4-FFF2-40B4-BE49-F238E27FC236}">
+                <a16:creationId xmlns:a16="http://schemas.microsoft.com/office/drawing/2014/main" xmlns="" id="{2BAA2D08-0381-43BE-BEC0-53C96B2E1978}"/>
+              </a:ext>
+            </a:extLst>
+          </p:cNvPr>
+          <p:cNvSpPr/>
+          <p:nvPr/>
+        </p:nvSpPr>
+        <p:spPr>
+          <a:xfrm>
+            <a:off x="17473100" y="4754272"/>
+            <a:ext cx="2115918" cy="1080000"/>
+          </a:xfrm>
+          <a:prstGeom prst="rect">
+            <a:avLst/>
+          </a:prstGeom>
+          <a:ln w="28575"/>
+        </p:spPr>
+        <p:style>
+          <a:lnRef idx="2">
+            <a:schemeClr val="accent1"/>
+          </a:lnRef>
+          <a:fillRef idx="1">
+            <a:schemeClr val="lt1"/>
+          </a:fillRef>
+          <a:effectRef idx="0">
+            <a:schemeClr val="accent1"/>
+          </a:effectRef>
+          <a:fontRef idx="minor">
+            <a:schemeClr val="dk1"/>
+          </a:fontRef>
+        </p:style>
+        <p:txBody>
+          <a:bodyPr lIns="124733" tIns="62367" rIns="124733" bIns="62367" rtlCol="0" anchor="ctr"/>
+          <a:lstStyle/>
+          <a:p>
+            <a:pPr algn="ctr"/>
+            <a:r>
+              <a:rPr lang="ru-RU" sz="1400" dirty="0"/>
+              <a:t>Возобновление нейтралитета (1937) </a:t>
+            </a:r>
+            <a:r>
+              <a:rPr lang="ru-RU" sz="300" dirty="0"/>
+              <a:t>(Чтобы избежать втягивания в войну, которой они не хотят, король и бельгийское правительство пересматривают внешнюю политику Бельгии, ведя переговоры с Англией и Францией о признании права Бельгии не вмешиваться, если это не будет спровоцировано, и перевооружив страну в таким образом, чтобы обескуражить любого возможного агрессора. Это возобновление нейтралитета должно сохранить Германии пренебрегать независимостью Бельгии, как в 1914 году, но в той мере, в какой Бельгия представляет собой достаточно внушительную военную силу, чтобы навязать ее германскому генеральному штабу. Пацифисты, в особенности социалисты и валлоны (Жорж </a:t>
+            </a:r>
+            <a:r>
+              <a:rPr lang="ru-RU" sz="300" dirty="0" err="1"/>
+              <a:t>Трюффо</a:t>
+            </a:r>
+            <a:r>
+              <a:rPr lang="ru-RU" sz="300" dirty="0"/>
+              <a:t> , Франсуа </a:t>
+            </a:r>
+            <a:r>
+              <a:rPr lang="ru-RU" sz="300" dirty="0" err="1"/>
+              <a:t>Бовес</a:t>
+            </a:r>
+            <a:r>
+              <a:rPr lang="ru-RU" sz="300" dirty="0"/>
+              <a:t> , аббат </a:t>
+            </a:r>
+            <a:r>
+              <a:rPr lang="ru-RU" sz="300" dirty="0" err="1"/>
+              <a:t>Махье</a:t>
+            </a:r>
+            <a:r>
+              <a:rPr lang="ru-RU" sz="300" dirty="0"/>
+              <a:t> и др. выступают против этой политики. Этот, который защищает, в частности, франкоязычный житель Брюсселя Поль-Анри </a:t>
+            </a:r>
+            <a:r>
+              <a:rPr lang="ru-RU" sz="300" dirty="0" err="1"/>
+              <a:t>Спаак</a:t>
+            </a:r>
+            <a:r>
+              <a:rPr lang="ru-RU" sz="300" dirty="0"/>
+              <a:t> , осуществляется под давлением Фландрии [ 19 ] , [ 20 ] .Эта бельгийская политика была ратифицирована Францией и Англией, когда Декларация24 апреля 1937 </a:t>
+            </a:r>
+            <a:r>
+              <a:rPr lang="ru-RU" sz="300" dirty="0" err="1"/>
+              <a:t>г.и</a:t>
+            </a:r>
+            <a:r>
+              <a:rPr lang="ru-RU" sz="300" dirty="0"/>
+              <a:t> зарегистрирован Лигой Наций , что придает ему договорную силу. Более того, обе державы обещают свою помощь в случае нападения на Бельгию.])</a:t>
+            </a:r>
+            <a:endParaRPr lang="ru-RU" sz="1400" dirty="0"/>
+          </a:p>
+        </p:txBody>
+      </p:sp>
+      <p:sp>
+        <p:nvSpPr>
+          <p:cNvPr id="130" name="Прямоугольник 129">
+            <a:extLst>
+              <a:ext uri="{FF2B5EF4-FFF2-40B4-BE49-F238E27FC236}">
+                <a16:creationId xmlns:a16="http://schemas.microsoft.com/office/drawing/2014/main" xmlns="" id="{CE65226A-D7B6-4323-ADB7-8698A02C50F6}"/>
+              </a:ext>
+            </a:extLst>
+          </p:cNvPr>
+          <p:cNvSpPr/>
+          <p:nvPr/>
+        </p:nvSpPr>
+        <p:spPr>
+          <a:xfrm>
+            <a:off x="17290791" y="1838577"/>
+            <a:ext cx="2115918" cy="1080000"/>
+          </a:xfrm>
+          <a:prstGeom prst="rect">
+            <a:avLst/>
+          </a:prstGeom>
+          <a:ln w="28575"/>
+        </p:spPr>
+        <p:style>
+          <a:lnRef idx="2">
+            <a:schemeClr val="accent1"/>
+          </a:lnRef>
+          <a:fillRef idx="1">
+            <a:schemeClr val="lt1"/>
+          </a:fillRef>
+          <a:effectRef idx="0">
+            <a:schemeClr val="accent1"/>
+          </a:effectRef>
+          <a:fontRef idx="minor">
+            <a:schemeClr val="dk1"/>
+          </a:fontRef>
+        </p:style>
+        <p:txBody>
+          <a:bodyPr lIns="124733" tIns="62367" rIns="124733" bIns="62367" rtlCol="0" anchor="ctr"/>
+          <a:lstStyle/>
+          <a:p>
+            <a:pPr algn="ctr"/>
+            <a:r>
+              <a:rPr lang="ru-RU" sz="1200" dirty="0"/>
+              <a:t>В </a:t>
+            </a:r>
+            <a:r>
+              <a:rPr lang="ru-RU" sz="1200" dirty="0">
+                <a:hlinkClick r:id="rId3" tooltip="май 1940 г."/>
+              </a:rPr>
+              <a:t>мае 1940</a:t>
+            </a:r>
+            <a:r>
+              <a:rPr lang="ru-RU" sz="1200" dirty="0"/>
+              <a:t> года Германия снова вторглась в Бельгию. Бельгийская армия насчитывает 650 000 человек,</a:t>
+            </a:r>
+            <a:endParaRPr lang="ru-RU" sz="700" dirty="0"/>
+          </a:p>
+        </p:txBody>
+      </p:sp>
+      <p:sp>
+        <p:nvSpPr>
+          <p:cNvPr id="133" name="Прямоугольник 132">
+            <a:extLst>
+              <a:ext uri="{FF2B5EF4-FFF2-40B4-BE49-F238E27FC236}">
+                <a16:creationId xmlns:a16="http://schemas.microsoft.com/office/drawing/2014/main" xmlns="" id="{0FD1B242-348C-4691-BD1A-EAC1A01409C8}"/>
+              </a:ext>
+            </a:extLst>
+          </p:cNvPr>
+          <p:cNvSpPr/>
+          <p:nvPr/>
+        </p:nvSpPr>
+        <p:spPr>
+          <a:xfrm>
+            <a:off x="17473100" y="3355270"/>
+            <a:ext cx="2115918" cy="1080000"/>
+          </a:xfrm>
+          <a:prstGeom prst="rect">
+            <a:avLst/>
+          </a:prstGeom>
+          <a:ln w="28575"/>
+        </p:spPr>
+        <p:style>
+          <a:lnRef idx="2">
+            <a:schemeClr val="accent1"/>
+          </a:lnRef>
+          <a:fillRef idx="1">
+            <a:schemeClr val="lt1"/>
+          </a:fillRef>
+          <a:effectRef idx="0">
+            <a:schemeClr val="accent1"/>
+          </a:effectRef>
+          <a:fontRef idx="minor">
+            <a:schemeClr val="dk1"/>
+          </a:fontRef>
+        </p:style>
+        <p:txBody>
+          <a:bodyPr lIns="124733" tIns="62367" rIns="124733" bIns="62367" rtlCol="0" anchor="ctr"/>
+          <a:lstStyle/>
+          <a:p>
+            <a:pPr algn="ctr"/>
+            <a:r>
+              <a:rPr lang="ru-RU" sz="1400" dirty="0"/>
+              <a:t>Денонсация </a:t>
+            </a:r>
+            <a:r>
+              <a:rPr lang="ru-RU" sz="1400" dirty="0" err="1"/>
+              <a:t>Локарнского</a:t>
+            </a:r>
+            <a:r>
+              <a:rPr lang="ru-RU" sz="1400" dirty="0"/>
+              <a:t> соглашения(1936) </a:t>
+            </a:r>
+            <a:r>
+              <a:rPr lang="ru-RU" sz="600" dirty="0"/>
+              <a:t>(1936.10.14 Правительство Бельгии денонсировало военный союз с Францией и заявило об отказе от своих обязательств по </a:t>
+            </a:r>
+            <a:r>
+              <a:rPr lang="ru-RU" sz="600" dirty="0" err="1"/>
+              <a:t>Локарнским</a:t>
+            </a:r>
+            <a:r>
+              <a:rPr lang="ru-RU" sz="600" dirty="0"/>
+              <a:t> соглашениям 1925 года. Король Леопольд III объявил о возвращении к политике нейтралитета.</a:t>
+            </a:r>
+            <a:endParaRPr lang="ru-RU" sz="1400" dirty="0"/>
+          </a:p>
+        </p:txBody>
+      </p:sp>
+      <p:sp>
+        <p:nvSpPr>
+          <p:cNvPr id="134" name="Прямоугольник 133">
+            <a:extLst>
+              <a:ext uri="{FF2B5EF4-FFF2-40B4-BE49-F238E27FC236}">
+                <a16:creationId xmlns:a16="http://schemas.microsoft.com/office/drawing/2014/main" xmlns="" id="{36AADC54-76EE-4E99-BA06-5F0E3BC28A8E}"/>
+              </a:ext>
+            </a:extLst>
+          </p:cNvPr>
+          <p:cNvSpPr/>
+          <p:nvPr/>
+        </p:nvSpPr>
+        <p:spPr>
+          <a:xfrm>
+            <a:off x="158866" y="1785375"/>
+            <a:ext cx="2115918" cy="1080000"/>
+          </a:xfrm>
+          <a:prstGeom prst="rect">
+            <a:avLst/>
+          </a:prstGeom>
+          <a:solidFill>
+            <a:srgbClr val="FFC000"/>
+          </a:solidFill>
+          <a:ln w="28575"/>
+        </p:spPr>
+        <p:style>
+          <a:lnRef idx="2">
+            <a:schemeClr val="accent1"/>
+          </a:lnRef>
+          <a:fillRef idx="1">
+            <a:schemeClr val="lt1"/>
+          </a:fillRef>
+          <a:effectRef idx="0">
+            <a:schemeClr val="accent1"/>
+          </a:effectRef>
+          <a:fontRef idx="minor">
+            <a:schemeClr val="dk1"/>
+          </a:fontRef>
+        </p:style>
+        <p:txBody>
+          <a:bodyPr lIns="124733" tIns="62367" rIns="124733" bIns="62367" rtlCol="0" anchor="ctr"/>
+          <a:lstStyle/>
+          <a:p>
+            <a:pPr algn="ctr"/>
+            <a:r>
+              <a:rPr lang="ru-RU" sz="1400" dirty="0" smtClean="0"/>
+              <a:t>Поддержка перманентной революции</a:t>
+            </a:r>
+            <a:endParaRPr lang="ru-RU" sz="1400" dirty="0"/>
+          </a:p>
+        </p:txBody>
+      </p:sp>
+      <p:sp>
+        <p:nvSpPr>
+          <p:cNvPr id="136" name="Прямоугольник 135">
+            <a:extLst>
+              <a:ext uri="{FF2B5EF4-FFF2-40B4-BE49-F238E27FC236}">
+                <a16:creationId xmlns:a16="http://schemas.microsoft.com/office/drawing/2014/main" xmlns="" id="{36AADC54-76EE-4E99-BA06-5F0E3BC28A8E}"/>
+              </a:ext>
+            </a:extLst>
+          </p:cNvPr>
+          <p:cNvSpPr/>
+          <p:nvPr/>
+        </p:nvSpPr>
+        <p:spPr>
+          <a:xfrm>
+            <a:off x="158866" y="3265914"/>
+            <a:ext cx="2115918" cy="1080000"/>
+          </a:xfrm>
+          <a:prstGeom prst="rect">
+            <a:avLst/>
+          </a:prstGeom>
+          <a:solidFill>
+            <a:srgbClr val="FFC000"/>
+          </a:solidFill>
+          <a:ln w="28575"/>
+        </p:spPr>
+        <p:style>
+          <a:lnRef idx="2">
+            <a:schemeClr val="accent1"/>
+          </a:lnRef>
+          <a:fillRef idx="1">
+            <a:schemeClr val="lt1"/>
+          </a:fillRef>
+          <a:effectRef idx="0">
+            <a:schemeClr val="accent1"/>
+          </a:effectRef>
+          <a:fontRef idx="minor">
+            <a:schemeClr val="dk1"/>
+          </a:fontRef>
+        </p:style>
+        <p:txBody>
+          <a:bodyPr lIns="124733" tIns="62367" rIns="124733" bIns="62367" rtlCol="0" anchor="ctr"/>
+          <a:lstStyle/>
+          <a:p>
+            <a:pPr algn="ctr"/>
+            <a:r>
+              <a:rPr lang="ru-RU" sz="1400" dirty="0"/>
+              <a:t>создание и расширение рабочих советов</a:t>
+            </a:r>
+          </a:p>
+        </p:txBody>
+      </p:sp>
+      <p:sp>
+        <p:nvSpPr>
+          <p:cNvPr id="137" name="Прямоугольник 136">
+            <a:extLst>
+              <a:ext uri="{FF2B5EF4-FFF2-40B4-BE49-F238E27FC236}">
+                <a16:creationId xmlns:a16="http://schemas.microsoft.com/office/drawing/2014/main" xmlns="" id="{36AADC54-76EE-4E99-BA06-5F0E3BC28A8E}"/>
+              </a:ext>
+            </a:extLst>
+          </p:cNvPr>
+          <p:cNvSpPr/>
+          <p:nvPr/>
+        </p:nvSpPr>
+        <p:spPr>
+          <a:xfrm>
+            <a:off x="158866" y="4509688"/>
+            <a:ext cx="2115918" cy="1080000"/>
+          </a:xfrm>
+          <a:prstGeom prst="rect">
+            <a:avLst/>
+          </a:prstGeom>
+          <a:solidFill>
+            <a:srgbClr val="FFC000"/>
+          </a:solidFill>
+          <a:ln w="28575"/>
+        </p:spPr>
+        <p:style>
+          <a:lnRef idx="2">
+            <a:schemeClr val="accent1"/>
+          </a:lnRef>
+          <a:fillRef idx="1">
+            <a:schemeClr val="lt1"/>
+          </a:fillRef>
+          <a:effectRef idx="0">
+            <a:schemeClr val="accent1"/>
+          </a:effectRef>
+          <a:fontRef idx="minor">
+            <a:schemeClr val="dk1"/>
+          </a:fontRef>
+        </p:style>
+        <p:txBody>
+          <a:bodyPr lIns="124733" tIns="62367" rIns="124733" bIns="62367" rtlCol="0" anchor="ctr"/>
+          <a:lstStyle/>
+          <a:p>
+            <a:pPr algn="ctr"/>
+            <a:r>
+              <a:rPr lang="ru-RU" sz="1400" dirty="0"/>
+              <a:t>революционный интернационализм</a:t>
+            </a:r>
+          </a:p>
+        </p:txBody>
+      </p:sp>
+      <p:sp>
+        <p:nvSpPr>
+          <p:cNvPr id="139" name="Прямоугольник 138">
+            <a:extLst>
+              <a:ext uri="{FF2B5EF4-FFF2-40B4-BE49-F238E27FC236}">
+                <a16:creationId xmlns:a16="http://schemas.microsoft.com/office/drawing/2014/main" xmlns="" id="{36AADC54-76EE-4E99-BA06-5F0E3BC28A8E}"/>
+              </a:ext>
+            </a:extLst>
+          </p:cNvPr>
+          <p:cNvSpPr/>
+          <p:nvPr/>
+        </p:nvSpPr>
+        <p:spPr>
+          <a:xfrm>
+            <a:off x="1369225" y="417319"/>
+            <a:ext cx="2115918" cy="1080000"/>
+          </a:xfrm>
+          <a:prstGeom prst="rect">
+            <a:avLst/>
+          </a:prstGeom>
+          <a:solidFill>
+            <a:srgbClr val="FFC000"/>
+          </a:solidFill>
+          <a:ln w="28575"/>
+        </p:spPr>
+        <p:style>
+          <a:lnRef idx="2">
+            <a:schemeClr val="accent1"/>
+          </a:lnRef>
+          <a:fillRef idx="1">
+            <a:schemeClr val="lt1"/>
+          </a:fillRef>
+          <a:effectRef idx="0">
+            <a:schemeClr val="accent1"/>
+          </a:effectRef>
+          <a:fontRef idx="minor">
+            <a:schemeClr val="dk1"/>
+          </a:fontRef>
+        </p:style>
+        <p:txBody>
+          <a:bodyPr lIns="124733" tIns="62367" rIns="124733" bIns="62367" rtlCol="0" anchor="ctr"/>
+          <a:lstStyle/>
+          <a:p>
+            <a:pPr algn="ctr"/>
+            <a:r>
+              <a:rPr lang="en-US" sz="1400" dirty="0" err="1"/>
+              <a:t>Revolutionair</a:t>
+            </a:r>
+            <a:r>
+              <a:rPr lang="en-US" sz="1400" dirty="0"/>
+              <a:t> </a:t>
+            </a:r>
+            <a:r>
+              <a:rPr lang="en-US" sz="1400" dirty="0" err="1"/>
+              <a:t>Socialistische</a:t>
+            </a:r>
+            <a:r>
+              <a:rPr lang="en-US" sz="1400" dirty="0"/>
+              <a:t> </a:t>
+            </a:r>
+            <a:r>
+              <a:rPr lang="en-US" sz="1400" dirty="0" err="1"/>
+              <a:t>Partij</a:t>
+            </a:r>
+            <a:endParaRPr lang="ru-RU" sz="1400" dirty="0"/>
+          </a:p>
+        </p:txBody>
+      </p:sp>
+      <p:sp>
+        <p:nvSpPr>
+          <p:cNvPr id="140" name="Прямоугольник 139">
+            <a:extLst>
+              <a:ext uri="{FF2B5EF4-FFF2-40B4-BE49-F238E27FC236}">
+                <a16:creationId xmlns:a16="http://schemas.microsoft.com/office/drawing/2014/main" xmlns="" id="{BFFDACAE-3D8D-4C1F-B11E-B6E1EE53BEF7}"/>
+              </a:ext>
+            </a:extLst>
+          </p:cNvPr>
+          <p:cNvSpPr/>
+          <p:nvPr/>
+        </p:nvSpPr>
+        <p:spPr>
+          <a:xfrm>
+            <a:off x="25059003" y="1838577"/>
+            <a:ext cx="2115918" cy="1080000"/>
+          </a:xfrm>
+          <a:prstGeom prst="rect">
+            <a:avLst/>
+          </a:prstGeom>
+          <a:solidFill>
+            <a:schemeClr val="accent2">
+              <a:lumMod val="60000"/>
+              <a:lumOff val="40000"/>
+            </a:schemeClr>
+          </a:solidFill>
+          <a:ln w="28575"/>
+        </p:spPr>
+        <p:style>
+          <a:lnRef idx="2">
+            <a:schemeClr val="accent1"/>
+          </a:lnRef>
+          <a:fillRef idx="1">
+            <a:schemeClr val="lt1"/>
+          </a:fillRef>
+          <a:effectRef idx="0">
+            <a:schemeClr val="accent1"/>
+          </a:effectRef>
+          <a:fontRef idx="minor">
+            <a:schemeClr val="dk1"/>
+          </a:fontRef>
+        </p:style>
+        <p:txBody>
+          <a:bodyPr lIns="124733" tIns="62367" rIns="124733" bIns="62367" rtlCol="0" anchor="ctr"/>
+          <a:lstStyle/>
+          <a:p>
+            <a:pPr algn="ctr"/>
+            <a:r>
+              <a:rPr lang="en-US" sz="1400" dirty="0" err="1"/>
+              <a:t>Verbond</a:t>
+            </a:r>
+            <a:r>
+              <a:rPr lang="en-US" sz="1400" dirty="0"/>
+              <a:t> van </a:t>
+            </a:r>
+            <a:r>
+              <a:rPr lang="en-US" sz="1400" dirty="0" err="1"/>
+              <a:t>Dietsche</a:t>
+            </a:r>
+            <a:r>
+              <a:rPr lang="en-US" sz="1400" dirty="0"/>
+              <a:t> </a:t>
+            </a:r>
+            <a:r>
+              <a:rPr lang="en-US" sz="1400" dirty="0" err="1" smtClean="0"/>
+              <a:t>Nationaalsolidaristen</a:t>
+            </a:r>
+            <a:r>
+              <a:rPr lang="ru-RU" sz="1400" dirty="0" smtClean="0"/>
+              <a:t> (</a:t>
+            </a:r>
+            <a:r>
+              <a:rPr lang="ru-RU" sz="1400" dirty="0" err="1" smtClean="0"/>
+              <a:t>подъидеология</a:t>
+            </a:r>
+            <a:r>
+              <a:rPr lang="ru-RU" sz="1400" dirty="0" smtClean="0"/>
+              <a:t> </a:t>
+            </a:r>
+            <a:r>
+              <a:rPr lang="ru-RU" sz="1400" dirty="0" err="1" smtClean="0"/>
+              <a:t>Солидаризм</a:t>
+            </a:r>
+            <a:r>
+              <a:rPr lang="ru-RU" sz="1400" dirty="0" smtClean="0"/>
+              <a:t>)</a:t>
+            </a:r>
+            <a:endParaRPr lang="ru-RU" sz="1400" dirty="0"/>
+          </a:p>
+        </p:txBody>
+      </p:sp>
+      <p:sp>
+        <p:nvSpPr>
+          <p:cNvPr id="142" name="Прямоугольник 141">
+            <a:extLst>
+              <a:ext uri="{FF2B5EF4-FFF2-40B4-BE49-F238E27FC236}">
+                <a16:creationId xmlns:a16="http://schemas.microsoft.com/office/drawing/2014/main" xmlns="" id="{BFFDACAE-3D8D-4C1F-B11E-B6E1EE53BEF7}"/>
+              </a:ext>
+            </a:extLst>
+          </p:cNvPr>
+          <p:cNvSpPr/>
+          <p:nvPr/>
+        </p:nvSpPr>
+        <p:spPr>
+          <a:xfrm>
+            <a:off x="22943085" y="3355270"/>
+            <a:ext cx="2115918" cy="1080000"/>
+          </a:xfrm>
+          <a:prstGeom prst="rect">
+            <a:avLst/>
+          </a:prstGeom>
+          <a:solidFill>
+            <a:schemeClr val="accent2">
+              <a:lumMod val="60000"/>
+              <a:lumOff val="40000"/>
+            </a:schemeClr>
+          </a:solidFill>
+          <a:ln w="28575"/>
+        </p:spPr>
+        <p:style>
+          <a:lnRef idx="2">
+            <a:schemeClr val="accent1"/>
+          </a:lnRef>
+          <a:fillRef idx="1">
+            <a:schemeClr val="lt1"/>
+          </a:fillRef>
+          <a:effectRef idx="0">
+            <a:schemeClr val="accent1"/>
+          </a:effectRef>
+          <a:fontRef idx="minor">
+            <a:schemeClr val="dk1"/>
+          </a:fontRef>
+        </p:style>
+        <p:txBody>
+          <a:bodyPr lIns="124733" tIns="62367" rIns="124733" bIns="62367" rtlCol="0" anchor="ctr"/>
+          <a:lstStyle/>
+          <a:p>
+            <a:pPr algn="ctr"/>
+            <a:r>
+              <a:rPr lang="ru-RU" sz="1400" dirty="0"/>
+              <a:t>Классовое примирение </a:t>
+            </a:r>
+            <a:r>
+              <a:rPr lang="ru-RU" sz="600" dirty="0"/>
+              <a:t>(антимарксистская: отвергает классовую борьбу Карла Маркса , сводя к минимуму классовые интересы как причину социальной борьбы и всегда стремясь к классовому примирению . Рассматривая каждый класс как часть гармоничного общества, подобно тому как каждый орган является частью биологического тела , солидарность стремится к обществу, которое избегает как можно большего количества конфликтов.)</a:t>
+            </a:r>
+          </a:p>
+        </p:txBody>
+      </p:sp>
+      <p:sp>
+        <p:nvSpPr>
+          <p:cNvPr id="143" name="Прямоугольник 142">
+            <a:extLst>
+              <a:ext uri="{FF2B5EF4-FFF2-40B4-BE49-F238E27FC236}">
+                <a16:creationId xmlns:a16="http://schemas.microsoft.com/office/drawing/2014/main" xmlns="" id="{BFFDACAE-3D8D-4C1F-B11E-B6E1EE53BEF7}"/>
+              </a:ext>
+            </a:extLst>
+          </p:cNvPr>
+          <p:cNvSpPr/>
+          <p:nvPr/>
+        </p:nvSpPr>
+        <p:spPr>
+          <a:xfrm>
+            <a:off x="27174921" y="3297437"/>
+            <a:ext cx="2115918" cy="1080000"/>
+          </a:xfrm>
+          <a:prstGeom prst="rect">
+            <a:avLst/>
+          </a:prstGeom>
+          <a:solidFill>
+            <a:schemeClr val="accent2">
+              <a:lumMod val="60000"/>
+              <a:lumOff val="40000"/>
+            </a:schemeClr>
+          </a:solidFill>
+          <a:ln w="28575"/>
+        </p:spPr>
+        <p:style>
+          <a:lnRef idx="2">
+            <a:schemeClr val="accent1"/>
+          </a:lnRef>
+          <a:fillRef idx="1">
+            <a:schemeClr val="lt1"/>
+          </a:fillRef>
+          <a:effectRef idx="0">
+            <a:schemeClr val="accent1"/>
+          </a:effectRef>
+          <a:fontRef idx="minor">
+            <a:schemeClr val="dk1"/>
+          </a:fontRef>
+        </p:style>
+        <p:txBody>
+          <a:bodyPr lIns="124733" tIns="62367" rIns="124733" bIns="62367" rtlCol="0" anchor="ctr"/>
+          <a:lstStyle/>
+          <a:p>
+            <a:pPr algn="ctr"/>
+            <a:r>
+              <a:rPr lang="ru-RU" sz="1400" dirty="0" smtClean="0"/>
+              <a:t>Поощрение </a:t>
+            </a:r>
+            <a:r>
+              <a:rPr lang="ru-RU" sz="1400" dirty="0"/>
+              <a:t>общественной жизни </a:t>
+            </a:r>
+            <a:r>
+              <a:rPr lang="ru-RU" sz="600" dirty="0"/>
+              <a:t>(антикапиталистический: крайности капитализма , в частности, социальное неравенство, возникающее в результате экономической эксплуатации, и индивидуализм , возникающий в результате конкуренции, </a:t>
+            </a:r>
+            <a:r>
+              <a:rPr lang="ru-RU" sz="600" dirty="0" err="1"/>
+              <a:t>солидаризм</a:t>
+            </a:r>
+            <a:r>
+              <a:rPr lang="ru-RU" sz="600" dirty="0"/>
+              <a:t> стремится бороться, поощряя обширную общественную жизнь.)</a:t>
+            </a:r>
+          </a:p>
+        </p:txBody>
+      </p:sp>
+      <p:sp>
+        <p:nvSpPr>
+          <p:cNvPr id="145" name="Прямоугольник 144">
+            <a:extLst>
+              <a:ext uri="{FF2B5EF4-FFF2-40B4-BE49-F238E27FC236}">
+                <a16:creationId xmlns:a16="http://schemas.microsoft.com/office/drawing/2014/main" xmlns="" id="{BFFDACAE-3D8D-4C1F-B11E-B6E1EE53BEF7}"/>
+              </a:ext>
+            </a:extLst>
+          </p:cNvPr>
+          <p:cNvSpPr/>
+          <p:nvPr/>
+        </p:nvSpPr>
+        <p:spPr>
+          <a:xfrm>
+            <a:off x="25059003" y="3338514"/>
+            <a:ext cx="2115918" cy="1080000"/>
+          </a:xfrm>
+          <a:prstGeom prst="rect">
+            <a:avLst/>
+          </a:prstGeom>
+          <a:solidFill>
+            <a:schemeClr val="accent2">
+              <a:lumMod val="60000"/>
+              <a:lumOff val="40000"/>
+            </a:schemeClr>
+          </a:solidFill>
+          <a:ln w="28575"/>
+        </p:spPr>
+        <p:style>
+          <a:lnRef idx="2">
+            <a:schemeClr val="accent1"/>
+          </a:lnRef>
+          <a:fillRef idx="1">
+            <a:schemeClr val="lt1"/>
+          </a:fillRef>
+          <a:effectRef idx="0">
+            <a:schemeClr val="accent1"/>
+          </a:effectRef>
+          <a:fontRef idx="minor">
+            <a:schemeClr val="dk1"/>
+          </a:fontRef>
+        </p:style>
+        <p:txBody>
+          <a:bodyPr lIns="124733" tIns="62367" rIns="124733" bIns="62367" rtlCol="0" anchor="ctr"/>
+          <a:lstStyle/>
+          <a:p>
+            <a:pPr algn="ctr"/>
+            <a:r>
+              <a:rPr lang="ru-RU" sz="1400" dirty="0" err="1" smtClean="0"/>
+              <a:t>Корпоративистская</a:t>
+            </a:r>
+            <a:r>
+              <a:rPr lang="ru-RU" sz="1400" dirty="0" smtClean="0"/>
+              <a:t> реорганизация </a:t>
+            </a:r>
+            <a:r>
+              <a:rPr lang="ru-RU" sz="1400" dirty="0"/>
+              <a:t>государства </a:t>
+            </a:r>
+            <a:r>
+              <a:rPr lang="ru-RU" sz="500" dirty="0"/>
+              <a:t>(Антисемитская и </a:t>
+            </a:r>
+            <a:r>
+              <a:rPr lang="ru-RU" sz="500" dirty="0" err="1"/>
+              <a:t>антипарламентская</a:t>
+            </a:r>
+            <a:r>
+              <a:rPr lang="ru-RU" sz="500" dirty="0"/>
+              <a:t> организация проводила </a:t>
+            </a:r>
+            <a:r>
+              <a:rPr lang="ru-RU" sz="500" dirty="0" err="1"/>
+              <a:t>корпоративистскую</a:t>
+            </a:r>
+            <a:r>
+              <a:rPr lang="ru-RU" sz="500" dirty="0"/>
+              <a:t> реорганизацию государства и общества в соответствии с органически- </a:t>
+            </a:r>
+            <a:r>
+              <a:rPr lang="ru-RU" sz="500" dirty="0" err="1"/>
+              <a:t>солидаристской</a:t>
+            </a:r>
+            <a:r>
+              <a:rPr lang="ru-RU" sz="500" dirty="0"/>
+              <a:t> доктриной)</a:t>
+            </a:r>
+          </a:p>
+        </p:txBody>
+      </p:sp>
+      <p:sp>
+        <p:nvSpPr>
+          <p:cNvPr id="146" name="Прямоугольник 145">
+            <a:extLst>
+              <a:ext uri="{FF2B5EF4-FFF2-40B4-BE49-F238E27FC236}">
+                <a16:creationId xmlns:a16="http://schemas.microsoft.com/office/drawing/2014/main" xmlns="" id="{BFFDACAE-3D8D-4C1F-B11E-B6E1EE53BEF7}"/>
+              </a:ext>
+            </a:extLst>
+          </p:cNvPr>
+          <p:cNvSpPr/>
+          <p:nvPr/>
+        </p:nvSpPr>
+        <p:spPr>
+          <a:xfrm>
+            <a:off x="22943085" y="4857884"/>
+            <a:ext cx="2115918" cy="1080000"/>
+          </a:xfrm>
+          <a:prstGeom prst="rect">
+            <a:avLst/>
+          </a:prstGeom>
+          <a:solidFill>
+            <a:schemeClr val="accent2">
+              <a:lumMod val="60000"/>
+              <a:lumOff val="40000"/>
+            </a:schemeClr>
+          </a:solidFill>
+          <a:ln w="28575"/>
+        </p:spPr>
+        <p:style>
+          <a:lnRef idx="2">
+            <a:schemeClr val="accent1"/>
+          </a:lnRef>
+          <a:fillRef idx="1">
+            <a:schemeClr val="lt1"/>
+          </a:fillRef>
+          <a:effectRef idx="0">
+            <a:schemeClr val="accent1"/>
+          </a:effectRef>
+          <a:fontRef idx="minor">
+            <a:schemeClr val="dk1"/>
+          </a:fontRef>
+        </p:style>
+        <p:txBody>
+          <a:bodyPr lIns="124733" tIns="62367" rIns="124733" bIns="62367" rtlCol="0" anchor="ctr"/>
+          <a:lstStyle/>
+          <a:p>
+            <a:pPr algn="ctr"/>
+            <a:r>
+              <a:rPr lang="en-US" sz="1400" dirty="0" err="1"/>
+              <a:t>Dietsche</a:t>
+            </a:r>
+            <a:r>
+              <a:rPr lang="en-US" sz="1400" dirty="0"/>
+              <a:t> </a:t>
+            </a:r>
+            <a:r>
+              <a:rPr lang="en-US" sz="1400" dirty="0" err="1"/>
+              <a:t>Rijk</a:t>
+            </a:r>
+            <a:r>
+              <a:rPr lang="en-US" sz="1400" dirty="0"/>
+              <a:t> der </a:t>
+            </a:r>
+            <a:r>
+              <a:rPr lang="en-US" sz="1400" dirty="0" err="1" smtClean="0"/>
+              <a:t>Nederlanden</a:t>
+            </a:r>
+            <a:r>
+              <a:rPr lang="ru-RU" sz="1400" dirty="0" smtClean="0"/>
+              <a:t> </a:t>
+            </a:r>
+            <a:r>
+              <a:rPr lang="ru-RU" sz="500" dirty="0" smtClean="0"/>
+              <a:t>На </a:t>
+            </a:r>
+            <a:r>
+              <a:rPr lang="ru-RU" sz="500" dirty="0"/>
+              <a:t>политическом уровне первоначальной целью было объединение Нидерландов, </a:t>
+            </a:r>
+            <a:r>
+              <a:rPr lang="ru-RU" sz="500" dirty="0">
+                <a:hlinkClick r:id="rId4" tooltip="Фландрия"/>
+              </a:rPr>
+              <a:t>Фландрии</a:t>
+            </a:r>
+            <a:r>
+              <a:rPr lang="ru-RU" sz="500" dirty="0"/>
+              <a:t> и </a:t>
+            </a:r>
+            <a:r>
+              <a:rPr lang="ru-RU" sz="500" dirty="0">
+                <a:hlinkClick r:id="rId5" tooltip="Французская Фландрия"/>
+              </a:rPr>
+              <a:t>Французской Фландрии</a:t>
+            </a:r>
+            <a:r>
+              <a:rPr lang="ru-RU" sz="500" dirty="0"/>
+              <a:t> , но с 1934 года и далее слияние Нидерландов со всей Бельгией и Люксембургом в новое государство, которое должно было быть создано: </a:t>
+            </a:r>
+            <a:r>
+              <a:rPr lang="ru-RU" sz="500" dirty="0" err="1"/>
+              <a:t>Dietsche</a:t>
+            </a:r>
+            <a:r>
+              <a:rPr lang="ru-RU" sz="500" dirty="0"/>
+              <a:t> </a:t>
+            </a:r>
+            <a:r>
+              <a:rPr lang="ru-RU" sz="500" dirty="0" err="1"/>
+              <a:t>Rijk</a:t>
+            </a:r>
+            <a:r>
+              <a:rPr lang="ru-RU" sz="500" dirty="0"/>
+              <a:t> </a:t>
+            </a:r>
+            <a:r>
+              <a:rPr lang="ru-RU" sz="500" i="1" dirty="0" err="1"/>
+              <a:t>der</a:t>
+            </a:r>
+            <a:r>
+              <a:rPr lang="ru-RU" sz="500" i="1" dirty="0"/>
+              <a:t> </a:t>
+            </a:r>
+            <a:r>
+              <a:rPr lang="ru-RU" sz="500" i="1" dirty="0" err="1"/>
+              <a:t>Nederlanden</a:t>
+            </a:r>
+            <a:r>
+              <a:rPr lang="ru-RU" sz="500" dirty="0"/>
+              <a:t> .</a:t>
+            </a:r>
+          </a:p>
+        </p:txBody>
+      </p:sp>
+      <p:sp>
+        <p:nvSpPr>
+          <p:cNvPr id="148" name="Прямоугольник 147">
+            <a:extLst>
+              <a:ext uri="{FF2B5EF4-FFF2-40B4-BE49-F238E27FC236}">
+                <a16:creationId xmlns:a16="http://schemas.microsoft.com/office/drawing/2014/main" xmlns="" id="{BFFDACAE-3D8D-4C1F-B11E-B6E1EE53BEF7}"/>
+              </a:ext>
+            </a:extLst>
+          </p:cNvPr>
+          <p:cNvSpPr/>
+          <p:nvPr/>
+        </p:nvSpPr>
+        <p:spPr>
+          <a:xfrm>
+            <a:off x="21319848" y="6328244"/>
+            <a:ext cx="2115918" cy="1080000"/>
+          </a:xfrm>
+          <a:prstGeom prst="rect">
+            <a:avLst/>
+          </a:prstGeom>
+          <a:solidFill>
+            <a:schemeClr val="accent2">
+              <a:lumMod val="60000"/>
+              <a:lumOff val="40000"/>
+            </a:schemeClr>
+          </a:solidFill>
+          <a:ln w="28575"/>
+        </p:spPr>
+        <p:style>
+          <a:lnRef idx="2">
+            <a:schemeClr val="accent1"/>
+          </a:lnRef>
+          <a:fillRef idx="1">
+            <a:schemeClr val="lt1"/>
+          </a:fillRef>
+          <a:effectRef idx="0">
+            <a:schemeClr val="accent1"/>
+          </a:effectRef>
+          <a:fontRef idx="minor">
+            <a:schemeClr val="dk1"/>
+          </a:fontRef>
+        </p:style>
+        <p:txBody>
+          <a:bodyPr lIns="124733" tIns="62367" rIns="124733" bIns="62367" rtlCol="0" anchor="ctr"/>
+          <a:lstStyle/>
+          <a:p>
+            <a:pPr algn="ctr"/>
+            <a:r>
+              <a:rPr lang="ru-RU" sz="1400" dirty="0" smtClean="0"/>
+              <a:t>Расширение </a:t>
+            </a:r>
+            <a:r>
+              <a:rPr lang="ru-RU" sz="1400" dirty="0"/>
+              <a:t>на запад </a:t>
+            </a:r>
+            <a:r>
+              <a:rPr lang="ru-RU" sz="500" dirty="0"/>
+              <a:t>(Под влиянием усиливающихся репрессий со стороны Бельгии , таких как исключение синдиката </a:t>
+            </a:r>
+            <a:r>
+              <a:rPr lang="ru-RU" sz="500" dirty="0" err="1"/>
+              <a:t>Вердинасо</a:t>
+            </a:r>
+            <a:r>
+              <a:rPr lang="ru-RU" sz="500" dirty="0"/>
+              <a:t> и обыски в домах политических лидеров, Ван </a:t>
+            </a:r>
+            <a:r>
+              <a:rPr lang="ru-RU" sz="500" dirty="0" err="1"/>
+              <a:t>Северен</a:t>
+            </a:r>
+            <a:r>
+              <a:rPr lang="ru-RU" sz="500" dirty="0"/>
+              <a:t> отвернулся от </a:t>
+            </a:r>
+            <a:r>
+              <a:rPr lang="ru-RU" sz="500" dirty="0" err="1"/>
+              <a:t>антибельгийства</a:t>
+            </a:r>
+            <a:r>
+              <a:rPr lang="ru-RU" sz="500" dirty="0"/>
+              <a:t> . 14 июля 1934 года было провозглашено Новое мартовское направление , отказавшееся от радикального </a:t>
+            </a:r>
+            <a:r>
+              <a:rPr lang="ru-RU" sz="500" dirty="0" err="1"/>
+              <a:t>антибельгийства</a:t>
+            </a:r>
+            <a:r>
+              <a:rPr lang="ru-RU" sz="500" dirty="0"/>
+              <a:t> и расширившее цель до воссоединения Бельгии , Нидерландов , Люксембурга и Французской Фландрии под авторитарным правительством во главе с королем.)</a:t>
+            </a:r>
+            <a:endParaRPr lang="ru-RU" sz="500" dirty="0" smtClean="0"/>
+          </a:p>
+        </p:txBody>
+      </p:sp>
+      <p:sp>
+        <p:nvSpPr>
+          <p:cNvPr id="149" name="Прямоугольник 148">
+            <a:extLst>
+              <a:ext uri="{FF2B5EF4-FFF2-40B4-BE49-F238E27FC236}">
+                <a16:creationId xmlns:a16="http://schemas.microsoft.com/office/drawing/2014/main" xmlns="" id="{BFFDACAE-3D8D-4C1F-B11E-B6E1EE53BEF7}"/>
+              </a:ext>
+            </a:extLst>
+          </p:cNvPr>
+          <p:cNvSpPr/>
+          <p:nvPr/>
+        </p:nvSpPr>
+        <p:spPr>
+          <a:xfrm>
+            <a:off x="24109123" y="6361037"/>
+            <a:ext cx="2115918" cy="1080000"/>
+          </a:xfrm>
+          <a:prstGeom prst="rect">
+            <a:avLst/>
+          </a:prstGeom>
+          <a:solidFill>
+            <a:schemeClr val="accent2">
+              <a:lumMod val="60000"/>
+              <a:lumOff val="40000"/>
+            </a:schemeClr>
+          </a:solidFill>
+          <a:ln w="28575"/>
+        </p:spPr>
+        <p:style>
+          <a:lnRef idx="2">
+            <a:schemeClr val="accent1"/>
+          </a:lnRef>
+          <a:fillRef idx="1">
+            <a:schemeClr val="lt1"/>
+          </a:fillRef>
+          <a:effectRef idx="0">
+            <a:schemeClr val="accent1"/>
+          </a:effectRef>
+          <a:fontRef idx="minor">
+            <a:schemeClr val="dk1"/>
+          </a:fontRef>
+        </p:style>
+        <p:txBody>
+          <a:bodyPr lIns="124733" tIns="62367" rIns="124733" bIns="62367" rtlCol="0" anchor="ctr"/>
+          <a:lstStyle/>
+          <a:p>
+            <a:pPr algn="ctr"/>
+            <a:r>
+              <a:rPr lang="ru-RU" sz="1400" dirty="0" smtClean="0"/>
+              <a:t>Расширение на восток</a:t>
+            </a:r>
+          </a:p>
+        </p:txBody>
+      </p:sp>
+      <p:sp>
+        <p:nvSpPr>
+          <p:cNvPr id="151" name="Прямоугольник 150">
+            <a:extLst>
+              <a:ext uri="{FF2B5EF4-FFF2-40B4-BE49-F238E27FC236}">
+                <a16:creationId xmlns:a16="http://schemas.microsoft.com/office/drawing/2014/main" xmlns="" id="{BFFDACAE-3D8D-4C1F-B11E-B6E1EE53BEF7}"/>
+              </a:ext>
+            </a:extLst>
+          </p:cNvPr>
+          <p:cNvSpPr/>
+          <p:nvPr/>
+        </p:nvSpPr>
+        <p:spPr>
+          <a:xfrm>
+            <a:off x="22223654" y="1783543"/>
+            <a:ext cx="2115918" cy="1080000"/>
+          </a:xfrm>
+          <a:prstGeom prst="rect">
+            <a:avLst/>
+          </a:prstGeom>
+          <a:solidFill>
+            <a:schemeClr val="accent2">
+              <a:lumMod val="60000"/>
+              <a:lumOff val="40000"/>
+            </a:schemeClr>
+          </a:solidFill>
+          <a:ln w="28575"/>
+        </p:spPr>
+        <p:style>
+          <a:lnRef idx="2">
+            <a:schemeClr val="accent1"/>
+          </a:lnRef>
+          <a:fillRef idx="1">
+            <a:schemeClr val="lt1"/>
+          </a:fillRef>
+          <a:effectRef idx="0">
+            <a:schemeClr val="accent1"/>
+          </a:effectRef>
+          <a:fontRef idx="minor">
+            <a:schemeClr val="dk1"/>
+          </a:fontRef>
+        </p:style>
+        <p:txBody>
+          <a:bodyPr lIns="124733" tIns="62367" rIns="124733" bIns="62367" rtlCol="0" anchor="ctr"/>
+          <a:lstStyle/>
+          <a:p>
+            <a:pPr algn="ctr"/>
+            <a:r>
+              <a:rPr lang="ru-RU" sz="1400" dirty="0"/>
+              <a:t>Консервативная революция </a:t>
+            </a:r>
+            <a:r>
+              <a:rPr lang="ru-RU" sz="500" dirty="0"/>
+              <a:t>(] Ван </a:t>
+            </a:r>
+            <a:r>
+              <a:rPr lang="ru-RU" sz="500" dirty="0" err="1"/>
+              <a:t>Северен</a:t>
+            </a:r>
+            <a:r>
+              <a:rPr lang="ru-RU" sz="500" dirty="0"/>
+              <a:t> хотел сформировать ведущую элиту вместе с </a:t>
+            </a:r>
+            <a:r>
+              <a:rPr lang="ru-RU" sz="500" dirty="0" err="1"/>
+              <a:t>Вердинасо</a:t>
+            </a:r>
+            <a:r>
+              <a:rPr lang="ru-RU" sz="500" dirty="0"/>
+              <a:t> , которая бы завоевала власть в государстве своим стилем и действиями, а не свергла ее. </a:t>
+            </a:r>
+            <a:r>
+              <a:rPr lang="ru-RU" sz="500" dirty="0" err="1"/>
+              <a:t>Вердинасо</a:t>
+            </a:r>
+            <a:r>
+              <a:rPr lang="ru-RU" sz="500" dirty="0"/>
+              <a:t> склонялось к консервативной революции , точнее, к молодым консерваторам . Было также влияние националистического движения </a:t>
+            </a:r>
+            <a:r>
+              <a:rPr lang="ru-RU" sz="500" dirty="0" err="1"/>
+              <a:t>Франсез</a:t>
+            </a:r>
+            <a:r>
+              <a:rPr lang="ru-RU" sz="500" dirty="0"/>
+              <a:t> Шарля </a:t>
+            </a:r>
+            <a:r>
+              <a:rPr lang="ru-RU" sz="500" dirty="0" err="1"/>
+              <a:t>Морраса</a:t>
+            </a:r>
+            <a:r>
+              <a:rPr lang="ru-RU" sz="500" dirty="0"/>
+              <a:t> и персонализма .)</a:t>
+            </a:r>
+          </a:p>
+        </p:txBody>
+      </p:sp>
+      <p:sp>
+        <p:nvSpPr>
+          <p:cNvPr id="152" name="Прямоугольник 151">
+            <a:extLst>
+              <a:ext uri="{FF2B5EF4-FFF2-40B4-BE49-F238E27FC236}">
+                <a16:creationId xmlns:a16="http://schemas.microsoft.com/office/drawing/2014/main" xmlns="" id="{BFFDACAE-3D8D-4C1F-B11E-B6E1EE53BEF7}"/>
+              </a:ext>
+            </a:extLst>
+          </p:cNvPr>
+          <p:cNvSpPr/>
+          <p:nvPr/>
+        </p:nvSpPr>
+        <p:spPr>
+          <a:xfrm>
+            <a:off x="22943085" y="7811425"/>
+            <a:ext cx="2115918" cy="1080000"/>
+          </a:xfrm>
+          <a:prstGeom prst="rect">
+            <a:avLst/>
+          </a:prstGeom>
+          <a:solidFill>
+            <a:schemeClr val="accent2">
+              <a:lumMod val="60000"/>
+              <a:lumOff val="40000"/>
+            </a:schemeClr>
+          </a:solidFill>
+          <a:ln w="28575"/>
+        </p:spPr>
+        <p:style>
+          <a:lnRef idx="2">
+            <a:schemeClr val="accent1"/>
+          </a:lnRef>
+          <a:fillRef idx="1">
+            <a:schemeClr val="lt1"/>
+          </a:fillRef>
+          <a:effectRef idx="0">
+            <a:schemeClr val="accent1"/>
+          </a:effectRef>
+          <a:fontRef idx="minor">
+            <a:schemeClr val="dk1"/>
+          </a:fontRef>
+        </p:style>
+        <p:txBody>
+          <a:bodyPr lIns="124733" tIns="62367" rIns="124733" bIns="62367" rtlCol="0" anchor="ctr"/>
+          <a:lstStyle/>
+          <a:p>
+            <a:pPr algn="ctr"/>
+            <a:r>
+              <a:rPr lang="ru-RU" sz="1400" dirty="0" smtClean="0"/>
+              <a:t>Возродить связи </a:t>
+            </a:r>
+            <a:r>
+              <a:rPr lang="ru-RU" sz="1400" dirty="0"/>
+              <a:t>с Африканерами </a:t>
+            </a:r>
+            <a:r>
+              <a:rPr lang="ru-RU" sz="900" dirty="0"/>
+              <a:t>(Также особо упоминалась культурная и историческая связь с африканерами Южной Африки и общинами Нидерландов)</a:t>
+            </a:r>
+            <a:endParaRPr lang="ru-RU" sz="900" dirty="0" smtClean="0"/>
+          </a:p>
+        </p:txBody>
+      </p:sp>
+      <p:sp>
+        <p:nvSpPr>
+          <p:cNvPr id="153" name="Прямоугольник 152">
+            <a:extLst>
+              <a:ext uri="{FF2B5EF4-FFF2-40B4-BE49-F238E27FC236}">
+                <a16:creationId xmlns:a16="http://schemas.microsoft.com/office/drawing/2014/main" xmlns="" id="{BFFDACAE-3D8D-4C1F-B11E-B6E1EE53BEF7}"/>
+              </a:ext>
+            </a:extLst>
+          </p:cNvPr>
+          <p:cNvSpPr/>
+          <p:nvPr/>
+        </p:nvSpPr>
+        <p:spPr>
+          <a:xfrm>
+            <a:off x="27407085" y="4859674"/>
+            <a:ext cx="2115918" cy="1080000"/>
+          </a:xfrm>
+          <a:prstGeom prst="rect">
+            <a:avLst/>
+          </a:prstGeom>
+          <a:solidFill>
+            <a:schemeClr val="accent2">
+              <a:lumMod val="60000"/>
+              <a:lumOff val="40000"/>
+            </a:schemeClr>
+          </a:solidFill>
+          <a:ln w="28575"/>
+        </p:spPr>
+        <p:style>
+          <a:lnRef idx="2">
+            <a:schemeClr val="accent1"/>
+          </a:lnRef>
+          <a:fillRef idx="1">
+            <a:schemeClr val="lt1"/>
+          </a:fillRef>
+          <a:effectRef idx="0">
+            <a:schemeClr val="accent1"/>
+          </a:effectRef>
+          <a:fontRef idx="minor">
+            <a:schemeClr val="dk1"/>
+          </a:fontRef>
+        </p:style>
+        <p:txBody>
+          <a:bodyPr lIns="124733" tIns="62367" rIns="124733" bIns="62367" rtlCol="0" anchor="ctr"/>
+          <a:lstStyle/>
+          <a:p>
+            <a:pPr algn="ctr"/>
+            <a:r>
+              <a:rPr lang="ru-RU" sz="1400" dirty="0" smtClean="0"/>
+              <a:t>Поддержка от короля</a:t>
+            </a:r>
+          </a:p>
+        </p:txBody>
+      </p:sp>
+      <p:sp>
+        <p:nvSpPr>
+          <p:cNvPr id="154" name="Прямоугольник 153">
+            <a:extLst>
+              <a:ext uri="{FF2B5EF4-FFF2-40B4-BE49-F238E27FC236}">
+                <a16:creationId xmlns:a16="http://schemas.microsoft.com/office/drawing/2014/main" xmlns="" id="{BFFDACAE-3D8D-4C1F-B11E-B6E1EE53BEF7}"/>
+              </a:ext>
+            </a:extLst>
+          </p:cNvPr>
+          <p:cNvSpPr/>
+          <p:nvPr/>
+        </p:nvSpPr>
+        <p:spPr>
+          <a:xfrm>
+            <a:off x="27805748" y="1783543"/>
+            <a:ext cx="2115918" cy="1080000"/>
+          </a:xfrm>
+          <a:prstGeom prst="rect">
+            <a:avLst/>
+          </a:prstGeom>
+          <a:solidFill>
+            <a:schemeClr val="accent2">
+              <a:lumMod val="60000"/>
+              <a:lumOff val="40000"/>
+            </a:schemeClr>
+          </a:solidFill>
+          <a:ln w="28575"/>
+        </p:spPr>
+        <p:style>
+          <a:lnRef idx="2">
+            <a:schemeClr val="accent1"/>
+          </a:lnRef>
+          <a:fillRef idx="1">
+            <a:schemeClr val="lt1"/>
+          </a:fillRef>
+          <a:effectRef idx="0">
+            <a:schemeClr val="accent1"/>
+          </a:effectRef>
+          <a:fontRef idx="minor">
+            <a:schemeClr val="dk1"/>
+          </a:fontRef>
+        </p:style>
+        <p:txBody>
+          <a:bodyPr lIns="124733" tIns="62367" rIns="124733" bIns="62367" rtlCol="0" anchor="ctr"/>
+          <a:lstStyle/>
+          <a:p>
+            <a:pPr algn="ctr"/>
+            <a:r>
+              <a:rPr lang="ru-RU" sz="400" dirty="0"/>
+              <a:t> Символизм10 июля 1932 года </a:t>
+            </a:r>
+            <a:r>
+              <a:rPr lang="ru-RU" sz="400" dirty="0" err="1"/>
+              <a:t>Вердинасо</a:t>
+            </a:r>
+            <a:r>
+              <a:rPr lang="ru-RU" sz="400" dirty="0"/>
+              <a:t> в </a:t>
+            </a:r>
+            <a:r>
+              <a:rPr lang="ru-RU" sz="400" dirty="0" err="1"/>
+              <a:t>Руселаре</a:t>
+            </a:r>
+            <a:r>
+              <a:rPr lang="ru-RU" sz="400" dirty="0"/>
+              <a:t> торжественно представил свое новое знамя. [6] Флаг состоял из оранжевого фона с белым кругом в центре, изображающим переплетенный синий плуг, зубчатое колесо и вертикальный меч. Плуг символизирует сельское хозяйство, зубчатое колесо — знак промышленности, а меч — символ власти, справедливости и, прежде всего, устойчивости. Оранжевый цвет — отсылка к флагу принца Вильгельма Оранского , а синий — к голландскому морю и рекам (Шельда, Маас и Рейн). Наконец, круг символизирует стремление к автаркии или национальной самодостаточности. [7] В отличие от ВНВ , который также хотел воссоединения всего голландского народа, фламандский лев никогда не пел и не использовалась символика фламинго, такая как флаг льва. После провозглашения Нового </a:t>
+            </a:r>
+            <a:r>
+              <a:rPr lang="ru-RU" sz="400" dirty="0" err="1"/>
+              <a:t>маршевского</a:t>
+            </a:r>
+            <a:r>
+              <a:rPr lang="ru-RU" sz="400" dirty="0"/>
+              <a:t> направления флаги Бельгии, Южной Африки и Нидерландов использовались вместе с флагами провинций, но больше не использовались флаги львов. В конце концов, фламандцев считали одним целым с голландцами, </a:t>
+            </a:r>
+            <a:r>
+              <a:rPr lang="ru-RU" sz="400" dirty="0" err="1"/>
+              <a:t>дицерами</a:t>
+            </a:r>
+            <a:r>
+              <a:rPr lang="ru-RU" sz="400" dirty="0"/>
+              <a:t>.</a:t>
+            </a:r>
+          </a:p>
+        </p:txBody>
+      </p:sp>
+      <p:sp>
+        <p:nvSpPr>
+          <p:cNvPr id="155" name="Прямоугольник 154">
+            <a:extLst>
+              <a:ext uri="{FF2B5EF4-FFF2-40B4-BE49-F238E27FC236}">
+                <a16:creationId xmlns:a16="http://schemas.microsoft.com/office/drawing/2014/main" xmlns="" id="{BFFDACAE-3D8D-4C1F-B11E-B6E1EE53BEF7}"/>
+              </a:ext>
+            </a:extLst>
+          </p:cNvPr>
+          <p:cNvSpPr/>
+          <p:nvPr/>
+        </p:nvSpPr>
+        <p:spPr>
+          <a:xfrm>
+            <a:off x="27174921" y="6361037"/>
+            <a:ext cx="2115918" cy="1080000"/>
+          </a:xfrm>
+          <a:prstGeom prst="rect">
+            <a:avLst/>
+          </a:prstGeom>
+          <a:solidFill>
+            <a:schemeClr val="accent2">
+              <a:lumMod val="60000"/>
+              <a:lumOff val="40000"/>
+            </a:schemeClr>
+          </a:solidFill>
+          <a:ln w="28575"/>
+        </p:spPr>
+        <p:style>
+          <a:lnRef idx="2">
+            <a:schemeClr val="accent1"/>
+          </a:lnRef>
+          <a:fillRef idx="1">
+            <a:schemeClr val="lt1"/>
+          </a:fillRef>
+          <a:effectRef idx="0">
+            <a:schemeClr val="accent1"/>
+          </a:effectRef>
+          <a:fontRef idx="minor">
+            <a:schemeClr val="dk1"/>
+          </a:fontRef>
+        </p:style>
+        <p:txBody>
+          <a:bodyPr lIns="124733" tIns="62367" rIns="124733" bIns="62367" rtlCol="0" anchor="ctr"/>
+          <a:lstStyle/>
+          <a:p>
+            <a:pPr algn="ctr"/>
+            <a:r>
+              <a:rPr lang="en-US" sz="1400" dirty="0" err="1"/>
+              <a:t>Dinaso</a:t>
+            </a:r>
+            <a:r>
+              <a:rPr lang="en-US" sz="1400" dirty="0"/>
+              <a:t> </a:t>
+            </a:r>
+            <a:r>
+              <a:rPr lang="en-US" sz="1400" dirty="0" err="1"/>
+              <a:t>Militanten</a:t>
+            </a:r>
+            <a:r>
+              <a:rPr lang="en-US" sz="1400" dirty="0"/>
+              <a:t> </a:t>
+            </a:r>
+            <a:r>
+              <a:rPr lang="en-US" sz="1400" dirty="0" err="1"/>
+              <a:t>Orde</a:t>
+            </a:r>
+            <a:r>
+              <a:rPr lang="en-US" sz="1400" dirty="0"/>
+              <a:t> </a:t>
+            </a:r>
+            <a:r>
+              <a:rPr lang="ru-RU" sz="1400" dirty="0" smtClean="0"/>
+              <a:t> </a:t>
+            </a:r>
+            <a:r>
+              <a:rPr lang="ru-RU" sz="700" dirty="0" smtClean="0"/>
+              <a:t>(</a:t>
+            </a:r>
+            <a:r>
+              <a:rPr lang="ru-RU" sz="700" dirty="0"/>
+              <a:t>Дочерним объединением был </a:t>
+            </a:r>
+            <a:r>
+              <a:rPr lang="ru-RU" sz="700" dirty="0">
+                <a:hlinkClick r:id="rId6" tooltip="Орден боевиков Динасо (страница не существует)"/>
+              </a:rPr>
+              <a:t>Орден боевиков </a:t>
+            </a:r>
+            <a:r>
+              <a:rPr lang="ru-RU" sz="700" dirty="0" err="1">
+                <a:hlinkClick r:id="rId6" tooltip="Орден боевиков Динасо (страница не существует)"/>
+              </a:rPr>
+              <a:t>Динасо</a:t>
+            </a:r>
+            <a:r>
+              <a:rPr lang="ru-RU" sz="700" dirty="0"/>
+              <a:t> , DMO, своего рода военизированная организация. Ван </a:t>
+            </a:r>
+            <a:r>
+              <a:rPr lang="ru-RU" sz="700" dirty="0" err="1"/>
+              <a:t>Северен</a:t>
+            </a:r>
+            <a:r>
+              <a:rPr lang="ru-RU" sz="700" dirty="0"/>
+              <a:t> видел в них не только частное ополчение, но и питательную среду для того, что он считал «элитой», то есть лучшими из людей</a:t>
+            </a:r>
+            <a:r>
+              <a:rPr lang="ru-RU" sz="700" dirty="0" smtClean="0"/>
+              <a:t>.)</a:t>
+            </a:r>
+          </a:p>
+        </p:txBody>
+      </p:sp>
+      <p:sp>
+        <p:nvSpPr>
+          <p:cNvPr id="156" name="Прямоугольник 155">
+            <a:extLst>
+              <a:ext uri="{FF2B5EF4-FFF2-40B4-BE49-F238E27FC236}">
+                <a16:creationId xmlns:a16="http://schemas.microsoft.com/office/drawing/2014/main" xmlns="" id="{BFFDACAE-3D8D-4C1F-B11E-B6E1EE53BEF7}"/>
+              </a:ext>
+            </a:extLst>
+          </p:cNvPr>
+          <p:cNvSpPr/>
+          <p:nvPr/>
+        </p:nvSpPr>
+        <p:spPr>
+          <a:xfrm>
+            <a:off x="26349126" y="7764969"/>
+            <a:ext cx="2115918" cy="1080000"/>
+          </a:xfrm>
+          <a:prstGeom prst="rect">
+            <a:avLst/>
+          </a:prstGeom>
+          <a:solidFill>
+            <a:schemeClr val="accent2">
+              <a:lumMod val="60000"/>
+              <a:lumOff val="40000"/>
+            </a:schemeClr>
+          </a:solidFill>
+          <a:ln w="28575"/>
+        </p:spPr>
+        <p:style>
+          <a:lnRef idx="2">
+            <a:schemeClr val="accent1"/>
+          </a:lnRef>
+          <a:fillRef idx="1">
+            <a:schemeClr val="lt1"/>
+          </a:fillRef>
+          <a:effectRef idx="0">
+            <a:schemeClr val="accent1"/>
+          </a:effectRef>
+          <a:fontRef idx="minor">
+            <a:schemeClr val="dk1"/>
+          </a:fontRef>
+        </p:style>
+        <p:txBody>
+          <a:bodyPr lIns="124733" tIns="62367" rIns="124733" bIns="62367" rtlCol="0" anchor="ctr"/>
+          <a:lstStyle/>
+          <a:p>
+            <a:pPr algn="ctr"/>
+            <a:r>
+              <a:rPr lang="en-US" sz="1400" dirty="0" err="1" smtClean="0"/>
+              <a:t>Verdivro</a:t>
+            </a:r>
+            <a:r>
+              <a:rPr lang="ru-RU" sz="1400" dirty="0"/>
+              <a:t> (</a:t>
+            </a:r>
+            <a:r>
+              <a:rPr lang="ru-RU" sz="1400" dirty="0" err="1"/>
+              <a:t>Вердивро</a:t>
+            </a:r>
+            <a:r>
+              <a:rPr lang="ru-RU" sz="1400" dirty="0"/>
+              <a:t> , Ассоциация женщин </a:t>
+            </a:r>
+            <a:r>
+              <a:rPr lang="ru-RU" sz="1400" dirty="0" err="1"/>
+              <a:t>Дитше</a:t>
+            </a:r>
+            <a:r>
+              <a:rPr lang="ru-RU" sz="1400" dirty="0"/>
+              <a:t>)</a:t>
+            </a:r>
+            <a:endParaRPr lang="ru-RU" sz="1400" dirty="0" smtClean="0"/>
+          </a:p>
+        </p:txBody>
+      </p:sp>
+      <p:sp>
+        <p:nvSpPr>
+          <p:cNvPr id="157" name="Прямоугольник 156">
+            <a:extLst>
+              <a:ext uri="{FF2B5EF4-FFF2-40B4-BE49-F238E27FC236}">
+                <a16:creationId xmlns:a16="http://schemas.microsoft.com/office/drawing/2014/main" xmlns="" id="{BFFDACAE-3D8D-4C1F-B11E-B6E1EE53BEF7}"/>
+              </a:ext>
+            </a:extLst>
+          </p:cNvPr>
+          <p:cNvSpPr/>
+          <p:nvPr/>
+        </p:nvSpPr>
+        <p:spPr>
+          <a:xfrm>
+            <a:off x="28617444" y="7714031"/>
+            <a:ext cx="2115918" cy="1080000"/>
+          </a:xfrm>
+          <a:prstGeom prst="rect">
+            <a:avLst/>
+          </a:prstGeom>
+          <a:solidFill>
+            <a:schemeClr val="accent2">
+              <a:lumMod val="60000"/>
+              <a:lumOff val="40000"/>
+            </a:schemeClr>
+          </a:solidFill>
+          <a:ln w="28575"/>
+        </p:spPr>
+        <p:style>
+          <a:lnRef idx="2">
+            <a:schemeClr val="accent1"/>
+          </a:lnRef>
+          <a:fillRef idx="1">
+            <a:schemeClr val="lt1"/>
+          </a:fillRef>
+          <a:effectRef idx="0">
+            <a:schemeClr val="accent1"/>
+          </a:effectRef>
+          <a:fontRef idx="minor">
+            <a:schemeClr val="dk1"/>
+          </a:fontRef>
+        </p:style>
+        <p:txBody>
+          <a:bodyPr lIns="124733" tIns="62367" rIns="124733" bIns="62367" rtlCol="0" anchor="ctr"/>
+          <a:lstStyle/>
+          <a:p>
+            <a:pPr algn="ctr"/>
+            <a:r>
+              <a:rPr lang="en-US" sz="1400" dirty="0" err="1"/>
+              <a:t>Jongdinaso</a:t>
+            </a:r>
+            <a:r>
+              <a:rPr lang="ru-RU" sz="1400" dirty="0"/>
+              <a:t> (</a:t>
+            </a:r>
+            <a:r>
+              <a:rPr lang="ru-RU" sz="1400" dirty="0" err="1"/>
+              <a:t>Чондинасо</a:t>
+            </a:r>
+            <a:r>
+              <a:rPr lang="ru-RU" sz="1400" dirty="0"/>
+              <a:t> , молодежное крыло)</a:t>
+            </a:r>
+            <a:endParaRPr lang="ru-RU" sz="1400" dirty="0" smtClean="0"/>
+          </a:p>
+        </p:txBody>
+      </p:sp>
+      <p:sp>
+        <p:nvSpPr>
+          <p:cNvPr id="158" name="Прямоугольник 157">
+            <a:extLst>
+              <a:ext uri="{FF2B5EF4-FFF2-40B4-BE49-F238E27FC236}">
+                <a16:creationId xmlns:a16="http://schemas.microsoft.com/office/drawing/2014/main" xmlns="" id="{BFFDACAE-3D8D-4C1F-B11E-B6E1EE53BEF7}"/>
+              </a:ext>
+            </a:extLst>
+          </p:cNvPr>
+          <p:cNvSpPr/>
+          <p:nvPr/>
+        </p:nvSpPr>
+        <p:spPr>
+          <a:xfrm>
+            <a:off x="26349126" y="9203909"/>
+            <a:ext cx="2115918" cy="1080000"/>
+          </a:xfrm>
+          <a:prstGeom prst="rect">
+            <a:avLst/>
+          </a:prstGeom>
+          <a:solidFill>
+            <a:schemeClr val="accent2">
+              <a:lumMod val="60000"/>
+              <a:lumOff val="40000"/>
+            </a:schemeClr>
+          </a:solidFill>
+          <a:ln w="28575"/>
+        </p:spPr>
+        <p:style>
+          <a:lnRef idx="2">
+            <a:schemeClr val="accent1"/>
+          </a:lnRef>
+          <a:fillRef idx="1">
+            <a:schemeClr val="lt1"/>
+          </a:fillRef>
+          <a:effectRef idx="0">
+            <a:schemeClr val="accent1"/>
+          </a:effectRef>
+          <a:fontRef idx="minor">
+            <a:schemeClr val="dk1"/>
+          </a:fontRef>
+        </p:style>
+        <p:txBody>
+          <a:bodyPr lIns="124733" tIns="62367" rIns="124733" bIns="62367" rtlCol="0" anchor="ctr"/>
+          <a:lstStyle/>
+          <a:p>
+            <a:pPr algn="ctr"/>
+            <a:r>
+              <a:rPr lang="en-US" sz="1400" dirty="0" err="1"/>
+              <a:t>Dinaso</a:t>
+            </a:r>
+            <a:r>
+              <a:rPr lang="en-US" sz="1400" dirty="0"/>
+              <a:t> Propaganda </a:t>
+            </a:r>
+            <a:r>
+              <a:rPr lang="en-US" sz="1400" dirty="0" err="1"/>
+              <a:t>Orde</a:t>
+            </a:r>
+            <a:r>
+              <a:rPr lang="ru-RU" sz="1400" dirty="0"/>
+              <a:t> (Орден пропаганды </a:t>
+            </a:r>
+            <a:r>
+              <a:rPr lang="ru-RU" sz="1400" dirty="0" err="1"/>
+              <a:t>Динасо</a:t>
+            </a:r>
+            <a:r>
+              <a:rPr lang="ru-RU" sz="1400" dirty="0"/>
+              <a:t>, преемник DMO </a:t>
+            </a:r>
+            <a:r>
+              <a:rPr lang="ru-RU" sz="1400" dirty="0" err="1"/>
+              <a:t>Вердинасо</a:t>
+            </a:r>
+            <a:r>
+              <a:rPr lang="ru-RU" sz="1400" dirty="0"/>
+              <a:t> Нидерландов )</a:t>
+            </a:r>
+            <a:endParaRPr lang="ru-RU" sz="1400" dirty="0" smtClean="0"/>
+          </a:p>
+        </p:txBody>
+      </p:sp>
+      <p:sp>
+        <p:nvSpPr>
+          <p:cNvPr id="159" name="Прямоугольник 158">
+            <a:extLst>
+              <a:ext uri="{FF2B5EF4-FFF2-40B4-BE49-F238E27FC236}">
+                <a16:creationId xmlns:a16="http://schemas.microsoft.com/office/drawing/2014/main" xmlns="" id="{BFFDACAE-3D8D-4C1F-B11E-B6E1EE53BEF7}"/>
+              </a:ext>
+            </a:extLst>
+          </p:cNvPr>
+          <p:cNvSpPr/>
+          <p:nvPr/>
+        </p:nvSpPr>
+        <p:spPr>
+          <a:xfrm>
+            <a:off x="28767985" y="9203909"/>
+            <a:ext cx="2115918" cy="1080000"/>
+          </a:xfrm>
+          <a:prstGeom prst="rect">
+            <a:avLst/>
+          </a:prstGeom>
+          <a:solidFill>
+            <a:schemeClr val="accent2">
+              <a:lumMod val="60000"/>
+              <a:lumOff val="40000"/>
+            </a:schemeClr>
+          </a:solidFill>
+          <a:ln w="28575"/>
+        </p:spPr>
+        <p:style>
+          <a:lnRef idx="2">
+            <a:schemeClr val="accent1"/>
+          </a:lnRef>
+          <a:fillRef idx="1">
+            <a:schemeClr val="lt1"/>
+          </a:fillRef>
+          <a:effectRef idx="0">
+            <a:schemeClr val="accent1"/>
+          </a:effectRef>
+          <a:fontRef idx="minor">
+            <a:schemeClr val="dk1"/>
+          </a:fontRef>
+        </p:style>
+        <p:txBody>
+          <a:bodyPr lIns="124733" tIns="62367" rIns="124733" bIns="62367" rtlCol="0" anchor="ctr"/>
+          <a:lstStyle/>
+          <a:p>
+            <a:pPr algn="ctr"/>
+            <a:r>
+              <a:rPr lang="en-US" sz="1400" dirty="0" err="1"/>
+              <a:t>Verbond</a:t>
+            </a:r>
+            <a:r>
+              <a:rPr lang="en-US" sz="1400" dirty="0"/>
+              <a:t> van </a:t>
+            </a:r>
+            <a:r>
+              <a:rPr lang="en-US" sz="1400" dirty="0" err="1"/>
+              <a:t>Nationale</a:t>
+            </a:r>
+            <a:r>
+              <a:rPr lang="en-US" sz="1400" dirty="0"/>
+              <a:t> </a:t>
+            </a:r>
+            <a:r>
+              <a:rPr lang="en-US" sz="1400" dirty="0" err="1" smtClean="0"/>
+              <a:t>Arbeiderssyndicaten</a:t>
+            </a:r>
+            <a:r>
+              <a:rPr lang="ru-RU" sz="1400" dirty="0"/>
+              <a:t> </a:t>
+            </a:r>
+            <a:r>
+              <a:rPr lang="ru-RU" sz="700" dirty="0"/>
+              <a:t>(Ассоциация национальных рабочих синдикатов , НАН, которая была союзом </a:t>
+            </a:r>
+            <a:r>
+              <a:rPr lang="ru-RU" sz="700" dirty="0" err="1"/>
+              <a:t>Вердинасо</a:t>
+            </a:r>
+            <a:r>
+              <a:rPr lang="ru-RU" sz="700" dirty="0"/>
+              <a:t> до декабря 1933 года — после чего этот профсоюз больше не признавался бельгийским правительством.)</a:t>
+            </a:r>
+            <a:endParaRPr lang="ru-RU" sz="700" dirty="0" smtClean="0"/>
+          </a:p>
+        </p:txBody>
+      </p:sp>
+      <p:sp>
+        <p:nvSpPr>
+          <p:cNvPr id="160" name="Прямоугольник 159">
+            <a:extLst>
+              <a:ext uri="{FF2B5EF4-FFF2-40B4-BE49-F238E27FC236}">
+                <a16:creationId xmlns:a16="http://schemas.microsoft.com/office/drawing/2014/main" xmlns="" id="{BFFDACAE-3D8D-4C1F-B11E-B6E1EE53BEF7}"/>
+              </a:ext>
+            </a:extLst>
+          </p:cNvPr>
+          <p:cNvSpPr/>
+          <p:nvPr/>
+        </p:nvSpPr>
+        <p:spPr>
+          <a:xfrm>
+            <a:off x="29675403" y="4827286"/>
+            <a:ext cx="2115918" cy="1080000"/>
+          </a:xfrm>
+          <a:prstGeom prst="rect">
+            <a:avLst/>
+          </a:prstGeom>
+          <a:solidFill>
+            <a:schemeClr val="accent2">
+              <a:lumMod val="60000"/>
+              <a:lumOff val="40000"/>
+            </a:schemeClr>
+          </a:solidFill>
+          <a:ln w="28575"/>
+        </p:spPr>
+        <p:style>
+          <a:lnRef idx="2">
+            <a:schemeClr val="accent1"/>
+          </a:lnRef>
+          <a:fillRef idx="1">
+            <a:schemeClr val="lt1"/>
+          </a:fillRef>
+          <a:effectRef idx="0">
+            <a:schemeClr val="accent1"/>
+          </a:effectRef>
+          <a:fontRef idx="minor">
+            <a:schemeClr val="dk1"/>
+          </a:fontRef>
+        </p:style>
+        <p:txBody>
+          <a:bodyPr lIns="124733" tIns="62367" rIns="124733" bIns="62367" rtlCol="0" anchor="ctr"/>
+          <a:lstStyle/>
+          <a:p>
+            <a:pPr algn="ctr"/>
+            <a:r>
+              <a:rPr lang="ru-RU" sz="1400" dirty="0" smtClean="0"/>
+              <a:t>Распространение правых журналов </a:t>
+            </a:r>
+            <a:r>
+              <a:rPr lang="ru-RU" sz="500" dirty="0"/>
+              <a:t>(</a:t>
+            </a:r>
+            <a:r>
+              <a:rPr lang="ru-RU" sz="500" dirty="0" err="1"/>
+              <a:t>Вердинасо</a:t>
+            </a:r>
+            <a:r>
+              <a:rPr lang="ru-RU" sz="500" dirty="0"/>
+              <a:t> издавал несколько журналов, таких как </a:t>
+            </a:r>
+            <a:r>
+              <a:rPr lang="en-US" sz="500" dirty="0" err="1"/>
+              <a:t>Hier</a:t>
+            </a:r>
+            <a:r>
+              <a:rPr lang="en-US" sz="500" dirty="0"/>
+              <a:t> </a:t>
+            </a:r>
+            <a:r>
+              <a:rPr lang="en-US" sz="500" dirty="0" err="1"/>
+              <a:t>Dinaso</a:t>
+            </a:r>
+            <a:r>
+              <a:rPr lang="en-US" sz="500" dirty="0"/>
+              <a:t>! («</a:t>
+            </a:r>
+            <a:r>
+              <a:rPr lang="ru-RU" sz="500" dirty="0"/>
+              <a:t>Боевой журнал </a:t>
+            </a:r>
+            <a:r>
+              <a:rPr lang="ru-RU" sz="500" dirty="0" err="1"/>
+              <a:t>Вердинасо</a:t>
+            </a:r>
+            <a:r>
+              <a:rPr lang="ru-RU" sz="500" dirty="0"/>
+              <a:t> для всего </a:t>
+            </a:r>
+            <a:r>
+              <a:rPr lang="ru-RU" sz="500" dirty="0" err="1"/>
+              <a:t>Дитшланда</a:t>
+            </a:r>
+            <a:r>
+              <a:rPr lang="ru-RU" sz="500" dirty="0"/>
+              <a:t>»), </a:t>
+            </a:r>
+            <a:r>
+              <a:rPr lang="en-US" sz="500" dirty="0" err="1"/>
+              <a:t>Orde</a:t>
+            </a:r>
+            <a:r>
+              <a:rPr lang="en-US" sz="500" dirty="0"/>
+              <a:t>! («</a:t>
+            </a:r>
+            <a:r>
+              <a:rPr lang="ru-RU" sz="500" dirty="0"/>
+              <a:t>Ежемесячный журнал Ассоциации </a:t>
+            </a:r>
+            <a:r>
+              <a:rPr lang="en-US" sz="500" dirty="0" err="1"/>
+              <a:t>Dinasocorporations</a:t>
+            </a:r>
+            <a:r>
+              <a:rPr lang="en-US" sz="500" dirty="0"/>
+              <a:t>»), De </a:t>
+            </a:r>
+            <a:r>
+              <a:rPr lang="en-US" sz="500" dirty="0" err="1"/>
+              <a:t>Dinaso</a:t>
+            </a:r>
+            <a:r>
+              <a:rPr lang="en-US" sz="500" dirty="0"/>
+              <a:t>-Student (</a:t>
+            </a:r>
+            <a:r>
+              <a:rPr lang="ru-RU" sz="500" dirty="0"/>
+              <a:t>ежемесячный журнал), </a:t>
+            </a:r>
+            <a:r>
+              <a:rPr lang="en-US" sz="500" dirty="0" err="1"/>
+              <a:t>Jongdinaso</a:t>
+            </a:r>
+            <a:r>
+              <a:rPr lang="en-US" sz="500" dirty="0"/>
+              <a:t> («</a:t>
+            </a:r>
+            <a:r>
+              <a:rPr lang="en-US" sz="500" dirty="0" err="1"/>
+              <a:t>Strijdblad</a:t>
+            </a:r>
+            <a:r>
+              <a:rPr lang="en-US" sz="500" dirty="0"/>
+              <a:t> der </a:t>
+            </a:r>
+            <a:r>
+              <a:rPr lang="en-US" sz="500" dirty="0" err="1"/>
+              <a:t>Dietsche</a:t>
+            </a:r>
+            <a:r>
+              <a:rPr lang="en-US" sz="500" dirty="0"/>
+              <a:t> </a:t>
+            </a:r>
+            <a:r>
+              <a:rPr lang="en-US" sz="500" dirty="0" err="1"/>
+              <a:t>Jeugd</a:t>
+            </a:r>
+            <a:r>
+              <a:rPr lang="en-US" sz="500" dirty="0"/>
+              <a:t>»), </a:t>
+            </a:r>
+            <a:r>
+              <a:rPr lang="en-US" sz="500" dirty="0" err="1"/>
+              <a:t>L'Ordre</a:t>
+            </a:r>
+            <a:r>
+              <a:rPr lang="en-US" sz="500" dirty="0"/>
+              <a:t> </a:t>
+            </a:r>
+            <a:r>
+              <a:rPr lang="en-US" sz="500" dirty="0" err="1"/>
+              <a:t>Thiois</a:t>
+            </a:r>
+            <a:r>
+              <a:rPr lang="en-US" sz="500" dirty="0"/>
+              <a:t> </a:t>
+            </a:r>
+            <a:r>
+              <a:rPr lang="ru-RU" sz="500" dirty="0"/>
+              <a:t>и </a:t>
+            </a:r>
+            <a:r>
+              <a:rPr lang="en-US" sz="500" dirty="0"/>
+              <a:t>Les Pays-Bas </a:t>
+            </a:r>
+            <a:r>
+              <a:rPr lang="en-US" sz="500" dirty="0" err="1"/>
+              <a:t>Belgiques</a:t>
+            </a:r>
+            <a:r>
+              <a:rPr lang="en-US" sz="500" dirty="0"/>
+              <a:t> . </a:t>
+            </a:r>
+            <a:r>
+              <a:rPr lang="ru-RU" sz="500" dirty="0" err="1"/>
+              <a:t>Дитбранд</a:t>
+            </a:r>
+            <a:r>
+              <a:rPr lang="ru-RU" sz="500" dirty="0"/>
+              <a:t> был связан с </a:t>
+            </a:r>
+            <a:r>
+              <a:rPr lang="ru-RU" sz="500" dirty="0" err="1"/>
+              <a:t>Вердинасо</a:t>
+            </a:r>
+            <a:r>
+              <a:rPr lang="ru-RU" sz="500" dirty="0"/>
+              <a:t>, но оставался в руках Виса </a:t>
+            </a:r>
+            <a:r>
+              <a:rPr lang="ru-RU" sz="500" dirty="0" err="1"/>
+              <a:t>Моэнса</a:t>
+            </a:r>
+            <a:r>
+              <a:rPr lang="ru-RU" sz="500" dirty="0"/>
+              <a:t> , даже когда тот покинул движение.)</a:t>
+            </a:r>
+            <a:endParaRPr lang="ru-RU" sz="500" dirty="0" smtClean="0"/>
+          </a:p>
+        </p:txBody>
+      </p:sp>
+      <p:sp>
+        <p:nvSpPr>
+          <p:cNvPr id="161" name="Прямоугольник 160">
+            <a:extLst>
+              <a:ext uri="{FF2B5EF4-FFF2-40B4-BE49-F238E27FC236}">
+                <a16:creationId xmlns:a16="http://schemas.microsoft.com/office/drawing/2014/main" xmlns="" id="{BFFDACAE-3D8D-4C1F-B11E-B6E1EE53BEF7}"/>
+              </a:ext>
+            </a:extLst>
+          </p:cNvPr>
+          <p:cNvSpPr/>
+          <p:nvPr/>
+        </p:nvSpPr>
+        <p:spPr>
+          <a:xfrm>
+            <a:off x="25211403" y="4859674"/>
+            <a:ext cx="2115918" cy="1080000"/>
+          </a:xfrm>
+          <a:prstGeom prst="rect">
+            <a:avLst/>
+          </a:prstGeom>
+          <a:solidFill>
+            <a:schemeClr val="accent2">
+              <a:lumMod val="60000"/>
+              <a:lumOff val="40000"/>
+            </a:schemeClr>
+          </a:solidFill>
+          <a:ln w="28575"/>
+        </p:spPr>
+        <p:style>
+          <a:lnRef idx="2">
+            <a:schemeClr val="accent1"/>
+          </a:lnRef>
+          <a:fillRef idx="1">
+            <a:schemeClr val="lt1"/>
+          </a:fillRef>
+          <a:effectRef idx="0">
+            <a:schemeClr val="accent1"/>
+          </a:effectRef>
+          <a:fontRef idx="minor">
+            <a:schemeClr val="dk1"/>
+          </a:fontRef>
+        </p:style>
+        <p:txBody>
+          <a:bodyPr lIns="124733" tIns="62367" rIns="124733" bIns="62367" rtlCol="0" anchor="ctr"/>
+          <a:lstStyle/>
+          <a:p>
+            <a:pPr algn="ctr"/>
+            <a:r>
+              <a:rPr lang="ru-RU" sz="1400" dirty="0" err="1" smtClean="0"/>
+              <a:t>Субсидиарность</a:t>
+            </a:r>
+            <a:r>
+              <a:rPr lang="ru-RU" sz="1400" dirty="0"/>
+              <a:t> </a:t>
+            </a:r>
+            <a:r>
+              <a:rPr lang="ru-RU" sz="400" dirty="0"/>
+              <a:t>(В отличие от итальянского фашизма, Ван </a:t>
+            </a:r>
+            <a:r>
+              <a:rPr lang="ru-RU" sz="400" dirty="0" err="1"/>
+              <a:t>Северен</a:t>
+            </a:r>
+            <a:r>
+              <a:rPr lang="ru-RU" sz="400" dirty="0"/>
+              <a:t> и </a:t>
+            </a:r>
+            <a:r>
+              <a:rPr lang="ru-RU" sz="400" dirty="0" err="1"/>
+              <a:t>Вердинасо</a:t>
+            </a:r>
+            <a:r>
+              <a:rPr lang="ru-RU" sz="400" dirty="0"/>
+              <a:t> выступали за большую децентрализацию под названием </a:t>
+            </a:r>
+            <a:r>
+              <a:rPr lang="ru-RU" sz="400" dirty="0" err="1"/>
+              <a:t>субсидиарности</a:t>
+            </a:r>
+            <a:r>
+              <a:rPr lang="ru-RU" sz="400" dirty="0"/>
+              <a:t> . Движение также было развито в Нидерландах , которое никогда не становилось таким большим, как в Бельгии. Но его существование было успехом для этого объединения, целью которого было воссоединение Фландрии и Нидерландов. Принцип </a:t>
+            </a:r>
+            <a:r>
+              <a:rPr lang="ru-RU" sz="400" dirty="0" err="1"/>
+              <a:t>субсидиарности</a:t>
+            </a:r>
+            <a:r>
+              <a:rPr lang="ru-RU" sz="400" dirty="0"/>
+              <a:t> — это организационный метод или правило разделения задач между «высшими» и «нижними» государственными органами . Обычно это означает, что вышестоящие органы не должны делать то, с чем могут справиться нижестоящие органы. Этот принцип является центральным положением католической социальной теории .)</a:t>
+            </a:r>
+            <a:endParaRPr lang="ru-RU" sz="400" dirty="0" smtClean="0"/>
+          </a:p>
+        </p:txBody>
+      </p:sp>
+      <p:sp>
+        <p:nvSpPr>
+          <p:cNvPr id="40" name="Прямоугольник 39">
+            <a:extLst>
+              <a:ext uri="{FF2B5EF4-FFF2-40B4-BE49-F238E27FC236}">
+                <a16:creationId xmlns:a16="http://schemas.microsoft.com/office/drawing/2014/main" xmlns="" id="{BFFDACAE-3D8D-4C1F-B11E-B6E1EE53BEF7}"/>
+              </a:ext>
+            </a:extLst>
+          </p:cNvPr>
+          <p:cNvSpPr/>
+          <p:nvPr/>
+        </p:nvSpPr>
+        <p:spPr>
+          <a:xfrm>
+            <a:off x="35092672" y="1838577"/>
+            <a:ext cx="2115918" cy="1080000"/>
+          </a:xfrm>
+          <a:prstGeom prst="rect">
+            <a:avLst/>
+          </a:prstGeom>
+          <a:solidFill>
+            <a:schemeClr val="accent2">
+              <a:lumMod val="75000"/>
+            </a:schemeClr>
+          </a:solidFill>
+          <a:ln w="28575"/>
+        </p:spPr>
+        <p:style>
+          <a:lnRef idx="2">
+            <a:schemeClr val="accent1"/>
+          </a:lnRef>
+          <a:fillRef idx="1">
+            <a:schemeClr val="lt1"/>
+          </a:fillRef>
+          <a:effectRef idx="0">
+            <a:schemeClr val="accent1"/>
+          </a:effectRef>
+          <a:fontRef idx="minor">
+            <a:schemeClr val="dk1"/>
+          </a:fontRef>
+        </p:style>
+        <p:txBody>
+          <a:bodyPr lIns="124733" tIns="62367" rIns="124733" bIns="62367" rtlCol="0" anchor="ctr"/>
+          <a:lstStyle/>
+          <a:p>
+            <a:pPr algn="ctr"/>
+            <a:r>
+              <a:rPr lang="en-US" sz="1400" dirty="0" err="1"/>
+              <a:t>Rexist</a:t>
+            </a:r>
+            <a:r>
+              <a:rPr lang="en-US" sz="1400" dirty="0"/>
+              <a:t> Party</a:t>
+            </a:r>
+            <a:endParaRPr lang="ru-RU" sz="1400" dirty="0" smtClean="0"/>
+          </a:p>
+        </p:txBody>
+      </p:sp>
+      <p:sp>
+        <p:nvSpPr>
+          <p:cNvPr id="41" name="Прямоугольник 40">
+            <a:extLst>
+              <a:ext uri="{FF2B5EF4-FFF2-40B4-BE49-F238E27FC236}">
+                <a16:creationId xmlns:a16="http://schemas.microsoft.com/office/drawing/2014/main" xmlns="" id="{BFFDACAE-3D8D-4C1F-B11E-B6E1EE53BEF7}"/>
+              </a:ext>
+            </a:extLst>
+          </p:cNvPr>
+          <p:cNvSpPr/>
+          <p:nvPr/>
+        </p:nvSpPr>
+        <p:spPr>
+          <a:xfrm>
+            <a:off x="29710739" y="3265914"/>
+            <a:ext cx="2115918" cy="1080000"/>
+          </a:xfrm>
+          <a:prstGeom prst="rect">
+            <a:avLst/>
+          </a:prstGeom>
+          <a:solidFill>
+            <a:schemeClr val="accent2">
+              <a:lumMod val="60000"/>
+              <a:lumOff val="40000"/>
+            </a:schemeClr>
+          </a:solidFill>
+          <a:ln w="28575"/>
+        </p:spPr>
+        <p:style>
+          <a:lnRef idx="2">
+            <a:schemeClr val="accent1"/>
+          </a:lnRef>
+          <a:fillRef idx="1">
+            <a:schemeClr val="lt1"/>
+          </a:fillRef>
+          <a:effectRef idx="0">
+            <a:schemeClr val="accent1"/>
+          </a:effectRef>
+          <a:fontRef idx="minor">
+            <a:schemeClr val="dk1"/>
+          </a:fontRef>
+        </p:style>
+        <p:txBody>
+          <a:bodyPr lIns="124733" tIns="62367" rIns="124733" bIns="62367" rtlCol="0" anchor="ctr"/>
+          <a:lstStyle/>
+          <a:p>
+            <a:pPr algn="ctr"/>
+            <a:r>
+              <a:rPr lang="ru-RU" sz="1400" dirty="0" err="1" smtClean="0"/>
+              <a:t>Антисемизм</a:t>
+            </a:r>
+            <a:r>
+              <a:rPr lang="ru-RU" sz="1400" dirty="0" smtClean="0"/>
+              <a:t> (</a:t>
+            </a:r>
+            <a:r>
+              <a:rPr lang="ru-RU" sz="1400" dirty="0" err="1" smtClean="0"/>
+              <a:t>Северен</a:t>
+            </a:r>
+            <a:r>
+              <a:rPr lang="ru-RU" sz="1400" dirty="0" smtClean="0"/>
+              <a:t> считал что </a:t>
+            </a:r>
+            <a:r>
+              <a:rPr lang="ru-RU" sz="1400" dirty="0" err="1" smtClean="0"/>
+              <a:t>гитлер</a:t>
+            </a:r>
+            <a:r>
+              <a:rPr lang="ru-RU" sz="1400" dirty="0" smtClean="0"/>
+              <a:t> делает всё медленно в отношении евреев)</a:t>
+            </a:r>
+            <a:endParaRPr lang="ru-RU" sz="1400" dirty="0" smtClean="0"/>
+          </a:p>
+        </p:txBody>
+      </p:sp>
+      <p:sp>
+        <p:nvSpPr>
+          <p:cNvPr id="42" name="Прямоугольник 41">
+            <a:extLst>
+              <a:ext uri="{FF2B5EF4-FFF2-40B4-BE49-F238E27FC236}">
+                <a16:creationId xmlns:a16="http://schemas.microsoft.com/office/drawing/2014/main" xmlns="" id="{BFFDACAE-3D8D-4C1F-B11E-B6E1EE53BEF7}"/>
+              </a:ext>
+            </a:extLst>
+          </p:cNvPr>
+          <p:cNvSpPr/>
+          <p:nvPr/>
+        </p:nvSpPr>
+        <p:spPr>
+          <a:xfrm>
+            <a:off x="32204160" y="3265914"/>
+            <a:ext cx="2115918" cy="1080000"/>
+          </a:xfrm>
+          <a:prstGeom prst="rect">
+            <a:avLst/>
+          </a:prstGeom>
+          <a:gradFill>
+            <a:gsLst>
+              <a:gs pos="0">
+                <a:schemeClr val="accent2">
+                  <a:lumMod val="75000"/>
+                </a:schemeClr>
+              </a:gs>
+              <a:gs pos="100000">
+                <a:schemeClr val="accent2">
+                  <a:lumMod val="60000"/>
+                  <a:lumOff val="40000"/>
+                </a:schemeClr>
+              </a:gs>
+            </a:gsLst>
+            <a:lin ang="5400000" scaled="0"/>
+          </a:gradFill>
+          <a:ln w="28575"/>
+        </p:spPr>
+        <p:style>
+          <a:lnRef idx="2">
+            <a:schemeClr val="accent1"/>
+          </a:lnRef>
+          <a:fillRef idx="1">
+            <a:schemeClr val="lt1"/>
+          </a:fillRef>
+          <a:effectRef idx="0">
+            <a:schemeClr val="accent1"/>
+          </a:effectRef>
+          <a:fontRef idx="minor">
+            <a:schemeClr val="dk1"/>
+          </a:fontRef>
+        </p:style>
+        <p:txBody>
+          <a:bodyPr lIns="124733" tIns="62367" rIns="124733" bIns="62367" rtlCol="0" anchor="ctr"/>
+          <a:lstStyle/>
+          <a:p>
+            <a:pPr algn="ctr"/>
+            <a:r>
+              <a:rPr lang="ru-RU" sz="1400" dirty="0" smtClean="0"/>
+              <a:t>Отмена либеральной демократии</a:t>
+            </a:r>
+            <a:endParaRPr lang="ru-RU" sz="1400" dirty="0" smtClean="0"/>
+          </a:p>
+        </p:txBody>
+      </p:sp>
+      <p:sp>
+        <p:nvSpPr>
+          <p:cNvPr id="43" name="Прямоугольник 42">
+            <a:extLst>
+              <a:ext uri="{FF2B5EF4-FFF2-40B4-BE49-F238E27FC236}">
+                <a16:creationId xmlns:a16="http://schemas.microsoft.com/office/drawing/2014/main" xmlns="" id="{BFFDACAE-3D8D-4C1F-B11E-B6E1EE53BEF7}"/>
+              </a:ext>
+            </a:extLst>
+          </p:cNvPr>
+          <p:cNvSpPr/>
+          <p:nvPr/>
+        </p:nvSpPr>
+        <p:spPr>
+          <a:xfrm>
+            <a:off x="35092672" y="3285347"/>
+            <a:ext cx="2115918" cy="1080000"/>
+          </a:xfrm>
+          <a:prstGeom prst="rect">
+            <a:avLst/>
+          </a:prstGeom>
+          <a:solidFill>
+            <a:schemeClr val="accent2">
+              <a:lumMod val="75000"/>
+            </a:schemeClr>
+          </a:solidFill>
+          <a:ln w="28575"/>
+        </p:spPr>
+        <p:style>
+          <a:lnRef idx="2">
+            <a:schemeClr val="accent1"/>
+          </a:lnRef>
+          <a:fillRef idx="1">
+            <a:schemeClr val="lt1"/>
+          </a:fillRef>
+          <a:effectRef idx="0">
+            <a:schemeClr val="accent1"/>
+          </a:effectRef>
+          <a:fontRef idx="minor">
+            <a:schemeClr val="dk1"/>
+          </a:fontRef>
+        </p:style>
+        <p:txBody>
+          <a:bodyPr lIns="124733" tIns="62367" rIns="124733" bIns="62367" rtlCol="0" anchor="ctr"/>
+          <a:lstStyle/>
+          <a:p>
+            <a:pPr algn="ctr"/>
+            <a:r>
+              <a:rPr lang="ru-RU" sz="1400" dirty="0" smtClean="0"/>
+              <a:t>Идеализация сельской жизни и традиционных семейных ценностей</a:t>
+            </a:r>
+            <a:endParaRPr lang="ru-RU" sz="1400" dirty="0" smtClean="0"/>
+          </a:p>
+        </p:txBody>
+      </p:sp>
+    </p:spTree>
+    <p:extLst>
+      <p:ext uri="{BB962C8B-B14F-4D97-AF65-F5344CB8AC3E}">
+        <p14:creationId xmlns:p14="http://schemas.microsoft.com/office/powerpoint/2010/main" val="3113188735"/>
+      </p:ext>
+    </p:extLst>
+  </p:cSld>
+  <p:clrMapOvr>
+    <a:masterClrMapping/>
+  </p:clrMapOvr>
+</p:sld>
+</file>
+
+<file path=ppt/slides/slide2.xml><?xml version="1.0" encoding="utf-8"?>
+<p:sld xmlns:a="http://schemas.openxmlformats.org/drawingml/2006/main" xmlns:r="http://schemas.openxmlformats.org/officeDocument/2006/relationships" xmlns:p="http://schemas.openxmlformats.org/presentationml/2006/main">
+  <p:cSld>
+    <p:spTree>
+      <p:nvGrpSpPr>
+        <p:cNvPr id="1" name=""/>
+        <p:cNvGrpSpPr/>
+        <p:nvPr/>
+      </p:nvGrpSpPr>
+      <p:grpSpPr>
+        <a:xfrm>
+          <a:off x="0" y="0"/>
+          <a:ext cx="0" cy="0"/>
+          <a:chOff x="0" y="0"/>
+          <a:chExt cx="0" cy="0"/>
+        </a:xfrm>
+      </p:grpSpPr>
+      <p:sp>
+        <p:nvSpPr>
+          <p:cNvPr id="4" name="Прямоугольник 3"/>
+          <p:cNvSpPr/>
+          <p:nvPr/>
+        </p:nvSpPr>
+        <p:spPr>
+          <a:xfrm>
+            <a:off x="15991830" y="1768208"/>
+            <a:ext cx="2115918" cy="1080000"/>
+          </a:xfrm>
+          <a:prstGeom prst="rect">
+            <a:avLst/>
+          </a:prstGeom>
+          <a:ln w="28575"/>
+        </p:spPr>
+        <p:style>
+          <a:lnRef idx="2">
+            <a:schemeClr val="accent1"/>
+          </a:lnRef>
+          <a:fillRef idx="1">
+            <a:schemeClr val="lt1"/>
+          </a:fillRef>
+          <a:effectRef idx="0">
+            <a:schemeClr val="accent1"/>
+          </a:effectRef>
+          <a:fontRef idx="minor">
+            <a:schemeClr val="dk1"/>
+          </a:fontRef>
+        </p:style>
+        <p:txBody>
+          <a:bodyPr lIns="124733" tIns="62367" rIns="124733" bIns="62367" rtlCol="0" anchor="ctr"/>
+          <a:lstStyle/>
+          <a:p>
+            <a:pPr algn="ctr"/>
+            <a:r>
+              <a:rPr lang="ru-RU" sz="1400" dirty="0"/>
               <a:t>Производство полуавтоматически пистолетов (1936) </a:t>
             </a:r>
             <a:r>
@@ -3717,17 +6991,17 @@
       </p:sp>
       <p:cxnSp>
         <p:nvCxnSpPr>
-          <p:cNvPr id="505" name="Прямая со стрелкой 504"/>
+          <p:cNvPr id="5" name="Прямая со стрелкой 4"/>
           <p:cNvCxnSpPr>
             <a:cxnSpLocks/>
-            <a:stCxn id="50" idx="2"/>
-            <a:endCxn id="53" idx="0"/>
+            <a:stCxn id="28" idx="2"/>
+            <a:endCxn id="31" idx="0"/>
           </p:cNvCxnSpPr>
           <p:nvPr/>
         </p:nvCxnSpPr>
         <p:spPr>
           <a:xfrm>
-            <a:off x="7657332" y="1448490"/>
+            <a:off x="8059126" y="1450478"/>
             <a:ext cx="0" cy="3127644"/>
           </a:xfrm>
           <a:prstGeom prst="straightConnector1">
@@ -3754,17 +7028,17 @@
       </p:cxnSp>
       <p:cxnSp>
         <p:nvCxnSpPr>
-          <p:cNvPr id="524" name="Соединительная линия уступом 523"/>
+          <p:cNvPr id="6" name="Соединительная линия уступом 5"/>
           <p:cNvCxnSpPr>
             <a:cxnSpLocks/>
-            <a:stCxn id="50" idx="2"/>
-            <a:endCxn id="54" idx="0"/>
+            <a:stCxn id="28" idx="2"/>
+            <a:endCxn id="32" idx="0"/>
           </p:cNvCxnSpPr>
           <p:nvPr/>
         </p:nvCxnSpPr>
         <p:spPr>
           <a:xfrm rot="16200000" flipH="1">
-            <a:off x="9432210" y="-326388"/>
+            <a:off x="9834004" y="-324400"/>
             <a:ext cx="324957" cy="3874712"/>
           </a:xfrm>
           <a:prstGeom prst="bentConnector3">
@@ -3793,7 +7067,7 @@
       </p:cxnSp>
       <p:sp>
         <p:nvSpPr>
-          <p:cNvPr id="33" name="Прямоугольник 32">
+          <p:cNvPr id="7" name="Прямоугольник 6">
             <a:extLst>
               <a:ext uri="{FF2B5EF4-FFF2-40B4-BE49-F238E27FC236}">
                 <a16:creationId xmlns:a16="http://schemas.microsoft.com/office/drawing/2014/main" xmlns="" id="{0E0B5DFF-ABEB-4917-9207-7644A0AF99FF}"/>
@@ -3805,7 +7079,7 @@
         </p:nvSpPr>
         <p:spPr>
           <a:xfrm>
-            <a:off x="15590036" y="3165967"/>
+            <a:off x="15991830" y="3167955"/>
             <a:ext cx="2115918" cy="1080000"/>
           </a:xfrm>
           <a:prstGeom prst="rect">
@@ -3950,7 +7224,7 @@
       </p:sp>
       <p:sp>
         <p:nvSpPr>
-          <p:cNvPr id="34" name="Прямоугольник 33">
+          <p:cNvPr id="8" name="Прямоугольник 7">
             <a:extLst>
               <a:ext uri="{FF2B5EF4-FFF2-40B4-BE49-F238E27FC236}">
                 <a16:creationId xmlns:a16="http://schemas.microsoft.com/office/drawing/2014/main" xmlns="" id="{51A90983-AEB8-411D-878C-CCEC94B93ACC}"/>
@@ -3962,7 +7236,7 @@
         </p:nvSpPr>
         <p:spPr>
           <a:xfrm>
-            <a:off x="15589859" y="6150107"/>
+            <a:off x="15991653" y="6152095"/>
             <a:ext cx="2115918" cy="1080000"/>
           </a:xfrm>
           <a:prstGeom prst="rect">
@@ -4167,7 +7441,7 @@
       </p:sp>
       <p:sp>
         <p:nvSpPr>
-          <p:cNvPr id="35" name="Прямоугольник 34">
+          <p:cNvPr id="9" name="Прямоугольник 8">
             <a:extLst>
               <a:ext uri="{FF2B5EF4-FFF2-40B4-BE49-F238E27FC236}">
                 <a16:creationId xmlns:a16="http://schemas.microsoft.com/office/drawing/2014/main" xmlns="" id="{FDBBE88F-33FD-45C0-8BC5-DB650DA8B43D}"/>
@@ -4179,7 +7453,7 @@
         </p:nvSpPr>
         <p:spPr>
           <a:xfrm>
-            <a:off x="10473909" y="6150107"/>
+            <a:off x="10875703" y="6152095"/>
             <a:ext cx="2115918" cy="1080000"/>
           </a:xfrm>
           <a:prstGeom prst="rect">
@@ -4223,7 +7497,7 @@
       </p:sp>
       <p:sp>
         <p:nvSpPr>
-          <p:cNvPr id="36" name="Прямоугольник 35">
+          <p:cNvPr id="10" name="Прямоугольник 9">
             <a:extLst>
               <a:ext uri="{FF2B5EF4-FFF2-40B4-BE49-F238E27FC236}">
                 <a16:creationId xmlns:a16="http://schemas.microsoft.com/office/drawing/2014/main" xmlns="" id="{F49CDE11-2B29-438E-9079-C65CDE3419A8}"/>
@@ -4235,7 +7509,7 @@
         </p:nvSpPr>
         <p:spPr>
           <a:xfrm>
-            <a:off x="15590036" y="4576134"/>
+            <a:off x="15991830" y="4578122"/>
             <a:ext cx="2115918" cy="1080000"/>
           </a:xfrm>
           <a:prstGeom prst="rect">
@@ -4332,7 +7606,7 @@
       </p:sp>
       <p:sp>
         <p:nvSpPr>
-          <p:cNvPr id="37" name="Прямоугольник 36">
+          <p:cNvPr id="11" name="Прямоугольник 10">
             <a:extLst>
               <a:ext uri="{FF2B5EF4-FFF2-40B4-BE49-F238E27FC236}">
                 <a16:creationId xmlns:a16="http://schemas.microsoft.com/office/drawing/2014/main" xmlns="" id="{FD5D8F22-B368-4D19-8953-D59AA342EDA5}"/>
@@ -4344,7 +7618,7 @@
         </p:nvSpPr>
         <p:spPr>
           <a:xfrm>
-            <a:off x="15589859" y="10356274"/>
+            <a:off x="15991653" y="10358262"/>
             <a:ext cx="2115918" cy="1080000"/>
           </a:xfrm>
           <a:prstGeom prst="rect">
@@ -4392,7 +7666,7 @@
       </p:sp>
       <p:sp>
         <p:nvSpPr>
-          <p:cNvPr id="38" name="Прямоугольник 37">
+          <p:cNvPr id="12" name="Прямоугольник 11">
             <a:extLst>
               <a:ext uri="{FF2B5EF4-FFF2-40B4-BE49-F238E27FC236}">
                 <a16:creationId xmlns:a16="http://schemas.microsoft.com/office/drawing/2014/main" xmlns="" id="{1C828EEE-A81C-4FC3-B78B-DE37F620B918}"/>
@@ -4404,7 +7678,7 @@
         </p:nvSpPr>
         <p:spPr>
           <a:xfrm>
-            <a:off x="11760639" y="7604782"/>
+            <a:off x="12162433" y="7606770"/>
             <a:ext cx="2115918" cy="1080000"/>
           </a:xfrm>
           <a:prstGeom prst="rect">
@@ -4448,7 +7722,7 @@
       </p:sp>
       <p:sp>
         <p:nvSpPr>
-          <p:cNvPr id="39" name="Прямоугольник 38">
+          <p:cNvPr id="13" name="Прямоугольник 12">
             <a:extLst>
               <a:ext uri="{FF2B5EF4-FFF2-40B4-BE49-F238E27FC236}">
                 <a16:creationId xmlns:a16="http://schemas.microsoft.com/office/drawing/2014/main" xmlns="" id="{17F6A0E1-6BEB-495C-B20A-399B8A628F4D}"/>
@@ -4460,7 +7734,7 @@
         </p:nvSpPr>
         <p:spPr>
           <a:xfrm>
-            <a:off x="14303130" y="7608720"/>
+            <a:off x="14704924" y="7610708"/>
             <a:ext cx="2115918" cy="1080000"/>
           </a:xfrm>
           <a:prstGeom prst="rect">
@@ -4573,7 +7847,7 @@
       </p:sp>
       <p:sp>
         <p:nvSpPr>
-          <p:cNvPr id="40" name="Прямоугольник 39">
+          <p:cNvPr id="14" name="Прямоугольник 13">
             <a:extLst>
               <a:ext uri="{FF2B5EF4-FFF2-40B4-BE49-F238E27FC236}">
                 <a16:creationId xmlns:a16="http://schemas.microsoft.com/office/drawing/2014/main" xmlns="" id="{08ACEFEB-E675-4D60-995C-46AB2E2C0991}"/>
@@ -4585,7 +7859,7 @@
         </p:nvSpPr>
         <p:spPr>
           <a:xfrm>
-            <a:off x="13031884" y="6150107"/>
+            <a:off x="13433678" y="6152095"/>
             <a:ext cx="2115918" cy="1080000"/>
           </a:xfrm>
           <a:prstGeom prst="rect">
@@ -4745,7 +8019,7 @@
       </p:sp>
       <p:sp>
         <p:nvSpPr>
-          <p:cNvPr id="41" name="Прямоугольник 40">
+          <p:cNvPr id="15" name="Прямоугольник 14">
             <a:extLst>
               <a:ext uri="{FF2B5EF4-FFF2-40B4-BE49-F238E27FC236}">
                 <a16:creationId xmlns:a16="http://schemas.microsoft.com/office/drawing/2014/main" xmlns="" id="{4FB11C64-6A47-4C4B-B70B-5C94A624A164}"/>
@@ -4757,7 +8031,7 @@
         </p:nvSpPr>
         <p:spPr>
           <a:xfrm>
-            <a:off x="13031884" y="10356274"/>
+            <a:off x="13433678" y="10358262"/>
             <a:ext cx="2115918" cy="1080000"/>
           </a:xfrm>
           <a:prstGeom prst="rect">
@@ -4950,7 +8224,7 @@
       </p:sp>
       <p:sp>
         <p:nvSpPr>
-          <p:cNvPr id="42" name="Прямоугольник 41">
+          <p:cNvPr id="16" name="Прямоугольник 15">
             <a:extLst>
               <a:ext uri="{FF2B5EF4-FFF2-40B4-BE49-F238E27FC236}">
                 <a16:creationId xmlns:a16="http://schemas.microsoft.com/office/drawing/2014/main" xmlns="" id="{E4306019-581B-4A18-87BF-3B7F8357B066}"/>
@@ -4962,7 +8236,7 @@
         </p:nvSpPr>
         <p:spPr>
           <a:xfrm>
-            <a:off x="11760639" y="8958749"/>
+            <a:off x="12162433" y="8960737"/>
             <a:ext cx="2115918" cy="1080000"/>
           </a:xfrm>
           <a:prstGeom prst="rect">
@@ -5006,7 +8280,7 @@
       </p:sp>
       <p:sp>
         <p:nvSpPr>
-          <p:cNvPr id="44" name="Прямоугольник 43">
+          <p:cNvPr id="17" name="Прямоугольник 16">
             <a:extLst>
               <a:ext uri="{FF2B5EF4-FFF2-40B4-BE49-F238E27FC236}">
                 <a16:creationId xmlns:a16="http://schemas.microsoft.com/office/drawing/2014/main" xmlns="" id="{E9E5E8BF-D995-4901-9A14-BDDD65CD7BB5}"/>
@@ -5018,7 +8292,7 @@
         </p:nvSpPr>
         <p:spPr>
           <a:xfrm>
-            <a:off x="9187179" y="7604782"/>
+            <a:off x="9588973" y="7606770"/>
             <a:ext cx="2115918" cy="1080000"/>
           </a:xfrm>
           <a:prstGeom prst="rect">
@@ -5063,7 +8337,7 @@
       </p:sp>
       <p:sp>
         <p:nvSpPr>
-          <p:cNvPr id="45" name="Прямоугольник 44">
+          <p:cNvPr id="18" name="Прямоугольник 17">
             <a:extLst>
               <a:ext uri="{FF2B5EF4-FFF2-40B4-BE49-F238E27FC236}">
                 <a16:creationId xmlns:a16="http://schemas.microsoft.com/office/drawing/2014/main" xmlns="" id="{2E359796-D508-420A-B340-9B6DD34480FF}"/>
@@ -5075,7 +8349,7 @@
         </p:nvSpPr>
         <p:spPr>
           <a:xfrm>
-            <a:off x="16876589" y="7604782"/>
+            <a:off x="17278383" y="7606770"/>
             <a:ext cx="2115918" cy="1080000"/>
           </a:xfrm>
           <a:prstGeom prst="rect">
@@ -5132,7 +8406,7 @@
       </p:sp>
       <p:sp>
         <p:nvSpPr>
-          <p:cNvPr id="47" name="Прямоугольник 46">
+          <p:cNvPr id="19" name="Прямоугольник 18">
             <a:extLst>
               <a:ext uri="{FF2B5EF4-FFF2-40B4-BE49-F238E27FC236}">
                 <a16:creationId xmlns:a16="http://schemas.microsoft.com/office/drawing/2014/main" xmlns="" id="{56B6E708-5271-4862-8558-AB25F9A3CD4A}"/>
@@ -5144,7 +8418,7 @@
         </p:nvSpPr>
         <p:spPr>
           <a:xfrm>
-            <a:off x="6610533" y="6150107"/>
+            <a:off x="7012327" y="6152095"/>
             <a:ext cx="2115918" cy="1080000"/>
           </a:xfrm>
           <a:prstGeom prst="rect">
@@ -5249,7 +8523,7 @@
       </p:sp>
       <p:sp>
         <p:nvSpPr>
-          <p:cNvPr id="48" name="Прямоугольник 47">
+          <p:cNvPr id="20" name="Прямоугольник 19">
             <a:extLst>
               <a:ext uri="{FF2B5EF4-FFF2-40B4-BE49-F238E27FC236}">
                 <a16:creationId xmlns:a16="http://schemas.microsoft.com/office/drawing/2014/main" xmlns="" id="{2680FF36-1ECB-431C-B518-9AFCFDA654B2}"/>
@@ -5261,7 +8535,7 @@
         </p:nvSpPr>
         <p:spPr>
           <a:xfrm>
-            <a:off x="5303539" y="10356274"/>
+            <a:off x="5705333" y="10358262"/>
             <a:ext cx="2115918" cy="1080000"/>
           </a:xfrm>
           <a:prstGeom prst="rect">
@@ -5366,7 +8640,7 @@
       </p:sp>
       <p:sp>
         <p:nvSpPr>
-          <p:cNvPr id="49" name="Прямоугольник 48">
+          <p:cNvPr id="21" name="Прямоугольник 20">
             <a:extLst>
               <a:ext uri="{FF2B5EF4-FFF2-40B4-BE49-F238E27FC236}">
                 <a16:creationId xmlns:a16="http://schemas.microsoft.com/office/drawing/2014/main" xmlns="" id="{1BE05CA1-7E0B-485D-819A-704F80401958}"/>
@@ -5378,7 +8652,7 @@
         </p:nvSpPr>
         <p:spPr>
           <a:xfrm>
-            <a:off x="6610533" y="7610467"/>
+            <a:off x="7012327" y="7612455"/>
             <a:ext cx="2115918" cy="1080000"/>
           </a:xfrm>
           <a:prstGeom prst="rect">
@@ -5463,7 +8737,7 @@
       </p:sp>
       <p:sp>
         <p:nvSpPr>
-          <p:cNvPr id="25" name="Прямоугольник 24">
+          <p:cNvPr id="22" name="Прямоугольник 21">
             <a:extLst>
               <a:ext uri="{FF2B5EF4-FFF2-40B4-BE49-F238E27FC236}">
                 <a16:creationId xmlns:a16="http://schemas.microsoft.com/office/drawing/2014/main" xmlns="" id="{2A0E6E2C-7B78-48F8-8D54-530BEA3D0C1F}"/>
@@ -5475,7 +8749,7 @@
         </p:nvSpPr>
         <p:spPr>
           <a:xfrm>
-            <a:off x="7887091" y="10450634"/>
+            <a:off x="8288885" y="10452622"/>
             <a:ext cx="2115918" cy="1080000"/>
           </a:xfrm>
           <a:prstGeom prst="rect">
@@ -5511,7 +8785,7 @@
       </p:sp>
       <p:sp>
         <p:nvSpPr>
-          <p:cNvPr id="26" name="Прямоугольник 25">
+          <p:cNvPr id="23" name="Прямоугольник 22">
             <a:extLst>
               <a:ext uri="{FF2B5EF4-FFF2-40B4-BE49-F238E27FC236}">
                 <a16:creationId xmlns:a16="http://schemas.microsoft.com/office/drawing/2014/main" xmlns="" id="{BA93E377-6A12-4528-9AFD-05DFCD4EE6EC}"/>
@@ -5523,7 +8797,7 @@
         </p:nvSpPr>
         <p:spPr>
           <a:xfrm>
-            <a:off x="9187179" y="11859282"/>
+            <a:off x="9588973" y="11861270"/>
             <a:ext cx="2115918" cy="1080000"/>
           </a:xfrm>
           <a:prstGeom prst="rect">
@@ -5559,7 +8833,7 @@
       </p:sp>
       <p:sp>
         <p:nvSpPr>
-          <p:cNvPr id="27" name="Прямоугольник 26">
+          <p:cNvPr id="24" name="Прямоугольник 23">
             <a:extLst>
               <a:ext uri="{FF2B5EF4-FFF2-40B4-BE49-F238E27FC236}">
                 <a16:creationId xmlns:a16="http://schemas.microsoft.com/office/drawing/2014/main" xmlns="" id="{CEC72D80-A4AD-41E8-85D1-786A128A79B3}"/>
@@ -5571,7 +8845,7 @@
         </p:nvSpPr>
         <p:spPr>
           <a:xfrm>
-            <a:off x="9187179" y="13252798"/>
+            <a:off x="9588973" y="13254786"/>
             <a:ext cx="2115918" cy="1080000"/>
           </a:xfrm>
           <a:prstGeom prst="rect">
@@ -5607,7 +8881,7 @@
       </p:sp>
       <p:sp>
         <p:nvSpPr>
-          <p:cNvPr id="28" name="Прямоугольник 27">
+          <p:cNvPr id="25" name="Прямоугольник 24">
             <a:extLst>
               <a:ext uri="{FF2B5EF4-FFF2-40B4-BE49-F238E27FC236}">
                 <a16:creationId xmlns:a16="http://schemas.microsoft.com/office/drawing/2014/main" xmlns="" id="{F08AAA0F-EF8D-4C3B-9D0F-BC29CCF04137}"/>
@@ -5619,7 +8893,7 @@
         </p:nvSpPr>
         <p:spPr>
           <a:xfrm>
-            <a:off x="6610533" y="11850111"/>
+            <a:off x="7012327" y="11852099"/>
             <a:ext cx="2115918" cy="1080000"/>
           </a:xfrm>
           <a:prstGeom prst="rect">
@@ -5655,7 +8929,7 @@
       </p:sp>
       <p:sp>
         <p:nvSpPr>
-          <p:cNvPr id="30" name="Прямоугольник 29">
+          <p:cNvPr id="26" name="Прямоугольник 25">
             <a:extLst>
               <a:ext uri="{FF2B5EF4-FFF2-40B4-BE49-F238E27FC236}">
                 <a16:creationId xmlns:a16="http://schemas.microsoft.com/office/drawing/2014/main" xmlns="" id="{3B5FB243-8F52-48F2-8A87-65479D2CDCB6}"/>
@@ -5667,7 +8941,7 @@
         </p:nvSpPr>
         <p:spPr>
           <a:xfrm>
-            <a:off x="6610533" y="13253321"/>
+            <a:off x="7012327" y="13255309"/>
             <a:ext cx="2115918" cy="1080000"/>
           </a:xfrm>
           <a:prstGeom prst="rect">
@@ -5703,7 +8977,7 @@
       </p:sp>
       <p:sp>
         <p:nvSpPr>
-          <p:cNvPr id="43" name="Прямоугольник 42">
+          <p:cNvPr id="27" name="Прямоугольник 26">
             <a:extLst>
               <a:ext uri="{FF2B5EF4-FFF2-40B4-BE49-F238E27FC236}">
                 <a16:creationId xmlns:a16="http://schemas.microsoft.com/office/drawing/2014/main" xmlns="" id="{0E4FDC92-0409-4738-B9A6-9F0E90156B62}"/>
@@ -5715,7 +8989,7 @@
         </p:nvSpPr>
         <p:spPr>
           <a:xfrm>
-            <a:off x="14303130" y="8956527"/>
+            <a:off x="14704924" y="8958515"/>
             <a:ext cx="2115918" cy="1080000"/>
           </a:xfrm>
           <a:prstGeom prst="rect">
@@ -5770,7 +9044,7 @@
       </p:sp>
       <p:sp>
         <p:nvSpPr>
-          <p:cNvPr id="50" name="Прямоугольник 49">
+          <p:cNvPr id="28" name="Прямоугольник 27">
             <a:extLst>
               <a:ext uri="{FF2B5EF4-FFF2-40B4-BE49-F238E27FC236}">
                 <a16:creationId xmlns:a16="http://schemas.microsoft.com/office/drawing/2014/main" xmlns="" id="{1D07C853-B2DD-4982-BF11-511B650715D7}"/>
@@ -5782,7 +9056,7 @@
         </p:nvSpPr>
         <p:spPr>
           <a:xfrm>
-            <a:off x="6599373" y="368490"/>
+            <a:off x="7001167" y="370478"/>
             <a:ext cx="2115918" cy="1080000"/>
           </a:xfrm>
           <a:prstGeom prst="rect">
@@ -5831,7 +9105,7 @@
       </p:sp>
       <p:sp>
         <p:nvSpPr>
-          <p:cNvPr id="51" name="Прямоугольник 50">
+          <p:cNvPr id="29" name="Прямоугольник 28">
             <a:extLst>
               <a:ext uri="{FF2B5EF4-FFF2-40B4-BE49-F238E27FC236}">
                 <a16:creationId xmlns:a16="http://schemas.microsoft.com/office/drawing/2014/main" xmlns="" id="{D603320C-9192-4F3C-8114-F303A7CD6793}"/>
@@ -5843,7 +9117,7 @@
         </p:nvSpPr>
         <p:spPr>
           <a:xfrm>
-            <a:off x="13016576" y="1773447"/>
+            <a:off x="13418370" y="1775435"/>
             <a:ext cx="2115918" cy="1080000"/>
           </a:xfrm>
           <a:prstGeom prst="rect">
@@ -5940,7 +9214,7 @@
       </p:sp>
       <p:sp>
         <p:nvSpPr>
-          <p:cNvPr id="52" name="Прямоугольник 51">
+          <p:cNvPr id="30" name="Прямоугольник 29">
             <a:extLst>
               <a:ext uri="{FF2B5EF4-FFF2-40B4-BE49-F238E27FC236}">
                 <a16:creationId xmlns:a16="http://schemas.microsoft.com/office/drawing/2014/main" xmlns="" id="{F50CFCD5-56FB-451D-9C26-A4B05088EFA7}"/>
@@ -5952,7 +9226,7 @@
         </p:nvSpPr>
         <p:spPr>
           <a:xfrm>
-            <a:off x="170687" y="1773447"/>
+            <a:off x="572481" y="1775435"/>
             <a:ext cx="2115918" cy="1080000"/>
           </a:xfrm>
           <a:prstGeom prst="rect">
@@ -6081,7 +9355,7 @@
       </p:sp>
       <p:sp>
         <p:nvSpPr>
-          <p:cNvPr id="53" name="Прямоугольник 52">
+          <p:cNvPr id="31" name="Прямоугольник 30">
             <a:extLst>
               <a:ext uri="{FF2B5EF4-FFF2-40B4-BE49-F238E27FC236}">
                 <a16:creationId xmlns:a16="http://schemas.microsoft.com/office/drawing/2014/main" xmlns="" id="{9B2453BF-815C-4325-B8B8-E6656C3248AB}"/>
@@ -6093,7 +9367,7 @@
         </p:nvSpPr>
         <p:spPr>
           <a:xfrm>
-            <a:off x="6599373" y="4576134"/>
+            <a:off x="7001167" y="4578122"/>
             <a:ext cx="2115918" cy="1080000"/>
           </a:xfrm>
           <a:prstGeom prst="rect">
@@ -6142,7 +9416,7 @@
       </p:sp>
       <p:sp>
         <p:nvSpPr>
-          <p:cNvPr id="54" name="Прямоугольник 53">
+          <p:cNvPr id="32" name="Прямоугольник 31">
             <a:extLst>
               <a:ext uri="{FF2B5EF4-FFF2-40B4-BE49-F238E27FC236}">
                 <a16:creationId xmlns:a16="http://schemas.microsoft.com/office/drawing/2014/main" xmlns="" id="{7DF6CD79-8349-4E75-89EF-5208B3487C7C}"/>
@@ -6154,7 +9428,7 @@
         </p:nvSpPr>
         <p:spPr>
           <a:xfrm>
-            <a:off x="10474085" y="1773447"/>
+            <a:off x="10875879" y="1775435"/>
             <a:ext cx="2115918" cy="1080000"/>
           </a:xfrm>
           <a:prstGeom prst="rect">
@@ -6239,7 +9513,7 @@
       </p:sp>
       <p:sp>
         <p:nvSpPr>
-          <p:cNvPr id="56" name="Прямоугольник 55">
+          <p:cNvPr id="33" name="Прямоугольник 32">
             <a:extLst>
               <a:ext uri="{FF2B5EF4-FFF2-40B4-BE49-F238E27FC236}">
                 <a16:creationId xmlns:a16="http://schemas.microsoft.com/office/drawing/2014/main" xmlns="" id="{5ECB5972-DF2F-44B1-9C1F-35B746F0DE1F}"/>
@@ -6251,7 +9525,7 @@
         </p:nvSpPr>
         <p:spPr>
           <a:xfrm>
-            <a:off x="7900625" y="3177132"/>
+            <a:off x="8302419" y="3179120"/>
             <a:ext cx="2115918" cy="1080000"/>
           </a:xfrm>
           <a:prstGeom prst="rect">
@@ -6332,7 +9606,7 @@
       </p:sp>
       <p:sp>
         <p:nvSpPr>
-          <p:cNvPr id="57" name="Прямоугольник 56">
+          <p:cNvPr id="34" name="Прямоугольник 33">
             <a:extLst>
               <a:ext uri="{FF2B5EF4-FFF2-40B4-BE49-F238E27FC236}">
                 <a16:creationId xmlns:a16="http://schemas.microsoft.com/office/drawing/2014/main" xmlns="" id="{1FB752A9-4E9A-49DC-BBFD-B10E15AF187E}"/>
@@ -6344,7 +9618,7 @@
         </p:nvSpPr>
         <p:spPr>
           <a:xfrm>
-            <a:off x="10474085" y="3177132"/>
+            <a:off x="10875879" y="3179120"/>
             <a:ext cx="2115918" cy="1080000"/>
           </a:xfrm>
           <a:prstGeom prst="rect">
@@ -6425,7 +9699,7 @@
       </p:sp>
       <p:sp>
         <p:nvSpPr>
-          <p:cNvPr id="58" name="Прямоугольник 57">
+          <p:cNvPr id="35" name="Прямоугольник 34">
             <a:extLst>
               <a:ext uri="{FF2B5EF4-FFF2-40B4-BE49-F238E27FC236}">
                 <a16:creationId xmlns:a16="http://schemas.microsoft.com/office/drawing/2014/main" xmlns="" id="{ABCFBB8E-0600-4889-AF1E-93958E5ECF80}"/>
@@ -6437,7 +9711,7 @@
         </p:nvSpPr>
         <p:spPr>
           <a:xfrm>
-            <a:off x="13016576" y="3177132"/>
+            <a:off x="13418370" y="3179120"/>
             <a:ext cx="2115918" cy="1080000"/>
           </a:xfrm>
           <a:prstGeom prst="rect">
@@ -6510,7 +9784,7 @@
       </p:sp>
       <p:cxnSp>
         <p:nvCxnSpPr>
-          <p:cNvPr id="59" name="Прямая соединительная линия 58">
+          <p:cNvPr id="36" name="Прямая соединительная линия 35">
             <a:extLst>
               <a:ext uri="{FF2B5EF4-FFF2-40B4-BE49-F238E27FC236}">
                 <a16:creationId xmlns:a16="http://schemas.microsoft.com/office/drawing/2014/main" xmlns="" id="{60EBFE69-647A-429E-AC54-DA932720C39C}"/>
@@ -6519,14 +9793,14 @@
           </p:cNvPr>
           <p:cNvCxnSpPr>
             <a:cxnSpLocks/>
-            <a:stCxn id="56" idx="3"/>
-            <a:endCxn id="57" idx="1"/>
+            <a:stCxn id="33" idx="3"/>
+            <a:endCxn id="34" idx="1"/>
           </p:cNvCxnSpPr>
           <p:nvPr/>
         </p:nvCxnSpPr>
         <p:spPr>
           <a:xfrm>
-            <a:off x="10016543" y="3717132"/>
+            <a:off x="10418337" y="3719120"/>
             <a:ext cx="457542" cy="0"/>
           </a:xfrm>
           <a:prstGeom prst="line">
@@ -6555,7 +9829,7 @@
       </p:cxnSp>
       <p:cxnSp>
         <p:nvCxnSpPr>
-          <p:cNvPr id="60" name="Прямая соединительная линия 59">
+          <p:cNvPr id="37" name="Прямая соединительная линия 36">
             <a:extLst>
               <a:ext uri="{FF2B5EF4-FFF2-40B4-BE49-F238E27FC236}">
                 <a16:creationId xmlns:a16="http://schemas.microsoft.com/office/drawing/2014/main" xmlns="" id="{BC399F68-80AE-433B-AD6B-370A5EE7AE92}"/>
@@ -6564,14 +9838,14 @@
           </p:cNvPr>
           <p:cNvCxnSpPr>
             <a:cxnSpLocks/>
-            <a:stCxn id="57" idx="3"/>
-            <a:endCxn id="58" idx="1"/>
+            <a:stCxn id="34" idx="3"/>
+            <a:endCxn id="35" idx="1"/>
           </p:cNvCxnSpPr>
           <p:nvPr/>
         </p:nvCxnSpPr>
         <p:spPr>
           <a:xfrm>
-            <a:off x="12590003" y="3717132"/>
+            <a:off x="12991797" y="3719120"/>
             <a:ext cx="426573" cy="0"/>
           </a:xfrm>
           <a:prstGeom prst="line">
@@ -6600,7 +9874,7 @@
       </p:cxnSp>
       <p:sp>
         <p:nvSpPr>
-          <p:cNvPr id="61" name="Прямоугольник 60">
+          <p:cNvPr id="38" name="Прямоугольник 37">
             <a:extLst>
               <a:ext uri="{FF2B5EF4-FFF2-40B4-BE49-F238E27FC236}">
                 <a16:creationId xmlns:a16="http://schemas.microsoft.com/office/drawing/2014/main" xmlns="" id="{BC23B88D-BA3D-4683-96F7-82A71C5C9056}"/>
@@ -6612,7 +9886,7 @@
         </p:nvSpPr>
         <p:spPr>
           <a:xfrm>
-            <a:off x="2747333" y="1766220"/>
+            <a:off x="3149127" y="1768208"/>
             <a:ext cx="2115918" cy="1080000"/>
           </a:xfrm>
           <a:prstGeom prst="rect">
@@ -6684,7 +9958,7 @@
       </p:sp>
       <p:cxnSp>
         <p:nvCxnSpPr>
-          <p:cNvPr id="62" name="Прямая соединительная линия 61">
+          <p:cNvPr id="39" name="Прямая соединительная линия 38">
             <a:extLst>
               <a:ext uri="{FF2B5EF4-FFF2-40B4-BE49-F238E27FC236}">
                 <a16:creationId xmlns:a16="http://schemas.microsoft.com/office/drawing/2014/main" xmlns="" id="{A57BCE41-DB05-40E8-A017-58EEF93FBE78}"/>
@@ -6693,14 +9967,14 @@
           </p:cNvPr>
           <p:cNvCxnSpPr>
             <a:cxnSpLocks/>
-            <a:stCxn id="61" idx="3"/>
-            <a:endCxn id="54" idx="1"/>
+            <a:stCxn id="38" idx="3"/>
+            <a:endCxn id="32" idx="1"/>
           </p:cNvCxnSpPr>
           <p:nvPr/>
         </p:nvCxnSpPr>
         <p:spPr>
           <a:xfrm>
-            <a:off x="4863251" y="2306220"/>
+            <a:off x="5265045" y="2308208"/>
             <a:ext cx="5610834" cy="7227"/>
           </a:xfrm>
           <a:prstGeom prst="line">
@@ -6729,7 +10003,7 @@
       </p:cxnSp>
       <p:sp>
         <p:nvSpPr>
-          <p:cNvPr id="63" name="Прямоугольник 62">
+          <p:cNvPr id="40" name="Прямоугольник 39">
             <a:extLst>
               <a:ext uri="{FF2B5EF4-FFF2-40B4-BE49-F238E27FC236}">
                 <a16:creationId xmlns:a16="http://schemas.microsoft.com/office/drawing/2014/main" xmlns="" id="{616C7DF2-824D-4388-BAF2-9351B348DB26}"/>
@@ -6741,7 +10015,7 @@
         </p:nvSpPr>
         <p:spPr>
           <a:xfrm>
-            <a:off x="5323979" y="3177132"/>
+            <a:off x="5725773" y="3179120"/>
             <a:ext cx="2115918" cy="1080000"/>
           </a:xfrm>
           <a:prstGeom prst="rect">
@@ -6777,7 +10051,7 @@
       </p:sp>
       <p:sp>
         <p:nvSpPr>
-          <p:cNvPr id="64" name="Прямоугольник 63">
+          <p:cNvPr id="41" name="Прямоугольник 40">
             <a:extLst>
               <a:ext uri="{FF2B5EF4-FFF2-40B4-BE49-F238E27FC236}">
                 <a16:creationId xmlns:a16="http://schemas.microsoft.com/office/drawing/2014/main" xmlns="" id="{CA9664A1-8081-4A0B-847E-404600F6E371}"/>
@@ -6789,7 +10063,7 @@
         </p:nvSpPr>
         <p:spPr>
           <a:xfrm>
-            <a:off x="2747333" y="3177132"/>
+            <a:off x="3149127" y="3179120"/>
             <a:ext cx="2115918" cy="1080000"/>
           </a:xfrm>
           <a:prstGeom prst="rect">
@@ -6833,7 +10107,7 @@
       </p:sp>
       <p:sp>
         <p:nvSpPr>
-          <p:cNvPr id="65" name="Прямоугольник 64">
+          <p:cNvPr id="42" name="Прямоугольник 41">
             <a:extLst>
               <a:ext uri="{FF2B5EF4-FFF2-40B4-BE49-F238E27FC236}">
                 <a16:creationId xmlns:a16="http://schemas.microsoft.com/office/drawing/2014/main" xmlns="" id="{76A83F02-0AC8-4720-BA0D-43C55873A1F9}"/>
@@ -6845,7 +10119,7 @@
         </p:nvSpPr>
         <p:spPr>
           <a:xfrm>
-            <a:off x="170687" y="3177132"/>
+            <a:off x="572481" y="3179120"/>
             <a:ext cx="2115918" cy="1080000"/>
           </a:xfrm>
           <a:prstGeom prst="rect">
@@ -6889,7 +10163,7 @@
       </p:sp>
       <p:cxnSp>
         <p:nvCxnSpPr>
-          <p:cNvPr id="66" name="Прямая соединительная линия 65">
+          <p:cNvPr id="43" name="Прямая соединительная линия 42">
             <a:extLst>
               <a:ext uri="{FF2B5EF4-FFF2-40B4-BE49-F238E27FC236}">
                 <a16:creationId xmlns:a16="http://schemas.microsoft.com/office/drawing/2014/main" xmlns="" id="{0A35F6D0-13A2-4541-BAFB-3E0D21244ECA}"/>
@@ -6898,14 +10172,14 @@
           </p:cNvPr>
           <p:cNvCxnSpPr>
             <a:cxnSpLocks/>
-            <a:stCxn id="65" idx="3"/>
-            <a:endCxn id="64" idx="1"/>
+            <a:stCxn id="42" idx="3"/>
+            <a:endCxn id="41" idx="1"/>
           </p:cNvCxnSpPr>
           <p:nvPr/>
         </p:nvCxnSpPr>
         <p:spPr>
           <a:xfrm>
-            <a:off x="2286605" y="3717132"/>
+            <a:off x="2688399" y="3719120"/>
             <a:ext cx="460728" cy="0"/>
           </a:xfrm>
           <a:prstGeom prst="line">
@@ -6934,7 +10208,7 @@
       </p:cxnSp>
       <p:cxnSp>
         <p:nvCxnSpPr>
-          <p:cNvPr id="67" name="Прямая соединительная линия 66">
+          <p:cNvPr id="44" name="Прямая соединительная линия 43">
             <a:extLst>
               <a:ext uri="{FF2B5EF4-FFF2-40B4-BE49-F238E27FC236}">
                 <a16:creationId xmlns:a16="http://schemas.microsoft.com/office/drawing/2014/main" xmlns="" id="{878D9B60-E30F-48F7-AF3A-F9D13F7EB637}"/>
@@ -6943,14 +10217,14 @@
           </p:cNvPr>
           <p:cNvCxnSpPr>
             <a:cxnSpLocks/>
-            <a:stCxn id="64" idx="3"/>
-            <a:endCxn id="63" idx="1"/>
+            <a:stCxn id="41" idx="3"/>
+            <a:endCxn id="40" idx="1"/>
           </p:cNvCxnSpPr>
           <p:nvPr/>
         </p:nvCxnSpPr>
         <p:spPr>
           <a:xfrm>
-            <a:off x="4863251" y="3717132"/>
+            <a:off x="5265045" y="3719120"/>
             <a:ext cx="460728" cy="0"/>
           </a:xfrm>
           <a:prstGeom prst="line">
@@ -6979,7 +10253,7 @@
       </p:cxnSp>
       <p:sp>
         <p:nvSpPr>
-          <p:cNvPr id="55" name="Прямоугольник 54">
+          <p:cNvPr id="45" name="Прямоугольник 44">
             <a:extLst>
               <a:ext uri="{FF2B5EF4-FFF2-40B4-BE49-F238E27FC236}">
                 <a16:creationId xmlns:a16="http://schemas.microsoft.com/office/drawing/2014/main" xmlns="" id="{9C36B8C8-DB85-4762-B3CC-B09935511617}"/>
@@ -6991,7 +10265,7 @@
         </p:nvSpPr>
         <p:spPr>
           <a:xfrm>
-            <a:off x="1457241" y="7610467"/>
+            <a:off x="1859035" y="7612455"/>
             <a:ext cx="2115918" cy="1080000"/>
           </a:xfrm>
           <a:prstGeom prst="rect">
@@ -7092,7 +10366,7 @@
       </p:sp>
       <p:sp>
         <p:nvSpPr>
-          <p:cNvPr id="68" name="Прямоугольник 67">
+          <p:cNvPr id="46" name="Прямоугольник 45">
             <a:extLst>
               <a:ext uri="{FF2B5EF4-FFF2-40B4-BE49-F238E27FC236}">
                 <a16:creationId xmlns:a16="http://schemas.microsoft.com/office/drawing/2014/main" xmlns="" id="{8EDB5027-76F8-4F26-B70B-62E851625221}"/>
@@ -7104,7 +10378,7 @@
         </p:nvSpPr>
         <p:spPr>
           <a:xfrm>
-            <a:off x="1457241" y="8956527"/>
+            <a:off x="1859035" y="8958515"/>
             <a:ext cx="2115918" cy="1080000"/>
           </a:xfrm>
           <a:prstGeom prst="rect">
@@ -7217,7 +10491,7 @@
       </p:sp>
       <p:sp>
         <p:nvSpPr>
-          <p:cNvPr id="69" name="Прямоугольник 68">
+          <p:cNvPr id="47" name="Прямоугольник 46">
             <a:extLst>
               <a:ext uri="{FF2B5EF4-FFF2-40B4-BE49-F238E27FC236}">
                 <a16:creationId xmlns:a16="http://schemas.microsoft.com/office/drawing/2014/main" xmlns="" id="{A6C53A3B-D171-4BA3-81CD-BBB29B60A2E2}"/>
@@ -7229,7 +10503,7 @@
         </p:nvSpPr>
         <p:spPr>
           <a:xfrm>
-            <a:off x="2745564" y="10356274"/>
+            <a:off x="3147358" y="10358262"/>
             <a:ext cx="2115918" cy="1080000"/>
           </a:xfrm>
           <a:prstGeom prst="rect">
@@ -7270,7 +10544,7 @@
       </p:sp>
       <p:sp>
         <p:nvSpPr>
-          <p:cNvPr id="70" name="Прямоугольник 69">
+          <p:cNvPr id="48" name="Прямоугольник 47">
             <a:extLst>
               <a:ext uri="{FF2B5EF4-FFF2-40B4-BE49-F238E27FC236}">
                 <a16:creationId xmlns:a16="http://schemas.microsoft.com/office/drawing/2014/main" xmlns="" id="{050C0F0F-0F5F-4137-8947-062470264E5C}"/>
@@ -7282,7 +10556,7 @@
         </p:nvSpPr>
         <p:spPr>
           <a:xfrm>
-            <a:off x="4033887" y="7610467"/>
+            <a:off x="4435681" y="7612455"/>
             <a:ext cx="2115918" cy="1080000"/>
           </a:xfrm>
           <a:prstGeom prst="rect">
@@ -7323,7 +10597,7 @@
       </p:sp>
       <p:sp>
         <p:nvSpPr>
-          <p:cNvPr id="71" name="Прямоугольник 70">
+          <p:cNvPr id="49" name="Прямоугольник 48">
             <a:extLst>
               <a:ext uri="{FF2B5EF4-FFF2-40B4-BE49-F238E27FC236}">
                 <a16:creationId xmlns:a16="http://schemas.microsoft.com/office/drawing/2014/main" xmlns="" id="{76AD3F43-559A-4E69-95CF-A58B1D4643BB}"/>
@@ -7335,7 +10609,7 @@
         </p:nvSpPr>
         <p:spPr>
           <a:xfrm>
-            <a:off x="4033887" y="8956527"/>
+            <a:off x="4435681" y="8958515"/>
             <a:ext cx="2115918" cy="1080000"/>
           </a:xfrm>
           <a:prstGeom prst="rect">
@@ -7416,7 +10690,7 @@
       </p:sp>
       <p:cxnSp>
         <p:nvCxnSpPr>
-          <p:cNvPr id="72" name="Соединительная линия уступом 523">
+          <p:cNvPr id="50" name="Соединительная линия уступом 523">
             <a:extLst>
               <a:ext uri="{FF2B5EF4-FFF2-40B4-BE49-F238E27FC236}">
                 <a16:creationId xmlns:a16="http://schemas.microsoft.com/office/drawing/2014/main" xmlns="" id="{2A25F4B4-02B5-440D-93F5-CFBC12D61896}"/>
@@ -7425,15 +10699,994 @@
           </p:cNvPr>
           <p:cNvCxnSpPr>
             <a:cxnSpLocks/>
-            <a:stCxn id="50" idx="2"/>
-            <a:endCxn id="51" idx="0"/>
+            <a:stCxn id="28" idx="2"/>
+            <a:endCxn id="29" idx="0"/>
           </p:cNvCxnSpPr>
           <p:nvPr/>
         </p:nvCxnSpPr>
         <p:spPr>
           <a:xfrm rot="16200000" flipH="1">
-            <a:off x="10703455" y="-1597634"/>
+            <a:off x="11105249" y="-1595646"/>
             <a:ext cx="324957" cy="6417203"/>
+          </a:xfrm>
+          <a:prstGeom prst="bentConnector3">
+            <a:avLst>
+              <a:gd name="adj1" fmla="val 50000"/>
+            </a:avLst>
+          </a:prstGeom>
+          <a:ln w="28575">
+            <a:tailEnd type="arrow"/>
+          </a:ln>
+        </p:spPr>
+        <p:style>
+          <a:lnRef idx="1">
+            <a:schemeClr val="accent1"/>
+          </a:lnRef>
+          <a:fillRef idx="0">
+            <a:schemeClr val="accent1"/>
+          </a:fillRef>
+          <a:effectRef idx="0">
+            <a:schemeClr val="accent1"/>
+          </a:effectRef>
+          <a:fontRef idx="minor">
+            <a:schemeClr val="tx1"/>
+          </a:fontRef>
+        </p:style>
+      </p:cxnSp>
+      <p:cxnSp>
+        <p:nvCxnSpPr>
+          <p:cNvPr id="51" name="Соединительная линия уступом 523">
+            <a:extLst>
+              <a:ext uri="{FF2B5EF4-FFF2-40B4-BE49-F238E27FC236}">
+                <a16:creationId xmlns:a16="http://schemas.microsoft.com/office/drawing/2014/main" xmlns="" id="{C303E358-F5A9-4491-95C6-7400F87B3853}"/>
+              </a:ext>
+            </a:extLst>
+          </p:cNvPr>
+          <p:cNvCxnSpPr>
+            <a:cxnSpLocks/>
+            <a:stCxn id="28" idx="2"/>
+            <a:endCxn id="38" idx="0"/>
+          </p:cNvCxnSpPr>
+          <p:nvPr/>
+        </p:nvCxnSpPr>
+        <p:spPr>
+          <a:xfrm rot="5400000">
+            <a:off x="5974241" y="-316677"/>
+            <a:ext cx="317730" cy="3852040"/>
+          </a:xfrm>
+          <a:prstGeom prst="bentConnector3">
+            <a:avLst>
+              <a:gd name="adj1" fmla="val 50000"/>
+            </a:avLst>
+          </a:prstGeom>
+          <a:ln w="28575">
+            <a:tailEnd type="arrow"/>
+          </a:ln>
+        </p:spPr>
+        <p:style>
+          <a:lnRef idx="1">
+            <a:schemeClr val="accent1"/>
+          </a:lnRef>
+          <a:fillRef idx="0">
+            <a:schemeClr val="accent1"/>
+          </a:fillRef>
+          <a:effectRef idx="0">
+            <a:schemeClr val="accent1"/>
+          </a:effectRef>
+          <a:fontRef idx="minor">
+            <a:schemeClr val="tx1"/>
+          </a:fontRef>
+        </p:style>
+      </p:cxnSp>
+      <p:cxnSp>
+        <p:nvCxnSpPr>
+          <p:cNvPr id="52" name="Соединительная линия уступом 523">
+            <a:extLst>
+              <a:ext uri="{FF2B5EF4-FFF2-40B4-BE49-F238E27FC236}">
+                <a16:creationId xmlns:a16="http://schemas.microsoft.com/office/drawing/2014/main" xmlns="" id="{E2C02A62-C523-45E8-8EB1-CC2016531DBF}"/>
+              </a:ext>
+            </a:extLst>
+          </p:cNvPr>
+          <p:cNvCxnSpPr>
+            <a:cxnSpLocks/>
+            <a:stCxn id="28" idx="2"/>
+            <a:endCxn id="30" idx="0"/>
+          </p:cNvCxnSpPr>
+          <p:nvPr/>
+        </p:nvCxnSpPr>
+        <p:spPr>
+          <a:xfrm rot="5400000">
+            <a:off x="4682305" y="-1601387"/>
+            <a:ext cx="324957" cy="6428686"/>
+          </a:xfrm>
+          <a:prstGeom prst="bentConnector3">
+            <a:avLst>
+              <a:gd name="adj1" fmla="val 50000"/>
+            </a:avLst>
+          </a:prstGeom>
+          <a:ln w="28575">
+            <a:tailEnd type="arrow"/>
+          </a:ln>
+        </p:spPr>
+        <p:style>
+          <a:lnRef idx="1">
+            <a:schemeClr val="accent1"/>
+          </a:lnRef>
+          <a:fillRef idx="0">
+            <a:schemeClr val="accent1"/>
+          </a:fillRef>
+          <a:effectRef idx="0">
+            <a:schemeClr val="accent1"/>
+          </a:effectRef>
+          <a:fontRef idx="minor">
+            <a:schemeClr val="tx1"/>
+          </a:fontRef>
+        </p:style>
+      </p:cxnSp>
+      <p:cxnSp>
+        <p:nvCxnSpPr>
+          <p:cNvPr id="53" name="Соединительная линия уступом 523">
+            <a:extLst>
+              <a:ext uri="{FF2B5EF4-FFF2-40B4-BE49-F238E27FC236}">
+                <a16:creationId xmlns:a16="http://schemas.microsoft.com/office/drawing/2014/main" xmlns="" id="{69F338FF-D8FA-4705-9387-D860ADD66E20}"/>
+              </a:ext>
+            </a:extLst>
+          </p:cNvPr>
+          <p:cNvCxnSpPr>
+            <a:cxnSpLocks/>
+            <a:stCxn id="38" idx="2"/>
+            <a:endCxn id="40" idx="0"/>
+          </p:cNvCxnSpPr>
+          <p:nvPr/>
+        </p:nvCxnSpPr>
+        <p:spPr>
+          <a:xfrm rot="16200000" flipH="1">
+            <a:off x="5329953" y="1725341"/>
+            <a:ext cx="330912" cy="2576646"/>
+          </a:xfrm>
+          <a:prstGeom prst="bentConnector3">
+            <a:avLst>
+              <a:gd name="adj1" fmla="val 50000"/>
+            </a:avLst>
+          </a:prstGeom>
+          <a:ln w="28575">
+            <a:tailEnd type="arrow"/>
+          </a:ln>
+        </p:spPr>
+        <p:style>
+          <a:lnRef idx="1">
+            <a:schemeClr val="accent1"/>
+          </a:lnRef>
+          <a:fillRef idx="0">
+            <a:schemeClr val="accent1"/>
+          </a:fillRef>
+          <a:effectRef idx="0">
+            <a:schemeClr val="accent1"/>
+          </a:effectRef>
+          <a:fontRef idx="minor">
+            <a:schemeClr val="tx1"/>
+          </a:fontRef>
+        </p:style>
+      </p:cxnSp>
+      <p:cxnSp>
+        <p:nvCxnSpPr>
+          <p:cNvPr id="54" name="Соединительная линия уступом 523">
+            <a:extLst>
+              <a:ext uri="{FF2B5EF4-FFF2-40B4-BE49-F238E27FC236}">
+                <a16:creationId xmlns:a16="http://schemas.microsoft.com/office/drawing/2014/main" xmlns="" id="{F8F4E366-172F-4FC2-BE12-AEED0FAE5B6E}"/>
+              </a:ext>
+            </a:extLst>
+          </p:cNvPr>
+          <p:cNvCxnSpPr>
+            <a:cxnSpLocks/>
+            <a:stCxn id="38" idx="2"/>
+            <a:endCxn id="42" idx="0"/>
+          </p:cNvCxnSpPr>
+          <p:nvPr/>
+        </p:nvCxnSpPr>
+        <p:spPr>
+          <a:xfrm rot="5400000">
+            <a:off x="2753307" y="1725341"/>
+            <a:ext cx="330912" cy="2576646"/>
+          </a:xfrm>
+          <a:prstGeom prst="bentConnector3">
+            <a:avLst>
+              <a:gd name="adj1" fmla="val 50000"/>
+            </a:avLst>
+          </a:prstGeom>
+          <a:ln w="28575">
+            <a:tailEnd type="arrow"/>
+          </a:ln>
+        </p:spPr>
+        <p:style>
+          <a:lnRef idx="1">
+            <a:schemeClr val="accent1"/>
+          </a:lnRef>
+          <a:fillRef idx="0">
+            <a:schemeClr val="accent1"/>
+          </a:fillRef>
+          <a:effectRef idx="0">
+            <a:schemeClr val="accent1"/>
+          </a:effectRef>
+          <a:fontRef idx="minor">
+            <a:schemeClr val="tx1"/>
+          </a:fontRef>
+        </p:style>
+      </p:cxnSp>
+      <p:sp>
+        <p:nvSpPr>
+          <p:cNvPr id="55" name="Прямоугольник 54">
+            <a:extLst>
+              <a:ext uri="{FF2B5EF4-FFF2-40B4-BE49-F238E27FC236}">
+                <a16:creationId xmlns:a16="http://schemas.microsoft.com/office/drawing/2014/main" xmlns="" id="{D080EE49-8689-462D-BAED-5974EFA28A33}"/>
+              </a:ext>
+            </a:extLst>
+          </p:cNvPr>
+          <p:cNvSpPr/>
+          <p:nvPr/>
+        </p:nvSpPr>
+        <p:spPr>
+          <a:xfrm>
+            <a:off x="3147358" y="6152095"/>
+            <a:ext cx="2115918" cy="1080000"/>
+          </a:xfrm>
+          <a:prstGeom prst="rect">
+            <a:avLst/>
+          </a:prstGeom>
+          <a:ln w="28575"/>
+        </p:spPr>
+        <p:style>
+          <a:lnRef idx="2">
+            <a:schemeClr val="accent1"/>
+          </a:lnRef>
+          <a:fillRef idx="1">
+            <a:schemeClr val="lt1"/>
+          </a:fillRef>
+          <a:effectRef idx="0">
+            <a:schemeClr val="accent1"/>
+          </a:effectRef>
+          <a:fontRef idx="minor">
+            <a:schemeClr val="dk1"/>
+          </a:fontRef>
+        </p:style>
+        <p:txBody>
+          <a:bodyPr lIns="124733" tIns="62367" rIns="124733" bIns="62367" rtlCol="0" anchor="ctr"/>
+          <a:lstStyle/>
+          <a:p>
+            <a:pPr algn="ctr"/>
+            <a:r>
+              <a:rPr lang="ru-RU" sz="1400" dirty="0"/>
+              <a:t>Нарастить военный бюджет</a:t>
+            </a:r>
+          </a:p>
+        </p:txBody>
+      </p:sp>
+      <p:cxnSp>
+        <p:nvCxnSpPr>
+          <p:cNvPr id="56" name="Прямая со стрелкой 55">
+            <a:extLst>
+              <a:ext uri="{FF2B5EF4-FFF2-40B4-BE49-F238E27FC236}">
+                <a16:creationId xmlns:a16="http://schemas.microsoft.com/office/drawing/2014/main" xmlns="" id="{8FA20AE9-5B1F-4302-BE76-1B9DEE6BED1E}"/>
+              </a:ext>
+            </a:extLst>
+          </p:cNvPr>
+          <p:cNvCxnSpPr>
+            <a:cxnSpLocks/>
+            <a:stCxn id="4" idx="2"/>
+            <a:endCxn id="7" idx="0"/>
+          </p:cNvCxnSpPr>
+          <p:nvPr/>
+        </p:nvCxnSpPr>
+        <p:spPr>
+          <a:xfrm>
+            <a:off x="17049789" y="2848208"/>
+            <a:ext cx="0" cy="319747"/>
+          </a:xfrm>
+          <a:prstGeom prst="straightConnector1">
+            <a:avLst/>
+          </a:prstGeom>
+          <a:ln w="28575">
+            <a:tailEnd type="arrow"/>
+          </a:ln>
+        </p:spPr>
+        <p:style>
+          <a:lnRef idx="1">
+            <a:schemeClr val="accent1"/>
+          </a:lnRef>
+          <a:fillRef idx="0">
+            <a:schemeClr val="accent1"/>
+          </a:fillRef>
+          <a:effectRef idx="0">
+            <a:schemeClr val="accent1"/>
+          </a:effectRef>
+          <a:fontRef idx="minor">
+            <a:schemeClr val="tx1"/>
+          </a:fontRef>
+        </p:style>
+      </p:cxnSp>
+      <p:cxnSp>
+        <p:nvCxnSpPr>
+          <p:cNvPr id="57" name="Прямая со стрелкой 56">
+            <a:extLst>
+              <a:ext uri="{FF2B5EF4-FFF2-40B4-BE49-F238E27FC236}">
+                <a16:creationId xmlns:a16="http://schemas.microsoft.com/office/drawing/2014/main" xmlns="" id="{598EEC52-FAAD-4C68-B6C4-904FD02558FE}"/>
+              </a:ext>
+            </a:extLst>
+          </p:cNvPr>
+          <p:cNvCxnSpPr>
+            <a:cxnSpLocks/>
+            <a:stCxn id="7" idx="2"/>
+            <a:endCxn id="10" idx="0"/>
+          </p:cNvCxnSpPr>
+          <p:nvPr/>
+        </p:nvCxnSpPr>
+        <p:spPr>
+          <a:xfrm>
+            <a:off x="17049789" y="4247955"/>
+            <a:ext cx="0" cy="330167"/>
+          </a:xfrm>
+          <a:prstGeom prst="straightConnector1">
+            <a:avLst/>
+          </a:prstGeom>
+          <a:ln w="28575">
+            <a:tailEnd type="arrow"/>
+          </a:ln>
+        </p:spPr>
+        <p:style>
+          <a:lnRef idx="1">
+            <a:schemeClr val="accent1"/>
+          </a:lnRef>
+          <a:fillRef idx="0">
+            <a:schemeClr val="accent1"/>
+          </a:fillRef>
+          <a:effectRef idx="0">
+            <a:schemeClr val="accent1"/>
+          </a:effectRef>
+          <a:fontRef idx="minor">
+            <a:schemeClr val="tx1"/>
+          </a:fontRef>
+        </p:style>
+      </p:cxnSp>
+      <p:cxnSp>
+        <p:nvCxnSpPr>
+          <p:cNvPr id="58" name="Соединительная линия уступом 523">
+            <a:extLst>
+              <a:ext uri="{FF2B5EF4-FFF2-40B4-BE49-F238E27FC236}">
+                <a16:creationId xmlns:a16="http://schemas.microsoft.com/office/drawing/2014/main" xmlns="" id="{6D52E519-D038-4281-A080-101A7FB243C8}"/>
+              </a:ext>
+            </a:extLst>
+          </p:cNvPr>
+          <p:cNvCxnSpPr>
+            <a:cxnSpLocks/>
+            <a:stCxn id="55" idx="2"/>
+            <a:endCxn id="48" idx="0"/>
+          </p:cNvCxnSpPr>
+          <p:nvPr/>
+        </p:nvCxnSpPr>
+        <p:spPr>
+          <a:xfrm rot="16200000" flipH="1">
+            <a:off x="4659298" y="6778113"/>
+            <a:ext cx="380360" cy="1288323"/>
+          </a:xfrm>
+          <a:prstGeom prst="bentConnector3">
+            <a:avLst>
+              <a:gd name="adj1" fmla="val 50000"/>
+            </a:avLst>
+          </a:prstGeom>
+          <a:ln w="28575">
+            <a:tailEnd type="arrow"/>
+          </a:ln>
+        </p:spPr>
+        <p:style>
+          <a:lnRef idx="1">
+            <a:schemeClr val="accent1"/>
+          </a:lnRef>
+          <a:fillRef idx="0">
+            <a:schemeClr val="accent1"/>
+          </a:fillRef>
+          <a:effectRef idx="0">
+            <a:schemeClr val="accent1"/>
+          </a:effectRef>
+          <a:fontRef idx="minor">
+            <a:schemeClr val="tx1"/>
+          </a:fontRef>
+        </p:style>
+      </p:cxnSp>
+      <p:cxnSp>
+        <p:nvCxnSpPr>
+          <p:cNvPr id="59" name="Соединительная линия уступом 523">
+            <a:extLst>
+              <a:ext uri="{FF2B5EF4-FFF2-40B4-BE49-F238E27FC236}">
+                <a16:creationId xmlns:a16="http://schemas.microsoft.com/office/drawing/2014/main" xmlns="" id="{E8C4D606-BFC2-4579-8ECA-38A266566981}"/>
+              </a:ext>
+            </a:extLst>
+          </p:cNvPr>
+          <p:cNvCxnSpPr>
+            <a:cxnSpLocks/>
+            <a:stCxn id="55" idx="2"/>
+            <a:endCxn id="45" idx="0"/>
+          </p:cNvCxnSpPr>
+          <p:nvPr/>
+        </p:nvCxnSpPr>
+        <p:spPr>
+          <a:xfrm rot="5400000">
+            <a:off x="3370976" y="6778114"/>
+            <a:ext cx="380360" cy="1288323"/>
+          </a:xfrm>
+          <a:prstGeom prst="bentConnector3">
+            <a:avLst>
+              <a:gd name="adj1" fmla="val 50000"/>
+            </a:avLst>
+          </a:prstGeom>
+          <a:ln w="28575">
+            <a:tailEnd type="arrow"/>
+          </a:ln>
+        </p:spPr>
+        <p:style>
+          <a:lnRef idx="1">
+            <a:schemeClr val="accent1"/>
+          </a:lnRef>
+          <a:fillRef idx="0">
+            <a:schemeClr val="accent1"/>
+          </a:fillRef>
+          <a:effectRef idx="0">
+            <a:schemeClr val="accent1"/>
+          </a:effectRef>
+          <a:fontRef idx="minor">
+            <a:schemeClr val="tx1"/>
+          </a:fontRef>
+        </p:style>
+      </p:cxnSp>
+      <p:cxnSp>
+        <p:nvCxnSpPr>
+          <p:cNvPr id="60" name="Прямая со стрелкой 59">
+            <a:extLst>
+              <a:ext uri="{FF2B5EF4-FFF2-40B4-BE49-F238E27FC236}">
+                <a16:creationId xmlns:a16="http://schemas.microsoft.com/office/drawing/2014/main" xmlns="" id="{E03D7C26-0A3B-4123-B72F-8456A408EDFB}"/>
+              </a:ext>
+            </a:extLst>
+          </p:cNvPr>
+          <p:cNvCxnSpPr>
+            <a:cxnSpLocks/>
+            <a:stCxn id="48" idx="2"/>
+            <a:endCxn id="49" idx="0"/>
+          </p:cNvCxnSpPr>
+          <p:nvPr/>
+        </p:nvCxnSpPr>
+        <p:spPr>
+          <a:xfrm>
+            <a:off x="5493640" y="8692455"/>
+            <a:ext cx="0" cy="266060"/>
+          </a:xfrm>
+          <a:prstGeom prst="straightConnector1">
+            <a:avLst/>
+          </a:prstGeom>
+          <a:ln w="28575">
+            <a:tailEnd type="arrow"/>
+          </a:ln>
+        </p:spPr>
+        <p:style>
+          <a:lnRef idx="1">
+            <a:schemeClr val="accent1"/>
+          </a:lnRef>
+          <a:fillRef idx="0">
+            <a:schemeClr val="accent1"/>
+          </a:fillRef>
+          <a:effectRef idx="0">
+            <a:schemeClr val="accent1"/>
+          </a:effectRef>
+          <a:fontRef idx="minor">
+            <a:schemeClr val="tx1"/>
+          </a:fontRef>
+        </p:style>
+      </p:cxnSp>
+      <p:cxnSp>
+        <p:nvCxnSpPr>
+          <p:cNvPr id="61" name="Прямая со стрелкой 60">
+            <a:extLst>
+              <a:ext uri="{FF2B5EF4-FFF2-40B4-BE49-F238E27FC236}">
+                <a16:creationId xmlns:a16="http://schemas.microsoft.com/office/drawing/2014/main" xmlns="" id="{740ED13F-5617-44FB-AB16-EFD3E35B5466}"/>
+              </a:ext>
+            </a:extLst>
+          </p:cNvPr>
+          <p:cNvCxnSpPr>
+            <a:cxnSpLocks/>
+            <a:stCxn id="45" idx="2"/>
+            <a:endCxn id="46" idx="0"/>
+          </p:cNvCxnSpPr>
+          <p:nvPr/>
+        </p:nvCxnSpPr>
+        <p:spPr>
+          <a:xfrm>
+            <a:off x="2916994" y="8692455"/>
+            <a:ext cx="0" cy="266060"/>
+          </a:xfrm>
+          <a:prstGeom prst="straightConnector1">
+            <a:avLst/>
+          </a:prstGeom>
+          <a:ln w="28575">
+            <a:tailEnd type="arrow"/>
+          </a:ln>
+        </p:spPr>
+        <p:style>
+          <a:lnRef idx="1">
+            <a:schemeClr val="accent1"/>
+          </a:lnRef>
+          <a:fillRef idx="0">
+            <a:schemeClr val="accent1"/>
+          </a:fillRef>
+          <a:effectRef idx="0">
+            <a:schemeClr val="accent1"/>
+          </a:effectRef>
+          <a:fontRef idx="minor">
+            <a:schemeClr val="tx1"/>
+          </a:fontRef>
+        </p:style>
+      </p:cxnSp>
+      <p:cxnSp>
+        <p:nvCxnSpPr>
+          <p:cNvPr id="62" name="Прямая со стрелкой 61">
+            <a:extLst>
+              <a:ext uri="{FF2B5EF4-FFF2-40B4-BE49-F238E27FC236}">
+                <a16:creationId xmlns:a16="http://schemas.microsoft.com/office/drawing/2014/main" xmlns="" id="{71961C47-19A9-4AF4-BA51-2E5E53AA0C1E}"/>
+              </a:ext>
+            </a:extLst>
+          </p:cNvPr>
+          <p:cNvCxnSpPr>
+            <a:cxnSpLocks/>
+            <a:stCxn id="55" idx="2"/>
+            <a:endCxn id="47" idx="0"/>
+          </p:cNvCxnSpPr>
+          <p:nvPr/>
+        </p:nvCxnSpPr>
+        <p:spPr>
+          <a:xfrm>
+            <a:off x="4205317" y="7232095"/>
+            <a:ext cx="0" cy="3126167"/>
+          </a:xfrm>
+          <a:prstGeom prst="straightConnector1">
+            <a:avLst/>
+          </a:prstGeom>
+          <a:ln w="28575">
+            <a:tailEnd type="arrow"/>
+          </a:ln>
+        </p:spPr>
+        <p:style>
+          <a:lnRef idx="1">
+            <a:schemeClr val="accent1"/>
+          </a:lnRef>
+          <a:fillRef idx="0">
+            <a:schemeClr val="accent1"/>
+          </a:fillRef>
+          <a:effectRef idx="0">
+            <a:schemeClr val="accent1"/>
+          </a:effectRef>
+          <a:fontRef idx="minor">
+            <a:schemeClr val="tx1"/>
+          </a:fontRef>
+        </p:style>
+      </p:cxnSp>
+      <p:cxnSp>
+        <p:nvCxnSpPr>
+          <p:cNvPr id="63" name="Прямая со стрелкой 62">
+            <a:extLst>
+              <a:ext uri="{FF2B5EF4-FFF2-40B4-BE49-F238E27FC236}">
+                <a16:creationId xmlns:a16="http://schemas.microsoft.com/office/drawing/2014/main" xmlns="" id="{2DA0694A-EB41-4CE2-AA9E-B52FEE40DE0C}"/>
+              </a:ext>
+            </a:extLst>
+          </p:cNvPr>
+          <p:cNvCxnSpPr>
+            <a:cxnSpLocks/>
+            <a:stCxn id="19" idx="2"/>
+            <a:endCxn id="21" idx="0"/>
+          </p:cNvCxnSpPr>
+          <p:nvPr/>
+        </p:nvCxnSpPr>
+        <p:spPr>
+          <a:xfrm>
+            <a:off x="8070286" y="7232095"/>
+            <a:ext cx="0" cy="380360"/>
+          </a:xfrm>
+          <a:prstGeom prst="straightConnector1">
+            <a:avLst/>
+          </a:prstGeom>
+          <a:ln w="28575">
+            <a:tailEnd type="arrow"/>
+          </a:ln>
+        </p:spPr>
+        <p:style>
+          <a:lnRef idx="1">
+            <a:schemeClr val="accent1"/>
+          </a:lnRef>
+          <a:fillRef idx="0">
+            <a:schemeClr val="accent1"/>
+          </a:fillRef>
+          <a:effectRef idx="0">
+            <a:schemeClr val="accent1"/>
+          </a:effectRef>
+          <a:fontRef idx="minor">
+            <a:schemeClr val="tx1"/>
+          </a:fontRef>
+        </p:style>
+      </p:cxnSp>
+      <p:cxnSp>
+        <p:nvCxnSpPr>
+          <p:cNvPr id="64" name="Соединительная линия уступом 523">
+            <a:extLst>
+              <a:ext uri="{FF2B5EF4-FFF2-40B4-BE49-F238E27FC236}">
+                <a16:creationId xmlns:a16="http://schemas.microsoft.com/office/drawing/2014/main" xmlns="" id="{601DFF7D-F1EA-427A-9EC1-1385D719621D}"/>
+              </a:ext>
+            </a:extLst>
+          </p:cNvPr>
+          <p:cNvCxnSpPr>
+            <a:cxnSpLocks/>
+            <a:stCxn id="55" idx="2"/>
+            <a:endCxn id="20" idx="0"/>
+          </p:cNvCxnSpPr>
+          <p:nvPr/>
+        </p:nvCxnSpPr>
+        <p:spPr>
+          <a:xfrm rot="16200000" flipH="1">
+            <a:off x="3921221" y="7516190"/>
+            <a:ext cx="3126167" cy="2557975"/>
+          </a:xfrm>
+          <a:prstGeom prst="bentConnector3">
+            <a:avLst>
+              <a:gd name="adj1" fmla="val 6125"/>
+            </a:avLst>
+          </a:prstGeom>
+          <a:ln w="28575">
+            <a:tailEnd type="arrow"/>
+          </a:ln>
+        </p:spPr>
+        <p:style>
+          <a:lnRef idx="1">
+            <a:schemeClr val="accent1"/>
+          </a:lnRef>
+          <a:fillRef idx="0">
+            <a:schemeClr val="accent1"/>
+          </a:fillRef>
+          <a:effectRef idx="0">
+            <a:schemeClr val="accent1"/>
+          </a:effectRef>
+          <a:fontRef idx="minor">
+            <a:schemeClr val="tx1"/>
+          </a:fontRef>
+        </p:style>
+      </p:cxnSp>
+      <p:cxnSp>
+        <p:nvCxnSpPr>
+          <p:cNvPr id="65" name="Соединительная линия уступом 523">
+            <a:extLst>
+              <a:ext uri="{FF2B5EF4-FFF2-40B4-BE49-F238E27FC236}">
+                <a16:creationId xmlns:a16="http://schemas.microsoft.com/office/drawing/2014/main" xmlns="" id="{651B23A2-86E9-4468-A171-0DBCEA5D42E8}"/>
+              </a:ext>
+            </a:extLst>
+          </p:cNvPr>
+          <p:cNvCxnSpPr>
+            <a:cxnSpLocks/>
+            <a:stCxn id="21" idx="2"/>
+            <a:endCxn id="20" idx="0"/>
+          </p:cNvCxnSpPr>
+          <p:nvPr/>
+        </p:nvCxnSpPr>
+        <p:spPr>
+          <a:xfrm rot="5400000">
+            <a:off x="6583886" y="8871861"/>
+            <a:ext cx="1665807" cy="1306994"/>
+          </a:xfrm>
+          <a:prstGeom prst="bentConnector3">
+            <a:avLst>
+              <a:gd name="adj1" fmla="val 9974"/>
+            </a:avLst>
+          </a:prstGeom>
+          <a:ln w="28575">
+            <a:tailEnd type="arrow"/>
+          </a:ln>
+        </p:spPr>
+        <p:style>
+          <a:lnRef idx="1">
+            <a:schemeClr val="accent1"/>
+          </a:lnRef>
+          <a:fillRef idx="0">
+            <a:schemeClr val="accent1"/>
+          </a:fillRef>
+          <a:effectRef idx="0">
+            <a:schemeClr val="accent1"/>
+          </a:effectRef>
+          <a:fontRef idx="minor">
+            <a:schemeClr val="tx1"/>
+          </a:fontRef>
+        </p:style>
+      </p:cxnSp>
+      <p:cxnSp>
+        <p:nvCxnSpPr>
+          <p:cNvPr id="66" name="Соединительная линия уступом 523">
+            <a:extLst>
+              <a:ext uri="{FF2B5EF4-FFF2-40B4-BE49-F238E27FC236}">
+                <a16:creationId xmlns:a16="http://schemas.microsoft.com/office/drawing/2014/main" xmlns="" id="{6AC3527A-8784-4D6E-9EB8-0C6A3FB498F5}"/>
+              </a:ext>
+            </a:extLst>
+          </p:cNvPr>
+          <p:cNvCxnSpPr>
+            <a:cxnSpLocks/>
+            <a:stCxn id="9" idx="2"/>
+            <a:endCxn id="17" idx="0"/>
+          </p:cNvCxnSpPr>
+          <p:nvPr/>
+        </p:nvCxnSpPr>
+        <p:spPr>
+          <a:xfrm rot="5400000">
+            <a:off x="11102960" y="6776067"/>
+            <a:ext cx="374675" cy="1286730"/>
+          </a:xfrm>
+          <a:prstGeom prst="bentConnector3">
+            <a:avLst>
+              <a:gd name="adj1" fmla="val 50000"/>
+            </a:avLst>
+          </a:prstGeom>
+          <a:ln w="28575">
+            <a:tailEnd type="arrow"/>
+          </a:ln>
+        </p:spPr>
+        <p:style>
+          <a:lnRef idx="1">
+            <a:schemeClr val="accent1"/>
+          </a:lnRef>
+          <a:fillRef idx="0">
+            <a:schemeClr val="accent1"/>
+          </a:fillRef>
+          <a:effectRef idx="0">
+            <a:schemeClr val="accent1"/>
+          </a:effectRef>
+          <a:fontRef idx="minor">
+            <a:schemeClr val="tx1"/>
+          </a:fontRef>
+        </p:style>
+      </p:cxnSp>
+      <p:cxnSp>
+        <p:nvCxnSpPr>
+          <p:cNvPr id="67" name="Соединительная линия уступом 523">
+            <a:extLst>
+              <a:ext uri="{FF2B5EF4-FFF2-40B4-BE49-F238E27FC236}">
+                <a16:creationId xmlns:a16="http://schemas.microsoft.com/office/drawing/2014/main" xmlns="" id="{1E229524-E407-4977-93F3-A7442BE0F848}"/>
+              </a:ext>
+            </a:extLst>
+          </p:cNvPr>
+          <p:cNvCxnSpPr>
+            <a:cxnSpLocks/>
+            <a:stCxn id="9" idx="2"/>
+            <a:endCxn id="12" idx="0"/>
+          </p:cNvCxnSpPr>
+          <p:nvPr/>
+        </p:nvCxnSpPr>
+        <p:spPr>
+          <a:xfrm rot="16200000" flipH="1">
+            <a:off x="12389690" y="6776067"/>
+            <a:ext cx="374675" cy="1286730"/>
+          </a:xfrm>
+          <a:prstGeom prst="bentConnector3">
+            <a:avLst>
+              <a:gd name="adj1" fmla="val 50000"/>
+            </a:avLst>
+          </a:prstGeom>
+          <a:ln w="28575">
+            <a:tailEnd type="arrow"/>
+          </a:ln>
+        </p:spPr>
+        <p:style>
+          <a:lnRef idx="1">
+            <a:schemeClr val="accent1"/>
+          </a:lnRef>
+          <a:fillRef idx="0">
+            <a:schemeClr val="accent1"/>
+          </a:fillRef>
+          <a:effectRef idx="0">
+            <a:schemeClr val="accent1"/>
+          </a:effectRef>
+          <a:fontRef idx="minor">
+            <a:schemeClr val="tx1"/>
+          </a:fontRef>
+        </p:style>
+      </p:cxnSp>
+      <p:cxnSp>
+        <p:nvCxnSpPr>
+          <p:cNvPr id="68" name="Соединительная линия уступом 523">
+            <a:extLst>
+              <a:ext uri="{FF2B5EF4-FFF2-40B4-BE49-F238E27FC236}">
+                <a16:creationId xmlns:a16="http://schemas.microsoft.com/office/drawing/2014/main" xmlns="" id="{02643FCE-10F1-4393-8A90-521548C1C33B}"/>
+              </a:ext>
+            </a:extLst>
+          </p:cNvPr>
+          <p:cNvCxnSpPr>
+            <a:cxnSpLocks/>
+            <a:stCxn id="14" idx="2"/>
+            <a:endCxn id="13" idx="0"/>
+          </p:cNvCxnSpPr>
+          <p:nvPr/>
+        </p:nvCxnSpPr>
+        <p:spPr>
+          <a:xfrm rot="16200000" flipH="1">
+            <a:off x="14937954" y="6785778"/>
+            <a:ext cx="378613" cy="1271246"/>
+          </a:xfrm>
+          <a:prstGeom prst="bentConnector3">
+            <a:avLst>
+              <a:gd name="adj1" fmla="val 50000"/>
+            </a:avLst>
+          </a:prstGeom>
+          <a:ln w="28575">
+            <a:tailEnd type="arrow"/>
+          </a:ln>
+        </p:spPr>
+        <p:style>
+          <a:lnRef idx="1">
+            <a:schemeClr val="accent1"/>
+          </a:lnRef>
+          <a:fillRef idx="0">
+            <a:schemeClr val="accent1"/>
+          </a:fillRef>
+          <a:effectRef idx="0">
+            <a:schemeClr val="accent1"/>
+          </a:effectRef>
+          <a:fontRef idx="minor">
+            <a:schemeClr val="tx1"/>
+          </a:fontRef>
+        </p:style>
+      </p:cxnSp>
+      <p:cxnSp>
+        <p:nvCxnSpPr>
+          <p:cNvPr id="69" name="Соединительная линия уступом 523">
+            <a:extLst>
+              <a:ext uri="{FF2B5EF4-FFF2-40B4-BE49-F238E27FC236}">
+                <a16:creationId xmlns:a16="http://schemas.microsoft.com/office/drawing/2014/main" xmlns="" id="{CCB906EC-15F8-49B2-A37A-809E9B64809E}"/>
+              </a:ext>
+            </a:extLst>
+          </p:cNvPr>
+          <p:cNvCxnSpPr>
+            <a:cxnSpLocks/>
+            <a:stCxn id="8" idx="2"/>
+            <a:endCxn id="13" idx="0"/>
+          </p:cNvCxnSpPr>
+          <p:nvPr/>
+        </p:nvCxnSpPr>
+        <p:spPr>
+          <a:xfrm rot="5400000">
+            <a:off x="16216942" y="6778037"/>
+            <a:ext cx="378613" cy="1286729"/>
+          </a:xfrm>
+          <a:prstGeom prst="bentConnector3">
+            <a:avLst>
+              <a:gd name="adj1" fmla="val 50000"/>
+            </a:avLst>
+          </a:prstGeom>
+          <a:ln w="28575">
+            <a:tailEnd type="arrow"/>
+          </a:ln>
+        </p:spPr>
+        <p:style>
+          <a:lnRef idx="1">
+            <a:schemeClr val="accent1"/>
+          </a:lnRef>
+          <a:fillRef idx="0">
+            <a:schemeClr val="accent1"/>
+          </a:fillRef>
+          <a:effectRef idx="0">
+            <a:schemeClr val="accent1"/>
+          </a:effectRef>
+          <a:fontRef idx="minor">
+            <a:schemeClr val="tx1"/>
+          </a:fontRef>
+        </p:style>
+      </p:cxnSp>
+      <p:cxnSp>
+        <p:nvCxnSpPr>
+          <p:cNvPr id="70" name="Соединительная линия уступом 523">
+            <a:extLst>
+              <a:ext uri="{FF2B5EF4-FFF2-40B4-BE49-F238E27FC236}">
+                <a16:creationId xmlns:a16="http://schemas.microsoft.com/office/drawing/2014/main" xmlns="" id="{7875949F-463A-435C-93B4-1638CBA0C53D}"/>
+              </a:ext>
+            </a:extLst>
+          </p:cNvPr>
+          <p:cNvCxnSpPr>
+            <a:cxnSpLocks/>
+            <a:stCxn id="8" idx="2"/>
+            <a:endCxn id="18" idx="0"/>
+          </p:cNvCxnSpPr>
+          <p:nvPr/>
+        </p:nvCxnSpPr>
+        <p:spPr>
+          <a:xfrm rot="16200000" flipH="1">
+            <a:off x="17505640" y="6776067"/>
+            <a:ext cx="374675" cy="1286730"/>
+          </a:xfrm>
+          <a:prstGeom prst="bentConnector3">
+            <a:avLst>
+              <a:gd name="adj1" fmla="val 50000"/>
+            </a:avLst>
+          </a:prstGeom>
+          <a:ln w="28575">
+            <a:tailEnd type="arrow"/>
+          </a:ln>
+        </p:spPr>
+        <p:style>
+          <a:lnRef idx="1">
+            <a:schemeClr val="accent1"/>
+          </a:lnRef>
+          <a:fillRef idx="0">
+            <a:schemeClr val="accent1"/>
+          </a:fillRef>
+          <a:effectRef idx="0">
+            <a:schemeClr val="accent1"/>
+          </a:effectRef>
+          <a:fontRef idx="minor">
+            <a:schemeClr val="tx1"/>
+          </a:fontRef>
+        </p:style>
+      </p:cxnSp>
+      <p:cxnSp>
+        <p:nvCxnSpPr>
+          <p:cNvPr id="71" name="Прямая со стрелкой 70">
+            <a:extLst>
+              <a:ext uri="{FF2B5EF4-FFF2-40B4-BE49-F238E27FC236}">
+                <a16:creationId xmlns:a16="http://schemas.microsoft.com/office/drawing/2014/main" xmlns="" id="{6A34E9ED-30A2-40B5-AA90-C4AA6758A1F1}"/>
+              </a:ext>
+            </a:extLst>
+          </p:cNvPr>
+          <p:cNvCxnSpPr>
+            <a:cxnSpLocks/>
+            <a:stCxn id="12" idx="2"/>
+            <a:endCxn id="16" idx="0"/>
+          </p:cNvCxnSpPr>
+          <p:nvPr/>
+        </p:nvCxnSpPr>
+        <p:spPr>
+          <a:xfrm>
+            <a:off x="13220392" y="8686770"/>
+            <a:ext cx="0" cy="273967"/>
+          </a:xfrm>
+          <a:prstGeom prst="straightConnector1">
+            <a:avLst/>
+          </a:prstGeom>
+          <a:ln w="28575">
+            <a:tailEnd type="arrow"/>
+          </a:ln>
+        </p:spPr>
+        <p:style>
+          <a:lnRef idx="1">
+            <a:schemeClr val="accent1"/>
+          </a:lnRef>
+          <a:fillRef idx="0">
+            <a:schemeClr val="accent1"/>
+          </a:fillRef>
+          <a:effectRef idx="0">
+            <a:schemeClr val="accent1"/>
+          </a:effectRef>
+          <a:fontRef idx="minor">
+            <a:schemeClr val="tx1"/>
+          </a:fontRef>
+        </p:style>
+      </p:cxnSp>
+      <p:cxnSp>
+        <p:nvCxnSpPr>
+          <p:cNvPr id="72" name="Соединительная линия уступом 523">
+            <a:extLst>
+              <a:ext uri="{FF2B5EF4-FFF2-40B4-BE49-F238E27FC236}">
+                <a16:creationId xmlns:a16="http://schemas.microsoft.com/office/drawing/2014/main" xmlns="" id="{C356EB2D-01FA-4848-80C1-C47FAA58665E}"/>
+              </a:ext>
+            </a:extLst>
+          </p:cNvPr>
+          <p:cNvCxnSpPr>
+            <a:cxnSpLocks/>
+            <a:stCxn id="22" idx="2"/>
+            <a:endCxn id="25" idx="0"/>
+          </p:cNvCxnSpPr>
+          <p:nvPr/>
+        </p:nvCxnSpPr>
+        <p:spPr>
+          <a:xfrm rot="5400000">
+            <a:off x="8548827" y="11054081"/>
+            <a:ext cx="319477" cy="1276558"/>
           </a:xfrm>
           <a:prstGeom prst="bentConnector3">
             <a:avLst>
@@ -7464,21 +11717,21 @@
           <p:cNvPr id="73" name="Соединительная линия уступом 523">
             <a:extLst>
               <a:ext uri="{FF2B5EF4-FFF2-40B4-BE49-F238E27FC236}">
-                <a16:creationId xmlns:a16="http://schemas.microsoft.com/office/drawing/2014/main" xmlns="" id="{C303E358-F5A9-4491-95C6-7400F87B3853}"/>
+                <a16:creationId xmlns:a16="http://schemas.microsoft.com/office/drawing/2014/main" xmlns="" id="{B54539AD-0F6E-4E60-B45A-9DCBE7451733}"/>
               </a:ext>
             </a:extLst>
           </p:cNvPr>
           <p:cNvCxnSpPr>
             <a:cxnSpLocks/>
-            <a:stCxn id="50" idx="2"/>
-            <a:endCxn id="61" idx="0"/>
+            <a:stCxn id="22" idx="2"/>
+            <a:endCxn id="23" idx="0"/>
           </p:cNvCxnSpPr>
           <p:nvPr/>
         </p:nvCxnSpPr>
         <p:spPr>
-          <a:xfrm rot="5400000">
-            <a:off x="5572447" y="-318665"/>
-            <a:ext cx="317730" cy="3852040"/>
+          <a:xfrm rot="16200000" flipH="1">
+            <a:off x="9832564" y="11046902"/>
+            <a:ext cx="328648" cy="1300088"/>
           </a:xfrm>
           <a:prstGeom prst="bentConnector3">
             <a:avLst>
@@ -7506,29 +11759,27 @@
       </p:cxnSp>
       <p:cxnSp>
         <p:nvCxnSpPr>
-          <p:cNvPr id="74" name="Соединительная линия уступом 523">
+          <p:cNvPr id="74" name="Прямая со стрелкой 73">
             <a:extLst>
               <a:ext uri="{FF2B5EF4-FFF2-40B4-BE49-F238E27FC236}">
-                <a16:creationId xmlns:a16="http://schemas.microsoft.com/office/drawing/2014/main" xmlns="" id="{E2C02A62-C523-45E8-8EB1-CC2016531DBF}"/>
+                <a16:creationId xmlns:a16="http://schemas.microsoft.com/office/drawing/2014/main" xmlns="" id="{2EA9E2A7-A043-487B-BD5C-D3DD912B4356}"/>
               </a:ext>
             </a:extLst>
           </p:cNvPr>
           <p:cNvCxnSpPr>
             <a:cxnSpLocks/>
-            <a:stCxn id="50" idx="2"/>
-            <a:endCxn id="52" idx="0"/>
+            <a:stCxn id="25" idx="2"/>
+            <a:endCxn id="26" idx="0"/>
           </p:cNvCxnSpPr>
           <p:nvPr/>
         </p:nvCxnSpPr>
         <p:spPr>
-          <a:xfrm rot="5400000">
-            <a:off x="4280511" y="-1603375"/>
-            <a:ext cx="324957" cy="6428686"/>
-          </a:xfrm>
-          <a:prstGeom prst="bentConnector3">
-            <a:avLst>
-              <a:gd name="adj1" fmla="val 50000"/>
-            </a:avLst>
+          <a:xfrm>
+            <a:off x="8070286" y="12932099"/>
+            <a:ext cx="0" cy="323210"/>
+          </a:xfrm>
+          <a:prstGeom prst="straightConnector1">
+            <a:avLst/>
           </a:prstGeom>
           <a:ln w="28575">
             <a:tailEnd type="arrow"/>
@@ -7551,29 +11802,27 @@
       </p:cxnSp>
       <p:cxnSp>
         <p:nvCxnSpPr>
-          <p:cNvPr id="75" name="Соединительная линия уступом 523">
+          <p:cNvPr id="75" name="Прямая со стрелкой 74">
             <a:extLst>
               <a:ext uri="{FF2B5EF4-FFF2-40B4-BE49-F238E27FC236}">
-                <a16:creationId xmlns:a16="http://schemas.microsoft.com/office/drawing/2014/main" xmlns="" id="{69F338FF-D8FA-4705-9387-D860ADD66E20}"/>
+                <a16:creationId xmlns:a16="http://schemas.microsoft.com/office/drawing/2014/main" xmlns="" id="{2508D6D7-6D54-4C03-B717-A7AEB9F4714C}"/>
               </a:ext>
             </a:extLst>
           </p:cNvPr>
           <p:cNvCxnSpPr>
             <a:cxnSpLocks/>
-            <a:stCxn id="61" idx="2"/>
-            <a:endCxn id="63" idx="0"/>
+            <a:stCxn id="23" idx="2"/>
+            <a:endCxn id="24" idx="0"/>
           </p:cNvCxnSpPr>
           <p:nvPr/>
         </p:nvCxnSpPr>
         <p:spPr>
-          <a:xfrm rot="16200000" flipH="1">
-            <a:off x="4928159" y="1723353"/>
-            <a:ext cx="330912" cy="2576646"/>
-          </a:xfrm>
-          <a:prstGeom prst="bentConnector3">
-            <a:avLst>
-              <a:gd name="adj1" fmla="val 50000"/>
-            </a:avLst>
+          <a:xfrm>
+            <a:off x="10646932" y="12941270"/>
+            <a:ext cx="0" cy="313516"/>
+          </a:xfrm>
+          <a:prstGeom prst="straightConnector1">
+            <a:avLst/>
           </a:prstGeom>
           <a:ln w="28575">
             <a:tailEnd type="arrow"/>
@@ -7596,117 +11845,24 @@
       </p:cxnSp>
       <p:cxnSp>
         <p:nvCxnSpPr>
-          <p:cNvPr id="76" name="Соединительная линия уступом 523">
+          <p:cNvPr id="76" name="Прямая со стрелкой 75">
             <a:extLst>
               <a:ext uri="{FF2B5EF4-FFF2-40B4-BE49-F238E27FC236}">
-                <a16:creationId xmlns:a16="http://schemas.microsoft.com/office/drawing/2014/main" xmlns="" id="{F8F4E366-172F-4FC2-BE12-AEED0FAE5B6E}"/>
+                <a16:creationId xmlns:a16="http://schemas.microsoft.com/office/drawing/2014/main" xmlns="" id="{0862DCEC-2AFC-4705-833D-2F85536D579C}"/>
               </a:ext>
             </a:extLst>
           </p:cNvPr>
           <p:cNvCxnSpPr>
             <a:cxnSpLocks/>
-            <a:stCxn id="61" idx="2"/>
-            <a:endCxn id="65" idx="0"/>
+            <a:stCxn id="14" idx="2"/>
+            <a:endCxn id="15" idx="0"/>
           </p:cNvCxnSpPr>
           <p:nvPr/>
         </p:nvCxnSpPr>
         <p:spPr>
-          <a:xfrm rot="5400000">
-            <a:off x="2351513" y="1723353"/>
-            <a:ext cx="330912" cy="2576646"/>
-          </a:xfrm>
-          <a:prstGeom prst="bentConnector3">
-            <a:avLst>
-              <a:gd name="adj1" fmla="val 50000"/>
-            </a:avLst>
-          </a:prstGeom>
-          <a:ln w="28575">
-            <a:tailEnd type="arrow"/>
-          </a:ln>
-        </p:spPr>
-        <p:style>
-          <a:lnRef idx="1">
-            <a:schemeClr val="accent1"/>
-          </a:lnRef>
-          <a:fillRef idx="0">
-            <a:schemeClr val="accent1"/>
-          </a:fillRef>
-          <a:effectRef idx="0">
-            <a:schemeClr val="accent1"/>
-          </a:effectRef>
-          <a:fontRef idx="minor">
-            <a:schemeClr val="tx1"/>
-          </a:fontRef>
-        </p:style>
-      </p:cxnSp>
-      <p:sp>
-        <p:nvSpPr>
-          <p:cNvPr id="77" name="Прямоугольник 76">
-            <a:extLst>
-              <a:ext uri="{FF2B5EF4-FFF2-40B4-BE49-F238E27FC236}">
-                <a16:creationId xmlns:a16="http://schemas.microsoft.com/office/drawing/2014/main" xmlns="" id="{D080EE49-8689-462D-BAED-5974EFA28A33}"/>
-              </a:ext>
-            </a:extLst>
-          </p:cNvPr>
-          <p:cNvSpPr/>
-          <p:nvPr/>
-        </p:nvSpPr>
-        <p:spPr>
-          <a:xfrm>
-            <a:off x="2745564" y="6150107"/>
-            <a:ext cx="2115918" cy="1080000"/>
-          </a:xfrm>
-          <a:prstGeom prst="rect">
-            <a:avLst/>
-          </a:prstGeom>
-          <a:ln w="28575"/>
-        </p:spPr>
-        <p:style>
-          <a:lnRef idx="2">
-            <a:schemeClr val="accent1"/>
-          </a:lnRef>
-          <a:fillRef idx="1">
-            <a:schemeClr val="lt1"/>
-          </a:fillRef>
-          <a:effectRef idx="0">
-            <a:schemeClr val="accent1"/>
-          </a:effectRef>
-          <a:fontRef idx="minor">
-            <a:schemeClr val="dk1"/>
-          </a:fontRef>
-        </p:style>
-        <p:txBody>
-          <a:bodyPr lIns="124733" tIns="62367" rIns="124733" bIns="62367" rtlCol="0" anchor="ctr"/>
-          <a:lstStyle/>
-          <a:p>
-            <a:pPr algn="ctr"/>
-            <a:r>
-              <a:rPr lang="ru-RU" sz="1400" dirty="0"/>
-              <a:t>Нарастить военный бюджет</a:t>
-            </a:r>
-          </a:p>
-        </p:txBody>
-      </p:sp>
-      <p:cxnSp>
-        <p:nvCxnSpPr>
-          <p:cNvPr id="78" name="Прямая со стрелкой 77">
-            <a:extLst>
-              <a:ext uri="{FF2B5EF4-FFF2-40B4-BE49-F238E27FC236}">
-                <a16:creationId xmlns:a16="http://schemas.microsoft.com/office/drawing/2014/main" xmlns="" id="{8FA20AE9-5B1F-4302-BE76-1B9DEE6BED1E}"/>
-              </a:ext>
-            </a:extLst>
-          </p:cNvPr>
-          <p:cNvCxnSpPr>
-            <a:cxnSpLocks/>
-            <a:stCxn id="478" idx="2"/>
-            <a:endCxn id="33" idx="0"/>
-          </p:cNvCxnSpPr>
-          <p:nvPr/>
-        </p:nvCxnSpPr>
-        <p:spPr>
-          <a:xfrm>
-            <a:off x="16647995" y="2846220"/>
-            <a:ext cx="0" cy="319747"/>
+          <a:xfrm>
+            <a:off x="14491637" y="7232095"/>
+            <a:ext cx="0" cy="3126167"/>
           </a:xfrm>
           <a:prstGeom prst="straightConnector1">
             <a:avLst/>
@@ -7732,27 +11888,117 @@
       </p:cxnSp>
       <p:cxnSp>
         <p:nvCxnSpPr>
-          <p:cNvPr id="79" name="Прямая со стрелкой 78">
+          <p:cNvPr id="77" name="Прямая со стрелкой 76">
             <a:extLst>
               <a:ext uri="{FF2B5EF4-FFF2-40B4-BE49-F238E27FC236}">
-                <a16:creationId xmlns:a16="http://schemas.microsoft.com/office/drawing/2014/main" xmlns="" id="{598EEC52-FAAD-4C68-B6C4-904FD02558FE}"/>
+                <a16:creationId xmlns:a16="http://schemas.microsoft.com/office/drawing/2014/main" xmlns="" id="{F77D2DA5-EDEF-4E45-8230-51F2A41A8199}"/>
               </a:ext>
             </a:extLst>
           </p:cNvPr>
           <p:cNvCxnSpPr>
             <a:cxnSpLocks/>
-            <a:stCxn id="33" idx="2"/>
-            <a:endCxn id="36" idx="0"/>
+            <a:stCxn id="8" idx="2"/>
+            <a:endCxn id="11" idx="0"/>
           </p:cNvCxnSpPr>
           <p:nvPr/>
         </p:nvCxnSpPr>
         <p:spPr>
           <a:xfrm>
-            <a:off x="16647995" y="4245967"/>
-            <a:ext cx="0" cy="330167"/>
+            <a:off x="17049612" y="7232095"/>
+            <a:ext cx="0" cy="3126167"/>
           </a:xfrm>
           <a:prstGeom prst="straightConnector1">
             <a:avLst/>
+          </a:prstGeom>
+          <a:ln w="28575">
+            <a:tailEnd type="arrow"/>
+          </a:ln>
+        </p:spPr>
+        <p:style>
+          <a:lnRef idx="1">
+            <a:schemeClr val="accent1"/>
+          </a:lnRef>
+          <a:fillRef idx="0">
+            <a:schemeClr val="accent1"/>
+          </a:fillRef>
+          <a:effectRef idx="0">
+            <a:schemeClr val="accent1"/>
+          </a:effectRef>
+          <a:fontRef idx="minor">
+            <a:schemeClr val="tx1"/>
+          </a:fontRef>
+        </p:style>
+      </p:cxnSp>
+      <p:cxnSp>
+        <p:nvCxnSpPr>
+          <p:cNvPr id="78" name="Соединительная линия уступом 523">
+            <a:extLst>
+              <a:ext uri="{FF2B5EF4-FFF2-40B4-BE49-F238E27FC236}">
+                <a16:creationId xmlns:a16="http://schemas.microsoft.com/office/drawing/2014/main" xmlns="" id="{5EDBD8FF-3888-4099-82F9-0F2356A22121}"/>
+              </a:ext>
+            </a:extLst>
+          </p:cNvPr>
+          <p:cNvCxnSpPr>
+            <a:cxnSpLocks/>
+            <a:stCxn id="27" idx="2"/>
+            <a:endCxn id="15" idx="0"/>
+          </p:cNvCxnSpPr>
+          <p:nvPr/>
+        </p:nvCxnSpPr>
+        <p:spPr>
+          <a:xfrm rot="5400000">
+            <a:off x="14967387" y="9562765"/>
+            <a:ext cx="319747" cy="1271246"/>
+          </a:xfrm>
+          <a:prstGeom prst="bentConnector3">
+            <a:avLst>
+              <a:gd name="adj1" fmla="val 50000"/>
+            </a:avLst>
+          </a:prstGeom>
+          <a:ln w="28575">
+            <a:tailEnd type="arrow"/>
+          </a:ln>
+        </p:spPr>
+        <p:style>
+          <a:lnRef idx="1">
+            <a:schemeClr val="accent1"/>
+          </a:lnRef>
+          <a:fillRef idx="0">
+            <a:schemeClr val="accent1"/>
+          </a:fillRef>
+          <a:effectRef idx="0">
+            <a:schemeClr val="accent1"/>
+          </a:effectRef>
+          <a:fontRef idx="minor">
+            <a:schemeClr val="tx1"/>
+          </a:fontRef>
+        </p:style>
+      </p:cxnSp>
+      <p:cxnSp>
+        <p:nvCxnSpPr>
+          <p:cNvPr id="79" name="Соединительная линия уступом 523">
+            <a:extLst>
+              <a:ext uri="{FF2B5EF4-FFF2-40B4-BE49-F238E27FC236}">
+                <a16:creationId xmlns:a16="http://schemas.microsoft.com/office/drawing/2014/main" xmlns="" id="{491AB98D-9B64-49BC-930A-7D12B9554A07}"/>
+              </a:ext>
+            </a:extLst>
+          </p:cNvPr>
+          <p:cNvCxnSpPr>
+            <a:cxnSpLocks/>
+            <a:stCxn id="27" idx="2"/>
+            <a:endCxn id="11" idx="0"/>
+          </p:cNvCxnSpPr>
+          <p:nvPr/>
+        </p:nvCxnSpPr>
+        <p:spPr>
+          <a:xfrm rot="16200000" flipH="1">
+            <a:off x="16246374" y="9555023"/>
+            <a:ext cx="319747" cy="1286729"/>
+          </a:xfrm>
+          <a:prstGeom prst="bentConnector3">
+            <a:avLst>
+              <a:gd name="adj1" fmla="val 50000"/>
+            </a:avLst>
           </a:prstGeom>
           <a:ln w="28575">
             <a:tailEnd type="arrow"/>
@@ -7778,21 +12024,21 @@
           <p:cNvPr id="80" name="Соединительная линия уступом 523">
             <a:extLst>
               <a:ext uri="{FF2B5EF4-FFF2-40B4-BE49-F238E27FC236}">
-                <a16:creationId xmlns:a16="http://schemas.microsoft.com/office/drawing/2014/main" xmlns="" id="{6D52E519-D038-4281-A080-101A7FB243C8}"/>
+                <a16:creationId xmlns:a16="http://schemas.microsoft.com/office/drawing/2014/main" xmlns="" id="{2B4830C7-F7F8-4FBB-B4A6-47E46EA7B2F8}"/>
               </a:ext>
             </a:extLst>
           </p:cNvPr>
           <p:cNvCxnSpPr>
             <a:cxnSpLocks/>
-            <a:stCxn id="77" idx="2"/>
-            <a:endCxn id="70" idx="0"/>
+            <a:stCxn id="32" idx="2"/>
+            <a:endCxn id="35" idx="0"/>
           </p:cNvCxnSpPr>
           <p:nvPr/>
         </p:nvCxnSpPr>
         <p:spPr>
           <a:xfrm rot="16200000" flipH="1">
-            <a:off x="4257504" y="6776125"/>
-            <a:ext cx="380360" cy="1288323"/>
+            <a:off x="13043241" y="1746031"/>
+            <a:ext cx="323685" cy="2542491"/>
           </a:xfrm>
           <a:prstGeom prst="bentConnector3">
             <a:avLst>
@@ -7823,21 +12069,21 @@
           <p:cNvPr id="81" name="Соединительная линия уступом 523">
             <a:extLst>
               <a:ext uri="{FF2B5EF4-FFF2-40B4-BE49-F238E27FC236}">
-                <a16:creationId xmlns:a16="http://schemas.microsoft.com/office/drawing/2014/main" xmlns="" id="{E8C4D606-BFC2-4579-8ECA-38A266566981}"/>
+                <a16:creationId xmlns:a16="http://schemas.microsoft.com/office/drawing/2014/main" xmlns="" id="{25968507-4E3A-4825-A0E5-BF572F1C5CA1}"/>
               </a:ext>
             </a:extLst>
           </p:cNvPr>
           <p:cNvCxnSpPr>
             <a:cxnSpLocks/>
-            <a:stCxn id="77" idx="2"/>
-            <a:endCxn id="55" idx="0"/>
+            <a:stCxn id="32" idx="2"/>
+            <a:endCxn id="33" idx="0"/>
           </p:cNvCxnSpPr>
           <p:nvPr/>
         </p:nvCxnSpPr>
         <p:spPr>
           <a:xfrm rot="5400000">
-            <a:off x="2969182" y="6776126"/>
-            <a:ext cx="380360" cy="1288323"/>
+            <a:off x="10485266" y="1730547"/>
+            <a:ext cx="323685" cy="2573460"/>
           </a:xfrm>
           <a:prstGeom prst="bentConnector3">
             <a:avLst>
@@ -7868,21 +12114,21 @@
           <p:cNvPr id="82" name="Прямая со стрелкой 81">
             <a:extLst>
               <a:ext uri="{FF2B5EF4-FFF2-40B4-BE49-F238E27FC236}">
-                <a16:creationId xmlns:a16="http://schemas.microsoft.com/office/drawing/2014/main" xmlns="" id="{E03D7C26-0A3B-4123-B72F-8456A408EDFB}"/>
+                <a16:creationId xmlns:a16="http://schemas.microsoft.com/office/drawing/2014/main" xmlns="" id="{FEF0748A-B663-49A8-9415-C42D5F6298E4}"/>
               </a:ext>
             </a:extLst>
           </p:cNvPr>
           <p:cNvCxnSpPr>
             <a:cxnSpLocks/>
-            <a:stCxn id="70" idx="2"/>
-            <a:endCxn id="71" idx="0"/>
+            <a:stCxn id="38" idx="2"/>
+            <a:endCxn id="41" idx="0"/>
           </p:cNvCxnSpPr>
           <p:nvPr/>
         </p:nvCxnSpPr>
         <p:spPr>
           <a:xfrm>
-            <a:off x="5091846" y="8690467"/>
-            <a:ext cx="0" cy="266060"/>
+            <a:off x="4207086" y="2848208"/>
+            <a:ext cx="0" cy="330912"/>
           </a:xfrm>
           <a:prstGeom prst="straightConnector1">
             <a:avLst/>
@@ -7911,21 +12157,21 @@
           <p:cNvPr id="83" name="Прямая со стрелкой 82">
             <a:extLst>
               <a:ext uri="{FF2B5EF4-FFF2-40B4-BE49-F238E27FC236}">
-                <a16:creationId xmlns:a16="http://schemas.microsoft.com/office/drawing/2014/main" xmlns="" id="{740ED13F-5617-44FB-AB16-EFD3E35B5466}"/>
+                <a16:creationId xmlns:a16="http://schemas.microsoft.com/office/drawing/2014/main" xmlns="" id="{1773E2C9-86CF-4909-BE24-C4E533596803}"/>
               </a:ext>
             </a:extLst>
           </p:cNvPr>
           <p:cNvCxnSpPr>
             <a:cxnSpLocks/>
-            <a:stCxn id="55" idx="2"/>
-            <a:endCxn id="68" idx="0"/>
+            <a:stCxn id="32" idx="2"/>
+            <a:endCxn id="34" idx="0"/>
           </p:cNvCxnSpPr>
           <p:nvPr/>
         </p:nvCxnSpPr>
         <p:spPr>
           <a:xfrm>
-            <a:off x="2515200" y="8690467"/>
-            <a:ext cx="0" cy="266060"/>
+            <a:off x="11933838" y="2855435"/>
+            <a:ext cx="0" cy="323685"/>
           </a:xfrm>
           <a:prstGeom prst="straightConnector1">
             <a:avLst/>
@@ -7951,27 +12197,29 @@
       </p:cxnSp>
       <p:cxnSp>
         <p:nvCxnSpPr>
-          <p:cNvPr id="84" name="Прямая со стрелкой 83">
+          <p:cNvPr id="84" name="Соединительная линия уступом 523">
             <a:extLst>
               <a:ext uri="{FF2B5EF4-FFF2-40B4-BE49-F238E27FC236}">
-                <a16:creationId xmlns:a16="http://schemas.microsoft.com/office/drawing/2014/main" xmlns="" id="{71961C47-19A9-4AF4-BA51-2E5E53AA0C1E}"/>
+                <a16:creationId xmlns:a16="http://schemas.microsoft.com/office/drawing/2014/main" xmlns="" id="{93FABB1C-3159-4BB7-8C74-41BC65AA4528}"/>
               </a:ext>
             </a:extLst>
           </p:cNvPr>
           <p:cNvCxnSpPr>
             <a:cxnSpLocks/>
-            <a:stCxn id="77" idx="2"/>
-            <a:endCxn id="69" idx="0"/>
+            <a:stCxn id="21" idx="2"/>
+            <a:endCxn id="22" idx="0"/>
           </p:cNvCxnSpPr>
           <p:nvPr/>
         </p:nvCxnSpPr>
         <p:spPr>
-          <a:xfrm>
-            <a:off x="3803523" y="7230107"/>
-            <a:ext cx="0" cy="3126167"/>
-          </a:xfrm>
-          <a:prstGeom prst="straightConnector1">
-            <a:avLst/>
+          <a:xfrm rot="16200000" flipH="1">
+            <a:off x="7828482" y="8934259"/>
+            <a:ext cx="1760167" cy="1276558"/>
+          </a:xfrm>
+          <a:prstGeom prst="bentConnector3">
+            <a:avLst>
+              <a:gd name="adj1" fmla="val 9681"/>
+            </a:avLst>
           </a:prstGeom>
           <a:ln w="28575">
             <a:tailEnd type="arrow"/>
@@ -7994,30 +12242,173 @@
       </p:cxnSp>
       <p:cxnSp>
         <p:nvCxnSpPr>
-          <p:cNvPr id="85" name="Прямая со стрелкой 84">
+          <p:cNvPr id="85" name="Соединительная линия уступом 523">
             <a:extLst>
               <a:ext uri="{FF2B5EF4-FFF2-40B4-BE49-F238E27FC236}">
-                <a16:creationId xmlns:a16="http://schemas.microsoft.com/office/drawing/2014/main" xmlns="" id="{2DA0694A-EB41-4CE2-AA9E-B52FEE40DE0C}"/>
+                <a16:creationId xmlns:a16="http://schemas.microsoft.com/office/drawing/2014/main" xmlns="" id="{813E6CB1-3FED-48AC-A38F-C3E6B8A7343B}"/>
               </a:ext>
             </a:extLst>
           </p:cNvPr>
           <p:cNvCxnSpPr>
             <a:cxnSpLocks/>
-            <a:stCxn id="47" idx="2"/>
-            <a:endCxn id="49" idx="0"/>
+            <a:stCxn id="17" idx="2"/>
+            <a:endCxn id="22" idx="0"/>
           </p:cNvCxnSpPr>
           <p:nvPr/>
         </p:nvCxnSpPr>
         <p:spPr>
-          <a:xfrm>
-            <a:off x="7668492" y="7230107"/>
-            <a:ext cx="0" cy="380360"/>
-          </a:xfrm>
-          <a:prstGeom prst="straightConnector1">
-            <a:avLst/>
+          <a:xfrm rot="5400000">
+            <a:off x="9113962" y="8919652"/>
+            <a:ext cx="1765852" cy="1300088"/>
+          </a:xfrm>
+          <a:prstGeom prst="bentConnector3">
+            <a:avLst>
+              <a:gd name="adj1" fmla="val 9505"/>
+            </a:avLst>
           </a:prstGeom>
           <a:ln w="28575">
             <a:tailEnd type="arrow"/>
+          </a:ln>
+        </p:spPr>
+        <p:style>
+          <a:lnRef idx="1">
+            <a:schemeClr val="accent1"/>
+          </a:lnRef>
+          <a:fillRef idx="0">
+            <a:schemeClr val="accent1"/>
+          </a:fillRef>
+          <a:effectRef idx="0">
+            <a:schemeClr val="accent1"/>
+          </a:effectRef>
+          <a:fontRef idx="minor">
+            <a:schemeClr val="tx1"/>
+          </a:fontRef>
+        </p:style>
+      </p:cxnSp>
+      <p:sp>
+        <p:nvSpPr>
+          <p:cNvPr id="86" name="Прямоугольник 85">
+            <a:extLst>
+              <a:ext uri="{FF2B5EF4-FFF2-40B4-BE49-F238E27FC236}">
+                <a16:creationId xmlns:a16="http://schemas.microsoft.com/office/drawing/2014/main" xmlns="" id="{104BB11C-19DA-4DA4-8899-2145048FEA67}"/>
+              </a:ext>
+            </a:extLst>
+          </p:cNvPr>
+          <p:cNvSpPr/>
+          <p:nvPr/>
+        </p:nvSpPr>
+        <p:spPr>
+          <a:xfrm>
+            <a:off x="7017640" y="8960473"/>
+            <a:ext cx="2115918" cy="1080000"/>
+          </a:xfrm>
+          <a:prstGeom prst="rect">
+            <a:avLst/>
+          </a:prstGeom>
+          <a:ln w="28575"/>
+        </p:spPr>
+        <p:style>
+          <a:lnRef idx="2">
+            <a:schemeClr val="accent1"/>
+          </a:lnRef>
+          <a:fillRef idx="1">
+            <a:schemeClr val="lt1"/>
+          </a:fillRef>
+          <a:effectRef idx="0">
+            <a:schemeClr val="accent1"/>
+          </a:effectRef>
+          <a:fontRef idx="minor">
+            <a:schemeClr val="dk1"/>
+          </a:fontRef>
+        </p:style>
+        <p:txBody>
+          <a:bodyPr lIns="124733" tIns="62367" rIns="124733" bIns="62367" rtlCol="0" anchor="ctr"/>
+          <a:lstStyle/>
+          <a:p>
+            <a:pPr algn="ctr"/>
+            <a:r>
+              <a:rPr lang="ru-RU" sz="1400" dirty="0"/>
+              <a:t>Продолжить развитие артиллерийской доктрины</a:t>
+            </a:r>
+          </a:p>
+        </p:txBody>
+      </p:sp>
+      <p:sp>
+        <p:nvSpPr>
+          <p:cNvPr id="87" name="Прямоугольник 86">
+            <a:extLst>
+              <a:ext uri="{FF2B5EF4-FFF2-40B4-BE49-F238E27FC236}">
+                <a16:creationId xmlns:a16="http://schemas.microsoft.com/office/drawing/2014/main" xmlns="" id="{015BC524-92C7-4AD3-AAE2-C2638148AEC6}"/>
+              </a:ext>
+            </a:extLst>
+          </p:cNvPr>
+          <p:cNvSpPr/>
+          <p:nvPr/>
+        </p:nvSpPr>
+        <p:spPr>
+          <a:xfrm>
+            <a:off x="9585788" y="8958515"/>
+            <a:ext cx="2115918" cy="1080000"/>
+          </a:xfrm>
+          <a:prstGeom prst="rect">
+            <a:avLst/>
+          </a:prstGeom>
+          <a:ln w="28575"/>
+        </p:spPr>
+        <p:style>
+          <a:lnRef idx="2">
+            <a:schemeClr val="accent1"/>
+          </a:lnRef>
+          <a:fillRef idx="1">
+            <a:schemeClr val="lt1"/>
+          </a:fillRef>
+          <a:effectRef idx="0">
+            <a:schemeClr val="accent1"/>
+          </a:effectRef>
+          <a:fontRef idx="minor">
+            <a:schemeClr val="dk1"/>
+          </a:fontRef>
+        </p:style>
+        <p:txBody>
+          <a:bodyPr lIns="124733" tIns="62367" rIns="124733" bIns="62367" rtlCol="0" anchor="ctr"/>
+          <a:lstStyle/>
+          <a:p>
+            <a:pPr algn="ctr"/>
+            <a:r>
+              <a:rPr lang="ru-RU" sz="1400" dirty="0"/>
+              <a:t>Продолжить развитие мобильной доктрины</a:t>
+            </a:r>
+          </a:p>
+        </p:txBody>
+      </p:sp>
+      <p:cxnSp>
+        <p:nvCxnSpPr>
+          <p:cNvPr id="88" name="Прямая соединительная линия 87">
+            <a:extLst>
+              <a:ext uri="{FF2B5EF4-FFF2-40B4-BE49-F238E27FC236}">
+                <a16:creationId xmlns:a16="http://schemas.microsoft.com/office/drawing/2014/main" xmlns="" id="{30601EE9-46E6-4732-A0DE-B57457679897}"/>
+              </a:ext>
+            </a:extLst>
+          </p:cNvPr>
+          <p:cNvCxnSpPr>
+            <a:cxnSpLocks/>
+            <a:stCxn id="86" idx="3"/>
+            <a:endCxn id="87" idx="1"/>
+          </p:cNvCxnSpPr>
+          <p:nvPr/>
+        </p:nvCxnSpPr>
+        <p:spPr>
+          <a:xfrm flipV="1">
+            <a:off x="9133558" y="9498515"/>
+            <a:ext cx="452230" cy="1958"/>
+          </a:xfrm>
+          <a:prstGeom prst="line">
+            <a:avLst/>
+          </a:prstGeom>
+          <a:ln w="28575">
+            <a:solidFill>
+              <a:srgbClr val="FF0000"/>
+            </a:solidFill>
           </a:ln>
         </p:spPr>
         <p:style>
@@ -8037,29 +12428,27 @@
       </p:cxnSp>
       <p:cxnSp>
         <p:nvCxnSpPr>
-          <p:cNvPr id="87" name="Соединительная линия уступом 523">
+          <p:cNvPr id="89" name="Прямая со стрелкой 88">
             <a:extLst>
               <a:ext uri="{FF2B5EF4-FFF2-40B4-BE49-F238E27FC236}">
-                <a16:creationId xmlns:a16="http://schemas.microsoft.com/office/drawing/2014/main" xmlns="" id="{601DFF7D-F1EA-427A-9EC1-1385D719621D}"/>
+                <a16:creationId xmlns:a16="http://schemas.microsoft.com/office/drawing/2014/main" xmlns="" id="{CBC4A588-3776-409A-BA21-84D57C3B0391}"/>
               </a:ext>
             </a:extLst>
           </p:cNvPr>
           <p:cNvCxnSpPr>
             <a:cxnSpLocks/>
-            <a:stCxn id="77" idx="2"/>
-            <a:endCxn id="48" idx="0"/>
+            <a:stCxn id="21" idx="2"/>
+            <a:endCxn id="86" idx="0"/>
           </p:cNvCxnSpPr>
           <p:nvPr/>
         </p:nvCxnSpPr>
         <p:spPr>
-          <a:xfrm rot="16200000" flipH="1">
-            <a:off x="3519427" y="7514202"/>
-            <a:ext cx="3126167" cy="2557975"/>
-          </a:xfrm>
-          <a:prstGeom prst="bentConnector3">
-            <a:avLst>
-              <a:gd name="adj1" fmla="val 6125"/>
-            </a:avLst>
+          <a:xfrm>
+            <a:off x="8070286" y="8692455"/>
+            <a:ext cx="5313" cy="268018"/>
+          </a:xfrm>
+          <a:prstGeom prst="straightConnector1">
+            <a:avLst/>
           </a:prstGeom>
           <a:ln w="28575">
             <a:tailEnd type="arrow"/>
@@ -8082,1122 +12471,7 @@
       </p:cxnSp>
       <p:cxnSp>
         <p:nvCxnSpPr>
-          <p:cNvPr id="88" name="Соединительная линия уступом 523">
-            <a:extLst>
-              <a:ext uri="{FF2B5EF4-FFF2-40B4-BE49-F238E27FC236}">
-                <a16:creationId xmlns:a16="http://schemas.microsoft.com/office/drawing/2014/main" xmlns="" id="{651B23A2-86E9-4468-A171-0DBCEA5D42E8}"/>
-              </a:ext>
-            </a:extLst>
-          </p:cNvPr>
-          <p:cNvCxnSpPr>
-            <a:cxnSpLocks/>
-            <a:stCxn id="49" idx="2"/>
-            <a:endCxn id="48" idx="0"/>
-          </p:cNvCxnSpPr>
-          <p:nvPr/>
-        </p:nvCxnSpPr>
-        <p:spPr>
-          <a:xfrm rot="5400000">
-            <a:off x="6182092" y="8869873"/>
-            <a:ext cx="1665807" cy="1306994"/>
-          </a:xfrm>
-          <a:prstGeom prst="bentConnector3">
-            <a:avLst>
-              <a:gd name="adj1" fmla="val 9974"/>
-            </a:avLst>
-          </a:prstGeom>
-          <a:ln w="28575">
-            <a:tailEnd type="arrow"/>
-          </a:ln>
-        </p:spPr>
-        <p:style>
-          <a:lnRef idx="1">
-            <a:schemeClr val="accent1"/>
-          </a:lnRef>
-          <a:fillRef idx="0">
-            <a:schemeClr val="accent1"/>
-          </a:fillRef>
-          <a:effectRef idx="0">
-            <a:schemeClr val="accent1"/>
-          </a:effectRef>
-          <a:fontRef idx="minor">
-            <a:schemeClr val="tx1"/>
-          </a:fontRef>
-        </p:style>
-      </p:cxnSp>
-      <p:cxnSp>
-        <p:nvCxnSpPr>
-          <p:cNvPr id="95" name="Соединительная линия уступом 523">
-            <a:extLst>
-              <a:ext uri="{FF2B5EF4-FFF2-40B4-BE49-F238E27FC236}">
-                <a16:creationId xmlns:a16="http://schemas.microsoft.com/office/drawing/2014/main" xmlns="" id="{6AC3527A-8784-4D6E-9EB8-0C6A3FB498F5}"/>
-              </a:ext>
-            </a:extLst>
-          </p:cNvPr>
-          <p:cNvCxnSpPr>
-            <a:cxnSpLocks/>
-            <a:stCxn id="35" idx="2"/>
-            <a:endCxn id="44" idx="0"/>
-          </p:cNvCxnSpPr>
-          <p:nvPr/>
-        </p:nvCxnSpPr>
-        <p:spPr>
-          <a:xfrm rot="5400000">
-            <a:off x="10701166" y="6774079"/>
-            <a:ext cx="374675" cy="1286730"/>
-          </a:xfrm>
-          <a:prstGeom prst="bentConnector3">
-            <a:avLst>
-              <a:gd name="adj1" fmla="val 50000"/>
-            </a:avLst>
-          </a:prstGeom>
-          <a:ln w="28575">
-            <a:tailEnd type="arrow"/>
-          </a:ln>
-        </p:spPr>
-        <p:style>
-          <a:lnRef idx="1">
-            <a:schemeClr val="accent1"/>
-          </a:lnRef>
-          <a:fillRef idx="0">
-            <a:schemeClr val="accent1"/>
-          </a:fillRef>
-          <a:effectRef idx="0">
-            <a:schemeClr val="accent1"/>
-          </a:effectRef>
-          <a:fontRef idx="minor">
-            <a:schemeClr val="tx1"/>
-          </a:fontRef>
-        </p:style>
-      </p:cxnSp>
-      <p:cxnSp>
-        <p:nvCxnSpPr>
-          <p:cNvPr id="98" name="Соединительная линия уступом 523">
-            <a:extLst>
-              <a:ext uri="{FF2B5EF4-FFF2-40B4-BE49-F238E27FC236}">
-                <a16:creationId xmlns:a16="http://schemas.microsoft.com/office/drawing/2014/main" xmlns="" id="{1E229524-E407-4977-93F3-A7442BE0F848}"/>
-              </a:ext>
-            </a:extLst>
-          </p:cNvPr>
-          <p:cNvCxnSpPr>
-            <a:cxnSpLocks/>
-            <a:stCxn id="35" idx="2"/>
-            <a:endCxn id="38" idx="0"/>
-          </p:cNvCxnSpPr>
-          <p:nvPr/>
-        </p:nvCxnSpPr>
-        <p:spPr>
-          <a:xfrm rot="16200000" flipH="1">
-            <a:off x="11987896" y="6774079"/>
-            <a:ext cx="374675" cy="1286730"/>
-          </a:xfrm>
-          <a:prstGeom prst="bentConnector3">
-            <a:avLst>
-              <a:gd name="adj1" fmla="val 50000"/>
-            </a:avLst>
-          </a:prstGeom>
-          <a:ln w="28575">
-            <a:tailEnd type="arrow"/>
-          </a:ln>
-        </p:spPr>
-        <p:style>
-          <a:lnRef idx="1">
-            <a:schemeClr val="accent1"/>
-          </a:lnRef>
-          <a:fillRef idx="0">
-            <a:schemeClr val="accent1"/>
-          </a:fillRef>
-          <a:effectRef idx="0">
-            <a:schemeClr val="accent1"/>
-          </a:effectRef>
-          <a:fontRef idx="minor">
-            <a:schemeClr val="tx1"/>
-          </a:fontRef>
-        </p:style>
-      </p:cxnSp>
-      <p:cxnSp>
-        <p:nvCxnSpPr>
-          <p:cNvPr id="101" name="Соединительная линия уступом 523">
-            <a:extLst>
-              <a:ext uri="{FF2B5EF4-FFF2-40B4-BE49-F238E27FC236}">
-                <a16:creationId xmlns:a16="http://schemas.microsoft.com/office/drawing/2014/main" xmlns="" id="{02643FCE-10F1-4393-8A90-521548C1C33B}"/>
-              </a:ext>
-            </a:extLst>
-          </p:cNvPr>
-          <p:cNvCxnSpPr>
-            <a:cxnSpLocks/>
-            <a:stCxn id="40" idx="2"/>
-            <a:endCxn id="39" idx="0"/>
-          </p:cNvCxnSpPr>
-          <p:nvPr/>
-        </p:nvCxnSpPr>
-        <p:spPr>
-          <a:xfrm rot="16200000" flipH="1">
-            <a:off x="14536160" y="6783790"/>
-            <a:ext cx="378613" cy="1271246"/>
-          </a:xfrm>
-          <a:prstGeom prst="bentConnector3">
-            <a:avLst>
-              <a:gd name="adj1" fmla="val 50000"/>
-            </a:avLst>
-          </a:prstGeom>
-          <a:ln w="28575">
-            <a:tailEnd type="arrow"/>
-          </a:ln>
-        </p:spPr>
-        <p:style>
-          <a:lnRef idx="1">
-            <a:schemeClr val="accent1"/>
-          </a:lnRef>
-          <a:fillRef idx="0">
-            <a:schemeClr val="accent1"/>
-          </a:fillRef>
-          <a:effectRef idx="0">
-            <a:schemeClr val="accent1"/>
-          </a:effectRef>
-          <a:fontRef idx="minor">
-            <a:schemeClr val="tx1"/>
-          </a:fontRef>
-        </p:style>
-      </p:cxnSp>
-      <p:cxnSp>
-        <p:nvCxnSpPr>
-          <p:cNvPr id="104" name="Соединительная линия уступом 523">
-            <a:extLst>
-              <a:ext uri="{FF2B5EF4-FFF2-40B4-BE49-F238E27FC236}">
-                <a16:creationId xmlns:a16="http://schemas.microsoft.com/office/drawing/2014/main" xmlns="" id="{CCB906EC-15F8-49B2-A37A-809E9B64809E}"/>
-              </a:ext>
-            </a:extLst>
-          </p:cNvPr>
-          <p:cNvCxnSpPr>
-            <a:cxnSpLocks/>
-            <a:stCxn id="34" idx="2"/>
-            <a:endCxn id="39" idx="0"/>
-          </p:cNvCxnSpPr>
-          <p:nvPr/>
-        </p:nvCxnSpPr>
-        <p:spPr>
-          <a:xfrm rot="5400000">
-            <a:off x="15815148" y="6776049"/>
-            <a:ext cx="378613" cy="1286729"/>
-          </a:xfrm>
-          <a:prstGeom prst="bentConnector3">
-            <a:avLst>
-              <a:gd name="adj1" fmla="val 50000"/>
-            </a:avLst>
-          </a:prstGeom>
-          <a:ln w="28575">
-            <a:tailEnd type="arrow"/>
-          </a:ln>
-        </p:spPr>
-        <p:style>
-          <a:lnRef idx="1">
-            <a:schemeClr val="accent1"/>
-          </a:lnRef>
-          <a:fillRef idx="0">
-            <a:schemeClr val="accent1"/>
-          </a:fillRef>
-          <a:effectRef idx="0">
-            <a:schemeClr val="accent1"/>
-          </a:effectRef>
-          <a:fontRef idx="minor">
-            <a:schemeClr val="tx1"/>
-          </a:fontRef>
-        </p:style>
-      </p:cxnSp>
-      <p:cxnSp>
-        <p:nvCxnSpPr>
-          <p:cNvPr id="107" name="Соединительная линия уступом 523">
-            <a:extLst>
-              <a:ext uri="{FF2B5EF4-FFF2-40B4-BE49-F238E27FC236}">
-                <a16:creationId xmlns:a16="http://schemas.microsoft.com/office/drawing/2014/main" xmlns="" id="{7875949F-463A-435C-93B4-1638CBA0C53D}"/>
-              </a:ext>
-            </a:extLst>
-          </p:cNvPr>
-          <p:cNvCxnSpPr>
-            <a:cxnSpLocks/>
-            <a:stCxn id="34" idx="2"/>
-            <a:endCxn id="45" idx="0"/>
-          </p:cNvCxnSpPr>
-          <p:nvPr/>
-        </p:nvCxnSpPr>
-        <p:spPr>
-          <a:xfrm rot="16200000" flipH="1">
-            <a:off x="17103846" y="6774079"/>
-            <a:ext cx="374675" cy="1286730"/>
-          </a:xfrm>
-          <a:prstGeom prst="bentConnector3">
-            <a:avLst>
-              <a:gd name="adj1" fmla="val 50000"/>
-            </a:avLst>
-          </a:prstGeom>
-          <a:ln w="28575">
-            <a:tailEnd type="arrow"/>
-          </a:ln>
-        </p:spPr>
-        <p:style>
-          <a:lnRef idx="1">
-            <a:schemeClr val="accent1"/>
-          </a:lnRef>
-          <a:fillRef idx="0">
-            <a:schemeClr val="accent1"/>
-          </a:fillRef>
-          <a:effectRef idx="0">
-            <a:schemeClr val="accent1"/>
-          </a:effectRef>
-          <a:fontRef idx="minor">
-            <a:schemeClr val="tx1"/>
-          </a:fontRef>
-        </p:style>
-      </p:cxnSp>
-      <p:cxnSp>
-        <p:nvCxnSpPr>
-          <p:cNvPr id="112" name="Прямая со стрелкой 111">
-            <a:extLst>
-              <a:ext uri="{FF2B5EF4-FFF2-40B4-BE49-F238E27FC236}">
-                <a16:creationId xmlns:a16="http://schemas.microsoft.com/office/drawing/2014/main" xmlns="" id="{6A34E9ED-30A2-40B5-AA90-C4AA6758A1F1}"/>
-              </a:ext>
-            </a:extLst>
-          </p:cNvPr>
-          <p:cNvCxnSpPr>
-            <a:cxnSpLocks/>
-            <a:stCxn id="38" idx="2"/>
-            <a:endCxn id="42" idx="0"/>
-          </p:cNvCxnSpPr>
-          <p:nvPr/>
-        </p:nvCxnSpPr>
-        <p:spPr>
-          <a:xfrm>
-            <a:off x="12818598" y="8684782"/>
-            <a:ext cx="0" cy="273967"/>
-          </a:xfrm>
-          <a:prstGeom prst="straightConnector1">
-            <a:avLst/>
-          </a:prstGeom>
-          <a:ln w="28575">
-            <a:tailEnd type="arrow"/>
-          </a:ln>
-        </p:spPr>
-        <p:style>
-          <a:lnRef idx="1">
-            <a:schemeClr val="accent1"/>
-          </a:lnRef>
-          <a:fillRef idx="0">
-            <a:schemeClr val="accent1"/>
-          </a:fillRef>
-          <a:effectRef idx="0">
-            <a:schemeClr val="accent1"/>
-          </a:effectRef>
-          <a:fontRef idx="minor">
-            <a:schemeClr val="tx1"/>
-          </a:fontRef>
-        </p:style>
-      </p:cxnSp>
-      <p:cxnSp>
-        <p:nvCxnSpPr>
-          <p:cNvPr id="115" name="Соединительная линия уступом 523">
-            <a:extLst>
-              <a:ext uri="{FF2B5EF4-FFF2-40B4-BE49-F238E27FC236}">
-                <a16:creationId xmlns:a16="http://schemas.microsoft.com/office/drawing/2014/main" xmlns="" id="{C356EB2D-01FA-4848-80C1-C47FAA58665E}"/>
-              </a:ext>
-            </a:extLst>
-          </p:cNvPr>
-          <p:cNvCxnSpPr>
-            <a:cxnSpLocks/>
-            <a:stCxn id="25" idx="2"/>
-            <a:endCxn id="28" idx="0"/>
-          </p:cNvCxnSpPr>
-          <p:nvPr/>
-        </p:nvCxnSpPr>
-        <p:spPr>
-          <a:xfrm rot="5400000">
-            <a:off x="8147033" y="11052093"/>
-            <a:ext cx="319477" cy="1276558"/>
-          </a:xfrm>
-          <a:prstGeom prst="bentConnector3">
-            <a:avLst>
-              <a:gd name="adj1" fmla="val 50000"/>
-            </a:avLst>
-          </a:prstGeom>
-          <a:ln w="28575">
-            <a:tailEnd type="arrow"/>
-          </a:ln>
-        </p:spPr>
-        <p:style>
-          <a:lnRef idx="1">
-            <a:schemeClr val="accent1"/>
-          </a:lnRef>
-          <a:fillRef idx="0">
-            <a:schemeClr val="accent1"/>
-          </a:fillRef>
-          <a:effectRef idx="0">
-            <a:schemeClr val="accent1"/>
-          </a:effectRef>
-          <a:fontRef idx="minor">
-            <a:schemeClr val="tx1"/>
-          </a:fontRef>
-        </p:style>
-      </p:cxnSp>
-      <p:cxnSp>
-        <p:nvCxnSpPr>
-          <p:cNvPr id="118" name="Соединительная линия уступом 523">
-            <a:extLst>
-              <a:ext uri="{FF2B5EF4-FFF2-40B4-BE49-F238E27FC236}">
-                <a16:creationId xmlns:a16="http://schemas.microsoft.com/office/drawing/2014/main" xmlns="" id="{B54539AD-0F6E-4E60-B45A-9DCBE7451733}"/>
-              </a:ext>
-            </a:extLst>
-          </p:cNvPr>
-          <p:cNvCxnSpPr>
-            <a:cxnSpLocks/>
-            <a:stCxn id="25" idx="2"/>
-            <a:endCxn id="26" idx="0"/>
-          </p:cNvCxnSpPr>
-          <p:nvPr/>
-        </p:nvCxnSpPr>
-        <p:spPr>
-          <a:xfrm rot="16200000" flipH="1">
-            <a:off x="9430770" y="11044914"/>
-            <a:ext cx="328648" cy="1300088"/>
-          </a:xfrm>
-          <a:prstGeom prst="bentConnector3">
-            <a:avLst>
-              <a:gd name="adj1" fmla="val 50000"/>
-            </a:avLst>
-          </a:prstGeom>
-          <a:ln w="28575">
-            <a:tailEnd type="arrow"/>
-          </a:ln>
-        </p:spPr>
-        <p:style>
-          <a:lnRef idx="1">
-            <a:schemeClr val="accent1"/>
-          </a:lnRef>
-          <a:fillRef idx="0">
-            <a:schemeClr val="accent1"/>
-          </a:fillRef>
-          <a:effectRef idx="0">
-            <a:schemeClr val="accent1"/>
-          </a:effectRef>
-          <a:fontRef idx="minor">
-            <a:schemeClr val="tx1"/>
-          </a:fontRef>
-        </p:style>
-      </p:cxnSp>
-      <p:cxnSp>
-        <p:nvCxnSpPr>
-          <p:cNvPr id="122" name="Прямая со стрелкой 121">
-            <a:extLst>
-              <a:ext uri="{FF2B5EF4-FFF2-40B4-BE49-F238E27FC236}">
-                <a16:creationId xmlns:a16="http://schemas.microsoft.com/office/drawing/2014/main" xmlns="" id="{2EA9E2A7-A043-487B-BD5C-D3DD912B4356}"/>
-              </a:ext>
-            </a:extLst>
-          </p:cNvPr>
-          <p:cNvCxnSpPr>
-            <a:cxnSpLocks/>
-            <a:stCxn id="28" idx="2"/>
-            <a:endCxn id="30" idx="0"/>
-          </p:cNvCxnSpPr>
-          <p:nvPr/>
-        </p:nvCxnSpPr>
-        <p:spPr>
-          <a:xfrm>
-            <a:off x="7668492" y="12930111"/>
-            <a:ext cx="0" cy="323210"/>
-          </a:xfrm>
-          <a:prstGeom prst="straightConnector1">
-            <a:avLst/>
-          </a:prstGeom>
-          <a:ln w="28575">
-            <a:tailEnd type="arrow"/>
-          </a:ln>
-        </p:spPr>
-        <p:style>
-          <a:lnRef idx="1">
-            <a:schemeClr val="accent1"/>
-          </a:lnRef>
-          <a:fillRef idx="0">
-            <a:schemeClr val="accent1"/>
-          </a:fillRef>
-          <a:effectRef idx="0">
-            <a:schemeClr val="accent1"/>
-          </a:effectRef>
-          <a:fontRef idx="minor">
-            <a:schemeClr val="tx1"/>
-          </a:fontRef>
-        </p:style>
-      </p:cxnSp>
-      <p:cxnSp>
-        <p:nvCxnSpPr>
-          <p:cNvPr id="125" name="Прямая со стрелкой 124">
-            <a:extLst>
-              <a:ext uri="{FF2B5EF4-FFF2-40B4-BE49-F238E27FC236}">
-                <a16:creationId xmlns:a16="http://schemas.microsoft.com/office/drawing/2014/main" xmlns="" id="{2508D6D7-6D54-4C03-B717-A7AEB9F4714C}"/>
-              </a:ext>
-            </a:extLst>
-          </p:cNvPr>
-          <p:cNvCxnSpPr>
-            <a:cxnSpLocks/>
-            <a:stCxn id="26" idx="2"/>
-            <a:endCxn id="27" idx="0"/>
-          </p:cNvCxnSpPr>
-          <p:nvPr/>
-        </p:nvCxnSpPr>
-        <p:spPr>
-          <a:xfrm>
-            <a:off x="10245138" y="12939282"/>
-            <a:ext cx="0" cy="313516"/>
-          </a:xfrm>
-          <a:prstGeom prst="straightConnector1">
-            <a:avLst/>
-          </a:prstGeom>
-          <a:ln w="28575">
-            <a:tailEnd type="arrow"/>
-          </a:ln>
-        </p:spPr>
-        <p:style>
-          <a:lnRef idx="1">
-            <a:schemeClr val="accent1"/>
-          </a:lnRef>
-          <a:fillRef idx="0">
-            <a:schemeClr val="accent1"/>
-          </a:fillRef>
-          <a:effectRef idx="0">
-            <a:schemeClr val="accent1"/>
-          </a:effectRef>
-          <a:fontRef idx="minor">
-            <a:schemeClr val="tx1"/>
-          </a:fontRef>
-        </p:style>
-      </p:cxnSp>
-      <p:cxnSp>
-        <p:nvCxnSpPr>
-          <p:cNvPr id="129" name="Прямая со стрелкой 128">
-            <a:extLst>
-              <a:ext uri="{FF2B5EF4-FFF2-40B4-BE49-F238E27FC236}">
-                <a16:creationId xmlns:a16="http://schemas.microsoft.com/office/drawing/2014/main" xmlns="" id="{0862DCEC-2AFC-4705-833D-2F85536D579C}"/>
-              </a:ext>
-            </a:extLst>
-          </p:cNvPr>
-          <p:cNvCxnSpPr>
-            <a:cxnSpLocks/>
-            <a:stCxn id="40" idx="2"/>
-            <a:endCxn id="41" idx="0"/>
-          </p:cNvCxnSpPr>
-          <p:nvPr/>
-        </p:nvCxnSpPr>
-        <p:spPr>
-          <a:xfrm>
-            <a:off x="14089843" y="7230107"/>
-            <a:ext cx="0" cy="3126167"/>
-          </a:xfrm>
-          <a:prstGeom prst="straightConnector1">
-            <a:avLst/>
-          </a:prstGeom>
-          <a:ln w="28575">
-            <a:tailEnd type="arrow"/>
-          </a:ln>
-        </p:spPr>
-        <p:style>
-          <a:lnRef idx="1">
-            <a:schemeClr val="accent1"/>
-          </a:lnRef>
-          <a:fillRef idx="0">
-            <a:schemeClr val="accent1"/>
-          </a:fillRef>
-          <a:effectRef idx="0">
-            <a:schemeClr val="accent1"/>
-          </a:effectRef>
-          <a:fontRef idx="minor">
-            <a:schemeClr val="tx1"/>
-          </a:fontRef>
-        </p:style>
-      </p:cxnSp>
-      <p:cxnSp>
-        <p:nvCxnSpPr>
-          <p:cNvPr id="132" name="Прямая со стрелкой 131">
-            <a:extLst>
-              <a:ext uri="{FF2B5EF4-FFF2-40B4-BE49-F238E27FC236}">
-                <a16:creationId xmlns:a16="http://schemas.microsoft.com/office/drawing/2014/main" xmlns="" id="{F77D2DA5-EDEF-4E45-8230-51F2A41A8199}"/>
-              </a:ext>
-            </a:extLst>
-          </p:cNvPr>
-          <p:cNvCxnSpPr>
-            <a:cxnSpLocks/>
-            <a:stCxn id="34" idx="2"/>
-            <a:endCxn id="37" idx="0"/>
-          </p:cNvCxnSpPr>
-          <p:nvPr/>
-        </p:nvCxnSpPr>
-        <p:spPr>
-          <a:xfrm>
-            <a:off x="16647818" y="7230107"/>
-            <a:ext cx="0" cy="3126167"/>
-          </a:xfrm>
-          <a:prstGeom prst="straightConnector1">
-            <a:avLst/>
-          </a:prstGeom>
-          <a:ln w="28575">
-            <a:tailEnd type="arrow"/>
-          </a:ln>
-        </p:spPr>
-        <p:style>
-          <a:lnRef idx="1">
-            <a:schemeClr val="accent1"/>
-          </a:lnRef>
-          <a:fillRef idx="0">
-            <a:schemeClr val="accent1"/>
-          </a:fillRef>
-          <a:effectRef idx="0">
-            <a:schemeClr val="accent1"/>
-          </a:effectRef>
-          <a:fontRef idx="minor">
-            <a:schemeClr val="tx1"/>
-          </a:fontRef>
-        </p:style>
-      </p:cxnSp>
-      <p:cxnSp>
-        <p:nvCxnSpPr>
-          <p:cNvPr id="135" name="Соединительная линия уступом 523">
-            <a:extLst>
-              <a:ext uri="{FF2B5EF4-FFF2-40B4-BE49-F238E27FC236}">
-                <a16:creationId xmlns:a16="http://schemas.microsoft.com/office/drawing/2014/main" xmlns="" id="{5EDBD8FF-3888-4099-82F9-0F2356A22121}"/>
-              </a:ext>
-            </a:extLst>
-          </p:cNvPr>
-          <p:cNvCxnSpPr>
-            <a:cxnSpLocks/>
-            <a:stCxn id="43" idx="2"/>
-            <a:endCxn id="41" idx="0"/>
-          </p:cNvCxnSpPr>
-          <p:nvPr/>
-        </p:nvCxnSpPr>
-        <p:spPr>
-          <a:xfrm rot="5400000">
-            <a:off x="14565593" y="9560777"/>
-            <a:ext cx="319747" cy="1271246"/>
-          </a:xfrm>
-          <a:prstGeom prst="bentConnector3">
-            <a:avLst>
-              <a:gd name="adj1" fmla="val 50000"/>
-            </a:avLst>
-          </a:prstGeom>
-          <a:ln w="28575">
-            <a:tailEnd type="arrow"/>
-          </a:ln>
-        </p:spPr>
-        <p:style>
-          <a:lnRef idx="1">
-            <a:schemeClr val="accent1"/>
-          </a:lnRef>
-          <a:fillRef idx="0">
-            <a:schemeClr val="accent1"/>
-          </a:fillRef>
-          <a:effectRef idx="0">
-            <a:schemeClr val="accent1"/>
-          </a:effectRef>
-          <a:fontRef idx="minor">
-            <a:schemeClr val="tx1"/>
-          </a:fontRef>
-        </p:style>
-      </p:cxnSp>
-      <p:cxnSp>
-        <p:nvCxnSpPr>
-          <p:cNvPr id="138" name="Соединительная линия уступом 523">
-            <a:extLst>
-              <a:ext uri="{FF2B5EF4-FFF2-40B4-BE49-F238E27FC236}">
-                <a16:creationId xmlns:a16="http://schemas.microsoft.com/office/drawing/2014/main" xmlns="" id="{491AB98D-9B64-49BC-930A-7D12B9554A07}"/>
-              </a:ext>
-            </a:extLst>
-          </p:cNvPr>
-          <p:cNvCxnSpPr>
-            <a:cxnSpLocks/>
-            <a:stCxn id="43" idx="2"/>
-            <a:endCxn id="37" idx="0"/>
-          </p:cNvCxnSpPr>
-          <p:nvPr/>
-        </p:nvCxnSpPr>
-        <p:spPr>
-          <a:xfrm rot="16200000" flipH="1">
-            <a:off x="15844580" y="9553035"/>
-            <a:ext cx="319747" cy="1286729"/>
-          </a:xfrm>
-          <a:prstGeom prst="bentConnector3">
-            <a:avLst>
-              <a:gd name="adj1" fmla="val 50000"/>
-            </a:avLst>
-          </a:prstGeom>
-          <a:ln w="28575">
-            <a:tailEnd type="arrow"/>
-          </a:ln>
-        </p:spPr>
-        <p:style>
-          <a:lnRef idx="1">
-            <a:schemeClr val="accent1"/>
-          </a:lnRef>
-          <a:fillRef idx="0">
-            <a:schemeClr val="accent1"/>
-          </a:fillRef>
-          <a:effectRef idx="0">
-            <a:schemeClr val="accent1"/>
-          </a:effectRef>
-          <a:fontRef idx="minor">
-            <a:schemeClr val="tx1"/>
-          </a:fontRef>
-        </p:style>
-      </p:cxnSp>
-      <p:cxnSp>
-        <p:nvCxnSpPr>
-          <p:cNvPr id="141" name="Соединительная линия уступом 523">
-            <a:extLst>
-              <a:ext uri="{FF2B5EF4-FFF2-40B4-BE49-F238E27FC236}">
-                <a16:creationId xmlns:a16="http://schemas.microsoft.com/office/drawing/2014/main" xmlns="" id="{2B4830C7-F7F8-4FBB-B4A6-47E46EA7B2F8}"/>
-              </a:ext>
-            </a:extLst>
-          </p:cNvPr>
-          <p:cNvCxnSpPr>
-            <a:cxnSpLocks/>
-            <a:stCxn id="54" idx="2"/>
-            <a:endCxn id="58" idx="0"/>
-          </p:cNvCxnSpPr>
-          <p:nvPr/>
-        </p:nvCxnSpPr>
-        <p:spPr>
-          <a:xfrm rot="16200000" flipH="1">
-            <a:off x="12641447" y="1744043"/>
-            <a:ext cx="323685" cy="2542491"/>
-          </a:xfrm>
-          <a:prstGeom prst="bentConnector3">
-            <a:avLst>
-              <a:gd name="adj1" fmla="val 50000"/>
-            </a:avLst>
-          </a:prstGeom>
-          <a:ln w="28575">
-            <a:tailEnd type="arrow"/>
-          </a:ln>
-        </p:spPr>
-        <p:style>
-          <a:lnRef idx="1">
-            <a:schemeClr val="accent1"/>
-          </a:lnRef>
-          <a:fillRef idx="0">
-            <a:schemeClr val="accent1"/>
-          </a:fillRef>
-          <a:effectRef idx="0">
-            <a:schemeClr val="accent1"/>
-          </a:effectRef>
-          <a:fontRef idx="minor">
-            <a:schemeClr val="tx1"/>
-          </a:fontRef>
-        </p:style>
-      </p:cxnSp>
-      <p:cxnSp>
-        <p:nvCxnSpPr>
-          <p:cNvPr id="144" name="Соединительная линия уступом 523">
-            <a:extLst>
-              <a:ext uri="{FF2B5EF4-FFF2-40B4-BE49-F238E27FC236}">
-                <a16:creationId xmlns:a16="http://schemas.microsoft.com/office/drawing/2014/main" xmlns="" id="{25968507-4E3A-4825-A0E5-BF572F1C5CA1}"/>
-              </a:ext>
-            </a:extLst>
-          </p:cNvPr>
-          <p:cNvCxnSpPr>
-            <a:cxnSpLocks/>
-            <a:stCxn id="54" idx="2"/>
-            <a:endCxn id="56" idx="0"/>
-          </p:cNvCxnSpPr>
-          <p:nvPr/>
-        </p:nvCxnSpPr>
-        <p:spPr>
-          <a:xfrm rot="5400000">
-            <a:off x="10083472" y="1728559"/>
-            <a:ext cx="323685" cy="2573460"/>
-          </a:xfrm>
-          <a:prstGeom prst="bentConnector3">
-            <a:avLst>
-              <a:gd name="adj1" fmla="val 50000"/>
-            </a:avLst>
-          </a:prstGeom>
-          <a:ln w="28575">
-            <a:tailEnd type="arrow"/>
-          </a:ln>
-        </p:spPr>
-        <p:style>
-          <a:lnRef idx="1">
-            <a:schemeClr val="accent1"/>
-          </a:lnRef>
-          <a:fillRef idx="0">
-            <a:schemeClr val="accent1"/>
-          </a:fillRef>
-          <a:effectRef idx="0">
-            <a:schemeClr val="accent1"/>
-          </a:effectRef>
-          <a:fontRef idx="minor">
-            <a:schemeClr val="tx1"/>
-          </a:fontRef>
-        </p:style>
-      </p:cxnSp>
-      <p:cxnSp>
-        <p:nvCxnSpPr>
-          <p:cNvPr id="147" name="Прямая со стрелкой 146">
-            <a:extLst>
-              <a:ext uri="{FF2B5EF4-FFF2-40B4-BE49-F238E27FC236}">
-                <a16:creationId xmlns:a16="http://schemas.microsoft.com/office/drawing/2014/main" xmlns="" id="{FEF0748A-B663-49A8-9415-C42D5F6298E4}"/>
-              </a:ext>
-            </a:extLst>
-          </p:cNvPr>
-          <p:cNvCxnSpPr>
-            <a:cxnSpLocks/>
-            <a:stCxn id="61" idx="2"/>
-            <a:endCxn id="64" idx="0"/>
-          </p:cNvCxnSpPr>
-          <p:nvPr/>
-        </p:nvCxnSpPr>
-        <p:spPr>
-          <a:xfrm>
-            <a:off x="3805292" y="2846220"/>
-            <a:ext cx="0" cy="330912"/>
-          </a:xfrm>
-          <a:prstGeom prst="straightConnector1">
-            <a:avLst/>
-          </a:prstGeom>
-          <a:ln w="28575">
-            <a:tailEnd type="arrow"/>
-          </a:ln>
-        </p:spPr>
-        <p:style>
-          <a:lnRef idx="1">
-            <a:schemeClr val="accent1"/>
-          </a:lnRef>
-          <a:fillRef idx="0">
-            <a:schemeClr val="accent1"/>
-          </a:fillRef>
-          <a:effectRef idx="0">
-            <a:schemeClr val="accent1"/>
-          </a:effectRef>
-          <a:fontRef idx="minor">
-            <a:schemeClr val="tx1"/>
-          </a:fontRef>
-        </p:style>
-      </p:cxnSp>
-      <p:cxnSp>
-        <p:nvCxnSpPr>
-          <p:cNvPr id="150" name="Прямая со стрелкой 149">
-            <a:extLst>
-              <a:ext uri="{FF2B5EF4-FFF2-40B4-BE49-F238E27FC236}">
-                <a16:creationId xmlns:a16="http://schemas.microsoft.com/office/drawing/2014/main" xmlns="" id="{1773E2C9-86CF-4909-BE24-C4E533596803}"/>
-              </a:ext>
-            </a:extLst>
-          </p:cNvPr>
-          <p:cNvCxnSpPr>
-            <a:cxnSpLocks/>
-            <a:stCxn id="54" idx="2"/>
-            <a:endCxn id="57" idx="0"/>
-          </p:cNvCxnSpPr>
-          <p:nvPr/>
-        </p:nvCxnSpPr>
-        <p:spPr>
-          <a:xfrm>
-            <a:off x="11532044" y="2853447"/>
-            <a:ext cx="0" cy="323685"/>
-          </a:xfrm>
-          <a:prstGeom prst="straightConnector1">
-            <a:avLst/>
-          </a:prstGeom>
-          <a:ln w="28575">
-            <a:tailEnd type="arrow"/>
-          </a:ln>
-        </p:spPr>
-        <p:style>
-          <a:lnRef idx="1">
-            <a:schemeClr val="accent1"/>
-          </a:lnRef>
-          <a:fillRef idx="0">
-            <a:schemeClr val="accent1"/>
-          </a:fillRef>
-          <a:effectRef idx="0">
-            <a:schemeClr val="accent1"/>
-          </a:effectRef>
-          <a:fontRef idx="minor">
-            <a:schemeClr val="tx1"/>
-          </a:fontRef>
-        </p:style>
-      </p:cxnSp>
-      <p:cxnSp>
-        <p:nvCxnSpPr>
-          <p:cNvPr id="91" name="Соединительная линия уступом 523">
-            <a:extLst>
-              <a:ext uri="{FF2B5EF4-FFF2-40B4-BE49-F238E27FC236}">
-                <a16:creationId xmlns:a16="http://schemas.microsoft.com/office/drawing/2014/main" xmlns="" id="{93FABB1C-3159-4BB7-8C74-41BC65AA4528}"/>
-              </a:ext>
-            </a:extLst>
-          </p:cNvPr>
-          <p:cNvCxnSpPr>
-            <a:cxnSpLocks/>
-            <a:stCxn id="49" idx="2"/>
-            <a:endCxn id="25" idx="0"/>
-          </p:cNvCxnSpPr>
-          <p:nvPr/>
-        </p:nvCxnSpPr>
-        <p:spPr>
-          <a:xfrm rot="16200000" flipH="1">
-            <a:off x="7426688" y="8932271"/>
-            <a:ext cx="1760167" cy="1276558"/>
-          </a:xfrm>
-          <a:prstGeom prst="bentConnector3">
-            <a:avLst>
-              <a:gd name="adj1" fmla="val 9681"/>
-            </a:avLst>
-          </a:prstGeom>
-          <a:ln w="28575">
-            <a:tailEnd type="arrow"/>
-          </a:ln>
-        </p:spPr>
-        <p:style>
-          <a:lnRef idx="1">
-            <a:schemeClr val="accent1"/>
-          </a:lnRef>
-          <a:fillRef idx="0">
-            <a:schemeClr val="accent1"/>
-          </a:fillRef>
-          <a:effectRef idx="0">
-            <a:schemeClr val="accent1"/>
-          </a:effectRef>
-          <a:fontRef idx="minor">
-            <a:schemeClr val="tx1"/>
-          </a:fontRef>
-        </p:style>
-      </p:cxnSp>
-      <p:cxnSp>
-        <p:nvCxnSpPr>
-          <p:cNvPr id="94" name="Соединительная линия уступом 523">
-            <a:extLst>
-              <a:ext uri="{FF2B5EF4-FFF2-40B4-BE49-F238E27FC236}">
-                <a16:creationId xmlns:a16="http://schemas.microsoft.com/office/drawing/2014/main" xmlns="" id="{813E6CB1-3FED-48AC-A38F-C3E6B8A7343B}"/>
-              </a:ext>
-            </a:extLst>
-          </p:cNvPr>
-          <p:cNvCxnSpPr>
-            <a:cxnSpLocks/>
-            <a:stCxn id="44" idx="2"/>
-            <a:endCxn id="25" idx="0"/>
-          </p:cNvCxnSpPr>
-          <p:nvPr/>
-        </p:nvCxnSpPr>
-        <p:spPr>
-          <a:xfrm rot="5400000">
-            <a:off x="8712168" y="8917664"/>
-            <a:ext cx="1765852" cy="1300088"/>
-          </a:xfrm>
-          <a:prstGeom prst="bentConnector3">
-            <a:avLst>
-              <a:gd name="adj1" fmla="val 9505"/>
-            </a:avLst>
-          </a:prstGeom>
-          <a:ln w="28575">
-            <a:tailEnd type="arrow"/>
-          </a:ln>
-        </p:spPr>
-        <p:style>
-          <a:lnRef idx="1">
-            <a:schemeClr val="accent1"/>
-          </a:lnRef>
-          <a:fillRef idx="0">
-            <a:schemeClr val="accent1"/>
-          </a:fillRef>
-          <a:effectRef idx="0">
-            <a:schemeClr val="accent1"/>
-          </a:effectRef>
-          <a:fontRef idx="minor">
-            <a:schemeClr val="tx1"/>
-          </a:fontRef>
-        </p:style>
-      </p:cxnSp>
-      <p:sp>
-        <p:nvSpPr>
-          <p:cNvPr id="102" name="Прямоугольник 101">
-            <a:extLst>
-              <a:ext uri="{FF2B5EF4-FFF2-40B4-BE49-F238E27FC236}">
-                <a16:creationId xmlns:a16="http://schemas.microsoft.com/office/drawing/2014/main" xmlns="" id="{104BB11C-19DA-4DA4-8899-2145048FEA67}"/>
-              </a:ext>
-            </a:extLst>
-          </p:cNvPr>
-          <p:cNvSpPr/>
-          <p:nvPr/>
-        </p:nvSpPr>
-        <p:spPr>
-          <a:xfrm>
-            <a:off x="6615846" y="8958485"/>
-            <a:ext cx="2115918" cy="1080000"/>
-          </a:xfrm>
-          <a:prstGeom prst="rect">
-            <a:avLst/>
-          </a:prstGeom>
-          <a:ln w="28575"/>
-        </p:spPr>
-        <p:style>
-          <a:lnRef idx="2">
-            <a:schemeClr val="accent1"/>
-          </a:lnRef>
-          <a:fillRef idx="1">
-            <a:schemeClr val="lt1"/>
-          </a:fillRef>
-          <a:effectRef idx="0">
-            <a:schemeClr val="accent1"/>
-          </a:effectRef>
-          <a:fontRef idx="minor">
-            <a:schemeClr val="dk1"/>
-          </a:fontRef>
-        </p:style>
-        <p:txBody>
-          <a:bodyPr lIns="124733" tIns="62367" rIns="124733" bIns="62367" rtlCol="0" anchor="ctr"/>
-          <a:lstStyle/>
-          <a:p>
-            <a:pPr algn="ctr"/>
-            <a:r>
-              <a:rPr lang="ru-RU" sz="1400" dirty="0"/>
-              <a:t>Продолжить развитие артиллерийской доктрины</a:t>
-            </a:r>
-          </a:p>
-        </p:txBody>
-      </p:sp>
-      <p:sp>
-        <p:nvSpPr>
-          <p:cNvPr id="103" name="Прямоугольник 102">
-            <a:extLst>
-              <a:ext uri="{FF2B5EF4-FFF2-40B4-BE49-F238E27FC236}">
-                <a16:creationId xmlns:a16="http://schemas.microsoft.com/office/drawing/2014/main" xmlns="" id="{015BC524-92C7-4AD3-AAE2-C2638148AEC6}"/>
-              </a:ext>
-            </a:extLst>
-          </p:cNvPr>
-          <p:cNvSpPr/>
-          <p:nvPr/>
-        </p:nvSpPr>
-        <p:spPr>
-          <a:xfrm>
-            <a:off x="9183994" y="8956527"/>
-            <a:ext cx="2115918" cy="1080000"/>
-          </a:xfrm>
-          <a:prstGeom prst="rect">
-            <a:avLst/>
-          </a:prstGeom>
-          <a:ln w="28575"/>
-        </p:spPr>
-        <p:style>
-          <a:lnRef idx="2">
-            <a:schemeClr val="accent1"/>
-          </a:lnRef>
-          <a:fillRef idx="1">
-            <a:schemeClr val="lt1"/>
-          </a:fillRef>
-          <a:effectRef idx="0">
-            <a:schemeClr val="accent1"/>
-          </a:effectRef>
-          <a:fontRef idx="minor">
-            <a:schemeClr val="dk1"/>
-          </a:fontRef>
-        </p:style>
-        <p:txBody>
-          <a:bodyPr lIns="124733" tIns="62367" rIns="124733" bIns="62367" rtlCol="0" anchor="ctr"/>
-          <a:lstStyle/>
-          <a:p>
-            <a:pPr algn="ctr"/>
-            <a:r>
-              <a:rPr lang="ru-RU" sz="1400" dirty="0"/>
-              <a:t>Продолжить развитие мобильной доктрины</a:t>
-            </a:r>
-          </a:p>
-        </p:txBody>
-      </p:sp>
-      <p:cxnSp>
-        <p:nvCxnSpPr>
-          <p:cNvPr id="105" name="Прямая соединительная линия 104">
-            <a:extLst>
-              <a:ext uri="{FF2B5EF4-FFF2-40B4-BE49-F238E27FC236}">
-                <a16:creationId xmlns:a16="http://schemas.microsoft.com/office/drawing/2014/main" xmlns="" id="{30601EE9-46E6-4732-A0DE-B57457679897}"/>
-              </a:ext>
-            </a:extLst>
-          </p:cNvPr>
-          <p:cNvCxnSpPr>
-            <a:cxnSpLocks/>
-            <a:stCxn id="102" idx="3"/>
-            <a:endCxn id="103" idx="1"/>
-          </p:cNvCxnSpPr>
-          <p:nvPr/>
-        </p:nvCxnSpPr>
-        <p:spPr>
-          <a:xfrm flipV="1">
-            <a:off x="8731764" y="9496527"/>
-            <a:ext cx="452230" cy="1958"/>
-          </a:xfrm>
-          <a:prstGeom prst="line">
-            <a:avLst/>
-          </a:prstGeom>
-          <a:ln w="28575">
-            <a:solidFill>
-              <a:srgbClr val="FF0000"/>
-            </a:solidFill>
-          </a:ln>
-        </p:spPr>
-        <p:style>
-          <a:lnRef idx="1">
-            <a:schemeClr val="accent1"/>
-          </a:lnRef>
-          <a:fillRef idx="0">
-            <a:schemeClr val="accent1"/>
-          </a:fillRef>
-          <a:effectRef idx="0">
-            <a:schemeClr val="accent1"/>
-          </a:effectRef>
-          <a:fontRef idx="minor">
-            <a:schemeClr val="tx1"/>
-          </a:fontRef>
-        </p:style>
-      </p:cxnSp>
-      <p:cxnSp>
-        <p:nvCxnSpPr>
-          <p:cNvPr id="106" name="Прямая со стрелкой 105">
-            <a:extLst>
-              <a:ext uri="{FF2B5EF4-FFF2-40B4-BE49-F238E27FC236}">
-                <a16:creationId xmlns:a16="http://schemas.microsoft.com/office/drawing/2014/main" xmlns="" id="{CBC4A588-3776-409A-BA21-84D57C3B0391}"/>
-              </a:ext>
-            </a:extLst>
-          </p:cNvPr>
-          <p:cNvCxnSpPr>
-            <a:cxnSpLocks/>
-            <a:stCxn id="49" idx="2"/>
-            <a:endCxn id="102" idx="0"/>
-          </p:cNvCxnSpPr>
-          <p:nvPr/>
-        </p:nvCxnSpPr>
-        <p:spPr>
-          <a:xfrm>
-            <a:off x="7668492" y="8690467"/>
-            <a:ext cx="5313" cy="268018"/>
-          </a:xfrm>
-          <a:prstGeom prst="straightConnector1">
-            <a:avLst/>
-          </a:prstGeom>
-          <a:ln w="28575">
-            <a:tailEnd type="arrow"/>
-          </a:ln>
-        </p:spPr>
-        <p:style>
-          <a:lnRef idx="1">
-            <a:schemeClr val="accent1"/>
-          </a:lnRef>
-          <a:fillRef idx="0">
-            <a:schemeClr val="accent1"/>
-          </a:fillRef>
-          <a:effectRef idx="0">
-            <a:schemeClr val="accent1"/>
-          </a:effectRef>
-          <a:fontRef idx="minor">
-            <a:schemeClr val="tx1"/>
-          </a:fontRef>
-        </p:style>
-      </p:cxnSp>
-      <p:cxnSp>
-        <p:nvCxnSpPr>
-          <p:cNvPr id="109" name="Прямая со стрелкой 108">
+          <p:cNvPr id="90" name="Прямая со стрелкой 89">
             <a:extLst>
               <a:ext uri="{FF2B5EF4-FFF2-40B4-BE49-F238E27FC236}">
                 <a16:creationId xmlns:a16="http://schemas.microsoft.com/office/drawing/2014/main" xmlns="" id="{40FCCF04-27A6-4B4C-8065-3A1DFBFA8F5B}"/>
@@ -9206,14 +12480,14 @@
           </p:cNvPr>
           <p:cNvCxnSpPr>
             <a:cxnSpLocks/>
-            <a:stCxn id="44" idx="2"/>
-            <a:endCxn id="103" idx="0"/>
+            <a:stCxn id="17" idx="2"/>
+            <a:endCxn id="87" idx="0"/>
           </p:cNvCxnSpPr>
           <p:nvPr/>
         </p:nvCxnSpPr>
         <p:spPr>
           <a:xfrm flipH="1">
-            <a:off x="10241953" y="8684782"/>
+            <a:off x="10643747" y="8686770"/>
             <a:ext cx="3185" cy="271745"/>
           </a:xfrm>
           <a:prstGeom prst="straightConnector1">
@@ -9240,918 +12514,7 @@
       </p:cxnSp>
       <p:sp>
         <p:nvSpPr>
-          <p:cNvPr id="113" name="Прямоугольник 112">
-            <a:extLst>
-              <a:ext uri="{FF2B5EF4-FFF2-40B4-BE49-F238E27FC236}">
-                <a16:creationId xmlns:a16="http://schemas.microsoft.com/office/drawing/2014/main" xmlns="" id="{0F2080B8-4947-482B-8722-8B19F72F8559}"/>
-              </a:ext>
-            </a:extLst>
-          </p:cNvPr>
-          <p:cNvSpPr/>
-          <p:nvPr/>
-        </p:nvSpPr>
-        <p:spPr>
-          <a:xfrm>
-            <a:off x="21029230" y="3177132"/>
-            <a:ext cx="2115918" cy="1080000"/>
-          </a:xfrm>
-          <a:prstGeom prst="rect">
-            <a:avLst/>
-          </a:prstGeom>
-          <a:solidFill>
-            <a:srgbClr val="FF0000"/>
-          </a:solidFill>
-          <a:ln w="28575"/>
-        </p:spPr>
-        <p:style>
-          <a:lnRef idx="2">
-            <a:schemeClr val="accent1"/>
-          </a:lnRef>
-          <a:fillRef idx="1">
-            <a:schemeClr val="lt1"/>
-          </a:fillRef>
-          <a:effectRef idx="0">
-            <a:schemeClr val="accent1"/>
-          </a:effectRef>
-          <a:fontRef idx="minor">
-            <a:schemeClr val="dk1"/>
-          </a:fontRef>
-        </p:style>
-        <p:txBody>
-          <a:bodyPr lIns="124733" tIns="62367" rIns="124733" bIns="62367" rtlCol="0" anchor="ctr"/>
-          <a:lstStyle/>
-          <a:p>
-            <a:pPr algn="ctr"/>
-            <a:r>
-              <a:rPr lang="ru-RU" sz="1400" dirty="0"/>
-              <a:t>Присоединиться к интернациональным бригадам в Испании </a:t>
-            </a:r>
-            <a:r>
-              <a:rPr lang="ru-RU" sz="600" dirty="0"/>
-              <a:t>(В 1936—1939 бельгийские коммунисты выступали в поддержку Испанской республики, оказывали помощь в формировании интернациональных бригад и участвовали в боевых действиях в Испании[2].)</a:t>
-            </a:r>
-            <a:endParaRPr lang="ru-RU" sz="1400" dirty="0"/>
-          </a:p>
-        </p:txBody>
-      </p:sp>
-      <p:sp>
-        <p:nvSpPr>
-          <p:cNvPr id="114" name="Прямоугольник 113">
-            <a:extLst>
-              <a:ext uri="{FF2B5EF4-FFF2-40B4-BE49-F238E27FC236}">
-                <a16:creationId xmlns:a16="http://schemas.microsoft.com/office/drawing/2014/main" xmlns="" id="{C922E429-61A8-41DF-A7BF-ECB4E26FFE98}"/>
-              </a:ext>
-            </a:extLst>
-          </p:cNvPr>
-          <p:cNvSpPr/>
-          <p:nvPr/>
-        </p:nvSpPr>
-        <p:spPr>
-          <a:xfrm>
-            <a:off x="32065400" y="6150106"/>
-            <a:ext cx="2115918" cy="1080000"/>
-          </a:xfrm>
-          <a:prstGeom prst="rect">
-            <a:avLst/>
-          </a:prstGeom>
-          <a:ln w="28575"/>
-        </p:spPr>
-        <p:style>
-          <a:lnRef idx="2">
-            <a:schemeClr val="accent1"/>
-          </a:lnRef>
-          <a:fillRef idx="1">
-            <a:schemeClr val="lt1"/>
-          </a:fillRef>
-          <a:effectRef idx="0">
-            <a:schemeClr val="accent1"/>
-          </a:effectRef>
-          <a:fontRef idx="minor">
-            <a:schemeClr val="dk1"/>
-          </a:fontRef>
-        </p:style>
-        <p:txBody>
-          <a:bodyPr lIns="124733" tIns="62367" rIns="124733" bIns="62367" rtlCol="0" anchor="ctr"/>
-          <a:lstStyle/>
-          <a:p>
-            <a:pPr algn="ctr"/>
-            <a:r>
-              <a:rPr lang="ru-RU" sz="1400" dirty="0"/>
-              <a:t>Закон Янсена (1940) </a:t>
-            </a:r>
-            <a:r>
-              <a:rPr lang="ru-RU" sz="500" dirty="0"/>
-              <a:t>(В январе 1940 года правительством Бельгии был принят «закон Янсена», в соответствии с которым были запрещены печатные издания коммунистической партии. 10 мая 1940 г. партия была запрещена и перешла в подполье[3].])</a:t>
-            </a:r>
-            <a:endParaRPr lang="ru-RU" sz="1400" dirty="0"/>
-          </a:p>
-        </p:txBody>
-      </p:sp>
-      <p:sp>
-        <p:nvSpPr>
-          <p:cNvPr id="116" name="Прямоугольник 115">
-            <a:extLst>
-              <a:ext uri="{FF2B5EF4-FFF2-40B4-BE49-F238E27FC236}">
-                <a16:creationId xmlns:a16="http://schemas.microsoft.com/office/drawing/2014/main" xmlns="" id="{F2311656-ADD2-4DB8-ACE3-3A30EA6BF282}"/>
-              </a:ext>
-            </a:extLst>
-          </p:cNvPr>
-          <p:cNvSpPr/>
-          <p:nvPr/>
-        </p:nvSpPr>
-        <p:spPr>
-          <a:xfrm>
-            <a:off x="21029230" y="4576134"/>
-            <a:ext cx="2115918" cy="1080000"/>
-          </a:xfrm>
-          <a:prstGeom prst="rect">
-            <a:avLst/>
-          </a:prstGeom>
-          <a:solidFill>
-            <a:srgbClr val="FF0000"/>
-          </a:solidFill>
-          <a:ln w="28575"/>
-        </p:spPr>
-        <p:style>
-          <a:lnRef idx="2">
-            <a:schemeClr val="accent1"/>
-          </a:lnRef>
-          <a:fillRef idx="1">
-            <a:schemeClr val="lt1"/>
-          </a:fillRef>
-          <a:effectRef idx="0">
-            <a:schemeClr val="accent1"/>
-          </a:effectRef>
-          <a:fontRef idx="minor">
-            <a:schemeClr val="dk1"/>
-          </a:fontRef>
-        </p:style>
-        <p:txBody>
-          <a:bodyPr lIns="124733" tIns="62367" rIns="124733" bIns="62367" rtlCol="0" anchor="ctr"/>
-          <a:lstStyle/>
-          <a:p>
-            <a:pPr algn="ctr"/>
-            <a:r>
-              <a:rPr lang="ru-RU" sz="1400" dirty="0"/>
-              <a:t>План экономического обновления страны </a:t>
-            </a:r>
-            <a:r>
-              <a:rPr lang="ru-RU" sz="500" dirty="0"/>
-              <a:t>(В ответ, партия предложила собственную программу выхода из кризиса — разработанный под руководством Э. </a:t>
-            </a:r>
-            <a:r>
-              <a:rPr lang="ru-RU" sz="500" dirty="0" err="1"/>
-              <a:t>Лальмана</a:t>
-            </a:r>
-            <a:r>
-              <a:rPr lang="ru-RU" sz="500" dirty="0"/>
-              <a:t> «План экономического обновления страны», предусматривавший национализацию угольных шахт, электростанций и банков, переход в собственность государства залежей золота и урана в Бельгийском Конго, установление контроля за себестоимостью промышленной продукции и меры по повышению покупательной способности населения</a:t>
-            </a:r>
-            <a:endParaRPr lang="ru-RU" sz="1400" dirty="0"/>
-          </a:p>
-        </p:txBody>
-      </p:sp>
-      <p:sp>
-        <p:nvSpPr>
-          <p:cNvPr id="117" name="Прямоугольник 116">
-            <a:extLst>
-              <a:ext uri="{FF2B5EF4-FFF2-40B4-BE49-F238E27FC236}">
-                <a16:creationId xmlns:a16="http://schemas.microsoft.com/office/drawing/2014/main" xmlns="" id="{72EE031F-A3D2-40E5-A429-8F3077068C2C}"/>
-              </a:ext>
-            </a:extLst>
-          </p:cNvPr>
-          <p:cNvSpPr/>
-          <p:nvPr/>
-        </p:nvSpPr>
-        <p:spPr>
-          <a:xfrm>
-            <a:off x="19388925" y="177258"/>
-            <a:ext cx="2115918" cy="1080000"/>
-          </a:xfrm>
-          <a:prstGeom prst="rect">
-            <a:avLst/>
-          </a:prstGeom>
-          <a:solidFill>
-            <a:srgbClr val="FF0000"/>
-          </a:solidFill>
-          <a:ln w="28575"/>
-        </p:spPr>
-        <p:style>
-          <a:lnRef idx="2">
-            <a:schemeClr val="accent1"/>
-          </a:lnRef>
-          <a:fillRef idx="1">
-            <a:schemeClr val="lt1"/>
-          </a:fillRef>
-          <a:effectRef idx="0">
-            <a:schemeClr val="accent1"/>
-          </a:effectRef>
-          <a:fontRef idx="minor">
-            <a:schemeClr val="dk1"/>
-          </a:fontRef>
-        </p:style>
-        <p:txBody>
-          <a:bodyPr lIns="124733" tIns="62367" rIns="124733" bIns="62367" rtlCol="0" anchor="ctr"/>
-          <a:lstStyle/>
-          <a:p>
-            <a:pPr algn="ctr"/>
-            <a:r>
-              <a:rPr lang="ru-RU" sz="1400" dirty="0"/>
-              <a:t>Стачка в 1936 и последующее создание народного фронта с </a:t>
-            </a:r>
-            <a:r>
-              <a:rPr lang="ru-RU" sz="1400" dirty="0" err="1"/>
-              <a:t>соц</a:t>
-            </a:r>
-            <a:r>
-              <a:rPr lang="ru-RU" sz="1400" dirty="0"/>
-              <a:t> </a:t>
-            </a:r>
-            <a:r>
-              <a:rPr lang="ru-RU" sz="1400" dirty="0" err="1"/>
-              <a:t>демами</a:t>
-            </a:r>
-            <a:endParaRPr lang="ru-RU" sz="1400" dirty="0"/>
-          </a:p>
-        </p:txBody>
-      </p:sp>
-      <p:sp>
-        <p:nvSpPr>
-          <p:cNvPr id="119" name="Прямоугольник 118">
-            <a:extLst>
-              <a:ext uri="{FF2B5EF4-FFF2-40B4-BE49-F238E27FC236}">
-                <a16:creationId xmlns:a16="http://schemas.microsoft.com/office/drawing/2014/main" xmlns="" id="{F616D5C5-5E71-491B-B1E1-44B7AFE218A2}"/>
-              </a:ext>
-            </a:extLst>
-          </p:cNvPr>
-          <p:cNvSpPr/>
-          <p:nvPr/>
-        </p:nvSpPr>
-        <p:spPr>
-          <a:xfrm>
-            <a:off x="24113702" y="3165967"/>
-            <a:ext cx="2115918" cy="1080000"/>
-          </a:xfrm>
-          <a:prstGeom prst="rect">
-            <a:avLst/>
-          </a:prstGeom>
-          <a:solidFill>
-            <a:srgbClr val="FF0000"/>
-          </a:solidFill>
-          <a:ln w="28575"/>
-        </p:spPr>
-        <p:style>
-          <a:lnRef idx="2">
-            <a:schemeClr val="accent1"/>
-          </a:lnRef>
-          <a:fillRef idx="1">
-            <a:schemeClr val="lt1"/>
-          </a:fillRef>
-          <a:effectRef idx="0">
-            <a:schemeClr val="accent1"/>
-          </a:effectRef>
-          <a:fontRef idx="minor">
-            <a:schemeClr val="dk1"/>
-          </a:fontRef>
-        </p:style>
-        <p:txBody>
-          <a:bodyPr lIns="124733" tIns="62367" rIns="124733" bIns="62367" rtlCol="0" anchor="ctr"/>
-          <a:lstStyle/>
-          <a:p>
-            <a:pPr algn="ctr"/>
-            <a:r>
-              <a:rPr lang="ru-RU" sz="1400" dirty="0"/>
-              <a:t>Основать газету «Красное знамя» ()</a:t>
-            </a:r>
-          </a:p>
-        </p:txBody>
-      </p:sp>
-      <p:sp>
-        <p:nvSpPr>
-          <p:cNvPr id="120" name="Прямоугольник 119">
-            <a:extLst>
-              <a:ext uri="{FF2B5EF4-FFF2-40B4-BE49-F238E27FC236}">
-                <a16:creationId xmlns:a16="http://schemas.microsoft.com/office/drawing/2014/main" xmlns="" id="{1289AEDA-B315-477F-8287-09F8B972C3EB}"/>
-              </a:ext>
-            </a:extLst>
-          </p:cNvPr>
-          <p:cNvSpPr/>
-          <p:nvPr/>
-        </p:nvSpPr>
-        <p:spPr>
-          <a:xfrm>
-            <a:off x="21997784" y="177258"/>
-            <a:ext cx="2115918" cy="1080000"/>
-          </a:xfrm>
-          <a:prstGeom prst="rect">
-            <a:avLst/>
-          </a:prstGeom>
-          <a:solidFill>
-            <a:srgbClr val="FF0000"/>
-          </a:solidFill>
-          <a:ln w="28575"/>
-        </p:spPr>
-        <p:style>
-          <a:lnRef idx="2">
-            <a:schemeClr val="accent1"/>
-          </a:lnRef>
-          <a:fillRef idx="1">
-            <a:schemeClr val="lt1"/>
-          </a:fillRef>
-          <a:effectRef idx="0">
-            <a:schemeClr val="accent1"/>
-          </a:effectRef>
-          <a:fontRef idx="minor">
-            <a:schemeClr val="dk1"/>
-          </a:fontRef>
-        </p:style>
-        <p:txBody>
-          <a:bodyPr lIns="124733" tIns="62367" rIns="124733" bIns="62367" rtlCol="0" anchor="ctr"/>
-          <a:lstStyle/>
-          <a:p>
-            <a:pPr algn="ctr"/>
-            <a:r>
-              <a:rPr lang="ru-RU" sz="1400" dirty="0"/>
-              <a:t>Смерть </a:t>
-            </a:r>
-            <a:r>
-              <a:rPr lang="ru-RU" sz="1400" dirty="0" err="1"/>
-              <a:t>Жакемотта</a:t>
-            </a:r>
-            <a:r>
-              <a:rPr lang="ru-RU" sz="1400" dirty="0"/>
-              <a:t> </a:t>
-            </a:r>
-            <a:r>
-              <a:rPr lang="ru-RU" sz="600" dirty="0"/>
-              <a:t>(« Красное знамя » ,18 июля 1936 г.). </a:t>
-            </a:r>
-            <a:r>
-              <a:rPr lang="ru-RU" sz="600" dirty="0" err="1"/>
-              <a:t>Жакмотт</a:t>
-            </a:r>
-            <a:r>
-              <a:rPr lang="ru-RU" sz="600" dirty="0"/>
-              <a:t> не мог идти дальше. Смерть должна была удивить его, несколько недель спустя,11 октября 1936 </a:t>
-            </a:r>
-            <a:r>
-              <a:rPr lang="ru-RU" sz="600" dirty="0" err="1"/>
-              <a:t>г.в</a:t>
-            </a:r>
-            <a:r>
-              <a:rPr lang="ru-RU" sz="600" dirty="0"/>
-              <a:t> поезде, который привез его обратно в Брюссель из типографии </a:t>
-            </a:r>
-            <a:r>
-              <a:rPr lang="ru-RU" sz="600" dirty="0" err="1"/>
-              <a:t>La</a:t>
-            </a:r>
-            <a:r>
-              <a:rPr lang="ru-RU" sz="600" dirty="0"/>
-              <a:t> </a:t>
-            </a:r>
-            <a:r>
-              <a:rPr lang="ru-RU" sz="600" dirty="0" err="1"/>
-              <a:t>Voix</a:t>
-            </a:r>
-            <a:r>
-              <a:rPr lang="ru-RU" sz="600" dirty="0"/>
-              <a:t> </a:t>
-            </a:r>
-            <a:r>
-              <a:rPr lang="ru-RU" sz="600" dirty="0" err="1"/>
-              <a:t>du</a:t>
-            </a:r>
-            <a:r>
-              <a:rPr lang="ru-RU" sz="600" dirty="0"/>
-              <a:t> </a:t>
-            </a:r>
-            <a:r>
-              <a:rPr lang="ru-RU" sz="600" dirty="0" err="1"/>
-              <a:t>Peuple</a:t>
-            </a:r>
-            <a:r>
-              <a:rPr lang="ru-RU" sz="600" dirty="0"/>
-              <a:t> , ежедневной газеты партии, которую он только что основал как преемник </a:t>
-            </a:r>
-            <a:r>
-              <a:rPr lang="ru-RU" sz="600" dirty="0" err="1"/>
-              <a:t>Red</a:t>
-            </a:r>
-            <a:r>
-              <a:rPr lang="ru-RU" sz="600" dirty="0"/>
-              <a:t> </a:t>
-            </a:r>
-            <a:r>
-              <a:rPr lang="ru-RU" sz="600" dirty="0" err="1"/>
-              <a:t>Flag</a:t>
-            </a:r>
-            <a:r>
-              <a:rPr lang="ru-RU" sz="600" dirty="0"/>
-              <a:t>)</a:t>
-            </a:r>
-            <a:endParaRPr lang="ru-RU" sz="1400" dirty="0"/>
-          </a:p>
-        </p:txBody>
-      </p:sp>
-      <p:sp>
-        <p:nvSpPr>
-          <p:cNvPr id="121" name="Прямоугольник 120">
-            <a:extLst>
-              <a:ext uri="{FF2B5EF4-FFF2-40B4-BE49-F238E27FC236}">
-                <a16:creationId xmlns:a16="http://schemas.microsoft.com/office/drawing/2014/main" xmlns="" id="{36AADC54-76EE-4E99-BA06-5F0E3BC28A8E}"/>
-              </a:ext>
-            </a:extLst>
-          </p:cNvPr>
-          <p:cNvSpPr/>
-          <p:nvPr/>
-        </p:nvSpPr>
-        <p:spPr>
-          <a:xfrm>
-            <a:off x="24113702" y="6150106"/>
-            <a:ext cx="2115918" cy="1080000"/>
-          </a:xfrm>
-          <a:prstGeom prst="rect">
-            <a:avLst/>
-          </a:prstGeom>
-          <a:solidFill>
-            <a:srgbClr val="FF0000"/>
-          </a:solidFill>
-          <a:ln w="28575"/>
-        </p:spPr>
-        <p:style>
-          <a:lnRef idx="2">
-            <a:schemeClr val="accent1"/>
-          </a:lnRef>
-          <a:fillRef idx="1">
-            <a:schemeClr val="lt1"/>
-          </a:fillRef>
-          <a:effectRef idx="0">
-            <a:schemeClr val="accent1"/>
-          </a:effectRef>
-          <a:fontRef idx="minor">
-            <a:schemeClr val="dk1"/>
-          </a:fontRef>
-        </p:style>
-        <p:txBody>
-          <a:bodyPr lIns="124733" tIns="62367" rIns="124733" bIns="62367" rtlCol="0" anchor="ctr"/>
-          <a:lstStyle/>
-          <a:p>
-            <a:pPr algn="ctr"/>
-            <a:r>
-              <a:rPr lang="ru-RU" sz="1400" dirty="0"/>
-              <a:t>Продолжить поддержку Коминтерна</a:t>
-            </a:r>
-          </a:p>
-        </p:txBody>
-      </p:sp>
-      <p:sp>
-        <p:nvSpPr>
-          <p:cNvPr id="123" name="Прямоугольник 122">
-            <a:extLst>
-              <a:ext uri="{FF2B5EF4-FFF2-40B4-BE49-F238E27FC236}">
-                <a16:creationId xmlns:a16="http://schemas.microsoft.com/office/drawing/2014/main" xmlns="" id="{6D46541F-895F-4439-9A9A-56C5EEFB5D58}"/>
-              </a:ext>
-            </a:extLst>
-          </p:cNvPr>
-          <p:cNvSpPr/>
-          <p:nvPr/>
-        </p:nvSpPr>
-        <p:spPr>
-          <a:xfrm>
-            <a:off x="19388925" y="1677195"/>
-            <a:ext cx="2115918" cy="1080000"/>
-          </a:xfrm>
-          <a:prstGeom prst="rect">
-            <a:avLst/>
-          </a:prstGeom>
-          <a:solidFill>
-            <a:srgbClr val="FF0000"/>
-          </a:solidFill>
-          <a:ln w="28575"/>
-        </p:spPr>
-        <p:style>
-          <a:lnRef idx="2">
-            <a:schemeClr val="accent1"/>
-          </a:lnRef>
-          <a:fillRef idx="1">
-            <a:schemeClr val="lt1"/>
-          </a:fillRef>
-          <a:effectRef idx="0">
-            <a:schemeClr val="accent1"/>
-          </a:effectRef>
-          <a:fontRef idx="minor">
-            <a:schemeClr val="dk1"/>
-          </a:fontRef>
-        </p:style>
-        <p:txBody>
-          <a:bodyPr lIns="124733" tIns="62367" rIns="124733" bIns="62367" rtlCol="0" anchor="ctr"/>
-          <a:lstStyle/>
-          <a:p>
-            <a:pPr algn="ctr"/>
-            <a:r>
-              <a:rPr lang="ru-RU" sz="1100" dirty="0"/>
-              <a:t>объединение Коммунистической молодежи и Молодой социалистической гвардии в Объединенную молодую социалистическую гвардию в 1936 году</a:t>
-            </a:r>
-          </a:p>
-        </p:txBody>
-      </p:sp>
-      <p:sp>
-        <p:nvSpPr>
-          <p:cNvPr id="124" name="Прямоугольник 123">
-            <a:extLst>
-              <a:ext uri="{FF2B5EF4-FFF2-40B4-BE49-F238E27FC236}">
-                <a16:creationId xmlns:a16="http://schemas.microsoft.com/office/drawing/2014/main" xmlns="" id="{A4F99D25-6BB2-45F8-8825-8010354D120C}"/>
-              </a:ext>
-            </a:extLst>
-          </p:cNvPr>
-          <p:cNvSpPr/>
-          <p:nvPr/>
-        </p:nvSpPr>
-        <p:spPr>
-          <a:xfrm>
-            <a:off x="21997784" y="1636118"/>
-            <a:ext cx="2115918" cy="1080000"/>
-          </a:xfrm>
-          <a:prstGeom prst="rect">
-            <a:avLst/>
-          </a:prstGeom>
-          <a:solidFill>
-            <a:srgbClr val="FF0000"/>
-          </a:solidFill>
-          <a:ln w="28575"/>
-        </p:spPr>
-        <p:style>
-          <a:lnRef idx="2">
-            <a:schemeClr val="accent1"/>
-          </a:lnRef>
-          <a:fillRef idx="1">
-            <a:schemeClr val="lt1"/>
-          </a:fillRef>
-          <a:effectRef idx="0">
-            <a:schemeClr val="accent1"/>
-          </a:effectRef>
-          <a:fontRef idx="minor">
-            <a:schemeClr val="dk1"/>
-          </a:fontRef>
-        </p:style>
-        <p:txBody>
-          <a:bodyPr lIns="124733" tIns="62367" rIns="124733" bIns="62367" rtlCol="0" anchor="ctr"/>
-          <a:lstStyle/>
-          <a:p>
-            <a:pPr algn="ctr"/>
-            <a:r>
-              <a:rPr lang="ru-RU" sz="1100" dirty="0"/>
-              <a:t>Народный фронт не увидеть свет в Бельгии, и эта идея была официально отвергнута6 января 1936 </a:t>
-            </a:r>
-            <a:r>
-              <a:rPr lang="ru-RU" sz="1100" dirty="0" err="1"/>
-              <a:t>г.Генеральным</a:t>
-            </a:r>
-            <a:r>
-              <a:rPr lang="ru-RU" sz="1100" dirty="0"/>
-              <a:t> советом Бельгийской рабочей партии, принимавшей участие в правительстве Ван </a:t>
-            </a:r>
-            <a:r>
-              <a:rPr lang="ru-RU" sz="1100" dirty="0" err="1"/>
-              <a:t>Зеланда</a:t>
-            </a:r>
-            <a:r>
-              <a:rPr lang="ru-RU" sz="1100" dirty="0"/>
-              <a:t> II</a:t>
-            </a:r>
-          </a:p>
-        </p:txBody>
-      </p:sp>
-      <p:sp>
-        <p:nvSpPr>
-          <p:cNvPr id="126" name="Прямоугольник 125">
-            <a:extLst>
-              <a:ext uri="{FF2B5EF4-FFF2-40B4-BE49-F238E27FC236}">
-                <a16:creationId xmlns:a16="http://schemas.microsoft.com/office/drawing/2014/main" xmlns="" id="{BFFDACAE-3D8D-4C1F-B11E-B6E1EE53BEF7}"/>
-              </a:ext>
-            </a:extLst>
-          </p:cNvPr>
-          <p:cNvSpPr/>
-          <p:nvPr/>
-        </p:nvSpPr>
-        <p:spPr>
-          <a:xfrm>
-            <a:off x="24259372" y="1641869"/>
-            <a:ext cx="2115918" cy="1080000"/>
-          </a:xfrm>
-          <a:prstGeom prst="rect">
-            <a:avLst/>
-          </a:prstGeom>
-          <a:solidFill>
-            <a:srgbClr val="FF0000"/>
-          </a:solidFill>
-          <a:ln w="28575"/>
-        </p:spPr>
-        <p:style>
-          <a:lnRef idx="2">
-            <a:schemeClr val="accent1"/>
-          </a:lnRef>
-          <a:fillRef idx="1">
-            <a:schemeClr val="lt1"/>
-          </a:fillRef>
-          <a:effectRef idx="0">
-            <a:schemeClr val="accent1"/>
-          </a:effectRef>
-          <a:fontRef idx="minor">
-            <a:schemeClr val="dk1"/>
-          </a:fontRef>
-        </p:style>
-        <p:txBody>
-          <a:bodyPr lIns="124733" tIns="62367" rIns="124733" bIns="62367" rtlCol="0" anchor="ctr"/>
-          <a:lstStyle/>
-          <a:p>
-            <a:pPr algn="ctr"/>
-            <a:r>
-              <a:rPr lang="en-US" sz="1400" dirty="0"/>
-              <a:t>Raoul </a:t>
-            </a:r>
-            <a:r>
-              <a:rPr lang="en-US" sz="1400" dirty="0" err="1"/>
-              <a:t>Baligand</a:t>
-            </a:r>
-            <a:r>
-              <a:rPr lang="ru-RU" sz="1400" dirty="0"/>
-              <a:t> – </a:t>
-            </a:r>
-            <a:r>
-              <a:rPr lang="ru-RU" sz="1400" dirty="0" err="1"/>
-              <a:t>комми</a:t>
-            </a:r>
-            <a:r>
-              <a:rPr lang="ru-RU" sz="1400" dirty="0"/>
-              <a:t> генерал</a:t>
-            </a:r>
-          </a:p>
-        </p:txBody>
-      </p:sp>
-      <p:sp>
-        <p:nvSpPr>
-          <p:cNvPr id="127" name="Прямоугольник 126">
-            <a:extLst>
-              <a:ext uri="{FF2B5EF4-FFF2-40B4-BE49-F238E27FC236}">
-                <a16:creationId xmlns:a16="http://schemas.microsoft.com/office/drawing/2014/main" xmlns="" id="{8638B688-6CBD-4FE7-988B-02AD51073E40}"/>
-              </a:ext>
-            </a:extLst>
-          </p:cNvPr>
-          <p:cNvSpPr/>
-          <p:nvPr/>
-        </p:nvSpPr>
-        <p:spPr>
-          <a:xfrm>
-            <a:off x="24439335" y="177258"/>
-            <a:ext cx="2115918" cy="1080000"/>
-          </a:xfrm>
-          <a:prstGeom prst="rect">
-            <a:avLst/>
-          </a:prstGeom>
-          <a:solidFill>
-            <a:srgbClr val="FF0000"/>
-          </a:solidFill>
-          <a:ln w="28575"/>
-        </p:spPr>
-        <p:style>
-          <a:lnRef idx="2">
-            <a:schemeClr val="accent1"/>
-          </a:lnRef>
-          <a:fillRef idx="1">
-            <a:schemeClr val="lt1"/>
-          </a:fillRef>
-          <a:effectRef idx="0">
-            <a:schemeClr val="accent1"/>
-          </a:effectRef>
-          <a:fontRef idx="minor">
-            <a:schemeClr val="dk1"/>
-          </a:fontRef>
-        </p:style>
-        <p:txBody>
-          <a:bodyPr lIns="124733" tIns="62367" rIns="124733" bIns="62367" rtlCol="0" anchor="ctr"/>
-          <a:lstStyle/>
-          <a:p>
-            <a:pPr algn="ctr"/>
-            <a:r>
-              <a:rPr lang="ru-RU" sz="600" dirty="0"/>
-              <a:t>Его заменил триумвират, состоящий из </a:t>
-            </a:r>
-            <a:r>
-              <a:rPr lang="ru-RU" sz="600" dirty="0" err="1"/>
-              <a:t>Ксавьера</a:t>
-            </a:r>
-            <a:r>
-              <a:rPr lang="ru-RU" sz="600" dirty="0"/>
-              <a:t> </a:t>
-            </a:r>
-            <a:r>
-              <a:rPr lang="ru-RU" sz="600" dirty="0" err="1"/>
-              <a:t>Релекома</a:t>
-            </a:r>
-            <a:r>
-              <a:rPr lang="ru-RU" sz="600" dirty="0"/>
-              <a:t> (</a:t>
-            </a:r>
-            <a:r>
-              <a:rPr lang="en-US" sz="600" dirty="0"/>
-              <a:t>Xavier </a:t>
-            </a:r>
-            <a:r>
-              <a:rPr lang="en-US" sz="600" dirty="0" err="1"/>
-              <a:t>Relecom</a:t>
-            </a:r>
-            <a:r>
-              <a:rPr lang="ru-RU" sz="600" dirty="0"/>
-              <a:t>), фламандца Жоржа Ван </a:t>
-            </a:r>
-            <a:r>
-              <a:rPr lang="ru-RU" sz="600" dirty="0" err="1"/>
-              <a:t>ден</a:t>
-            </a:r>
-            <a:r>
-              <a:rPr lang="ru-RU" sz="600" dirty="0"/>
-              <a:t> </a:t>
-            </a:r>
-            <a:r>
-              <a:rPr lang="ru-RU" sz="600" dirty="0" err="1"/>
-              <a:t>Боома</a:t>
-            </a:r>
-            <a:r>
-              <a:rPr lang="ru-RU" sz="600" dirty="0"/>
-              <a:t> и </a:t>
-            </a:r>
-            <a:r>
-              <a:rPr lang="ru-RU" sz="600" dirty="0" err="1"/>
-              <a:t>Льежуа</a:t>
-            </a:r>
-            <a:r>
-              <a:rPr lang="ru-RU" sz="600" dirty="0"/>
-              <a:t> Жюльена </a:t>
-            </a:r>
-            <a:r>
-              <a:rPr lang="ru-RU" sz="600" dirty="0" err="1"/>
-              <a:t>Лао</a:t>
-            </a:r>
-            <a:r>
-              <a:rPr lang="ru-RU" sz="600" dirty="0"/>
-              <a:t>(</a:t>
-            </a:r>
-            <a:r>
-              <a:rPr lang="en-US" sz="600" dirty="0"/>
-              <a:t>Julien </a:t>
-            </a:r>
-            <a:r>
-              <a:rPr lang="en-US" sz="600" dirty="0" err="1"/>
-              <a:t>Lahaut</a:t>
-            </a:r>
-            <a:r>
-              <a:rPr lang="ru-RU" sz="600" dirty="0"/>
-              <a:t>) . Он будет одним из главных действующих лиц многогранной помощи, оказываемой Испанской республике рабочими Бельгии, несмотря на препятствия, чинимые правительством. Упомянем здесь о приверженности молодых коммунистов и социалистов из Бельгии в рядах Интернациональных бригад</a:t>
-            </a:r>
-          </a:p>
-        </p:txBody>
-      </p:sp>
-      <p:sp>
-        <p:nvSpPr>
-          <p:cNvPr id="128" name="Прямоугольник 127">
-            <a:extLst>
-              <a:ext uri="{FF2B5EF4-FFF2-40B4-BE49-F238E27FC236}">
-                <a16:creationId xmlns:a16="http://schemas.microsoft.com/office/drawing/2014/main" xmlns="" id="{AC33A04A-31A1-4C7C-B118-E7E9145786AB}"/>
-              </a:ext>
-            </a:extLst>
-          </p:cNvPr>
-          <p:cNvSpPr/>
-          <p:nvPr/>
-        </p:nvSpPr>
-        <p:spPr>
-          <a:xfrm>
-            <a:off x="24113702" y="4576134"/>
-            <a:ext cx="2115918" cy="1080000"/>
-          </a:xfrm>
-          <a:prstGeom prst="rect">
-            <a:avLst/>
-          </a:prstGeom>
-          <a:solidFill>
-            <a:srgbClr val="FF0000"/>
-          </a:solidFill>
-          <a:ln w="28575"/>
-        </p:spPr>
-        <p:style>
-          <a:lnRef idx="2">
-            <a:schemeClr val="accent1"/>
-          </a:lnRef>
-          <a:fillRef idx="1">
-            <a:schemeClr val="lt1"/>
-          </a:fillRef>
-          <a:effectRef idx="0">
-            <a:schemeClr val="accent1"/>
-          </a:effectRef>
-          <a:fontRef idx="minor">
-            <a:schemeClr val="dk1"/>
-          </a:fontRef>
-        </p:style>
-        <p:txBody>
-          <a:bodyPr lIns="124733" tIns="62367" rIns="124733" bIns="62367" rtlCol="0" anchor="ctr"/>
-          <a:lstStyle/>
-          <a:p>
-            <a:pPr algn="ctr"/>
-            <a:r>
-              <a:rPr lang="ru-RU" sz="1400" dirty="0"/>
-              <a:t>Выбрать номера 1 </a:t>
-            </a:r>
-            <a:r>
-              <a:rPr lang="ru-RU" sz="900" dirty="0"/>
-              <a:t>(Став в 1939 г. подлинным номером один в партии на посту генерального секретаря, </a:t>
-            </a:r>
-            <a:r>
-              <a:rPr lang="ru-RU" sz="900" dirty="0" err="1"/>
-              <a:t>Релеком</a:t>
-            </a:r>
-            <a:r>
-              <a:rPr lang="ru-RU" sz="900" dirty="0"/>
-              <a:t> избежал арестов мая 1940 </a:t>
-            </a:r>
-            <a:r>
-              <a:rPr lang="ru-RU" sz="900" dirty="0" err="1"/>
-              <a:t>г.июнь</a:t>
-            </a:r>
-            <a:r>
-              <a:rPr lang="ru-RU" sz="900" dirty="0"/>
-              <a:t> 1941 </a:t>
-            </a:r>
-            <a:r>
-              <a:rPr lang="ru-RU" sz="900" dirty="0" err="1"/>
-              <a:t>г.и</a:t>
-            </a:r>
-            <a:r>
-              <a:rPr lang="ru-RU" sz="900" dirty="0"/>
-              <a:t> удалось легализовать партию)</a:t>
-            </a:r>
-            <a:endParaRPr lang="ru-RU" sz="1400" dirty="0"/>
-          </a:p>
-        </p:txBody>
-      </p:sp>
-      <p:sp>
-        <p:nvSpPr>
-          <p:cNvPr id="131" name="Прямоугольник 130">
-            <a:extLst>
-              <a:ext uri="{FF2B5EF4-FFF2-40B4-BE49-F238E27FC236}">
-                <a16:creationId xmlns:a16="http://schemas.microsoft.com/office/drawing/2014/main" xmlns="" id="{D6695341-5B54-4DE3-83C4-5FB4D345FC4B}"/>
-              </a:ext>
-            </a:extLst>
-          </p:cNvPr>
-          <p:cNvSpPr/>
-          <p:nvPr/>
-        </p:nvSpPr>
-        <p:spPr>
-          <a:xfrm>
-            <a:off x="18550724" y="4576134"/>
-            <a:ext cx="2115918" cy="1080000"/>
-          </a:xfrm>
-          <a:prstGeom prst="rect">
-            <a:avLst/>
-          </a:prstGeom>
-          <a:solidFill>
-            <a:srgbClr val="FF0000"/>
-          </a:solidFill>
-          <a:ln w="28575"/>
-        </p:spPr>
-        <p:style>
-          <a:lnRef idx="2">
-            <a:schemeClr val="accent1"/>
-          </a:lnRef>
-          <a:fillRef idx="1">
-            <a:schemeClr val="lt1"/>
-          </a:fillRef>
-          <a:effectRef idx="0">
-            <a:schemeClr val="accent1"/>
-          </a:effectRef>
-          <a:fontRef idx="minor">
-            <a:schemeClr val="dk1"/>
-          </a:fontRef>
-        </p:style>
-        <p:txBody>
-          <a:bodyPr lIns="124733" tIns="62367" rIns="124733" bIns="62367" rtlCol="0" anchor="ctr"/>
-          <a:lstStyle/>
-          <a:p>
-            <a:pPr algn="ctr"/>
-            <a:r>
-              <a:rPr lang="ru-RU" sz="1400" dirty="0"/>
-              <a:t>Потребовать отречения Леопольда </a:t>
-            </a:r>
-            <a:r>
-              <a:rPr lang="en-US" sz="1400" dirty="0"/>
-              <a:t>III</a:t>
-            </a:r>
-            <a:endParaRPr lang="ru-RU" sz="1400" dirty="0"/>
-          </a:p>
-        </p:txBody>
-      </p:sp>
-      <p:sp>
-        <p:nvSpPr>
-          <p:cNvPr id="108" name="Прямоугольник 107">
+          <p:cNvPr id="91" name="Прямоугольник 90">
             <a:extLst>
               <a:ext uri="{FF2B5EF4-FFF2-40B4-BE49-F238E27FC236}">
                 <a16:creationId xmlns:a16="http://schemas.microsoft.com/office/drawing/2014/main" xmlns="" id="{2E7BAEEE-3678-43D6-B838-7DDAAC7A27FA}"/>
@@ -10163,7 +12526,7 @@
         </p:nvSpPr>
         <p:spPr>
           <a:xfrm>
-            <a:off x="186882" y="10356274"/>
+            <a:off x="588676" y="10358262"/>
             <a:ext cx="2115918" cy="1080000"/>
           </a:xfrm>
           <a:prstGeom prst="rect">
@@ -10220,7 +12583,7 @@
       </p:sp>
       <p:cxnSp>
         <p:nvCxnSpPr>
-          <p:cNvPr id="110" name="Соединительная линия уступом 523">
+          <p:cNvPr id="92" name="Соединительная линия уступом 523">
             <a:extLst>
               <a:ext uri="{FF2B5EF4-FFF2-40B4-BE49-F238E27FC236}">
                 <a16:creationId xmlns:a16="http://schemas.microsoft.com/office/drawing/2014/main" xmlns="" id="{6A288F7E-6546-4FC6-BEDC-8C5ECA54E8E4}"/>
@@ -10229,14 +12592,14 @@
           </p:cNvPr>
           <p:cNvCxnSpPr>
             <a:cxnSpLocks/>
-            <a:stCxn id="77" idx="2"/>
-            <a:endCxn id="108" idx="0"/>
+            <a:stCxn id="55" idx="2"/>
+            <a:endCxn id="91" idx="0"/>
           </p:cNvCxnSpPr>
           <p:nvPr/>
         </p:nvCxnSpPr>
         <p:spPr>
           <a:xfrm rot="5400000">
-            <a:off x="961099" y="7513849"/>
+            <a:off x="1362893" y="7515837"/>
             <a:ext cx="3126167" cy="2558682"/>
           </a:xfrm>
           <a:prstGeom prst="bentConnector3">
@@ -10263,231 +12626,10 @@
           </a:fontRef>
         </p:style>
       </p:cxnSp>
-      <p:sp>
-        <p:nvSpPr>
-          <p:cNvPr id="111" name="Прямоугольник 110">
-            <a:extLst>
-              <a:ext uri="{FF2B5EF4-FFF2-40B4-BE49-F238E27FC236}">
-                <a16:creationId xmlns:a16="http://schemas.microsoft.com/office/drawing/2014/main" xmlns="" id="{2BAA2D08-0381-43BE-BEC0-53C96B2E1978}"/>
-              </a:ext>
-            </a:extLst>
-          </p:cNvPr>
-          <p:cNvSpPr/>
-          <p:nvPr/>
-        </p:nvSpPr>
-        <p:spPr>
-          <a:xfrm>
-            <a:off x="32065400" y="4576134"/>
-            <a:ext cx="2115918" cy="1080000"/>
-          </a:xfrm>
-          <a:prstGeom prst="rect">
-            <a:avLst/>
-          </a:prstGeom>
-          <a:ln w="28575"/>
-        </p:spPr>
-        <p:style>
-          <a:lnRef idx="2">
-            <a:schemeClr val="accent1"/>
-          </a:lnRef>
-          <a:fillRef idx="1">
-            <a:schemeClr val="lt1"/>
-          </a:fillRef>
-          <a:effectRef idx="0">
-            <a:schemeClr val="accent1"/>
-          </a:effectRef>
-          <a:fontRef idx="minor">
-            <a:schemeClr val="dk1"/>
-          </a:fontRef>
-        </p:style>
-        <p:txBody>
-          <a:bodyPr lIns="124733" tIns="62367" rIns="124733" bIns="62367" rtlCol="0" anchor="ctr"/>
-          <a:lstStyle/>
-          <a:p>
-            <a:pPr algn="ctr"/>
-            <a:r>
-              <a:rPr lang="ru-RU" sz="1400" dirty="0"/>
-              <a:t>Возобновление нейтралитета (1937) </a:t>
-            </a:r>
-            <a:r>
-              <a:rPr lang="ru-RU" sz="300" dirty="0"/>
-              <a:t>(Чтобы избежать втягивания в войну, которой они не хотят, король и бельгийское правительство пересматривают внешнюю политику Бельгии, ведя переговоры с Англией и Францией о признании права Бельгии не вмешиваться, если это не будет спровоцировано, и перевооружив страну в таким образом, чтобы обескуражить любого возможного агрессора. Это возобновление нейтралитета должно сохранить Германии пренебрегать независимостью Бельгии, как в 1914 году, но в той мере, в какой Бельгия представляет собой достаточно внушительную военную силу, чтобы навязать ее германскому генеральному штабу. Пацифисты, в особенности социалисты и валлоны (Жорж </a:t>
-            </a:r>
-            <a:r>
-              <a:rPr lang="ru-RU" sz="300" dirty="0" err="1"/>
-              <a:t>Трюффо</a:t>
-            </a:r>
-            <a:r>
-              <a:rPr lang="ru-RU" sz="300" dirty="0"/>
-              <a:t> , Франсуа </a:t>
-            </a:r>
-            <a:r>
-              <a:rPr lang="ru-RU" sz="300" dirty="0" err="1"/>
-              <a:t>Бовес</a:t>
-            </a:r>
-            <a:r>
-              <a:rPr lang="ru-RU" sz="300" dirty="0"/>
-              <a:t> , аббат </a:t>
-            </a:r>
-            <a:r>
-              <a:rPr lang="ru-RU" sz="300" dirty="0" err="1"/>
-              <a:t>Махье</a:t>
-            </a:r>
-            <a:r>
-              <a:rPr lang="ru-RU" sz="300" dirty="0"/>
-              <a:t> и др. выступают против этой политики. Этот, который защищает, в частности, франкоязычный житель Брюсселя Поль-Анри </a:t>
-            </a:r>
-            <a:r>
-              <a:rPr lang="ru-RU" sz="300" dirty="0" err="1"/>
-              <a:t>Спаак</a:t>
-            </a:r>
-            <a:r>
-              <a:rPr lang="ru-RU" sz="300" dirty="0"/>
-              <a:t> , осуществляется под давлением Фландрии [ 19 ] , [ 20 ] .Эта бельгийская политика была ратифицирована Францией и Англией, когда Декларация24 апреля 1937 </a:t>
-            </a:r>
-            <a:r>
-              <a:rPr lang="ru-RU" sz="300" dirty="0" err="1"/>
-              <a:t>г.и</a:t>
-            </a:r>
-            <a:r>
-              <a:rPr lang="ru-RU" sz="300" dirty="0"/>
-              <a:t> зарегистрирован Лигой Наций , что придает ему договорную силу. Более того, обе державы обещают свою помощь в случае нападения на Бельгию.])</a:t>
-            </a:r>
-            <a:endParaRPr lang="ru-RU" sz="1400" dirty="0"/>
-          </a:p>
-        </p:txBody>
-      </p:sp>
-      <p:sp>
-        <p:nvSpPr>
-          <p:cNvPr id="130" name="Прямоугольник 129">
-            <a:extLst>
-              <a:ext uri="{FF2B5EF4-FFF2-40B4-BE49-F238E27FC236}">
-                <a16:creationId xmlns:a16="http://schemas.microsoft.com/office/drawing/2014/main" xmlns="" id="{CE65226A-D7B6-4323-ADB7-8698A02C50F6}"/>
-              </a:ext>
-            </a:extLst>
-          </p:cNvPr>
-          <p:cNvSpPr/>
-          <p:nvPr/>
-        </p:nvSpPr>
-        <p:spPr>
-          <a:xfrm>
-            <a:off x="27092700" y="177258"/>
-            <a:ext cx="2115918" cy="1080000"/>
-          </a:xfrm>
-          <a:prstGeom prst="rect">
-            <a:avLst/>
-          </a:prstGeom>
-          <a:ln w="28575"/>
-        </p:spPr>
-        <p:style>
-          <a:lnRef idx="2">
-            <a:schemeClr val="accent1"/>
-          </a:lnRef>
-          <a:fillRef idx="1">
-            <a:schemeClr val="lt1"/>
-          </a:fillRef>
-          <a:effectRef idx="0">
-            <a:schemeClr val="accent1"/>
-          </a:effectRef>
-          <a:fontRef idx="minor">
-            <a:schemeClr val="dk1"/>
-          </a:fontRef>
-        </p:style>
-        <p:txBody>
-          <a:bodyPr lIns="124733" tIns="62367" rIns="124733" bIns="62367" rtlCol="0" anchor="ctr"/>
-          <a:lstStyle/>
-          <a:p>
-            <a:pPr algn="ctr"/>
-            <a:r>
-              <a:rPr lang="ru-RU" sz="1200" dirty="0"/>
-              <a:t>В </a:t>
-            </a:r>
-            <a:r>
-              <a:rPr lang="ru-RU" sz="1200" dirty="0">
-                <a:hlinkClick r:id="rId3" tooltip="май 1940 г."/>
-              </a:rPr>
-              <a:t>мае 1940</a:t>
-            </a:r>
-            <a:r>
-              <a:rPr lang="ru-RU" sz="1200" dirty="0"/>
-              <a:t> года Германия снова вторглась в Бельгию. Бельгийская армия насчитывает 650 000 человек,</a:t>
-            </a:r>
-            <a:endParaRPr lang="ru-RU" sz="700" dirty="0"/>
-          </a:p>
-        </p:txBody>
-      </p:sp>
-      <p:sp>
-        <p:nvSpPr>
-          <p:cNvPr id="133" name="Прямоугольник 132">
-            <a:extLst>
-              <a:ext uri="{FF2B5EF4-FFF2-40B4-BE49-F238E27FC236}">
-                <a16:creationId xmlns:a16="http://schemas.microsoft.com/office/drawing/2014/main" xmlns="" id="{0FD1B242-348C-4691-BD1A-EAC1A01409C8}"/>
-              </a:ext>
-            </a:extLst>
-          </p:cNvPr>
-          <p:cNvSpPr/>
-          <p:nvPr/>
-        </p:nvSpPr>
-        <p:spPr>
-          <a:xfrm>
-            <a:off x="32065400" y="3177132"/>
-            <a:ext cx="2115918" cy="1080000"/>
-          </a:xfrm>
-          <a:prstGeom prst="rect">
-            <a:avLst/>
-          </a:prstGeom>
-          <a:ln w="28575"/>
-        </p:spPr>
-        <p:style>
-          <a:lnRef idx="2">
-            <a:schemeClr val="accent1"/>
-          </a:lnRef>
-          <a:fillRef idx="1">
-            <a:schemeClr val="lt1"/>
-          </a:fillRef>
-          <a:effectRef idx="0">
-            <a:schemeClr val="accent1"/>
-          </a:effectRef>
-          <a:fontRef idx="minor">
-            <a:schemeClr val="dk1"/>
-          </a:fontRef>
-        </p:style>
-        <p:txBody>
-          <a:bodyPr lIns="124733" tIns="62367" rIns="124733" bIns="62367" rtlCol="0" anchor="ctr"/>
-          <a:lstStyle/>
-          <a:p>
-            <a:pPr algn="ctr"/>
-            <a:r>
-              <a:rPr lang="ru-RU" sz="1400" dirty="0"/>
-              <a:t>Денонсация </a:t>
-            </a:r>
-            <a:r>
-              <a:rPr lang="ru-RU" sz="1400" dirty="0" err="1"/>
-              <a:t>Локарнского</a:t>
-            </a:r>
-            <a:r>
-              <a:rPr lang="ru-RU" sz="1400" dirty="0"/>
-              <a:t> соглашения(1936) </a:t>
-            </a:r>
-            <a:r>
-              <a:rPr lang="ru-RU" sz="600" dirty="0"/>
-              <a:t>(1936.10.14 Правительство Бельгии денонсировало военный союз с Францией и заявило об отказе от своих обязательств по </a:t>
-            </a:r>
-            <a:r>
-              <a:rPr lang="ru-RU" sz="600" dirty="0" err="1"/>
-              <a:t>Локарнским</a:t>
-            </a:r>
-            <a:r>
-              <a:rPr lang="ru-RU" sz="600" dirty="0"/>
-              <a:t> соглашениям 1925 года. Король Леопольд III объявил о возвращении к политике нейтралитета.</a:t>
-            </a:r>
-            <a:endParaRPr lang="ru-RU" sz="1400" dirty="0"/>
-          </a:p>
-        </p:txBody>
-      </p:sp>
     </p:spTree>
     <p:extLst>
       <p:ext uri="{BB962C8B-B14F-4D97-AF65-F5344CB8AC3E}">
-        <p14:creationId xmlns:p14="http://schemas.microsoft.com/office/powerpoint/2010/main" val="3113188735"/>
+        <p14:creationId xmlns:p14="http://schemas.microsoft.com/office/powerpoint/2010/main" val="3029364424"/>
       </p:ext>
     </p:extLst>
   </p:cSld>
